--- a/Vortrag.pptx
+++ b/Vortrag.pptx
@@ -5,10 +5,10 @@
     <p:sldMasterId id="2147483653" r:id="rId1"/>
   </p:sldMasterIdLst>
   <p:notesMasterIdLst>
-    <p:notesMasterId r:id="rId20"/>
+    <p:notesMasterId r:id="rId28"/>
   </p:notesMasterIdLst>
   <p:handoutMasterIdLst>
-    <p:handoutMasterId r:id="rId21"/>
+    <p:handoutMasterId r:id="rId29"/>
   </p:handoutMasterIdLst>
   <p:sldIdLst>
     <p:sldId id="274" r:id="rId2"/>
@@ -16,19 +16,27 @@
     <p:sldId id="278" r:id="rId4"/>
     <p:sldId id="279" r:id="rId5"/>
     <p:sldId id="280" r:id="rId6"/>
-    <p:sldId id="282" r:id="rId7"/>
-    <p:sldId id="266" r:id="rId8"/>
-    <p:sldId id="257" r:id="rId9"/>
-    <p:sldId id="269" r:id="rId10"/>
-    <p:sldId id="258" r:id="rId11"/>
-    <p:sldId id="270" r:id="rId12"/>
-    <p:sldId id="264" r:id="rId13"/>
-    <p:sldId id="271" r:id="rId14"/>
-    <p:sldId id="265" r:id="rId15"/>
-    <p:sldId id="262" r:id="rId16"/>
-    <p:sldId id="267" r:id="rId17"/>
-    <p:sldId id="268" r:id="rId18"/>
-    <p:sldId id="277" r:id="rId19"/>
+    <p:sldId id="284" r:id="rId7"/>
+    <p:sldId id="285" r:id="rId8"/>
+    <p:sldId id="286" r:id="rId9"/>
+    <p:sldId id="287" r:id="rId10"/>
+    <p:sldId id="288" r:id="rId11"/>
+    <p:sldId id="283" r:id="rId12"/>
+    <p:sldId id="290" r:id="rId13"/>
+    <p:sldId id="289" r:id="rId14"/>
+    <p:sldId id="291" r:id="rId15"/>
+    <p:sldId id="292" r:id="rId16"/>
+    <p:sldId id="257" r:id="rId17"/>
+    <p:sldId id="269" r:id="rId18"/>
+    <p:sldId id="258" r:id="rId19"/>
+    <p:sldId id="270" r:id="rId20"/>
+    <p:sldId id="264" r:id="rId21"/>
+    <p:sldId id="271" r:id="rId22"/>
+    <p:sldId id="265" r:id="rId23"/>
+    <p:sldId id="262" r:id="rId24"/>
+    <p:sldId id="267" r:id="rId25"/>
+    <p:sldId id="268" r:id="rId26"/>
+    <p:sldId id="277" r:id="rId27"/>
   </p:sldIdLst>
   <p:sldSz cx="12192000" cy="6858000"/>
   <p:notesSz cx="6858000" cy="9144000"/>
@@ -382,7 +390,7 @@
           <a:p>
             <a:fld id="{4C3797C4-ED8E-4EA4-959C-2AEEE7E3AD08}" type="datetimeFigureOut">
               <a:rPr lang="de-DE" smtClean="0"/>
-              <a:t>28.05.2024</a:t>
+              <a:t>31.05.2024</a:t>
             </a:fld>
             <a:endParaRPr lang="de-DE"/>
           </a:p>
@@ -547,7 +555,7 @@
           <a:p>
             <a:fld id="{44B5C22D-DB44-4084-9471-0EB64DB204F9}" type="datetimeFigureOut">
               <a:rPr lang="de-DE" smtClean="0"/>
-              <a:t>28.05.2024</a:t>
+              <a:t>31.05.2024</a:t>
             </a:fld>
             <a:endParaRPr lang="de-DE"/>
           </a:p>
@@ -812,6 +820,185 @@
     </a:lvl9pPr>
   </p:notesStyle>
 </p:notesMaster>
+</file>
+
+<file path=ppt/notesSlides/notesSlide1.xml><?xml version="1.0" encoding="utf-8"?>
+<p:notes xmlns:a="http://schemas.openxmlformats.org/drawingml/2006/main" xmlns:r="http://schemas.openxmlformats.org/officeDocument/2006/relationships" xmlns:p="http://schemas.openxmlformats.org/presentationml/2006/main">
+  <p:cSld>
+    <p:spTree>
+      <p:nvGrpSpPr>
+        <p:cNvPr id="1" name=""/>
+        <p:cNvGrpSpPr/>
+        <p:nvPr/>
+      </p:nvGrpSpPr>
+      <p:grpSpPr>
+        <a:xfrm>
+          <a:off x="0" y="0"/>
+          <a:ext cx="0" cy="0"/>
+          <a:chOff x="0" y="0"/>
+          <a:chExt cx="0" cy="0"/>
+        </a:xfrm>
+      </p:grpSpPr>
+      <p:sp>
+        <p:nvSpPr>
+          <p:cNvPr id="2" name="Folienbildplatzhalter 1"/>
+          <p:cNvSpPr>
+            <a:spLocks noGrp="1" noRot="1" noChangeAspect="1"/>
+          </p:cNvSpPr>
+          <p:nvPr>
+            <p:ph type="sldImg"/>
+          </p:nvPr>
+        </p:nvSpPr>
+        <p:spPr/>
+      </p:sp>
+      <p:sp>
+        <p:nvSpPr>
+          <p:cNvPr id="3" name="Notizenplatzhalter 2"/>
+          <p:cNvSpPr>
+            <a:spLocks noGrp="1"/>
+          </p:cNvSpPr>
+          <p:nvPr>
+            <p:ph type="body" idx="1"/>
+          </p:nvPr>
+        </p:nvSpPr>
+        <p:spPr/>
+        <p:txBody>
+          <a:bodyPr/>
+          <a:lstStyle/>
+          <a:p>
+            <a:r>
+              <a:rPr lang="de-DE" dirty="0"/>
+              <a:t>Annahme sind hier unteranderem L=0 </a:t>
+            </a:r>
+            <a:r>
+              <a:rPr lang="de-DE" dirty="0" err="1"/>
+              <a:t>dh</a:t>
+            </a:r>
+            <a:r>
+              <a:rPr lang="de-DE" dirty="0"/>
+              <a:t> J = S</a:t>
+            </a:r>
+          </a:p>
+        </p:txBody>
+      </p:sp>
+      <p:sp>
+        <p:nvSpPr>
+          <p:cNvPr id="4" name="Foliennummernplatzhalter 3"/>
+          <p:cNvSpPr>
+            <a:spLocks noGrp="1"/>
+          </p:cNvSpPr>
+          <p:nvPr>
+            <p:ph type="sldNum" sz="quarter" idx="5"/>
+          </p:nvPr>
+        </p:nvSpPr>
+        <p:spPr/>
+        <p:txBody>
+          <a:bodyPr/>
+          <a:lstStyle/>
+          <a:p>
+            <a:fld id="{8947F2EB-A273-4CA5-8E41-BC88C509E25D}" type="slidenum">
+              <a:rPr lang="de-DE" smtClean="0"/>
+              <a:t>12</a:t>
+            </a:fld>
+            <a:endParaRPr lang="de-DE"/>
+          </a:p>
+        </p:txBody>
+      </p:sp>
+    </p:spTree>
+    <p:extLst>
+      <p:ext uri="{BB962C8B-B14F-4D97-AF65-F5344CB8AC3E}">
+        <p14:creationId xmlns:p14="http://schemas.microsoft.com/office/powerpoint/2010/main" val="2355559228"/>
+      </p:ext>
+    </p:extLst>
+  </p:cSld>
+  <p:clrMapOvr>
+    <a:masterClrMapping/>
+  </p:clrMapOvr>
+</p:notes>
+</file>
+
+<file path=ppt/notesSlides/notesSlide2.xml><?xml version="1.0" encoding="utf-8"?>
+<p:notes xmlns:a="http://schemas.openxmlformats.org/drawingml/2006/main" xmlns:r="http://schemas.openxmlformats.org/officeDocument/2006/relationships" xmlns:p="http://schemas.openxmlformats.org/presentationml/2006/main">
+  <p:cSld>
+    <p:spTree>
+      <p:nvGrpSpPr>
+        <p:cNvPr id="1" name=""/>
+        <p:cNvGrpSpPr/>
+        <p:nvPr/>
+      </p:nvGrpSpPr>
+      <p:grpSpPr>
+        <a:xfrm>
+          <a:off x="0" y="0"/>
+          <a:ext cx="0" cy="0"/>
+          <a:chOff x="0" y="0"/>
+          <a:chExt cx="0" cy="0"/>
+        </a:xfrm>
+      </p:grpSpPr>
+      <p:sp>
+        <p:nvSpPr>
+          <p:cNvPr id="2" name="Folienbildplatzhalter 1"/>
+          <p:cNvSpPr>
+            <a:spLocks noGrp="1" noRot="1" noChangeAspect="1"/>
+          </p:cNvSpPr>
+          <p:nvPr>
+            <p:ph type="sldImg"/>
+          </p:nvPr>
+        </p:nvSpPr>
+        <p:spPr/>
+      </p:sp>
+      <p:sp>
+        <p:nvSpPr>
+          <p:cNvPr id="3" name="Notizenplatzhalter 2"/>
+          <p:cNvSpPr>
+            <a:spLocks noGrp="1"/>
+          </p:cNvSpPr>
+          <p:nvPr>
+            <p:ph type="body" idx="1"/>
+          </p:nvPr>
+        </p:nvSpPr>
+        <p:spPr/>
+        <p:txBody>
+          <a:bodyPr/>
+          <a:lstStyle/>
+          <a:p>
+            <a:endParaRPr lang="de-DE" dirty="0"/>
+          </a:p>
+        </p:txBody>
+      </p:sp>
+      <p:sp>
+        <p:nvSpPr>
+          <p:cNvPr id="4" name="Foliennummernplatzhalter 3"/>
+          <p:cNvSpPr>
+            <a:spLocks noGrp="1"/>
+          </p:cNvSpPr>
+          <p:nvPr>
+            <p:ph type="sldNum" sz="quarter" idx="5"/>
+          </p:nvPr>
+        </p:nvSpPr>
+        <p:spPr/>
+        <p:txBody>
+          <a:bodyPr/>
+          <a:lstStyle/>
+          <a:p>
+            <a:fld id="{8947F2EB-A273-4CA5-8E41-BC88C509E25D}" type="slidenum">
+              <a:rPr lang="de-DE" smtClean="0"/>
+              <a:t>16</a:t>
+            </a:fld>
+            <a:endParaRPr lang="de-DE"/>
+          </a:p>
+        </p:txBody>
+      </p:sp>
+    </p:spTree>
+    <p:extLst>
+      <p:ext uri="{BB962C8B-B14F-4D97-AF65-F5344CB8AC3E}">
+        <p14:creationId xmlns:p14="http://schemas.microsoft.com/office/powerpoint/2010/main" val="1125834900"/>
+      </p:ext>
+    </p:extLst>
+  </p:cSld>
+  <p:clrMapOvr>
+    <a:masterClrMapping/>
+  </p:clrMapOvr>
+</p:notes>
 </file>
 
 <file path=ppt/slideLayouts/slideLayout1.xml><?xml version="1.0" encoding="utf-8"?>
@@ -5004,28 +5191,20 @@
           <a:lstStyle/>
           <a:p>
             <a:r>
-              <a:rPr lang="de-DE"/>
-              <a:t>Große Headline für Textfolie</a:t>
-            </a:r>
-            <a:br>
-              <a:rPr lang="de-DE"/>
-            </a:br>
-            <a:r>
-              <a:rPr lang="de-DE"/>
-              <a:t>Headline maximal zwei Zeilen</a:t>
-            </a:r>
-            <a:endParaRPr lang="de-DE" dirty="0"/>
-          </a:p>
-        </p:txBody>
-      </p:sp>
-      <p:sp>
-        <p:nvSpPr>
-          <p:cNvPr id="3" name="Inhaltsplatzhalter 2"/>
-          <p:cNvSpPr>
-            <a:spLocks noGrp="1"/>
-          </p:cNvSpPr>
-          <p:nvPr>
-            <p:ph idx="1"/>
+              <a:rPr lang="de-DE" dirty="0"/>
+              <a:t>Aufgabe</a:t>
+            </a:r>
+          </a:p>
+        </p:txBody>
+      </p:sp>
+      <p:sp>
+        <p:nvSpPr>
+          <p:cNvPr id="5" name="Fußzeilenplatzhalter 4"/>
+          <p:cNvSpPr>
+            <a:spLocks noGrp="1"/>
+          </p:cNvSpPr>
+          <p:nvPr>
+            <p:ph type="ftr" sz="quarter" idx="3"/>
           </p:nvPr>
         </p:nvSpPr>
         <p:spPr/>
@@ -5035,158 +5214,188 @@
           <a:p>
             <a:r>
               <a:rPr lang="de-DE"/>
-              <a:t>Subheadline in Arial Bold mit Akzentfarbe 1</a:t>
-            </a:r>
-          </a:p>
-          <a:p>
-            <a:endParaRPr lang="de-DE"/>
-          </a:p>
-          <a:p>
-            <a:pPr lvl="1"/>
-            <a:r>
-              <a:rPr lang="de-DE"/>
-              <a:t>Fließtext in Arial Regular. Illament ulluptatis desci dolent even ducit. Qui voluptas. Eni impor hacksy hiliqui tectem repeliq dello fugitis qui repera dolore cum. Enimpor ersperc hili aqui tectem repeliq dello fugitis. Enimpor ersperc hiliqui.</a:t>
-            </a:r>
-          </a:p>
-          <a:p>
-            <a:endParaRPr lang="de-DE"/>
-          </a:p>
-          <a:p>
-            <a:r>
-              <a:rPr lang="de-DE"/>
-              <a:t>Subheadline in Arial Bold mit Akzentfarbe 1</a:t>
-            </a:r>
-          </a:p>
-          <a:p>
-            <a:endParaRPr lang="de-DE"/>
-          </a:p>
-          <a:p>
-            <a:pPr lvl="2"/>
-            <a:r>
-              <a:rPr lang="de-DE"/>
-              <a:t>Enimpor ersperc hiliqui tectem uatiuntum fugitis.</a:t>
-            </a:r>
-          </a:p>
-          <a:p>
-            <a:pPr lvl="2"/>
-            <a:r>
-              <a:rPr lang="de-DE"/>
-              <a:t>Solupti undandae neso re ulpa impor ersperc. Iderae velenist et vent dolores magnis earumquam que consero inis aut et volo.</a:t>
-            </a:r>
-          </a:p>
-          <a:p>
-            <a:pPr lvl="3"/>
-            <a:r>
-              <a:rPr lang="de-DE"/>
-              <a:t>Tur, tem rerita qui repera dolore cum qui voluptas et laborer.</a:t>
-            </a:r>
-          </a:p>
-          <a:p>
-            <a:pPr lvl="3"/>
-            <a:r>
-              <a:rPr lang="de-DE"/>
-              <a:t>Vid ut eatiati onectem ventet dolore dolupta es volupta</a:t>
-            </a:r>
-          </a:p>
-          <a:p>
-            <a:pPr lvl="3"/>
-            <a:r>
-              <a:rPr lang="de-DE"/>
-              <a:t>Tquisci endersped quas ullandi beat dit et quo omnis expelig</a:t>
-            </a:r>
-            <a:endParaRPr lang="de-DE" dirty="0"/>
-          </a:p>
-        </p:txBody>
-      </p:sp>
-      <p:sp>
-        <p:nvSpPr>
-          <p:cNvPr id="7" name="Fußzeilenplatzhalter 4"/>
-          <p:cNvSpPr>
-            <a:spLocks noGrp="1"/>
-          </p:cNvSpPr>
-          <p:nvPr>
-            <p:ph type="ftr" sz="quarter" idx="3"/>
-          </p:nvPr>
-        </p:nvSpPr>
-        <p:spPr>
-          <a:xfrm>
-            <a:off x="3313113" y="6453336"/>
-            <a:ext cx="4247802" cy="216024"/>
-          </a:xfrm>
-        </p:spPr>
+              <a:t>Magnetisum und Altermagnetismus</a:t>
+            </a:r>
+            <a:endParaRPr lang="de-DE" dirty="0"/>
+          </a:p>
+        </p:txBody>
+      </p:sp>
+      <p:sp>
+        <p:nvSpPr>
+          <p:cNvPr id="6" name="Foliennummernplatzhalter 5"/>
+          <p:cNvSpPr>
+            <a:spLocks noGrp="1"/>
+          </p:cNvSpPr>
+          <p:nvPr>
+            <p:ph type="sldNum" sz="quarter" idx="4"/>
+          </p:nvPr>
+        </p:nvSpPr>
+        <p:spPr/>
         <p:txBody>
           <a:bodyPr/>
           <a:lstStyle/>
           <a:p>
-            <a:r>
-              <a:rPr lang="de-DE" sz="900"/>
-              <a:t>Magnetisum und Altermagnetismus</a:t>
-            </a:r>
-            <a:endParaRPr lang="de-DE" sz="900" dirty="0"/>
-          </a:p>
-        </p:txBody>
-      </p:sp>
-      <p:sp>
-        <p:nvSpPr>
-          <p:cNvPr id="8" name="Foliennummernplatzhalter 5"/>
-          <p:cNvSpPr>
-            <a:spLocks noGrp="1"/>
-          </p:cNvSpPr>
-          <p:nvPr>
-            <p:ph type="sldNum" sz="quarter" idx="4"/>
-          </p:nvPr>
-        </p:nvSpPr>
-        <p:spPr>
-          <a:xfrm>
-            <a:off x="479376" y="6453336"/>
-            <a:ext cx="935038" cy="216024"/>
-          </a:xfrm>
-        </p:spPr>
-        <p:txBody>
-          <a:bodyPr/>
-          <a:lstStyle/>
-          <a:p>
             <a:fld id="{C05EE493-AD2E-4872-B2F6-8F12A747F0A5}" type="slidenum">
-              <a:rPr lang="de-DE" sz="900"/>
+              <a:rPr lang="de-DE" smtClean="0"/>
               <a:pPr/>
               <a:t>10</a:t>
             </a:fld>
-            <a:endParaRPr lang="de-DE" sz="900" dirty="0"/>
-          </a:p>
-        </p:txBody>
-      </p:sp>
-      <p:sp>
-        <p:nvSpPr>
-          <p:cNvPr id="9" name="Datumsplatzhalter 3"/>
-          <p:cNvSpPr>
-            <a:spLocks noGrp="1"/>
-          </p:cNvSpPr>
-          <p:nvPr>
-            <p:ph type="dt" sz="half" idx="2"/>
+            <a:endParaRPr lang="de-DE" dirty="0"/>
+          </a:p>
+        </p:txBody>
+      </p:sp>
+      <p:sp>
+        <p:nvSpPr>
+          <p:cNvPr id="7" name="Datumsplatzhalter 6"/>
+          <p:cNvSpPr>
+            <a:spLocks noGrp="1"/>
+          </p:cNvSpPr>
+          <p:nvPr>
+            <p:ph type="dt" sz="half" idx="10"/>
+          </p:nvPr>
+        </p:nvSpPr>
+        <p:spPr/>
+        <p:txBody>
+          <a:bodyPr/>
+          <a:lstStyle/>
+          <a:p>
+            <a:r>
+              <a:rPr lang="de-DE"/>
+              <a:t>07.06.2024</a:t>
+            </a:r>
+            <a:endParaRPr lang="de-DE" dirty="0"/>
+          </a:p>
+        </p:txBody>
+      </p:sp>
+      <p:sp>
+        <p:nvSpPr>
+          <p:cNvPr id="25" name="Inhaltsplatzhalter 2">
+            <a:extLst>
+              <a:ext uri="{FF2B5EF4-FFF2-40B4-BE49-F238E27FC236}">
+                <a16:creationId xmlns:a16="http://schemas.microsoft.com/office/drawing/2014/main" id="{0951F8D4-F9CF-70E6-7A12-CEC0EB8753C3}"/>
+              </a:ext>
+            </a:extLst>
+          </p:cNvPr>
+          <p:cNvSpPr>
+            <a:spLocks noGrp="1"/>
+          </p:cNvSpPr>
+          <p:nvPr>
+            <p:ph idx="1"/>
           </p:nvPr>
         </p:nvSpPr>
         <p:spPr>
           <a:xfrm>
-            <a:off x="1871663" y="6453336"/>
-            <a:ext cx="936626" cy="216024"/>
+            <a:off x="431800" y="1772816"/>
+            <a:ext cx="11328400" cy="5472608"/>
           </a:xfrm>
         </p:spPr>
         <p:txBody>
           <a:bodyPr/>
           <a:lstStyle/>
           <a:p>
-            <a:r>
-              <a:rPr lang="de-DE" sz="900"/>
-              <a:t>07.06.2024</a:t>
-            </a:r>
-            <a:endParaRPr lang="de-DE" sz="900" dirty="0"/>
+            <a:pPr lvl="1"/>
+            <a:r>
+              <a:rPr lang="de-DE" sz="2000" dirty="0"/>
+              <a:t>Wie groß müsste das mittlere Feld in einem</a:t>
+            </a:r>
+          </a:p>
+          <a:p>
+            <a:pPr lvl="1"/>
+            <a:r>
+              <a:rPr lang="de-DE" sz="2000" dirty="0"/>
+              <a:t>Ferromagneten sein um einen inneren Spin</a:t>
+            </a:r>
+          </a:p>
+          <a:p>
+            <a:pPr lvl="1"/>
+            <a:r>
+              <a:rPr lang="de-DE" sz="2000" dirty="0"/>
+              <a:t>bei Raumtemperatur auszurichten?</a:t>
+            </a:r>
+          </a:p>
+          <a:p>
+            <a:pPr lvl="1"/>
+            <a:endParaRPr lang="de-DE" sz="2000" dirty="0"/>
+          </a:p>
+          <a:p>
+            <a:pPr lvl="1"/>
+            <a:r>
+              <a:rPr lang="de-DE" sz="2000" dirty="0"/>
+              <a:t>Wie groß müsste ein magnetisches Feld sein</a:t>
+            </a:r>
+          </a:p>
+          <a:p>
+            <a:pPr lvl="1"/>
+            <a:r>
+              <a:rPr lang="de-DE" sz="2000" dirty="0"/>
+              <a:t>um einen Spin bei Raumtemperatur auszurichten?</a:t>
+            </a:r>
+          </a:p>
+          <a:p>
+            <a:pPr lvl="1"/>
+            <a:endParaRPr lang="de-DE" sz="2000" dirty="0"/>
+          </a:p>
+          <a:p>
+            <a:pPr lvl="1"/>
+            <a:endParaRPr lang="de-DE" dirty="0"/>
+          </a:p>
+          <a:p>
+            <a:endParaRPr lang="de-DE" dirty="0"/>
+          </a:p>
+          <a:p>
+            <a:endParaRPr lang="de-DE" dirty="0"/>
+          </a:p>
+          <a:p>
+            <a:endParaRPr lang="de-DE" dirty="0"/>
+          </a:p>
+          <a:p>
+            <a:pPr lvl="2"/>
+            <a:r>
+              <a:rPr lang="de-DE" sz="2000" dirty="0"/>
+              <a:t>Ergebnis:	~10</a:t>
+            </a:r>
+            <a:r>
+              <a:rPr lang="de-DE" sz="2000" baseline="30000" dirty="0"/>
+              <a:t>3 </a:t>
+            </a:r>
+            <a:r>
+              <a:rPr lang="de-DE" sz="2000" dirty="0"/>
+              <a:t>T</a:t>
+            </a:r>
+          </a:p>
+          <a:p>
+            <a:pPr lvl="2"/>
+            <a:r>
+              <a:rPr lang="de-DE" sz="2000" dirty="0"/>
+              <a:t>Würdigung:	Sehr groß!</a:t>
+            </a:r>
+          </a:p>
+          <a:p>
+            <a:pPr lvl="2"/>
+            <a:r>
+              <a:rPr lang="de-DE" sz="2000" dirty="0"/>
+              <a:t>„Beweis“: 	Simulation</a:t>
+            </a:r>
+          </a:p>
+          <a:p>
+            <a:pPr marL="0" lvl="2" indent="0">
+              <a:buNone/>
+            </a:pPr>
+            <a:r>
+              <a:rPr lang="de-DE" sz="2000" dirty="0"/>
+              <a:t>		</a:t>
+            </a:r>
+          </a:p>
+          <a:p>
+            <a:pPr lvl="4"/>
+            <a:endParaRPr lang="de-DE" dirty="0"/>
           </a:p>
         </p:txBody>
       </p:sp>
     </p:spTree>
     <p:extLst>
       <p:ext uri="{BB962C8B-B14F-4D97-AF65-F5344CB8AC3E}">
-        <p14:creationId xmlns:p14="http://schemas.microsoft.com/office/powerpoint/2010/main" val="514531594"/>
+        <p14:creationId xmlns:p14="http://schemas.microsoft.com/office/powerpoint/2010/main" val="3247316167"/>
       </p:ext>
     </p:extLst>
   </p:cSld>
@@ -5213,6 +5422,36 @@
           <a:chExt cx="0" cy="0"/>
         </a:xfrm>
       </p:grpSpPr>
+      <p:pic>
+        <p:nvPicPr>
+          <p:cNvPr id="21" name="Grafik 20">
+            <a:extLst>
+              <a:ext uri="{FF2B5EF4-FFF2-40B4-BE49-F238E27FC236}">
+                <a16:creationId xmlns:a16="http://schemas.microsoft.com/office/drawing/2014/main" id="{87347E09-9F50-5ACF-0FE8-B52A6137E14D}"/>
+              </a:ext>
+            </a:extLst>
+          </p:cNvPr>
+          <p:cNvPicPr>
+            <a:picLocks noChangeAspect="1"/>
+          </p:cNvPicPr>
+          <p:nvPr/>
+        </p:nvPicPr>
+        <p:blipFill>
+          <a:blip r:embed="rId2"/>
+          <a:stretch>
+            <a:fillRect/>
+          </a:stretch>
+        </p:blipFill>
+        <p:spPr>
+          <a:xfrm>
+            <a:off x="6191252" y="2228858"/>
+            <a:ext cx="5475355" cy="3164098"/>
+          </a:xfrm>
+          <a:prstGeom prst="rect">
+            <a:avLst/>
+          </a:prstGeom>
+        </p:spPr>
+      </p:pic>
       <p:sp>
         <p:nvSpPr>
           <p:cNvPr id="2" name="Titel 1"/>
@@ -5229,17 +5468,13 @@
           <a:lstStyle/>
           <a:p>
             <a:r>
-              <a:rPr lang="de-DE"/>
-              <a:t>Große Headline für Textfolie</a:t>
-            </a:r>
-            <a:br>
-              <a:rPr lang="de-DE"/>
-            </a:br>
-            <a:r>
-              <a:rPr lang="de-DE"/>
-              <a:t>Headline maximal zwei Zeilen</a:t>
-            </a:r>
-            <a:endParaRPr lang="de-DE" dirty="0"/>
+              <a:rPr lang="de-DE" dirty="0" err="1"/>
+              <a:t>Weiss</a:t>
+            </a:r>
+            <a:r>
+              <a:rPr lang="de-DE" dirty="0"/>
+              <a:t>-Model eines Ferromagneten</a:t>
+            </a:r>
           </a:p>
         </p:txBody>
       </p:sp>
@@ -5253,62 +5488,74 @@
             <p:ph sz="half" idx="1"/>
           </p:nvPr>
         </p:nvSpPr>
-        <p:spPr/>
+        <p:spPr>
+          <a:xfrm>
+            <a:off x="431799" y="1399628"/>
+            <a:ext cx="5568951" cy="4103687"/>
+          </a:xfrm>
+        </p:spPr>
         <p:txBody>
           <a:bodyPr/>
           <a:lstStyle/>
           <a:p>
             <a:r>
-              <a:rPr lang="de-DE"/>
-              <a:t>Subheadline Bold Akzentfarbe 1</a:t>
-            </a:r>
-          </a:p>
-          <a:p>
-            <a:endParaRPr lang="de-DE"/>
+              <a:rPr lang="de-DE" dirty="0"/>
+              <a:t>Oder das Modell gegenseitiger Wirkung</a:t>
+            </a:r>
+          </a:p>
+          <a:p>
+            <a:endParaRPr lang="de-DE" dirty="0"/>
           </a:p>
           <a:p>
             <a:pPr lvl="1"/>
             <a:r>
-              <a:rPr lang="de-DE"/>
-              <a:t>Fließtext in Arial Regular. Illament ulluptatis desci dolent even ducit. Qui voluptas. </a:t>
-            </a:r>
-          </a:p>
-          <a:p>
-            <a:endParaRPr lang="de-DE"/>
+              <a:rPr lang="de-DE" dirty="0"/>
+              <a:t>Jeder magnetischer Korpus erfährt eine Wirkung von allen umgebenden </a:t>
+            </a:r>
+            <a:r>
+              <a:rPr lang="de-DE" dirty="0" err="1"/>
+              <a:t>Korpi</a:t>
+            </a:r>
+            <a:endParaRPr lang="de-DE" dirty="0"/>
+          </a:p>
+          <a:p>
+            <a:endParaRPr lang="de-DE" dirty="0"/>
           </a:p>
           <a:p>
             <a:pPr lvl="2"/>
             <a:r>
-              <a:rPr lang="de-DE"/>
-              <a:t>Enimpor ersperc hiliqui tectem fugitis.</a:t>
+              <a:rPr lang="de-DE" dirty="0"/>
+              <a:t>Dies entspricht einem effektiven Feld welches additiv zum äußeren Feld ist</a:t>
             </a:r>
           </a:p>
           <a:p>
             <a:pPr lvl="2"/>
-            <a:r>
-              <a:rPr lang="de-DE"/>
-              <a:t>Solupti undandae neso re ulpa impor ers percderae velenist et vent volo.</a:t>
-            </a:r>
-          </a:p>
-          <a:p>
-            <a:pPr lvl="3"/>
-            <a:r>
-              <a:rPr lang="de-DE"/>
-              <a:t>Tur tem rerita qui repera dolore cum qui voluptas et laborer ventet.</a:t>
-            </a:r>
-          </a:p>
-          <a:p>
-            <a:pPr lvl="3"/>
-            <a:r>
-              <a:rPr lang="de-DE"/>
-              <a:t>Vid ut eatiati onectem ventet dolore dolupta es volupta quas ullandi.</a:t>
-            </a:r>
-          </a:p>
-          <a:p>
-            <a:pPr lvl="3"/>
-            <a:r>
-              <a:rPr lang="de-DE"/>
-              <a:t>Tquisci endersped beat dit et quo omnis expelig tem rerita qui.</a:t>
+            <a:endParaRPr lang="de-DE" dirty="0"/>
+          </a:p>
+          <a:p>
+            <a:pPr lvl="2"/>
+            <a:r>
+              <a:rPr lang="de-DE" dirty="0"/>
+              <a:t>Kommt selbst zu dem Ergebnis</a:t>
+            </a:r>
+          </a:p>
+          <a:p>
+            <a:pPr lvl="2"/>
+            <a:endParaRPr lang="de-DE" dirty="0"/>
+          </a:p>
+          <a:p>
+            <a:pPr lvl="2"/>
+            <a:endParaRPr lang="de-DE" dirty="0"/>
+          </a:p>
+          <a:p>
+            <a:pPr lvl="2"/>
+            <a:endParaRPr lang="de-DE" dirty="0"/>
+          </a:p>
+          <a:p>
+            <a:pPr lvl="2"/>
+            <a:r>
+              <a:rPr lang="de-DE" dirty="0"/>
+              <a:t>NI bezeichnet das Molekular Feld </a:t>
             </a:r>
           </a:p>
           <a:p>
@@ -5326,63 +5573,32 @@
             <p:ph sz="half" idx="2"/>
           </p:nvPr>
         </p:nvSpPr>
-        <p:spPr/>
+        <p:spPr>
+          <a:xfrm>
+            <a:off x="6170107" y="1377144"/>
+            <a:ext cx="5568949" cy="4103687"/>
+          </a:xfrm>
+        </p:spPr>
         <p:txBody>
           <a:bodyPr/>
           <a:lstStyle/>
           <a:p>
             <a:r>
-              <a:rPr lang="de-DE"/>
-              <a:t>Subheadline Bold Akzentfarbe 1</a:t>
-            </a:r>
-          </a:p>
-          <a:p>
-            <a:endParaRPr lang="de-DE"/>
+              <a:rPr lang="de-DE" dirty="0"/>
+              <a:t>Modell trotzdem brauchbar</a:t>
+            </a:r>
+          </a:p>
+          <a:p>
+            <a:endParaRPr lang="de-DE" dirty="0"/>
           </a:p>
           <a:p>
             <a:pPr lvl="1"/>
             <a:r>
-              <a:rPr lang="de-DE"/>
-              <a:t>Fließtext in Arial Regular. Illament ulluptatis desci dolent even ducit. Qui voluptas. </a:t>
-            </a:r>
-          </a:p>
-          <a:p>
-            <a:endParaRPr lang="de-DE"/>
-          </a:p>
-          <a:p>
-            <a:pPr lvl="2"/>
-            <a:r>
-              <a:rPr lang="de-DE"/>
-              <a:t>Enimpor ersperc hiliqui tectem fugitis.</a:t>
-            </a:r>
-          </a:p>
-          <a:p>
-            <a:pPr lvl="2"/>
-            <a:r>
-              <a:rPr lang="de-DE"/>
-              <a:t>Solupti undandae neso re ulpa impor ers percderae velenist et vent volo.</a:t>
-            </a:r>
-          </a:p>
-          <a:p>
-            <a:pPr lvl="3"/>
-            <a:r>
-              <a:rPr lang="de-DE"/>
-              <a:t>Tur tem rerita qui repera dolore cum qui voluptas et laborer ventet.</a:t>
-            </a:r>
-          </a:p>
-          <a:p>
-            <a:pPr lvl="3"/>
-            <a:r>
-              <a:rPr lang="de-DE"/>
-              <a:t>Vid ut eatiati onectem ventet dolore dolupta es volupta quas ullandi.</a:t>
-            </a:r>
-          </a:p>
-          <a:p>
-            <a:pPr lvl="3"/>
-            <a:r>
-              <a:rPr lang="de-DE"/>
-              <a:t>Tquisci endersped beat dit et quo omnis expelig tem rerita qui.</a:t>
-            </a:r>
+              <a:rPr lang="de-DE" dirty="0"/>
+              <a:t>Magnetisierung für einen Paramagneten bei Feld B und Temperatur T</a:t>
+            </a:r>
+          </a:p>
+          <a:p>
             <a:endParaRPr lang="de-DE" dirty="0"/>
           </a:p>
         </p:txBody>
@@ -5457,10 +5673,100 @@
           </a:p>
         </p:txBody>
       </p:sp>
+      <p:pic>
+        <p:nvPicPr>
+          <p:cNvPr id="9" name="Grafik 8">
+            <a:extLst>
+              <a:ext uri="{FF2B5EF4-FFF2-40B4-BE49-F238E27FC236}">
+                <a16:creationId xmlns:a16="http://schemas.microsoft.com/office/drawing/2014/main" id="{AA549CBE-5967-DA3C-FFE7-4905FB7A11C4}"/>
+              </a:ext>
+            </a:extLst>
+          </p:cNvPr>
+          <p:cNvPicPr>
+            <a:picLocks noChangeAspect="1"/>
+          </p:cNvPicPr>
+          <p:nvPr/>
+        </p:nvPicPr>
+        <p:blipFill>
+          <a:blip r:embed="rId3"/>
+          <a:stretch>
+            <a:fillRect/>
+          </a:stretch>
+        </p:blipFill>
+        <p:spPr>
+          <a:xfrm>
+            <a:off x="1477331" y="3933018"/>
+            <a:ext cx="1872308" cy="324052"/>
+          </a:xfrm>
+          <a:prstGeom prst="rect">
+            <a:avLst/>
+          </a:prstGeom>
+        </p:spPr>
+      </p:pic>
+      <p:pic>
+        <p:nvPicPr>
+          <p:cNvPr id="11" name="Grafik 10">
+            <a:extLst>
+              <a:ext uri="{FF2B5EF4-FFF2-40B4-BE49-F238E27FC236}">
+                <a16:creationId xmlns:a16="http://schemas.microsoft.com/office/drawing/2014/main" id="{49292022-4F40-1E78-CB35-22EB80F3AA4C}"/>
+              </a:ext>
+            </a:extLst>
+          </p:cNvPr>
+          <p:cNvPicPr>
+            <a:picLocks noChangeAspect="1"/>
+          </p:cNvPicPr>
+          <p:nvPr/>
+        </p:nvPicPr>
+        <p:blipFill>
+          <a:blip r:embed="rId4"/>
+          <a:stretch>
+            <a:fillRect/>
+          </a:stretch>
+        </p:blipFill>
+        <p:spPr>
+          <a:xfrm>
+            <a:off x="3985584" y="4634035"/>
+            <a:ext cx="1333686" cy="257211"/>
+          </a:xfrm>
+          <a:prstGeom prst="rect">
+            <a:avLst/>
+          </a:prstGeom>
+        </p:spPr>
+      </p:pic>
+      <p:pic>
+        <p:nvPicPr>
+          <p:cNvPr id="15" name="Grafik 14">
+            <a:extLst>
+              <a:ext uri="{FF2B5EF4-FFF2-40B4-BE49-F238E27FC236}">
+                <a16:creationId xmlns:a16="http://schemas.microsoft.com/office/drawing/2014/main" id="{BF3439B6-F3FE-A26F-B76F-A2BE6499A62B}"/>
+              </a:ext>
+            </a:extLst>
+          </p:cNvPr>
+          <p:cNvPicPr>
+            <a:picLocks noChangeAspect="1"/>
+          </p:cNvPicPr>
+          <p:nvPr/>
+        </p:nvPicPr>
+        <p:blipFill>
+          <a:blip r:embed="rId5"/>
+          <a:stretch>
+            <a:fillRect/>
+          </a:stretch>
+        </p:blipFill>
+        <p:spPr>
+          <a:xfrm>
+            <a:off x="3477935" y="3993389"/>
+            <a:ext cx="771633" cy="285790"/>
+          </a:xfrm>
+          <a:prstGeom prst="rect">
+            <a:avLst/>
+          </a:prstGeom>
+        </p:spPr>
+      </p:pic>
     </p:spTree>
     <p:extLst>
       <p:ext uri="{BB962C8B-B14F-4D97-AF65-F5344CB8AC3E}">
-        <p14:creationId xmlns:p14="http://schemas.microsoft.com/office/powerpoint/2010/main" val="2871778320"/>
+        <p14:creationId xmlns:p14="http://schemas.microsoft.com/office/powerpoint/2010/main" val="2400984140"/>
       </p:ext>
     </p:extLst>
   </p:cSld>
@@ -5487,9 +5793,39 @@
           <a:chExt cx="0" cy="0"/>
         </a:xfrm>
       </p:grpSpPr>
-      <p:sp>
-        <p:nvSpPr>
-          <p:cNvPr id="10" name="Titel 9"/>
+      <p:pic>
+        <p:nvPicPr>
+          <p:cNvPr id="19" name="Grafik 18">
+            <a:extLst>
+              <a:ext uri="{FF2B5EF4-FFF2-40B4-BE49-F238E27FC236}">
+                <a16:creationId xmlns:a16="http://schemas.microsoft.com/office/drawing/2014/main" id="{C95FBAE7-D8CF-68D2-77B2-CF4E0A595814}"/>
+              </a:ext>
+            </a:extLst>
+          </p:cNvPr>
+          <p:cNvPicPr>
+            <a:picLocks noChangeAspect="1"/>
+          </p:cNvPicPr>
+          <p:nvPr/>
+        </p:nvPicPr>
+        <p:blipFill>
+          <a:blip r:embed="rId3"/>
+          <a:stretch>
+            <a:fillRect/>
+          </a:stretch>
+        </p:blipFill>
+        <p:spPr>
+          <a:xfrm>
+            <a:off x="312885" y="2516923"/>
+            <a:ext cx="5221908" cy="3250150"/>
+          </a:xfrm>
+          <a:prstGeom prst="rect">
+            <a:avLst/>
+          </a:prstGeom>
+        </p:spPr>
+      </p:pic>
+      <p:sp>
+        <p:nvSpPr>
+          <p:cNvPr id="2" name="Titel 1"/>
           <p:cNvSpPr>
             <a:spLocks noGrp="1"/>
           </p:cNvSpPr>
@@ -5503,28 +5839,64 @@
           <a:lstStyle/>
           <a:p>
             <a:r>
-              <a:rPr lang="de-DE"/>
-              <a:t>Headline für Bildfolie Arial Bold</a:t>
-            </a:r>
-            <a:br>
-              <a:rPr lang="de-DE"/>
-            </a:br>
-            <a:r>
-              <a:rPr lang="de-DE"/>
-              <a:t>Headline maximal zwei Zeilen</a:t>
-            </a:r>
-            <a:endParaRPr lang="de-DE" dirty="0"/>
-          </a:p>
-        </p:txBody>
-      </p:sp>
-      <p:sp>
-        <p:nvSpPr>
-          <p:cNvPr id="3" name="Fußzeilenplatzhalter 2"/>
-          <p:cNvSpPr>
-            <a:spLocks noGrp="1"/>
-          </p:cNvSpPr>
-          <p:nvPr>
-            <p:ph type="ftr" sz="quarter" idx="10"/>
+              <a:rPr lang="de-DE" dirty="0" err="1"/>
+              <a:t>Weiss</a:t>
+            </a:r>
+            <a:r>
+              <a:rPr lang="de-DE" dirty="0"/>
+              <a:t>-Model eines Ferromagneten</a:t>
+            </a:r>
+          </a:p>
+        </p:txBody>
+      </p:sp>
+      <p:sp>
+        <p:nvSpPr>
+          <p:cNvPr id="4" name="Inhaltsplatzhalter 3"/>
+          <p:cNvSpPr>
+            <a:spLocks noGrp="1"/>
+          </p:cNvSpPr>
+          <p:nvPr>
+            <p:ph sz="half" idx="2"/>
+          </p:nvPr>
+        </p:nvSpPr>
+        <p:spPr>
+          <a:xfrm>
+            <a:off x="431800" y="1484784"/>
+            <a:ext cx="5568949" cy="4103687"/>
+          </a:xfrm>
+        </p:spPr>
+        <p:txBody>
+          <a:bodyPr/>
+          <a:lstStyle/>
+          <a:p>
+            <a:r>
+              <a:rPr lang="de-DE" dirty="0"/>
+              <a:t>Modell trotzdem brauchbar</a:t>
+            </a:r>
+          </a:p>
+          <a:p>
+            <a:endParaRPr lang="de-DE" dirty="0"/>
+          </a:p>
+          <a:p>
+            <a:pPr lvl="1"/>
+            <a:r>
+              <a:rPr lang="de-DE" dirty="0"/>
+              <a:t>Magnetisierung für einen Paramagneten bei Feld B und Temperatur T</a:t>
+            </a:r>
+          </a:p>
+          <a:p>
+            <a:endParaRPr lang="de-DE" dirty="0"/>
+          </a:p>
+        </p:txBody>
+      </p:sp>
+      <p:sp>
+        <p:nvSpPr>
+          <p:cNvPr id="5" name="Fußzeilenplatzhalter 4"/>
+          <p:cNvSpPr>
+            <a:spLocks noGrp="1"/>
+          </p:cNvSpPr>
+          <p:nvPr>
+            <p:ph type="ftr" sz="quarter" idx="3"/>
           </p:nvPr>
         </p:nvSpPr>
         <p:spPr/>
@@ -5542,12 +5914,12 @@
       </p:sp>
       <p:sp>
         <p:nvSpPr>
-          <p:cNvPr id="4" name="Foliennummernplatzhalter 3"/>
-          <p:cNvSpPr>
-            <a:spLocks noGrp="1"/>
-          </p:cNvSpPr>
-          <p:nvPr>
-            <p:ph type="sldNum" sz="quarter" idx="11"/>
+          <p:cNvPr id="6" name="Foliennummernplatzhalter 5"/>
+          <p:cNvSpPr>
+            <a:spLocks noGrp="1"/>
+          </p:cNvSpPr>
+          <p:nvPr>
+            <p:ph type="sldNum" sz="quarter" idx="4"/>
           </p:nvPr>
         </p:nvSpPr>
         <p:spPr/>
@@ -5566,12 +5938,12 @@
       </p:sp>
       <p:sp>
         <p:nvSpPr>
-          <p:cNvPr id="5" name="Datumsplatzhalter 4"/>
-          <p:cNvSpPr>
-            <a:spLocks noGrp="1"/>
-          </p:cNvSpPr>
-          <p:nvPr>
-            <p:ph type="dt" sz="half" idx="12"/>
+          <p:cNvPr id="7" name="Datumsplatzhalter 6"/>
+          <p:cNvSpPr>
+            <a:spLocks noGrp="1"/>
+          </p:cNvSpPr>
+          <p:nvPr>
+            <p:ph type="dt" sz="half" idx="10"/>
           </p:nvPr>
         </p:nvSpPr>
         <p:spPr/>
@@ -5584,140 +5956,120 @@
               <a:t>07.06.2024</a:t>
             </a:r>
             <a:endParaRPr lang="de-DE" dirty="0"/>
+          </a:p>
+        </p:txBody>
+      </p:sp>
+      <p:sp>
+        <p:nvSpPr>
+          <p:cNvPr id="10" name="Inhaltsplatzhalter 9">
+            <a:extLst>
+              <a:ext uri="{FF2B5EF4-FFF2-40B4-BE49-F238E27FC236}">
+                <a16:creationId xmlns:a16="http://schemas.microsoft.com/office/drawing/2014/main" id="{37D888DC-129F-B86B-2B37-DB9B4104AB5E}"/>
+              </a:ext>
+            </a:extLst>
+          </p:cNvPr>
+          <p:cNvSpPr>
+            <a:spLocks noGrp="1"/>
+          </p:cNvSpPr>
+          <p:nvPr>
+            <p:ph sz="half" idx="1"/>
+          </p:nvPr>
+        </p:nvSpPr>
+        <p:spPr>
+          <a:xfrm>
+            <a:off x="6119664" y="1554584"/>
+            <a:ext cx="5568951" cy="4103687"/>
+          </a:xfrm>
+        </p:spPr>
+        <p:txBody>
+          <a:bodyPr/>
+          <a:lstStyle/>
+          <a:p>
+            <a:r>
+              <a:rPr lang="de-DE" dirty="0"/>
+              <a:t>Annahmen</a:t>
+            </a:r>
+          </a:p>
+          <a:p>
+            <a:endParaRPr lang="de-DE" dirty="0"/>
+          </a:p>
+          <a:p>
+            <a:pPr lvl="1"/>
+            <a:r>
+              <a:rPr lang="de-DE" dirty="0"/>
+              <a:t>Ferromagnet ist wie ein Paramagnet, welcher durch das Molekular Feld geordnet wird.</a:t>
+            </a:r>
+          </a:p>
+          <a:p>
+            <a:pPr lvl="1"/>
+            <a:endParaRPr lang="de-DE" dirty="0"/>
+          </a:p>
+          <a:p>
+            <a:pPr lvl="1"/>
+            <a:r>
+              <a:rPr lang="de-DE" dirty="0"/>
+              <a:t>Aus dem Molekular Feld Ansatz kommt die Bedingung</a:t>
+            </a:r>
+          </a:p>
+          <a:p>
+            <a:pPr lvl="1"/>
+            <a:endParaRPr lang="de-DE" dirty="0"/>
+          </a:p>
+          <a:p>
+            <a:pPr lvl="1"/>
+            <a:endParaRPr lang="de-DE" dirty="0"/>
+          </a:p>
+          <a:p>
+            <a:pPr lvl="1"/>
+            <a:endParaRPr lang="de-DE" dirty="0"/>
+          </a:p>
+          <a:p>
+            <a:pPr lvl="1"/>
+            <a:endParaRPr lang="de-DE" dirty="0"/>
+          </a:p>
+          <a:p>
+            <a:pPr lvl="1"/>
+            <a:r>
+              <a:rPr lang="de-DE" dirty="0"/>
+              <a:t>Grafisches Lösen gibt für eine Kombination von T und B </a:t>
+            </a:r>
           </a:p>
         </p:txBody>
       </p:sp>
       <p:pic>
         <p:nvPicPr>
-          <p:cNvPr id="8" name="Bildplatzhalter 7"/>
+          <p:cNvPr id="14" name="Grafik 13">
+            <a:extLst>
+              <a:ext uri="{FF2B5EF4-FFF2-40B4-BE49-F238E27FC236}">
+                <a16:creationId xmlns:a16="http://schemas.microsoft.com/office/drawing/2014/main" id="{264E640F-E9BD-D552-565B-00AE24976822}"/>
+              </a:ext>
+            </a:extLst>
+          </p:cNvPr>
           <p:cNvPicPr>
-            <a:picLocks noGrp="1" noChangeAspect="1"/>
+            <a:picLocks noChangeAspect="1"/>
           </p:cNvPicPr>
-          <p:nvPr>
-            <p:ph type="pic" sz="quarter" idx="13"/>
-          </p:nvPr>
+          <p:nvPr/>
         </p:nvPicPr>
         <p:blipFill>
-          <a:blip r:embed="rId2" cstate="print">
-            <a:extLst>
-              <a:ext uri="{28A0092B-C50C-407E-A947-70E740481C1C}">
-                <a14:useLocalDpi xmlns:a14="http://schemas.microsoft.com/office/drawing/2010/main" val="0"/>
-              </a:ext>
-            </a:extLst>
-          </a:blip>
-          <a:srcRect l="9354" r="9354"/>
+          <a:blip r:embed="rId4"/>
           <a:stretch>
             <a:fillRect/>
           </a:stretch>
         </p:blipFill>
-        <p:spPr/>
+        <p:spPr>
+          <a:xfrm>
+            <a:off x="6456040" y="3327596"/>
+            <a:ext cx="2114845" cy="562053"/>
+          </a:xfrm>
+          <a:prstGeom prst="rect">
+            <a:avLst/>
+          </a:prstGeom>
+        </p:spPr>
       </p:pic>
-      <p:sp>
-        <p:nvSpPr>
-          <p:cNvPr id="7" name="Textplatzhalter 6"/>
-          <p:cNvSpPr>
-            <a:spLocks noGrp="1"/>
-          </p:cNvSpPr>
-          <p:nvPr>
-            <p:ph type="body" sz="quarter" idx="15"/>
-          </p:nvPr>
-        </p:nvSpPr>
-        <p:spPr/>
-        <p:txBody>
-          <a:bodyPr/>
-          <a:lstStyle/>
-          <a:p>
-            <a:r>
-              <a:rPr lang="de-DE"/>
-              <a:t>Headline Bildunterschrift [1. Ebene]</a:t>
-            </a:r>
-          </a:p>
-          <a:p>
-            <a:pPr lvl="1"/>
-            <a:r>
-              <a:rPr lang="de-DE"/>
-              <a:t>Text Bildunterschrift Arial Regular [2. Ebene]. </a:t>
-            </a:r>
-            <a:br>
-              <a:rPr lang="de-DE"/>
-            </a:br>
-            <a:r>
-              <a:rPr lang="de-DE"/>
-              <a:t>Zur Formatierung 1 × „Einzug vergrößern“</a:t>
-            </a:r>
-          </a:p>
-          <a:p>
-            <a:pPr lvl="1"/>
-            <a:endParaRPr lang="de-DE" dirty="0"/>
-          </a:p>
-        </p:txBody>
-      </p:sp>
-      <p:pic>
-        <p:nvPicPr>
-          <p:cNvPr id="13" name="Bildplatzhalter 12"/>
-          <p:cNvPicPr>
-            <a:picLocks noGrp="1" noChangeAspect="1"/>
-          </p:cNvPicPr>
-          <p:nvPr>
-            <p:ph type="pic" sz="quarter" idx="16"/>
-          </p:nvPr>
-        </p:nvPicPr>
-        <p:blipFill>
-          <a:blip r:embed="rId2" cstate="print">
-            <a:extLst>
-              <a:ext uri="{28A0092B-C50C-407E-A947-70E740481C1C}">
-                <a14:useLocalDpi xmlns:a14="http://schemas.microsoft.com/office/drawing/2010/main" val="0"/>
-              </a:ext>
-            </a:extLst>
-          </a:blip>
-          <a:srcRect l="9354" r="9354"/>
-          <a:stretch>
-            <a:fillRect/>
-          </a:stretch>
-        </p:blipFill>
-        <p:spPr/>
-      </p:pic>
-      <p:sp>
-        <p:nvSpPr>
-          <p:cNvPr id="12" name="Textplatzhalter 11"/>
-          <p:cNvSpPr>
-            <a:spLocks noGrp="1"/>
-          </p:cNvSpPr>
-          <p:nvPr>
-            <p:ph type="body" sz="quarter" idx="17"/>
-          </p:nvPr>
-        </p:nvSpPr>
-        <p:spPr/>
-        <p:txBody>
-          <a:bodyPr/>
-          <a:lstStyle/>
-          <a:p>
-            <a:r>
-              <a:rPr lang="de-DE"/>
-              <a:t>Headline Bildunterschrift [1. Ebene]</a:t>
-            </a:r>
-          </a:p>
-          <a:p>
-            <a:pPr lvl="1"/>
-            <a:r>
-              <a:rPr lang="de-DE"/>
-              <a:t>Text Bildunterschrift Arial Regular [2. Ebene]. </a:t>
-            </a:r>
-            <a:br>
-              <a:rPr lang="de-DE"/>
-            </a:br>
-            <a:r>
-              <a:rPr lang="de-DE"/>
-              <a:t>Zur Formatierung 1 × „Einzug vergrößern“</a:t>
-            </a:r>
-            <a:endParaRPr lang="de-DE" dirty="0"/>
-          </a:p>
-        </p:txBody>
-      </p:sp>
     </p:spTree>
     <p:extLst>
       <p:ext uri="{BB962C8B-B14F-4D97-AF65-F5344CB8AC3E}">
-        <p14:creationId xmlns:p14="http://schemas.microsoft.com/office/powerpoint/2010/main" val="514753688"/>
+        <p14:creationId xmlns:p14="http://schemas.microsoft.com/office/powerpoint/2010/main" val="558516523"/>
       </p:ext>
     </p:extLst>
   </p:cSld>
@@ -5746,7 +6098,7 @@
       </p:grpSpPr>
       <p:sp>
         <p:nvSpPr>
-          <p:cNvPr id="10" name="Titel 9"/>
+          <p:cNvPr id="2" name="Titel 1"/>
           <p:cNvSpPr>
             <a:spLocks noGrp="1"/>
           </p:cNvSpPr>
@@ -5760,28 +6112,157 @@
           <a:lstStyle/>
           <a:p>
             <a:r>
-              <a:rPr lang="de-DE"/>
-              <a:t>Große Headline für Textfolie</a:t>
-            </a:r>
-            <a:br>
-              <a:rPr lang="de-DE"/>
-            </a:br>
-            <a:r>
-              <a:rPr lang="de-DE"/>
-              <a:t>Headline maximal zwei Zeilen</a:t>
-            </a:r>
-            <a:endParaRPr lang="de-DE" dirty="0"/>
-          </a:p>
-        </p:txBody>
-      </p:sp>
-      <p:sp>
-        <p:nvSpPr>
-          <p:cNvPr id="3" name="Fußzeilenplatzhalter 2"/>
-          <p:cNvSpPr>
-            <a:spLocks noGrp="1"/>
-          </p:cNvSpPr>
-          <p:nvPr>
-            <p:ph type="ftr" sz="quarter" idx="10"/>
+              <a:rPr lang="de-DE" dirty="0" err="1"/>
+              <a:t>Weiss</a:t>
+            </a:r>
+            <a:r>
+              <a:rPr lang="de-DE" dirty="0"/>
+              <a:t>-Model eines Ferromagneten</a:t>
+            </a:r>
+          </a:p>
+        </p:txBody>
+      </p:sp>
+      <p:sp>
+        <p:nvSpPr>
+          <p:cNvPr id="3" name="Inhaltsplatzhalter 2"/>
+          <p:cNvSpPr>
+            <a:spLocks noGrp="1"/>
+          </p:cNvSpPr>
+          <p:nvPr>
+            <p:ph sz="half" idx="1"/>
+          </p:nvPr>
+        </p:nvSpPr>
+        <p:spPr>
+          <a:xfrm>
+            <a:off x="431799" y="1556792"/>
+            <a:ext cx="5568951" cy="4103687"/>
+          </a:xfrm>
+        </p:spPr>
+        <p:txBody>
+          <a:bodyPr/>
+          <a:lstStyle/>
+          <a:p>
+            <a:r>
+              <a:rPr lang="de-DE" dirty="0"/>
+              <a:t>Kritik</a:t>
+            </a:r>
+          </a:p>
+          <a:p>
+            <a:endParaRPr lang="de-DE" dirty="0"/>
+          </a:p>
+          <a:p>
+            <a:pPr lvl="1"/>
+            <a:r>
+              <a:rPr lang="de-DE" dirty="0"/>
+              <a:t>Selbst bei seiner Veröffentlichung bemängelt er die </a:t>
+            </a:r>
+            <a:r>
+              <a:rPr lang="de-DE" dirty="0" err="1"/>
+              <a:t>unphysikalische</a:t>
+            </a:r>
+            <a:r>
+              <a:rPr lang="de-DE" dirty="0"/>
+              <a:t> Größe des Feldes</a:t>
+            </a:r>
+          </a:p>
+          <a:p>
+            <a:pPr lvl="1"/>
+            <a:r>
+              <a:rPr lang="de-DE" dirty="0"/>
+              <a:t>„Das Feld [der Atome] ist jedoch mehr als tausendmal schwächer als das Molekularfeld[…] </a:t>
+            </a:r>
+            <a:r>
+              <a:rPr lang="de-DE" b="0" i="0" dirty="0">
+                <a:effectLst/>
+                <a:highlight>
+                  <a:srgbClr val="FFFFFF"/>
+                </a:highlight>
+                <a:latin typeface="Arial" panose="020B0604020202020204" pitchFamily="34" charset="0"/>
+              </a:rPr>
+              <a:t>und dass diese Interpretationsschwierigkeit weniger als Einwand denn als Hinweis für die Suche nach neuen Hypothesen über den Aufbau des Atoms angesehen werden sollte.</a:t>
+            </a:r>
+            <a:r>
+              <a:rPr lang="de-DE" dirty="0"/>
+              <a:t>“ </a:t>
+            </a:r>
+          </a:p>
+          <a:p>
+            <a:endParaRPr lang="de-DE" dirty="0"/>
+          </a:p>
+          <a:p>
+            <a:pPr lvl="2"/>
+            <a:r>
+              <a:rPr lang="de-DE" dirty="0"/>
+              <a:t>Model war dennoch auf den Prinzipien der statistischen Physik begründet und „formal befriedigend“.(Heisenberg)</a:t>
+            </a:r>
+          </a:p>
+          <a:p>
+            <a:pPr lvl="2"/>
+            <a:r>
+              <a:rPr lang="de-DE" dirty="0"/>
+              <a:t>Model war erfolgreich, nur die großen Felder sorgten für Unmut. ( bei wem )</a:t>
+            </a:r>
+          </a:p>
+          <a:p>
+            <a:endParaRPr lang="de-DE" dirty="0"/>
+          </a:p>
+        </p:txBody>
+      </p:sp>
+      <p:sp>
+        <p:nvSpPr>
+          <p:cNvPr id="4" name="Inhaltsplatzhalter 3"/>
+          <p:cNvSpPr>
+            <a:spLocks noGrp="1"/>
+          </p:cNvSpPr>
+          <p:nvPr>
+            <p:ph sz="half" idx="2"/>
+          </p:nvPr>
+        </p:nvSpPr>
+        <p:spPr>
+          <a:xfrm>
+            <a:off x="6191252" y="1556792"/>
+            <a:ext cx="5568949" cy="4103687"/>
+          </a:xfrm>
+        </p:spPr>
+        <p:txBody>
+          <a:bodyPr/>
+          <a:lstStyle/>
+          <a:p>
+            <a:r>
+              <a:rPr lang="de-DE" dirty="0"/>
+              <a:t>Heisenbergs Lösung</a:t>
+            </a:r>
+          </a:p>
+          <a:p>
+            <a:endParaRPr lang="de-DE" dirty="0"/>
+          </a:p>
+          <a:p>
+            <a:pPr lvl="1"/>
+            <a:r>
+              <a:rPr lang="de-DE" dirty="0"/>
+              <a:t>Etwa 30 Jahre später konnte Heisenberg die Probleme mit Hilfe der Austauschwechselwirkung lösen</a:t>
+            </a:r>
+          </a:p>
+          <a:p>
+            <a:endParaRPr lang="de-DE" dirty="0"/>
+          </a:p>
+          <a:p>
+            <a:pPr lvl="2"/>
+            <a:r>
+              <a:rPr lang="de-DE" dirty="0"/>
+              <a:t>Diese wollen wir nun in Teilen herleiten</a:t>
+            </a:r>
+          </a:p>
+        </p:txBody>
+      </p:sp>
+      <p:sp>
+        <p:nvSpPr>
+          <p:cNvPr id="5" name="Fußzeilenplatzhalter 4"/>
+          <p:cNvSpPr>
+            <a:spLocks noGrp="1"/>
+          </p:cNvSpPr>
+          <p:nvPr>
+            <p:ph type="ftr" sz="quarter" idx="3"/>
           </p:nvPr>
         </p:nvSpPr>
         <p:spPr/>
@@ -5799,12 +6280,12 @@
       </p:sp>
       <p:sp>
         <p:nvSpPr>
-          <p:cNvPr id="4" name="Foliennummernplatzhalter 3"/>
-          <p:cNvSpPr>
-            <a:spLocks noGrp="1"/>
-          </p:cNvSpPr>
-          <p:nvPr>
-            <p:ph type="sldNum" sz="quarter" idx="11"/>
+          <p:cNvPr id="6" name="Foliennummernplatzhalter 5"/>
+          <p:cNvSpPr>
+            <a:spLocks noGrp="1"/>
+          </p:cNvSpPr>
+          <p:nvPr>
+            <p:ph type="sldNum" sz="quarter" idx="4"/>
           </p:nvPr>
         </p:nvSpPr>
         <p:spPr/>
@@ -5823,12 +6304,12 @@
       </p:sp>
       <p:sp>
         <p:nvSpPr>
-          <p:cNvPr id="5" name="Datumsplatzhalter 4"/>
-          <p:cNvSpPr>
-            <a:spLocks noGrp="1"/>
-          </p:cNvSpPr>
-          <p:nvPr>
-            <p:ph type="dt" sz="half" idx="12"/>
+          <p:cNvPr id="7" name="Datumsplatzhalter 6"/>
+          <p:cNvSpPr>
+            <a:spLocks noGrp="1"/>
+          </p:cNvSpPr>
+          <p:nvPr>
+            <p:ph type="dt" sz="half" idx="10"/>
           </p:nvPr>
         </p:nvSpPr>
         <p:spPr/>
@@ -5839,133 +6320,6 @@
             <a:r>
               <a:rPr lang="de-DE"/>
               <a:t>07.06.2024</a:t>
-            </a:r>
-            <a:endParaRPr lang="de-DE" dirty="0"/>
-          </a:p>
-        </p:txBody>
-      </p:sp>
-      <p:pic>
-        <p:nvPicPr>
-          <p:cNvPr id="8" name="Bildplatzhalter 7"/>
-          <p:cNvPicPr>
-            <a:picLocks noGrp="1" noChangeAspect="1"/>
-          </p:cNvPicPr>
-          <p:nvPr>
-            <p:ph type="pic" sz="quarter" idx="13"/>
-          </p:nvPr>
-        </p:nvPicPr>
-        <p:blipFill>
-          <a:blip r:embed="rId2" cstate="print">
-            <a:extLst>
-              <a:ext uri="{28A0092B-C50C-407E-A947-70E740481C1C}">
-                <a14:useLocalDpi xmlns:a14="http://schemas.microsoft.com/office/drawing/2010/main" val="0"/>
-              </a:ext>
-            </a:extLst>
-          </a:blip>
-          <a:srcRect l="9354" r="9354"/>
-          <a:stretch>
-            <a:fillRect/>
-          </a:stretch>
-        </p:blipFill>
-        <p:spPr/>
-      </p:pic>
-      <p:sp>
-        <p:nvSpPr>
-          <p:cNvPr id="7" name="Textplatzhalter 6"/>
-          <p:cNvSpPr>
-            <a:spLocks noGrp="1"/>
-          </p:cNvSpPr>
-          <p:nvPr>
-            <p:ph type="body" sz="quarter" idx="15"/>
-          </p:nvPr>
-        </p:nvSpPr>
-        <p:spPr/>
-        <p:txBody>
-          <a:bodyPr/>
-          <a:lstStyle/>
-          <a:p>
-            <a:r>
-              <a:rPr lang="de-DE"/>
-              <a:t>Headline Bildunterschrift [1. Ebene]</a:t>
-            </a:r>
-          </a:p>
-          <a:p>
-            <a:pPr lvl="1"/>
-            <a:r>
-              <a:rPr lang="de-DE"/>
-              <a:t>Text Bildunterschrift Arial Regular [2. Ebene]. </a:t>
-            </a:r>
-            <a:br>
-              <a:rPr lang="de-DE"/>
-            </a:br>
-            <a:r>
-              <a:rPr lang="de-DE"/>
-              <a:t>Zur Formatierung 1 × „Einzug vergrößern“</a:t>
-            </a:r>
-          </a:p>
-          <a:p>
-            <a:pPr lvl="1"/>
-            <a:endParaRPr lang="de-DE" dirty="0"/>
-          </a:p>
-        </p:txBody>
-      </p:sp>
-      <p:pic>
-        <p:nvPicPr>
-          <p:cNvPr id="13" name="Bildplatzhalter 12"/>
-          <p:cNvPicPr>
-            <a:picLocks noGrp="1" noChangeAspect="1"/>
-          </p:cNvPicPr>
-          <p:nvPr>
-            <p:ph type="pic" sz="quarter" idx="16"/>
-          </p:nvPr>
-        </p:nvPicPr>
-        <p:blipFill>
-          <a:blip r:embed="rId2" cstate="print">
-            <a:extLst>
-              <a:ext uri="{28A0092B-C50C-407E-A947-70E740481C1C}">
-                <a14:useLocalDpi xmlns:a14="http://schemas.microsoft.com/office/drawing/2010/main" val="0"/>
-              </a:ext>
-            </a:extLst>
-          </a:blip>
-          <a:srcRect l="9354" r="9354"/>
-          <a:stretch>
-            <a:fillRect/>
-          </a:stretch>
-        </p:blipFill>
-        <p:spPr/>
-      </p:pic>
-      <p:sp>
-        <p:nvSpPr>
-          <p:cNvPr id="12" name="Textplatzhalter 11"/>
-          <p:cNvSpPr>
-            <a:spLocks noGrp="1"/>
-          </p:cNvSpPr>
-          <p:nvPr>
-            <p:ph type="body" sz="quarter" idx="17"/>
-          </p:nvPr>
-        </p:nvSpPr>
-        <p:spPr/>
-        <p:txBody>
-          <a:bodyPr/>
-          <a:lstStyle/>
-          <a:p>
-            <a:r>
-              <a:rPr lang="de-DE"/>
-              <a:t>Headline Bildunterschrift [1. Ebene]</a:t>
-            </a:r>
-          </a:p>
-          <a:p>
-            <a:pPr lvl="1"/>
-            <a:r>
-              <a:rPr lang="de-DE"/>
-              <a:t>Text Bildunterschrift Arial Regular [2. Ebene]. </a:t>
-            </a:r>
-            <a:br>
-              <a:rPr lang="de-DE"/>
-            </a:br>
-            <a:r>
-              <a:rPr lang="de-DE"/>
-              <a:t>Zur Formatierung 1 × „Einzug vergrößern“</a:t>
             </a:r>
             <a:endParaRPr lang="de-DE" dirty="0"/>
           </a:p>
@@ -5974,7 +6328,7 @@
     </p:spTree>
     <p:extLst>
       <p:ext uri="{BB962C8B-B14F-4D97-AF65-F5344CB8AC3E}">
-        <p14:creationId xmlns:p14="http://schemas.microsoft.com/office/powerpoint/2010/main" val="3046935765"/>
+        <p14:creationId xmlns:p14="http://schemas.microsoft.com/office/powerpoint/2010/main" val="562075523"/>
       </p:ext>
     </p:extLst>
   </p:cSld>
@@ -6001,14 +6355,96 @@
           <a:chExt cx="0" cy="0"/>
         </a:xfrm>
       </p:grpSpPr>
-      <p:sp>
-        <p:nvSpPr>
-          <p:cNvPr id="2" name="Fußzeilenplatzhalter 1"/>
-          <p:cNvSpPr>
-            <a:spLocks noGrp="1"/>
-          </p:cNvSpPr>
-          <p:nvPr>
-            <p:ph type="ftr" sz="quarter" idx="10"/>
+      <p:cxnSp>
+        <p:nvCxnSpPr>
+          <p:cNvPr id="22" name="Gerade Verbindung mit Pfeil 21">
+            <a:extLst>
+              <a:ext uri="{FF2B5EF4-FFF2-40B4-BE49-F238E27FC236}">
+                <a16:creationId xmlns:a16="http://schemas.microsoft.com/office/drawing/2014/main" id="{9B5DF5A3-6FBF-405C-E6EA-9DD58A945575}"/>
+              </a:ext>
+            </a:extLst>
+          </p:cNvPr>
+          <p:cNvCxnSpPr>
+            <a:cxnSpLocks/>
+          </p:cNvCxnSpPr>
+          <p:nvPr/>
+        </p:nvCxnSpPr>
+        <p:spPr>
+          <a:xfrm flipV="1">
+            <a:off x="9824759" y="2462065"/>
+            <a:ext cx="0" cy="535450"/>
+          </a:xfrm>
+          <a:prstGeom prst="straightConnector1">
+            <a:avLst/>
+          </a:prstGeom>
+          <a:ln w="41275">
+            <a:tailEnd type="triangle"/>
+          </a:ln>
+        </p:spPr>
+        <p:style>
+          <a:lnRef idx="1">
+            <a:schemeClr val="accent1"/>
+          </a:lnRef>
+          <a:fillRef idx="0">
+            <a:schemeClr val="accent1"/>
+          </a:fillRef>
+          <a:effectRef idx="0">
+            <a:schemeClr val="accent1"/>
+          </a:effectRef>
+          <a:fontRef idx="minor">
+            <a:schemeClr val="tx1"/>
+          </a:fontRef>
+        </p:style>
+      </p:cxnSp>
+      <p:cxnSp>
+        <p:nvCxnSpPr>
+          <p:cNvPr id="17" name="Gerade Verbindung mit Pfeil 16">
+            <a:extLst>
+              <a:ext uri="{FF2B5EF4-FFF2-40B4-BE49-F238E27FC236}">
+                <a16:creationId xmlns:a16="http://schemas.microsoft.com/office/drawing/2014/main" id="{00859EDA-D88E-1CA2-706C-DD9325DBC56E}"/>
+              </a:ext>
+            </a:extLst>
+          </p:cNvPr>
+          <p:cNvCxnSpPr>
+            <a:cxnSpLocks/>
+          </p:cNvCxnSpPr>
+          <p:nvPr/>
+        </p:nvCxnSpPr>
+        <p:spPr>
+          <a:xfrm flipV="1">
+            <a:off x="8076220" y="2353490"/>
+            <a:ext cx="0" cy="535450"/>
+          </a:xfrm>
+          <a:prstGeom prst="straightConnector1">
+            <a:avLst/>
+          </a:prstGeom>
+          <a:ln w="41275">
+            <a:tailEnd type="triangle"/>
+          </a:ln>
+        </p:spPr>
+        <p:style>
+          <a:lnRef idx="1">
+            <a:schemeClr val="accent1"/>
+          </a:lnRef>
+          <a:fillRef idx="0">
+            <a:schemeClr val="accent1"/>
+          </a:fillRef>
+          <a:effectRef idx="0">
+            <a:schemeClr val="accent1"/>
+          </a:effectRef>
+          <a:fontRef idx="minor">
+            <a:schemeClr val="tx1"/>
+          </a:fontRef>
+        </p:style>
+      </p:cxnSp>
+      <p:sp>
+        <p:nvSpPr>
+          <p:cNvPr id="2" name="Titel 1"/>
+          <p:cNvSpPr>
+            <a:spLocks noGrp="1"/>
+          </p:cNvSpPr>
+          <p:nvPr>
+            <p:ph type="title"/>
           </p:nvPr>
         </p:nvSpPr>
         <p:spPr/>
@@ -6017,6 +6453,28 @@
           <a:lstStyle/>
           <a:p>
             <a:r>
+              <a:rPr lang="de-DE" dirty="0"/>
+              <a:t>Heisenbergs Theorie des Ferromagnetismus</a:t>
+            </a:r>
+          </a:p>
+        </p:txBody>
+      </p:sp>
+      <p:sp>
+        <p:nvSpPr>
+          <p:cNvPr id="5" name="Fußzeilenplatzhalter 4"/>
+          <p:cNvSpPr>
+            <a:spLocks noGrp="1"/>
+          </p:cNvSpPr>
+          <p:nvPr>
+            <p:ph type="ftr" sz="quarter" idx="3"/>
+          </p:nvPr>
+        </p:nvSpPr>
+        <p:spPr/>
+        <p:txBody>
+          <a:bodyPr/>
+          <a:lstStyle/>
+          <a:p>
+            <a:r>
               <a:rPr lang="de-DE"/>
               <a:t>Magnetisum und Altermagnetismus</a:t>
             </a:r>
@@ -6026,12 +6484,12 @@
       </p:sp>
       <p:sp>
         <p:nvSpPr>
-          <p:cNvPr id="3" name="Foliennummernplatzhalter 2"/>
-          <p:cNvSpPr>
-            <a:spLocks noGrp="1"/>
-          </p:cNvSpPr>
-          <p:nvPr>
-            <p:ph type="sldNum" sz="quarter" idx="11"/>
+          <p:cNvPr id="6" name="Foliennummernplatzhalter 5"/>
+          <p:cNvSpPr>
+            <a:spLocks noGrp="1"/>
+          </p:cNvSpPr>
+          <p:nvPr>
+            <p:ph type="sldNum" sz="quarter" idx="4"/>
           </p:nvPr>
         </p:nvSpPr>
         <p:spPr/>
@@ -6050,12 +6508,12 @@
       </p:sp>
       <p:sp>
         <p:nvSpPr>
-          <p:cNvPr id="4" name="Datumsplatzhalter 3"/>
-          <p:cNvSpPr>
-            <a:spLocks noGrp="1"/>
-          </p:cNvSpPr>
-          <p:nvPr>
-            <p:ph type="dt" sz="half" idx="12"/>
+          <p:cNvPr id="7" name="Datumsplatzhalter 6"/>
+          <p:cNvSpPr>
+            <a:spLocks noGrp="1"/>
+          </p:cNvSpPr>
+          <p:nvPr>
+            <p:ph type="dt" sz="half" idx="10"/>
           </p:nvPr>
         </p:nvSpPr>
         <p:spPr/>
@@ -6071,72 +6529,433 @@
           </a:p>
         </p:txBody>
       </p:sp>
-      <p:pic>
-        <p:nvPicPr>
-          <p:cNvPr id="7" name="Bildplatzhalter 6"/>
-          <p:cNvPicPr>
-            <a:picLocks noGrp="1" noChangeAspect="1"/>
-          </p:cNvPicPr>
-          <p:nvPr>
-            <p:ph type="pic" sz="quarter" idx="13"/>
-          </p:nvPr>
-        </p:nvPicPr>
-        <p:blipFill>
-          <a:blip r:embed="rId2">
+      <p:sp>
+        <p:nvSpPr>
+          <p:cNvPr id="9" name="Inhaltsplatzhalter 8">
             <a:extLst>
-              <a:ext uri="{28A0092B-C50C-407E-A947-70E740481C1C}">
-                <a14:useLocalDpi xmlns:a14="http://schemas.microsoft.com/office/drawing/2010/main" val="0"/>
+              <a:ext uri="{FF2B5EF4-FFF2-40B4-BE49-F238E27FC236}">
+                <a16:creationId xmlns:a16="http://schemas.microsoft.com/office/drawing/2014/main" id="{A9216E1D-8A30-DB9F-C5D0-71C6AD3CEB6B}"/>
               </a:ext>
             </a:extLst>
-          </a:blip>
-          <a:srcRect l="5497" r="5497"/>
-          <a:stretch>
-            <a:fillRect/>
-          </a:stretch>
-        </p:blipFill>
+          </p:cNvPr>
+          <p:cNvSpPr>
+            <a:spLocks noGrp="1"/>
+          </p:cNvSpPr>
+          <p:nvPr>
+            <p:ph sz="half" idx="1"/>
+          </p:nvPr>
+        </p:nvSpPr>
         <p:spPr/>
-      </p:pic>
-      <p:sp>
-        <p:nvSpPr>
-          <p:cNvPr id="6" name="Textplatzhalter 5"/>
-          <p:cNvSpPr>
-            <a:spLocks noGrp="1"/>
-          </p:cNvSpPr>
-          <p:nvPr>
-            <p:ph type="body" sz="quarter" idx="15"/>
-          </p:nvPr>
-        </p:nvSpPr>
-        <p:spPr/>
         <p:txBody>
           <a:bodyPr/>
           <a:lstStyle/>
           <a:p>
             <a:r>
-              <a:rPr lang="de-DE"/>
-              <a:t>Headline Bildunterschrift [1. Ebene]</a:t>
-            </a:r>
+              <a:rPr lang="de-DE" dirty="0"/>
+              <a:t>Heisenbergs Lösung</a:t>
+            </a:r>
+          </a:p>
+          <a:p>
+            <a:endParaRPr lang="de-DE" dirty="0"/>
           </a:p>
           <a:p>
             <a:pPr lvl="1"/>
             <a:r>
-              <a:rPr lang="de-DE"/>
-              <a:t>Text Bildunterschrift Arial Regular [2. Ebene]. Zur Formatierung </a:t>
-            </a:r>
-            <a:br>
-              <a:rPr lang="de-DE"/>
-            </a:br>
-            <a:r>
-              <a:rPr lang="de-DE"/>
-              <a:t>1 × „Einzug vergrößern“</a:t>
-            </a:r>
-            <a:endParaRPr lang="de-DE" dirty="0"/>
+              <a:rPr lang="de-DE" dirty="0"/>
+              <a:t>Etwa 30 Jahre später konnte Heisenberg die Probleme mit Hilfe der Austauschwechselwirkung lösen</a:t>
+            </a:r>
+          </a:p>
+          <a:p>
+            <a:endParaRPr lang="de-DE" dirty="0"/>
+          </a:p>
+          <a:p>
+            <a:pPr lvl="2"/>
+            <a:r>
+              <a:rPr lang="de-DE" dirty="0"/>
+              <a:t>Diese wollen wir nun in Teilen herleiten</a:t>
+            </a:r>
+          </a:p>
+          <a:p>
+            <a:pPr lvl="2"/>
+            <a:endParaRPr lang="de-DE" dirty="0"/>
+          </a:p>
+          <a:p>
+            <a:pPr lvl="2"/>
+            <a:r>
+              <a:rPr lang="de-DE" dirty="0"/>
+              <a:t>Betrachten wir zwei Elektronen (eines Atoms)</a:t>
+            </a:r>
+          </a:p>
+          <a:p>
+            <a:pPr lvl="2"/>
+            <a:endParaRPr lang="de-DE" dirty="0"/>
+          </a:p>
+          <a:p>
+            <a:pPr lvl="2"/>
+            <a:r>
+              <a:rPr lang="de-DE" dirty="0"/>
+              <a:t>Wir definieren </a:t>
+            </a:r>
+            <a:r>
+              <a:rPr lang="de-DE" dirty="0" err="1"/>
+              <a:t>qi</a:t>
+            </a:r>
+            <a:r>
+              <a:rPr lang="de-DE" dirty="0"/>
+              <a:t> = </a:t>
+            </a:r>
+            <a:r>
+              <a:rPr lang="de-DE" b="1" dirty="0" err="1"/>
+              <a:t>r</a:t>
+            </a:r>
+            <a:r>
+              <a:rPr lang="de-DE" dirty="0" err="1"/>
+              <a:t>i,si</a:t>
+            </a:r>
+            <a:r>
+              <a:rPr lang="de-DE" dirty="0"/>
+              <a:t> mit i =1,2</a:t>
+            </a:r>
+          </a:p>
+          <a:p>
+            <a:pPr lvl="2"/>
+            <a:endParaRPr lang="de-DE" dirty="0"/>
+          </a:p>
+          <a:p>
+            <a:pPr lvl="2"/>
+            <a:r>
+              <a:rPr lang="de-DE" dirty="0"/>
+              <a:t>Kombinierte Wellenfunktion genähert als Produkt der zwei ein Teilchen Wellenfunktionen</a:t>
+            </a:r>
+          </a:p>
+          <a:p>
+            <a:pPr lvl="2"/>
+            <a:endParaRPr lang="de-DE" dirty="0"/>
+          </a:p>
+          <a:p>
+            <a:pPr lvl="2"/>
+            <a:r>
+              <a:rPr lang="de-DE" dirty="0"/>
+              <a:t>Psi(q_1,q_2)  = psi_1(q_1) * psi_2(q_2)</a:t>
+            </a:r>
+          </a:p>
+          <a:p>
+            <a:endParaRPr lang="de-DE" dirty="0"/>
+          </a:p>
+        </p:txBody>
+      </p:sp>
+      <p:sp>
+        <p:nvSpPr>
+          <p:cNvPr id="12" name="Ellipse 11">
+            <a:extLst>
+              <a:ext uri="{FF2B5EF4-FFF2-40B4-BE49-F238E27FC236}">
+                <a16:creationId xmlns:a16="http://schemas.microsoft.com/office/drawing/2014/main" id="{CBF99DD7-AB45-A200-0B91-25FDA9B0FC0D}"/>
+              </a:ext>
+            </a:extLst>
+          </p:cNvPr>
+          <p:cNvSpPr/>
+          <p:nvPr/>
+        </p:nvSpPr>
+        <p:spPr>
+          <a:xfrm>
+            <a:off x="8908381" y="2924944"/>
+            <a:ext cx="360040" cy="360040"/>
+          </a:xfrm>
+          <a:prstGeom prst="ellipse">
+            <a:avLst/>
+          </a:prstGeom>
+          <a:solidFill>
+            <a:schemeClr val="bg1">
+              <a:lumMod val="75000"/>
+            </a:schemeClr>
+          </a:solidFill>
+          <a:ln>
+            <a:noFill/>
+          </a:ln>
+        </p:spPr>
+        <p:style>
+          <a:lnRef idx="2">
+            <a:schemeClr val="accent1">
+              <a:shade val="50000"/>
+            </a:schemeClr>
+          </a:lnRef>
+          <a:fillRef idx="1">
+            <a:schemeClr val="accent1"/>
+          </a:fillRef>
+          <a:effectRef idx="0">
+            <a:schemeClr val="accent1"/>
+          </a:effectRef>
+          <a:fontRef idx="minor">
+            <a:schemeClr val="lt1"/>
+          </a:fontRef>
+        </p:style>
+        <p:txBody>
+          <a:bodyPr rtlCol="0" anchor="ctr"/>
+          <a:lstStyle/>
+          <a:p>
+            <a:pPr algn="ctr"/>
+            <a:endParaRPr lang="de-DE"/>
+          </a:p>
+        </p:txBody>
+      </p:sp>
+      <p:sp>
+        <p:nvSpPr>
+          <p:cNvPr id="13" name="Ellipse 12">
+            <a:extLst>
+              <a:ext uri="{FF2B5EF4-FFF2-40B4-BE49-F238E27FC236}">
+                <a16:creationId xmlns:a16="http://schemas.microsoft.com/office/drawing/2014/main" id="{093A85D4-F269-8401-2891-109C562A0C9A}"/>
+              </a:ext>
+            </a:extLst>
+          </p:cNvPr>
+          <p:cNvSpPr/>
+          <p:nvPr/>
+        </p:nvSpPr>
+        <p:spPr>
+          <a:xfrm>
+            <a:off x="7968208" y="2564904"/>
+            <a:ext cx="216024" cy="216024"/>
+          </a:xfrm>
+          <a:prstGeom prst="ellipse">
+            <a:avLst/>
+          </a:prstGeom>
+          <a:solidFill>
+            <a:schemeClr val="tx1"/>
+          </a:solidFill>
+          <a:ln>
+            <a:noFill/>
+          </a:ln>
+        </p:spPr>
+        <p:style>
+          <a:lnRef idx="2">
+            <a:schemeClr val="accent1">
+              <a:shade val="50000"/>
+            </a:schemeClr>
+          </a:lnRef>
+          <a:fillRef idx="1">
+            <a:schemeClr val="accent1"/>
+          </a:fillRef>
+          <a:effectRef idx="0">
+            <a:schemeClr val="accent1"/>
+          </a:effectRef>
+          <a:fontRef idx="minor">
+            <a:schemeClr val="lt1"/>
+          </a:fontRef>
+        </p:style>
+        <p:txBody>
+          <a:bodyPr rtlCol="0" anchor="ctr"/>
+          <a:lstStyle/>
+          <a:p>
+            <a:pPr algn="ctr"/>
+            <a:endParaRPr lang="de-DE"/>
+          </a:p>
+        </p:txBody>
+      </p:sp>
+      <p:sp>
+        <p:nvSpPr>
+          <p:cNvPr id="15" name="Ellipse 14">
+            <a:extLst>
+              <a:ext uri="{FF2B5EF4-FFF2-40B4-BE49-F238E27FC236}">
+                <a16:creationId xmlns:a16="http://schemas.microsoft.com/office/drawing/2014/main" id="{E252B0FD-F28D-27C3-E1D3-FB962BC1FEAB}"/>
+              </a:ext>
+            </a:extLst>
+          </p:cNvPr>
+          <p:cNvSpPr/>
+          <p:nvPr/>
+        </p:nvSpPr>
+        <p:spPr>
+          <a:xfrm>
+            <a:off x="9716747" y="2672916"/>
+            <a:ext cx="216024" cy="216024"/>
+          </a:xfrm>
+          <a:prstGeom prst="ellipse">
+            <a:avLst/>
+          </a:prstGeom>
+          <a:solidFill>
+            <a:schemeClr val="tx1"/>
+          </a:solidFill>
+          <a:ln>
+            <a:noFill/>
+          </a:ln>
+        </p:spPr>
+        <p:style>
+          <a:lnRef idx="2">
+            <a:schemeClr val="accent1">
+              <a:shade val="50000"/>
+            </a:schemeClr>
+          </a:lnRef>
+          <a:fillRef idx="1">
+            <a:schemeClr val="accent1"/>
+          </a:fillRef>
+          <a:effectRef idx="0">
+            <a:schemeClr val="accent1"/>
+          </a:effectRef>
+          <a:fontRef idx="minor">
+            <a:schemeClr val="lt1"/>
+          </a:fontRef>
+        </p:style>
+        <p:txBody>
+          <a:bodyPr rtlCol="0" anchor="ctr"/>
+          <a:lstStyle/>
+          <a:p>
+            <a:pPr algn="ctr"/>
+            <a:endParaRPr lang="de-DE"/>
+          </a:p>
+        </p:txBody>
+      </p:sp>
+      <p:sp>
+        <p:nvSpPr>
+          <p:cNvPr id="23" name="Textfeld 22">
+            <a:extLst>
+              <a:ext uri="{FF2B5EF4-FFF2-40B4-BE49-F238E27FC236}">
+                <a16:creationId xmlns:a16="http://schemas.microsoft.com/office/drawing/2014/main" id="{7E7049A1-D960-09F7-E0D1-0E98B9CAF4C9}"/>
+              </a:ext>
+            </a:extLst>
+          </p:cNvPr>
+          <p:cNvSpPr txBox="1"/>
+          <p:nvPr/>
+        </p:nvSpPr>
+        <p:spPr>
+          <a:xfrm>
+            <a:off x="8879418" y="4002579"/>
+            <a:ext cx="505267" cy="369332"/>
+          </a:xfrm>
+          <a:prstGeom prst="rect">
+            <a:avLst/>
+          </a:prstGeom>
+          <a:noFill/>
+        </p:spPr>
+        <p:txBody>
+          <a:bodyPr wrap="none" rtlCol="0">
+            <a:spAutoFit/>
+          </a:bodyPr>
+          <a:lstStyle/>
+          <a:p>
+            <a:r>
+              <a:rPr lang="de-DE" dirty="0"/>
+              <a:t>Psi</a:t>
+            </a:r>
+          </a:p>
+        </p:txBody>
+      </p:sp>
+      <p:sp>
+        <p:nvSpPr>
+          <p:cNvPr id="24" name="Textfeld 23">
+            <a:extLst>
+              <a:ext uri="{FF2B5EF4-FFF2-40B4-BE49-F238E27FC236}">
+                <a16:creationId xmlns:a16="http://schemas.microsoft.com/office/drawing/2014/main" id="{CA36417E-1902-9400-94E4-3FFCF122E439}"/>
+              </a:ext>
+            </a:extLst>
+          </p:cNvPr>
+          <p:cNvSpPr txBox="1"/>
+          <p:nvPr/>
+        </p:nvSpPr>
+        <p:spPr>
+          <a:xfrm>
+            <a:off x="10010442" y="2168824"/>
+            <a:ext cx="761747" cy="369332"/>
+          </a:xfrm>
+          <a:prstGeom prst="rect">
+            <a:avLst/>
+          </a:prstGeom>
+          <a:noFill/>
+        </p:spPr>
+        <p:txBody>
+          <a:bodyPr wrap="none" rtlCol="0">
+            <a:spAutoFit/>
+          </a:bodyPr>
+          <a:lstStyle/>
+          <a:p>
+            <a:r>
+              <a:rPr lang="de-DE" dirty="0"/>
+              <a:t>Psi_2</a:t>
+            </a:r>
+          </a:p>
+        </p:txBody>
+      </p:sp>
+      <p:sp>
+        <p:nvSpPr>
+          <p:cNvPr id="25" name="Geschweifte Klammer rechts 24">
+            <a:extLst>
+              <a:ext uri="{FF2B5EF4-FFF2-40B4-BE49-F238E27FC236}">
+                <a16:creationId xmlns:a16="http://schemas.microsoft.com/office/drawing/2014/main" id="{BEBB0269-3FDB-6DB1-F8DC-A5A2AC8E7052}"/>
+              </a:ext>
+            </a:extLst>
+          </p:cNvPr>
+          <p:cNvSpPr/>
+          <p:nvPr/>
+        </p:nvSpPr>
+        <p:spPr>
+          <a:xfrm rot="5400000">
+            <a:off x="8886313" y="2600883"/>
+            <a:ext cx="360033" cy="2196244"/>
+          </a:xfrm>
+          <a:prstGeom prst="rightBrace">
+            <a:avLst/>
+          </a:prstGeom>
+          <a:ln w="28575"/>
+        </p:spPr>
+        <p:style>
+          <a:lnRef idx="1">
+            <a:schemeClr val="accent1"/>
+          </a:lnRef>
+          <a:fillRef idx="0">
+            <a:schemeClr val="accent1"/>
+          </a:fillRef>
+          <a:effectRef idx="0">
+            <a:schemeClr val="accent1"/>
+          </a:effectRef>
+          <a:fontRef idx="minor">
+            <a:schemeClr val="tx1"/>
+          </a:fontRef>
+        </p:style>
+        <p:txBody>
+          <a:bodyPr rtlCol="0" anchor="ctr"/>
+          <a:lstStyle/>
+          <a:p>
+            <a:pPr algn="ctr"/>
+            <a:endParaRPr lang="de-DE"/>
+          </a:p>
+        </p:txBody>
+      </p:sp>
+      <p:sp>
+        <p:nvSpPr>
+          <p:cNvPr id="26" name="Textfeld 25">
+            <a:extLst>
+              <a:ext uri="{FF2B5EF4-FFF2-40B4-BE49-F238E27FC236}">
+                <a16:creationId xmlns:a16="http://schemas.microsoft.com/office/drawing/2014/main" id="{7BEFA4F4-3F18-A6C4-9E22-1C0BCD17433C}"/>
+              </a:ext>
+            </a:extLst>
+          </p:cNvPr>
+          <p:cNvSpPr txBox="1"/>
+          <p:nvPr/>
+        </p:nvSpPr>
+        <p:spPr>
+          <a:xfrm>
+            <a:off x="7760568" y="1997224"/>
+            <a:ext cx="761747" cy="369332"/>
+          </a:xfrm>
+          <a:prstGeom prst="rect">
+            <a:avLst/>
+          </a:prstGeom>
+          <a:noFill/>
+        </p:spPr>
+        <p:txBody>
+          <a:bodyPr wrap="none" rtlCol="0">
+            <a:spAutoFit/>
+          </a:bodyPr>
+          <a:lstStyle/>
+          <a:p>
+            <a:r>
+              <a:rPr lang="de-DE" dirty="0"/>
+              <a:t>Psi_1</a:t>
+            </a:r>
           </a:p>
         </p:txBody>
       </p:sp>
     </p:spTree>
     <p:extLst>
       <p:ext uri="{BB962C8B-B14F-4D97-AF65-F5344CB8AC3E}">
-        <p14:creationId xmlns:p14="http://schemas.microsoft.com/office/powerpoint/2010/main" val="3171381206"/>
+        <p14:creationId xmlns:p14="http://schemas.microsoft.com/office/powerpoint/2010/main" val="893616543"/>
       </p:ext>
     </p:extLst>
   </p:cSld>
@@ -6163,14 +6982,96 @@
           <a:chExt cx="0" cy="0"/>
         </a:xfrm>
       </p:grpSpPr>
-      <p:sp>
-        <p:nvSpPr>
-          <p:cNvPr id="2" name="Fußzeilenplatzhalter 1"/>
-          <p:cNvSpPr>
-            <a:spLocks noGrp="1"/>
-          </p:cNvSpPr>
-          <p:nvPr>
-            <p:ph type="ftr" sz="quarter" idx="10"/>
+      <p:cxnSp>
+        <p:nvCxnSpPr>
+          <p:cNvPr id="22" name="Gerade Verbindung mit Pfeil 21">
+            <a:extLst>
+              <a:ext uri="{FF2B5EF4-FFF2-40B4-BE49-F238E27FC236}">
+                <a16:creationId xmlns:a16="http://schemas.microsoft.com/office/drawing/2014/main" id="{9B5DF5A3-6FBF-405C-E6EA-9DD58A945575}"/>
+              </a:ext>
+            </a:extLst>
+          </p:cNvPr>
+          <p:cNvCxnSpPr>
+            <a:cxnSpLocks/>
+          </p:cNvCxnSpPr>
+          <p:nvPr/>
+        </p:nvCxnSpPr>
+        <p:spPr>
+          <a:xfrm flipV="1">
+            <a:off x="9824759" y="2462065"/>
+            <a:ext cx="0" cy="535450"/>
+          </a:xfrm>
+          <a:prstGeom prst="straightConnector1">
+            <a:avLst/>
+          </a:prstGeom>
+          <a:ln w="41275">
+            <a:tailEnd type="triangle"/>
+          </a:ln>
+        </p:spPr>
+        <p:style>
+          <a:lnRef idx="1">
+            <a:schemeClr val="accent1"/>
+          </a:lnRef>
+          <a:fillRef idx="0">
+            <a:schemeClr val="accent1"/>
+          </a:fillRef>
+          <a:effectRef idx="0">
+            <a:schemeClr val="accent1"/>
+          </a:effectRef>
+          <a:fontRef idx="minor">
+            <a:schemeClr val="tx1"/>
+          </a:fontRef>
+        </p:style>
+      </p:cxnSp>
+      <p:cxnSp>
+        <p:nvCxnSpPr>
+          <p:cNvPr id="17" name="Gerade Verbindung mit Pfeil 16">
+            <a:extLst>
+              <a:ext uri="{FF2B5EF4-FFF2-40B4-BE49-F238E27FC236}">
+                <a16:creationId xmlns:a16="http://schemas.microsoft.com/office/drawing/2014/main" id="{00859EDA-D88E-1CA2-706C-DD9325DBC56E}"/>
+              </a:ext>
+            </a:extLst>
+          </p:cNvPr>
+          <p:cNvCxnSpPr>
+            <a:cxnSpLocks/>
+          </p:cNvCxnSpPr>
+          <p:nvPr/>
+        </p:nvCxnSpPr>
+        <p:spPr>
+          <a:xfrm flipV="1">
+            <a:off x="8076220" y="2353490"/>
+            <a:ext cx="0" cy="535450"/>
+          </a:xfrm>
+          <a:prstGeom prst="straightConnector1">
+            <a:avLst/>
+          </a:prstGeom>
+          <a:ln w="41275">
+            <a:tailEnd type="triangle"/>
+          </a:ln>
+        </p:spPr>
+        <p:style>
+          <a:lnRef idx="1">
+            <a:schemeClr val="accent1"/>
+          </a:lnRef>
+          <a:fillRef idx="0">
+            <a:schemeClr val="accent1"/>
+          </a:fillRef>
+          <a:effectRef idx="0">
+            <a:schemeClr val="accent1"/>
+          </a:effectRef>
+          <a:fontRef idx="minor">
+            <a:schemeClr val="tx1"/>
+          </a:fontRef>
+        </p:style>
+      </p:cxnSp>
+      <p:sp>
+        <p:nvSpPr>
+          <p:cNvPr id="2" name="Titel 1"/>
+          <p:cNvSpPr>
+            <a:spLocks noGrp="1"/>
+          </p:cNvSpPr>
+          <p:nvPr>
+            <p:ph type="title"/>
           </p:nvPr>
         </p:nvSpPr>
         <p:spPr/>
@@ -6179,6 +7080,28 @@
           <a:lstStyle/>
           <a:p>
             <a:r>
+              <a:rPr lang="de-DE" dirty="0"/>
+              <a:t>Heisenbergs Theorie des Ferromagnetismus</a:t>
+            </a:r>
+          </a:p>
+        </p:txBody>
+      </p:sp>
+      <p:sp>
+        <p:nvSpPr>
+          <p:cNvPr id="5" name="Fußzeilenplatzhalter 4"/>
+          <p:cNvSpPr>
+            <a:spLocks noGrp="1"/>
+          </p:cNvSpPr>
+          <p:nvPr>
+            <p:ph type="ftr" sz="quarter" idx="3"/>
+          </p:nvPr>
+        </p:nvSpPr>
+        <p:spPr/>
+        <p:txBody>
+          <a:bodyPr/>
+          <a:lstStyle/>
+          <a:p>
+            <a:r>
               <a:rPr lang="de-DE"/>
               <a:t>Magnetisum und Altermagnetismus</a:t>
             </a:r>
@@ -6188,12 +7111,12 @@
       </p:sp>
       <p:sp>
         <p:nvSpPr>
-          <p:cNvPr id="3" name="Foliennummernplatzhalter 2"/>
-          <p:cNvSpPr>
-            <a:spLocks noGrp="1"/>
-          </p:cNvSpPr>
-          <p:nvPr>
-            <p:ph type="sldNum" sz="quarter" idx="11"/>
+          <p:cNvPr id="6" name="Foliennummernplatzhalter 5"/>
+          <p:cNvSpPr>
+            <a:spLocks noGrp="1"/>
+          </p:cNvSpPr>
+          <p:nvPr>
+            <p:ph type="sldNum" sz="quarter" idx="4"/>
           </p:nvPr>
         </p:nvSpPr>
         <p:spPr/>
@@ -6212,12 +7135,12 @@
       </p:sp>
       <p:sp>
         <p:nvSpPr>
-          <p:cNvPr id="4" name="Datumsplatzhalter 3"/>
-          <p:cNvSpPr>
-            <a:spLocks noGrp="1"/>
-          </p:cNvSpPr>
-          <p:nvPr>
-            <p:ph type="dt" sz="half" idx="12"/>
+          <p:cNvPr id="7" name="Datumsplatzhalter 6"/>
+          <p:cNvSpPr>
+            <a:spLocks noGrp="1"/>
+          </p:cNvSpPr>
+          <p:nvPr>
+            <p:ph type="dt" sz="half" idx="10"/>
           </p:nvPr>
         </p:nvSpPr>
         <p:spPr/>
@@ -6235,12 +7158,18 @@
       </p:sp>
       <p:sp>
         <p:nvSpPr>
-          <p:cNvPr id="6" name="Textplatzhalter 5"/>
-          <p:cNvSpPr>
-            <a:spLocks noGrp="1"/>
-          </p:cNvSpPr>
-          <p:nvPr>
-            <p:ph type="body" sz="quarter" idx="13"/>
+          <p:cNvPr id="9" name="Inhaltsplatzhalter 8">
+            <a:extLst>
+              <a:ext uri="{FF2B5EF4-FFF2-40B4-BE49-F238E27FC236}">
+                <a16:creationId xmlns:a16="http://schemas.microsoft.com/office/drawing/2014/main" id="{A9216E1D-8A30-DB9F-C5D0-71C6AD3CEB6B}"/>
+              </a:ext>
+            </a:extLst>
+          </p:cNvPr>
+          <p:cNvSpPr>
+            <a:spLocks noGrp="1"/>
+          </p:cNvSpPr>
+          <p:nvPr>
+            <p:ph sz="half" idx="1"/>
           </p:nvPr>
         </p:nvSpPr>
         <p:spPr/>
@@ -6249,44 +7178,386 @@
           <a:lstStyle/>
           <a:p>
             <a:r>
-              <a:rPr lang="de-DE"/>
-              <a:t>„Großes </a:t>
-            </a:r>
-          </a:p>
-          <a:p>
-            <a:r>
-              <a:rPr lang="de-DE"/>
-              <a:t>Zitat/Aussage. Typografie:</a:t>
-            </a:r>
-            <a:br>
-              <a:rPr lang="de-DE"/>
-            </a:br>
-            <a:r>
-              <a:rPr lang="de-DE"/>
-              <a:t>Arial Bold.“</a:t>
-            </a:r>
-          </a:p>
-          <a:p>
-            <a:pPr lvl="1"/>
-            <a:r>
-              <a:rPr lang="de-DE"/>
-              <a:t>Zitat Max Mustermann</a:t>
-            </a:r>
-            <a:br>
-              <a:rPr lang="de-DE"/>
-            </a:br>
-            <a:r>
-              <a:rPr lang="de-DE"/>
-              <a:t>[Formatierung 1 × „Einzug vergrößern“]</a:t>
-            </a:r>
-            <a:endParaRPr lang="de-DE" dirty="0"/>
+              <a:rPr lang="de-DE" dirty="0"/>
+              <a:t>Heisenbergs Lösung</a:t>
+            </a:r>
+          </a:p>
+          <a:p>
+            <a:pPr marL="0" lvl="2" indent="0">
+              <a:buNone/>
+            </a:pPr>
+            <a:endParaRPr lang="de-DE" dirty="0"/>
+          </a:p>
+          <a:p>
+            <a:pPr lvl="2"/>
+            <a:r>
+              <a:rPr lang="de-DE" dirty="0"/>
+              <a:t>Psi(q_1,q_2)  = psi_1(q_1) * psi_2(q_2)</a:t>
+            </a:r>
+          </a:p>
+          <a:p>
+            <a:pPr lvl="2"/>
+            <a:endParaRPr lang="de-DE" dirty="0"/>
+          </a:p>
+          <a:p>
+            <a:pPr lvl="2"/>
+            <a:r>
+              <a:rPr lang="de-DE" dirty="0"/>
+              <a:t>Dies ist noch kein </a:t>
+            </a:r>
+            <a:r>
+              <a:rPr lang="de-DE" dirty="0" err="1"/>
+              <a:t>physikalsicher</a:t>
+            </a:r>
+            <a:r>
+              <a:rPr lang="de-DE" dirty="0"/>
+              <a:t> Zustand</a:t>
+            </a:r>
+          </a:p>
+          <a:p>
+            <a:pPr lvl="3"/>
+            <a:r>
+              <a:rPr lang="de-DE" dirty="0"/>
+              <a:t>Muss noch </a:t>
+            </a:r>
+            <a:r>
+              <a:rPr lang="de-DE" dirty="0" err="1"/>
+              <a:t>symmetrisiert</a:t>
+            </a:r>
+            <a:r>
+              <a:rPr lang="de-DE" dirty="0"/>
+              <a:t> werden. </a:t>
+            </a:r>
+          </a:p>
+          <a:p>
+            <a:pPr lvl="3"/>
+            <a:r>
+              <a:rPr lang="de-DE" dirty="0"/>
+              <a:t>Elektronen =&gt; </a:t>
+            </a:r>
+            <a:r>
+              <a:rPr lang="de-DE" dirty="0" err="1"/>
+              <a:t>Antisymmetrisierung</a:t>
+            </a:r>
+            <a:endParaRPr lang="de-DE" dirty="0"/>
+          </a:p>
+          <a:p>
+            <a:endParaRPr lang="de-DE" dirty="0"/>
+          </a:p>
+        </p:txBody>
+      </p:sp>
+      <p:sp>
+        <p:nvSpPr>
+          <p:cNvPr id="12" name="Ellipse 11">
+            <a:extLst>
+              <a:ext uri="{FF2B5EF4-FFF2-40B4-BE49-F238E27FC236}">
+                <a16:creationId xmlns:a16="http://schemas.microsoft.com/office/drawing/2014/main" id="{CBF99DD7-AB45-A200-0B91-25FDA9B0FC0D}"/>
+              </a:ext>
+            </a:extLst>
+          </p:cNvPr>
+          <p:cNvSpPr/>
+          <p:nvPr/>
+        </p:nvSpPr>
+        <p:spPr>
+          <a:xfrm>
+            <a:off x="8908381" y="2924944"/>
+            <a:ext cx="360040" cy="360040"/>
+          </a:xfrm>
+          <a:prstGeom prst="ellipse">
+            <a:avLst/>
+          </a:prstGeom>
+          <a:solidFill>
+            <a:schemeClr val="bg1">
+              <a:lumMod val="75000"/>
+            </a:schemeClr>
+          </a:solidFill>
+          <a:ln>
+            <a:noFill/>
+          </a:ln>
+        </p:spPr>
+        <p:style>
+          <a:lnRef idx="2">
+            <a:schemeClr val="accent1">
+              <a:shade val="50000"/>
+            </a:schemeClr>
+          </a:lnRef>
+          <a:fillRef idx="1">
+            <a:schemeClr val="accent1"/>
+          </a:fillRef>
+          <a:effectRef idx="0">
+            <a:schemeClr val="accent1"/>
+          </a:effectRef>
+          <a:fontRef idx="minor">
+            <a:schemeClr val="lt1"/>
+          </a:fontRef>
+        </p:style>
+        <p:txBody>
+          <a:bodyPr rtlCol="0" anchor="ctr"/>
+          <a:lstStyle/>
+          <a:p>
+            <a:pPr algn="ctr"/>
+            <a:endParaRPr lang="de-DE"/>
+          </a:p>
+        </p:txBody>
+      </p:sp>
+      <p:sp>
+        <p:nvSpPr>
+          <p:cNvPr id="13" name="Ellipse 12">
+            <a:extLst>
+              <a:ext uri="{FF2B5EF4-FFF2-40B4-BE49-F238E27FC236}">
+                <a16:creationId xmlns:a16="http://schemas.microsoft.com/office/drawing/2014/main" id="{093A85D4-F269-8401-2891-109C562A0C9A}"/>
+              </a:ext>
+            </a:extLst>
+          </p:cNvPr>
+          <p:cNvSpPr/>
+          <p:nvPr/>
+        </p:nvSpPr>
+        <p:spPr>
+          <a:xfrm>
+            <a:off x="7968208" y="2564904"/>
+            <a:ext cx="216024" cy="216024"/>
+          </a:xfrm>
+          <a:prstGeom prst="ellipse">
+            <a:avLst/>
+          </a:prstGeom>
+          <a:solidFill>
+            <a:schemeClr val="tx1"/>
+          </a:solidFill>
+          <a:ln>
+            <a:noFill/>
+          </a:ln>
+        </p:spPr>
+        <p:style>
+          <a:lnRef idx="2">
+            <a:schemeClr val="accent1">
+              <a:shade val="50000"/>
+            </a:schemeClr>
+          </a:lnRef>
+          <a:fillRef idx="1">
+            <a:schemeClr val="accent1"/>
+          </a:fillRef>
+          <a:effectRef idx="0">
+            <a:schemeClr val="accent1"/>
+          </a:effectRef>
+          <a:fontRef idx="minor">
+            <a:schemeClr val="lt1"/>
+          </a:fontRef>
+        </p:style>
+        <p:txBody>
+          <a:bodyPr rtlCol="0" anchor="ctr"/>
+          <a:lstStyle/>
+          <a:p>
+            <a:pPr algn="ctr"/>
+            <a:endParaRPr lang="de-DE"/>
+          </a:p>
+        </p:txBody>
+      </p:sp>
+      <p:sp>
+        <p:nvSpPr>
+          <p:cNvPr id="15" name="Ellipse 14">
+            <a:extLst>
+              <a:ext uri="{FF2B5EF4-FFF2-40B4-BE49-F238E27FC236}">
+                <a16:creationId xmlns:a16="http://schemas.microsoft.com/office/drawing/2014/main" id="{E252B0FD-F28D-27C3-E1D3-FB962BC1FEAB}"/>
+              </a:ext>
+            </a:extLst>
+          </p:cNvPr>
+          <p:cNvSpPr/>
+          <p:nvPr/>
+        </p:nvSpPr>
+        <p:spPr>
+          <a:xfrm>
+            <a:off x="9716747" y="2672916"/>
+            <a:ext cx="216024" cy="216024"/>
+          </a:xfrm>
+          <a:prstGeom prst="ellipse">
+            <a:avLst/>
+          </a:prstGeom>
+          <a:solidFill>
+            <a:schemeClr val="tx1"/>
+          </a:solidFill>
+          <a:ln>
+            <a:noFill/>
+          </a:ln>
+        </p:spPr>
+        <p:style>
+          <a:lnRef idx="2">
+            <a:schemeClr val="accent1">
+              <a:shade val="50000"/>
+            </a:schemeClr>
+          </a:lnRef>
+          <a:fillRef idx="1">
+            <a:schemeClr val="accent1"/>
+          </a:fillRef>
+          <a:effectRef idx="0">
+            <a:schemeClr val="accent1"/>
+          </a:effectRef>
+          <a:fontRef idx="minor">
+            <a:schemeClr val="lt1"/>
+          </a:fontRef>
+        </p:style>
+        <p:txBody>
+          <a:bodyPr rtlCol="0" anchor="ctr"/>
+          <a:lstStyle/>
+          <a:p>
+            <a:pPr algn="ctr"/>
+            <a:endParaRPr lang="de-DE"/>
+          </a:p>
+        </p:txBody>
+      </p:sp>
+      <p:sp>
+        <p:nvSpPr>
+          <p:cNvPr id="23" name="Textfeld 22">
+            <a:extLst>
+              <a:ext uri="{FF2B5EF4-FFF2-40B4-BE49-F238E27FC236}">
+                <a16:creationId xmlns:a16="http://schemas.microsoft.com/office/drawing/2014/main" id="{7E7049A1-D960-09F7-E0D1-0E98B9CAF4C9}"/>
+              </a:ext>
+            </a:extLst>
+          </p:cNvPr>
+          <p:cNvSpPr txBox="1"/>
+          <p:nvPr/>
+        </p:nvSpPr>
+        <p:spPr>
+          <a:xfrm>
+            <a:off x="8879418" y="4002579"/>
+            <a:ext cx="505267" cy="369332"/>
+          </a:xfrm>
+          <a:prstGeom prst="rect">
+            <a:avLst/>
+          </a:prstGeom>
+          <a:noFill/>
+        </p:spPr>
+        <p:txBody>
+          <a:bodyPr wrap="none" rtlCol="0">
+            <a:spAutoFit/>
+          </a:bodyPr>
+          <a:lstStyle/>
+          <a:p>
+            <a:r>
+              <a:rPr lang="de-DE" dirty="0"/>
+              <a:t>Psi</a:t>
+            </a:r>
+          </a:p>
+        </p:txBody>
+      </p:sp>
+      <p:sp>
+        <p:nvSpPr>
+          <p:cNvPr id="24" name="Textfeld 23">
+            <a:extLst>
+              <a:ext uri="{FF2B5EF4-FFF2-40B4-BE49-F238E27FC236}">
+                <a16:creationId xmlns:a16="http://schemas.microsoft.com/office/drawing/2014/main" id="{CA36417E-1902-9400-94E4-3FFCF122E439}"/>
+              </a:ext>
+            </a:extLst>
+          </p:cNvPr>
+          <p:cNvSpPr txBox="1"/>
+          <p:nvPr/>
+        </p:nvSpPr>
+        <p:spPr>
+          <a:xfrm>
+            <a:off x="10010442" y="2168824"/>
+            <a:ext cx="761747" cy="369332"/>
+          </a:xfrm>
+          <a:prstGeom prst="rect">
+            <a:avLst/>
+          </a:prstGeom>
+          <a:noFill/>
+        </p:spPr>
+        <p:txBody>
+          <a:bodyPr wrap="none" rtlCol="0">
+            <a:spAutoFit/>
+          </a:bodyPr>
+          <a:lstStyle/>
+          <a:p>
+            <a:r>
+              <a:rPr lang="de-DE" dirty="0"/>
+              <a:t>Psi_2</a:t>
+            </a:r>
+          </a:p>
+        </p:txBody>
+      </p:sp>
+      <p:sp>
+        <p:nvSpPr>
+          <p:cNvPr id="25" name="Geschweifte Klammer rechts 24">
+            <a:extLst>
+              <a:ext uri="{FF2B5EF4-FFF2-40B4-BE49-F238E27FC236}">
+                <a16:creationId xmlns:a16="http://schemas.microsoft.com/office/drawing/2014/main" id="{BEBB0269-3FDB-6DB1-F8DC-A5A2AC8E7052}"/>
+              </a:ext>
+            </a:extLst>
+          </p:cNvPr>
+          <p:cNvSpPr/>
+          <p:nvPr/>
+        </p:nvSpPr>
+        <p:spPr>
+          <a:xfrm rot="5400000">
+            <a:off x="8886313" y="2600883"/>
+            <a:ext cx="360033" cy="2196244"/>
+          </a:xfrm>
+          <a:prstGeom prst="rightBrace">
+            <a:avLst/>
+          </a:prstGeom>
+          <a:ln w="28575"/>
+        </p:spPr>
+        <p:style>
+          <a:lnRef idx="1">
+            <a:schemeClr val="accent1"/>
+          </a:lnRef>
+          <a:fillRef idx="0">
+            <a:schemeClr val="accent1"/>
+          </a:fillRef>
+          <a:effectRef idx="0">
+            <a:schemeClr val="accent1"/>
+          </a:effectRef>
+          <a:fontRef idx="minor">
+            <a:schemeClr val="tx1"/>
+          </a:fontRef>
+        </p:style>
+        <p:txBody>
+          <a:bodyPr rtlCol="0" anchor="ctr"/>
+          <a:lstStyle/>
+          <a:p>
+            <a:pPr algn="ctr"/>
+            <a:endParaRPr lang="de-DE"/>
+          </a:p>
+        </p:txBody>
+      </p:sp>
+      <p:sp>
+        <p:nvSpPr>
+          <p:cNvPr id="26" name="Textfeld 25">
+            <a:extLst>
+              <a:ext uri="{FF2B5EF4-FFF2-40B4-BE49-F238E27FC236}">
+                <a16:creationId xmlns:a16="http://schemas.microsoft.com/office/drawing/2014/main" id="{7BEFA4F4-3F18-A6C4-9E22-1C0BCD17433C}"/>
+              </a:ext>
+            </a:extLst>
+          </p:cNvPr>
+          <p:cNvSpPr txBox="1"/>
+          <p:nvPr/>
+        </p:nvSpPr>
+        <p:spPr>
+          <a:xfrm>
+            <a:off x="7760568" y="1997224"/>
+            <a:ext cx="761747" cy="369332"/>
+          </a:xfrm>
+          <a:prstGeom prst="rect">
+            <a:avLst/>
+          </a:prstGeom>
+          <a:noFill/>
+        </p:spPr>
+        <p:txBody>
+          <a:bodyPr wrap="none" rtlCol="0">
+            <a:spAutoFit/>
+          </a:bodyPr>
+          <a:lstStyle/>
+          <a:p>
+            <a:r>
+              <a:rPr lang="de-DE" dirty="0"/>
+              <a:t>Psi_1</a:t>
+            </a:r>
           </a:p>
         </p:txBody>
       </p:sp>
     </p:spTree>
     <p:extLst>
       <p:ext uri="{BB962C8B-B14F-4D97-AF65-F5344CB8AC3E}">
-        <p14:creationId xmlns:p14="http://schemas.microsoft.com/office/powerpoint/2010/main" val="2591564855"/>
+        <p14:creationId xmlns:p14="http://schemas.microsoft.com/office/powerpoint/2010/main" val="769778641"/>
       </p:ext>
     </p:extLst>
   </p:cSld>
@@ -6315,12 +7586,12 @@
       </p:grpSpPr>
       <p:sp>
         <p:nvSpPr>
-          <p:cNvPr id="2" name="Fußzeilenplatzhalter 1"/>
-          <p:cNvSpPr>
-            <a:spLocks noGrp="1"/>
-          </p:cNvSpPr>
-          <p:nvPr>
-            <p:ph type="ftr" sz="quarter" idx="10"/>
+          <p:cNvPr id="2" name="Titel 1"/>
+          <p:cNvSpPr>
+            <a:spLocks noGrp="1"/>
+          </p:cNvSpPr>
+          <p:nvPr>
+            <p:ph type="title"/>
           </p:nvPr>
         </p:nvSpPr>
         <p:spPr/>
@@ -6330,107 +7601,188 @@
           <a:p>
             <a:r>
               <a:rPr lang="de-DE"/>
+              <a:t>Headline für Textfolie Arial Bold</a:t>
+            </a:r>
+            <a:br>
+              <a:rPr lang="de-DE"/>
+            </a:br>
+            <a:r>
+              <a:rPr lang="de-DE"/>
+              <a:t>Headline maximal zwei Zeilen</a:t>
+            </a:r>
+            <a:endParaRPr lang="de-DE" dirty="0"/>
+          </a:p>
+        </p:txBody>
+      </p:sp>
+      <p:sp>
+        <p:nvSpPr>
+          <p:cNvPr id="3" name="Inhaltsplatzhalter 2"/>
+          <p:cNvSpPr>
+            <a:spLocks noGrp="1"/>
+          </p:cNvSpPr>
+          <p:nvPr>
+            <p:ph idx="1"/>
+          </p:nvPr>
+        </p:nvSpPr>
+        <p:spPr/>
+        <p:txBody>
+          <a:bodyPr/>
+          <a:lstStyle/>
+          <a:p>
+            <a:r>
+              <a:rPr lang="de-DE"/>
+              <a:t>Subheadline in Arial Bold mit Akzentfarbe 1</a:t>
+            </a:r>
+          </a:p>
+          <a:p>
+            <a:endParaRPr lang="de-DE"/>
+          </a:p>
+          <a:p>
+            <a:pPr lvl="1"/>
+            <a:r>
+              <a:rPr lang="de-DE"/>
+              <a:t>Fließtext in Arial Regular. Illament ulluptatis desci dolent even ducit. Qui voluptas. Eni impor hacksy hiliqui tectem repeliq dello fugitis qui repera dolore cum. Enimpor ersperc hili aqui tectem repeliq dello fugitis. Enimpor ersperc hiliqui.</a:t>
+            </a:r>
+          </a:p>
+          <a:p>
+            <a:endParaRPr lang="de-DE"/>
+          </a:p>
+          <a:p>
+            <a:r>
+              <a:rPr lang="de-DE"/>
+              <a:t>Subheadline in Arial Bold mit Akzentfarbe 1</a:t>
+            </a:r>
+          </a:p>
+          <a:p>
+            <a:endParaRPr lang="de-DE"/>
+          </a:p>
+          <a:p>
+            <a:pPr lvl="2"/>
+            <a:r>
+              <a:rPr lang="de-DE"/>
+              <a:t>Enimpor ersperc hiliqui tectem uatiuntum fugitis.</a:t>
+            </a:r>
+          </a:p>
+          <a:p>
+            <a:pPr lvl="2"/>
+            <a:r>
+              <a:rPr lang="de-DE"/>
+              <a:t>Solupti undandae neso re ulpa impor ersperc. Iderae velenist et vent dolores magnis earumquam que consero inis aut et volo.</a:t>
+            </a:r>
+          </a:p>
+          <a:p>
+            <a:pPr lvl="3"/>
+            <a:r>
+              <a:rPr lang="de-DE"/>
+              <a:t>Tur, tem rerita qui repera dolore cum qui voluptas et laborer.</a:t>
+            </a:r>
+          </a:p>
+          <a:p>
+            <a:pPr lvl="3"/>
+            <a:r>
+              <a:rPr lang="de-DE"/>
+              <a:t>Vid ut eatiati onectem ventet dolore dolupta es volupta</a:t>
+            </a:r>
+          </a:p>
+          <a:p>
+            <a:pPr lvl="3"/>
+            <a:r>
+              <a:rPr lang="de-DE"/>
+              <a:t>Tquisci endersped quas ullandi beat dit et quo omnis expelig</a:t>
+            </a:r>
+            <a:endParaRPr lang="de-DE" dirty="0"/>
+          </a:p>
+        </p:txBody>
+      </p:sp>
+      <p:sp>
+        <p:nvSpPr>
+          <p:cNvPr id="7" name="Fußzeilenplatzhalter 4"/>
+          <p:cNvSpPr>
+            <a:spLocks noGrp="1"/>
+          </p:cNvSpPr>
+          <p:nvPr>
+            <p:ph type="ftr" sz="quarter" idx="3"/>
+          </p:nvPr>
+        </p:nvSpPr>
+        <p:spPr>
+          <a:xfrm>
+            <a:off x="3326097" y="6453336"/>
+            <a:ext cx="4247802" cy="216024"/>
+          </a:xfrm>
+        </p:spPr>
+        <p:txBody>
+          <a:bodyPr/>
+          <a:lstStyle/>
+          <a:p>
+            <a:r>
+              <a:rPr lang="de-DE" sz="900"/>
               <a:t>Magnetisum und Altermagnetismus</a:t>
             </a:r>
-            <a:endParaRPr lang="de-DE" dirty="0"/>
-          </a:p>
-        </p:txBody>
-      </p:sp>
-      <p:sp>
-        <p:nvSpPr>
-          <p:cNvPr id="3" name="Foliennummernplatzhalter 2"/>
-          <p:cNvSpPr>
-            <a:spLocks noGrp="1"/>
-          </p:cNvSpPr>
-          <p:nvPr>
-            <p:ph type="sldNum" sz="quarter" idx="11"/>
-          </p:nvPr>
-        </p:nvSpPr>
-        <p:spPr/>
+            <a:endParaRPr lang="de-DE" sz="900" dirty="0"/>
+          </a:p>
+        </p:txBody>
+      </p:sp>
+      <p:sp>
+        <p:nvSpPr>
+          <p:cNvPr id="8" name="Foliennummernplatzhalter 5"/>
+          <p:cNvSpPr>
+            <a:spLocks noGrp="1"/>
+          </p:cNvSpPr>
+          <p:nvPr>
+            <p:ph type="sldNum" sz="quarter" idx="4"/>
+          </p:nvPr>
+        </p:nvSpPr>
+        <p:spPr>
+          <a:xfrm>
+            <a:off x="452759" y="6453336"/>
+            <a:ext cx="935038" cy="216024"/>
+          </a:xfrm>
+        </p:spPr>
         <p:txBody>
           <a:bodyPr/>
           <a:lstStyle/>
           <a:p>
             <a:fld id="{C05EE493-AD2E-4872-B2F6-8F12A747F0A5}" type="slidenum">
-              <a:rPr lang="de-DE" smtClean="0"/>
+              <a:rPr lang="de-DE" sz="900"/>
               <a:pPr/>
               <a:t>16</a:t>
             </a:fld>
-            <a:endParaRPr lang="de-DE" dirty="0"/>
-          </a:p>
-        </p:txBody>
-      </p:sp>
-      <p:sp>
-        <p:nvSpPr>
-          <p:cNvPr id="4" name="Datumsplatzhalter 3"/>
-          <p:cNvSpPr>
-            <a:spLocks noGrp="1"/>
-          </p:cNvSpPr>
-          <p:nvPr>
-            <p:ph type="dt" sz="half" idx="12"/>
-          </p:nvPr>
-        </p:nvSpPr>
-        <p:spPr/>
+            <a:endParaRPr lang="de-DE" sz="900" dirty="0"/>
+          </a:p>
+        </p:txBody>
+      </p:sp>
+      <p:sp>
+        <p:nvSpPr>
+          <p:cNvPr id="9" name="Datumsplatzhalter 3"/>
+          <p:cNvSpPr>
+            <a:spLocks noGrp="1"/>
+          </p:cNvSpPr>
+          <p:nvPr>
+            <p:ph type="dt" sz="half" idx="2"/>
+          </p:nvPr>
+        </p:nvSpPr>
+        <p:spPr>
+          <a:xfrm>
+            <a:off x="1871663" y="6453336"/>
+            <a:ext cx="936626" cy="216024"/>
+          </a:xfrm>
+        </p:spPr>
         <p:txBody>
           <a:bodyPr/>
           <a:lstStyle/>
           <a:p>
             <a:r>
-              <a:rPr lang="de-DE"/>
+              <a:rPr lang="de-DE" sz="900"/>
               <a:t>07.06.2024</a:t>
             </a:r>
-            <a:endParaRPr lang="de-DE" dirty="0"/>
-          </a:p>
-        </p:txBody>
-      </p:sp>
-      <p:sp>
-        <p:nvSpPr>
-          <p:cNvPr id="6" name="Textplatzhalter 5"/>
-          <p:cNvSpPr>
-            <a:spLocks noGrp="1"/>
-          </p:cNvSpPr>
-          <p:nvPr>
-            <p:ph type="body" sz="quarter" idx="13"/>
-          </p:nvPr>
-        </p:nvSpPr>
-        <p:spPr/>
-        <p:txBody>
-          <a:bodyPr/>
-          <a:lstStyle/>
-          <a:p>
-            <a:r>
-              <a:rPr lang="de-DE"/>
-              <a:t>„Zitat/Aussage. </a:t>
-            </a:r>
-            <a:br>
-              <a:rPr lang="de-DE"/>
-            </a:br>
-            <a:r>
-              <a:rPr lang="de-DE"/>
-              <a:t>Typografie: Arial Bold.“</a:t>
-            </a:r>
-          </a:p>
-          <a:p>
-            <a:pPr lvl="1"/>
-            <a:r>
-              <a:rPr lang="de-DE"/>
-              <a:t>Zitat Max Mustermann</a:t>
-            </a:r>
-            <a:br>
-              <a:rPr lang="de-DE"/>
-            </a:br>
-            <a:r>
-              <a:rPr lang="de-DE"/>
-              <a:t>[Formatierung 1 × „Einzug vergrößern“]</a:t>
-            </a:r>
-            <a:endParaRPr lang="de-DE" dirty="0"/>
+            <a:endParaRPr lang="de-DE" sz="900" dirty="0"/>
           </a:p>
         </p:txBody>
       </p:sp>
     </p:spTree>
     <p:extLst>
       <p:ext uri="{BB962C8B-B14F-4D97-AF65-F5344CB8AC3E}">
-        <p14:creationId xmlns:p14="http://schemas.microsoft.com/office/powerpoint/2010/main" val="634207922"/>
+        <p14:creationId xmlns:p14="http://schemas.microsoft.com/office/powerpoint/2010/main" val="3026823599"/>
       </p:ext>
     </p:extLst>
   </p:cSld>
@@ -6459,7 +7811,7 @@
       </p:grpSpPr>
       <p:sp>
         <p:nvSpPr>
-          <p:cNvPr id="15" name="Titel 14"/>
+          <p:cNvPr id="2" name="Titel 1"/>
           <p:cNvSpPr>
             <a:spLocks noGrp="1"/>
           </p:cNvSpPr>
@@ -6473,20 +7825,28 @@
           <a:lstStyle/>
           <a:p>
             <a:r>
-              <a:rPr lang="de-DE" dirty="0"/>
-              <a:t>Merken-Element für die PowerPoint-Anwendung</a:t>
-            </a:r>
-          </a:p>
-        </p:txBody>
-      </p:sp>
-      <p:sp>
-        <p:nvSpPr>
-          <p:cNvPr id="3" name="Fußzeilenplatzhalter 2"/>
-          <p:cNvSpPr>
-            <a:spLocks noGrp="1"/>
-          </p:cNvSpPr>
-          <p:nvPr>
-            <p:ph type="ftr" sz="quarter" idx="10"/>
+              <a:rPr lang="de-DE"/>
+              <a:t>Headline für Textfolie Arial Bold</a:t>
+            </a:r>
+            <a:br>
+              <a:rPr lang="de-DE"/>
+            </a:br>
+            <a:r>
+              <a:rPr lang="de-DE"/>
+              <a:t>Headline maximal zwei Zeilen</a:t>
+            </a:r>
+            <a:endParaRPr lang="de-DE" dirty="0"/>
+          </a:p>
+        </p:txBody>
+      </p:sp>
+      <p:sp>
+        <p:nvSpPr>
+          <p:cNvPr id="3" name="Inhaltsplatzhalter 2"/>
+          <p:cNvSpPr>
+            <a:spLocks noGrp="1"/>
+          </p:cNvSpPr>
+          <p:nvPr>
+            <p:ph sz="half" idx="1"/>
           </p:nvPr>
         </p:nvSpPr>
         <p:spPr/>
@@ -6495,9 +7855,1075 @@
           <a:lstStyle/>
           <a:p>
             <a:r>
-              <a:rPr lang="de-DE"/>
+              <a:rPr lang="de-DE" dirty="0"/>
+              <a:t>Subheadline </a:t>
+            </a:r>
+            <a:r>
+              <a:rPr lang="de-DE" dirty="0" err="1"/>
+              <a:t>Bold</a:t>
+            </a:r>
+            <a:r>
+              <a:rPr lang="de-DE" dirty="0"/>
+              <a:t> Akzentfarbe 1</a:t>
+            </a:r>
+          </a:p>
+          <a:p>
+            <a:endParaRPr lang="de-DE" dirty="0"/>
+          </a:p>
+          <a:p>
+            <a:pPr lvl="1"/>
+            <a:r>
+              <a:rPr lang="de-DE" dirty="0"/>
+              <a:t>Fließtext in Arial Regular. </a:t>
+            </a:r>
+            <a:r>
+              <a:rPr lang="de-DE" dirty="0" err="1"/>
+              <a:t>Illament</a:t>
+            </a:r>
+            <a:r>
+              <a:rPr lang="de-DE" dirty="0"/>
+              <a:t> </a:t>
+            </a:r>
+            <a:r>
+              <a:rPr lang="de-DE" dirty="0" err="1"/>
+              <a:t>ulluptatis</a:t>
+            </a:r>
+            <a:r>
+              <a:rPr lang="de-DE" dirty="0"/>
+              <a:t> </a:t>
+            </a:r>
+            <a:r>
+              <a:rPr lang="de-DE" dirty="0" err="1"/>
+              <a:t>desci</a:t>
+            </a:r>
+            <a:r>
+              <a:rPr lang="de-DE" dirty="0"/>
+              <a:t> </a:t>
+            </a:r>
+            <a:r>
+              <a:rPr lang="de-DE" dirty="0" err="1"/>
+              <a:t>dolent</a:t>
+            </a:r>
+            <a:r>
+              <a:rPr lang="de-DE" dirty="0"/>
+              <a:t> </a:t>
+            </a:r>
+            <a:r>
+              <a:rPr lang="de-DE" dirty="0" err="1"/>
+              <a:t>even</a:t>
+            </a:r>
+            <a:r>
+              <a:rPr lang="de-DE" dirty="0"/>
+              <a:t> </a:t>
+            </a:r>
+            <a:r>
+              <a:rPr lang="de-DE" dirty="0" err="1"/>
+              <a:t>ducit</a:t>
+            </a:r>
+            <a:r>
+              <a:rPr lang="de-DE" dirty="0"/>
+              <a:t>. </a:t>
+            </a:r>
+            <a:r>
+              <a:rPr lang="de-DE" dirty="0" err="1"/>
+              <a:t>Qui</a:t>
+            </a:r>
+            <a:r>
+              <a:rPr lang="de-DE" dirty="0"/>
+              <a:t> </a:t>
+            </a:r>
+            <a:r>
+              <a:rPr lang="de-DE" dirty="0" err="1"/>
+              <a:t>voluptas</a:t>
+            </a:r>
+            <a:r>
+              <a:rPr lang="de-DE" dirty="0"/>
+              <a:t>. </a:t>
+            </a:r>
+          </a:p>
+          <a:p>
+            <a:endParaRPr lang="de-DE" dirty="0"/>
+          </a:p>
+          <a:p>
+            <a:pPr lvl="2"/>
+            <a:r>
+              <a:rPr lang="de-DE" dirty="0" err="1"/>
+              <a:t>Enimpor</a:t>
+            </a:r>
+            <a:r>
+              <a:rPr lang="de-DE" dirty="0"/>
+              <a:t> </a:t>
+            </a:r>
+            <a:r>
+              <a:rPr lang="de-DE" dirty="0" err="1"/>
+              <a:t>ersperc</a:t>
+            </a:r>
+            <a:r>
+              <a:rPr lang="de-DE" dirty="0"/>
+              <a:t> </a:t>
+            </a:r>
+            <a:r>
+              <a:rPr lang="de-DE" dirty="0" err="1"/>
+              <a:t>hiliqui</a:t>
+            </a:r>
+            <a:r>
+              <a:rPr lang="de-DE" dirty="0"/>
+              <a:t> </a:t>
+            </a:r>
+            <a:r>
+              <a:rPr lang="de-DE" dirty="0" err="1"/>
+              <a:t>tectem</a:t>
+            </a:r>
+            <a:r>
+              <a:rPr lang="de-DE" dirty="0"/>
+              <a:t> </a:t>
+            </a:r>
+            <a:r>
+              <a:rPr lang="de-DE" dirty="0" err="1"/>
+              <a:t>fugitis</a:t>
+            </a:r>
+            <a:r>
+              <a:rPr lang="de-DE" dirty="0"/>
+              <a:t>.</a:t>
+            </a:r>
+          </a:p>
+          <a:p>
+            <a:pPr lvl="2"/>
+            <a:r>
+              <a:rPr lang="de-DE" dirty="0" err="1"/>
+              <a:t>Solupti</a:t>
+            </a:r>
+            <a:r>
+              <a:rPr lang="de-DE" dirty="0"/>
+              <a:t> </a:t>
+            </a:r>
+            <a:r>
+              <a:rPr lang="de-DE" dirty="0" err="1"/>
+              <a:t>undandae</a:t>
+            </a:r>
+            <a:r>
+              <a:rPr lang="de-DE" dirty="0"/>
+              <a:t> </a:t>
+            </a:r>
+            <a:r>
+              <a:rPr lang="de-DE" dirty="0" err="1"/>
+              <a:t>neso</a:t>
+            </a:r>
+            <a:r>
+              <a:rPr lang="de-DE" dirty="0"/>
+              <a:t> </a:t>
+            </a:r>
+            <a:r>
+              <a:rPr lang="de-DE" dirty="0" err="1"/>
+              <a:t>re</a:t>
+            </a:r>
+            <a:r>
+              <a:rPr lang="de-DE" dirty="0"/>
+              <a:t> </a:t>
+            </a:r>
+            <a:r>
+              <a:rPr lang="de-DE" dirty="0" err="1"/>
+              <a:t>ulpa</a:t>
+            </a:r>
+            <a:r>
+              <a:rPr lang="de-DE" dirty="0"/>
+              <a:t> </a:t>
+            </a:r>
+            <a:r>
+              <a:rPr lang="de-DE" dirty="0" err="1"/>
+              <a:t>impor</a:t>
+            </a:r>
+            <a:r>
+              <a:rPr lang="de-DE" dirty="0"/>
+              <a:t> </a:t>
+            </a:r>
+            <a:r>
+              <a:rPr lang="de-DE" dirty="0" err="1"/>
+              <a:t>ers</a:t>
+            </a:r>
+            <a:r>
+              <a:rPr lang="de-DE" dirty="0"/>
+              <a:t> </a:t>
+            </a:r>
+            <a:r>
+              <a:rPr lang="de-DE" dirty="0" err="1"/>
+              <a:t>percderae</a:t>
+            </a:r>
+            <a:r>
+              <a:rPr lang="de-DE" dirty="0"/>
+              <a:t> </a:t>
+            </a:r>
+            <a:r>
+              <a:rPr lang="de-DE" dirty="0" err="1"/>
+              <a:t>velenist</a:t>
+            </a:r>
+            <a:r>
+              <a:rPr lang="de-DE" dirty="0"/>
+              <a:t> et </a:t>
+            </a:r>
+            <a:r>
+              <a:rPr lang="de-DE" dirty="0" err="1"/>
+              <a:t>vent</a:t>
+            </a:r>
+            <a:r>
+              <a:rPr lang="de-DE" dirty="0"/>
+              <a:t> </a:t>
+            </a:r>
+            <a:r>
+              <a:rPr lang="de-DE" dirty="0" err="1"/>
+              <a:t>volo</a:t>
+            </a:r>
+            <a:r>
+              <a:rPr lang="de-DE"/>
+              <a:t>.</a:t>
+            </a:r>
+          </a:p>
+          <a:p>
+            <a:pPr lvl="3"/>
+            <a:r>
+              <a:rPr lang="de-DE" dirty="0" err="1"/>
+              <a:t>Tur</a:t>
+            </a:r>
+            <a:r>
+              <a:rPr lang="de-DE" dirty="0"/>
+              <a:t> </a:t>
+            </a:r>
+            <a:r>
+              <a:rPr lang="de-DE" dirty="0" err="1"/>
+              <a:t>tem</a:t>
+            </a:r>
+            <a:r>
+              <a:rPr lang="de-DE" dirty="0"/>
+              <a:t> </a:t>
+            </a:r>
+            <a:r>
+              <a:rPr lang="de-DE" dirty="0" err="1"/>
+              <a:t>rerita</a:t>
+            </a:r>
+            <a:r>
+              <a:rPr lang="de-DE" dirty="0"/>
+              <a:t> </a:t>
+            </a:r>
+            <a:r>
+              <a:rPr lang="de-DE" dirty="0" err="1"/>
+              <a:t>qui</a:t>
+            </a:r>
+            <a:r>
+              <a:rPr lang="de-DE" dirty="0"/>
+              <a:t> </a:t>
+            </a:r>
+            <a:r>
+              <a:rPr lang="de-DE" dirty="0" err="1"/>
+              <a:t>repera</a:t>
+            </a:r>
+            <a:r>
+              <a:rPr lang="de-DE" dirty="0"/>
+              <a:t> </a:t>
+            </a:r>
+            <a:r>
+              <a:rPr lang="de-DE" dirty="0" err="1"/>
+              <a:t>dolore</a:t>
+            </a:r>
+            <a:r>
+              <a:rPr lang="de-DE" dirty="0"/>
+              <a:t> cum </a:t>
+            </a:r>
+            <a:r>
+              <a:rPr lang="de-DE" dirty="0" err="1"/>
+              <a:t>qui</a:t>
+            </a:r>
+            <a:r>
+              <a:rPr lang="de-DE" dirty="0"/>
+              <a:t> </a:t>
+            </a:r>
+            <a:r>
+              <a:rPr lang="de-DE" dirty="0" err="1"/>
+              <a:t>voluptas</a:t>
+            </a:r>
+            <a:r>
+              <a:rPr lang="de-DE" dirty="0"/>
+              <a:t> et </a:t>
+            </a:r>
+            <a:r>
+              <a:rPr lang="de-DE" dirty="0" err="1"/>
+              <a:t>laborer</a:t>
+            </a:r>
+            <a:r>
+              <a:rPr lang="de-DE" dirty="0"/>
+              <a:t> </a:t>
+            </a:r>
+            <a:r>
+              <a:rPr lang="de-DE" dirty="0" err="1"/>
+              <a:t>ventet</a:t>
+            </a:r>
+            <a:r>
+              <a:rPr lang="de-DE" dirty="0"/>
+              <a:t>.</a:t>
+            </a:r>
+          </a:p>
+          <a:p>
+            <a:pPr lvl="3"/>
+            <a:r>
+              <a:rPr lang="de-DE" dirty="0"/>
+              <a:t>Vid </a:t>
+            </a:r>
+            <a:r>
+              <a:rPr lang="de-DE" dirty="0" err="1"/>
+              <a:t>ut</a:t>
+            </a:r>
+            <a:r>
+              <a:rPr lang="de-DE" dirty="0"/>
+              <a:t> </a:t>
+            </a:r>
+            <a:r>
+              <a:rPr lang="de-DE" dirty="0" err="1"/>
+              <a:t>eatiati</a:t>
+            </a:r>
+            <a:r>
+              <a:rPr lang="de-DE" dirty="0"/>
+              <a:t> </a:t>
+            </a:r>
+            <a:r>
+              <a:rPr lang="de-DE" dirty="0" err="1"/>
+              <a:t>onectem</a:t>
+            </a:r>
+            <a:r>
+              <a:rPr lang="de-DE" dirty="0"/>
+              <a:t> </a:t>
+            </a:r>
+            <a:r>
+              <a:rPr lang="de-DE" dirty="0" err="1"/>
+              <a:t>ventet</a:t>
+            </a:r>
+            <a:r>
+              <a:rPr lang="de-DE" dirty="0"/>
+              <a:t> </a:t>
+            </a:r>
+            <a:r>
+              <a:rPr lang="de-DE" dirty="0" err="1"/>
+              <a:t>dolore</a:t>
+            </a:r>
+            <a:r>
+              <a:rPr lang="de-DE" dirty="0"/>
+              <a:t> </a:t>
+            </a:r>
+            <a:r>
+              <a:rPr lang="de-DE" dirty="0" err="1"/>
+              <a:t>dolupta</a:t>
+            </a:r>
+            <a:r>
+              <a:rPr lang="de-DE" dirty="0"/>
+              <a:t> es </a:t>
+            </a:r>
+            <a:r>
+              <a:rPr lang="de-DE" dirty="0" err="1"/>
+              <a:t>volupta</a:t>
+            </a:r>
+            <a:r>
+              <a:rPr lang="de-DE" dirty="0"/>
+              <a:t> quas </a:t>
+            </a:r>
+            <a:r>
+              <a:rPr lang="de-DE" dirty="0" err="1"/>
+              <a:t>ullandi</a:t>
+            </a:r>
+            <a:r>
+              <a:rPr lang="de-DE" dirty="0"/>
+              <a:t>.</a:t>
+            </a:r>
+          </a:p>
+          <a:p>
+            <a:pPr lvl="3"/>
+            <a:r>
+              <a:rPr lang="de-DE" dirty="0" err="1"/>
+              <a:t>Tquisci</a:t>
+            </a:r>
+            <a:r>
+              <a:rPr lang="de-DE" dirty="0"/>
+              <a:t> </a:t>
+            </a:r>
+            <a:r>
+              <a:rPr lang="de-DE" dirty="0" err="1"/>
+              <a:t>endersped</a:t>
+            </a:r>
+            <a:r>
+              <a:rPr lang="de-DE" dirty="0"/>
+              <a:t> </a:t>
+            </a:r>
+            <a:r>
+              <a:rPr lang="de-DE" dirty="0" err="1"/>
+              <a:t>beat</a:t>
+            </a:r>
+            <a:r>
+              <a:rPr lang="de-DE" dirty="0"/>
+              <a:t> </a:t>
+            </a:r>
+            <a:r>
+              <a:rPr lang="de-DE" dirty="0" err="1"/>
+              <a:t>dit</a:t>
+            </a:r>
+            <a:r>
+              <a:rPr lang="de-DE" dirty="0"/>
+              <a:t> et quo </a:t>
+            </a:r>
+            <a:r>
+              <a:rPr lang="de-DE" dirty="0" err="1"/>
+              <a:t>omnis</a:t>
+            </a:r>
+            <a:r>
+              <a:rPr lang="de-DE" dirty="0"/>
+              <a:t> </a:t>
+            </a:r>
+            <a:r>
+              <a:rPr lang="de-DE" dirty="0" err="1"/>
+              <a:t>expelig</a:t>
+            </a:r>
+            <a:r>
+              <a:rPr lang="de-DE" dirty="0"/>
+              <a:t> </a:t>
+            </a:r>
+            <a:r>
+              <a:rPr lang="de-DE" dirty="0" err="1"/>
+              <a:t>tem</a:t>
+            </a:r>
+            <a:r>
+              <a:rPr lang="de-DE" dirty="0"/>
+              <a:t> </a:t>
+            </a:r>
+            <a:r>
+              <a:rPr lang="de-DE" dirty="0" err="1"/>
+              <a:t>rerita</a:t>
+            </a:r>
+            <a:r>
+              <a:rPr lang="de-DE" dirty="0"/>
+              <a:t> </a:t>
+            </a:r>
+            <a:r>
+              <a:rPr lang="de-DE" dirty="0" err="1"/>
+              <a:t>qui</a:t>
+            </a:r>
+            <a:r>
+              <a:rPr lang="de-DE" dirty="0"/>
+              <a:t>.</a:t>
+            </a:r>
+          </a:p>
+          <a:p>
+            <a:endParaRPr lang="de-DE" dirty="0"/>
+          </a:p>
+        </p:txBody>
+      </p:sp>
+      <p:sp>
+        <p:nvSpPr>
+          <p:cNvPr id="4" name="Inhaltsplatzhalter 3"/>
+          <p:cNvSpPr>
+            <a:spLocks noGrp="1"/>
+          </p:cNvSpPr>
+          <p:nvPr>
+            <p:ph sz="half" idx="2"/>
+          </p:nvPr>
+        </p:nvSpPr>
+        <p:spPr/>
+        <p:txBody>
+          <a:bodyPr/>
+          <a:lstStyle/>
+          <a:p>
+            <a:r>
+              <a:rPr lang="de-DE"/>
+              <a:t>Subheadline Bold Akzentfarbe 1</a:t>
+            </a:r>
+          </a:p>
+          <a:p>
+            <a:endParaRPr lang="de-DE"/>
+          </a:p>
+          <a:p>
+            <a:pPr lvl="1"/>
+            <a:r>
+              <a:rPr lang="de-DE"/>
+              <a:t>Fließtext in Arial Regular. Illament ulluptatis desci dolent even ducit. Qui voluptas. </a:t>
+            </a:r>
+          </a:p>
+          <a:p>
+            <a:endParaRPr lang="de-DE"/>
+          </a:p>
+          <a:p>
+            <a:pPr lvl="2"/>
+            <a:r>
+              <a:rPr lang="de-DE"/>
+              <a:t>Enimpor ersperc hiliqui tectem fugitis.</a:t>
+            </a:r>
+          </a:p>
+          <a:p>
+            <a:pPr lvl="2"/>
+            <a:r>
+              <a:rPr lang="de-DE"/>
+              <a:t>Solupti undandae neso re ulpa impor ers percderae velenist et vent volo.</a:t>
+            </a:r>
+          </a:p>
+          <a:p>
+            <a:pPr lvl="3"/>
+            <a:r>
+              <a:rPr lang="de-DE"/>
+              <a:t>Tur tem rerita qui repera dolore cum qui voluptas et laborer ventet.</a:t>
+            </a:r>
+          </a:p>
+          <a:p>
+            <a:pPr lvl="3"/>
+            <a:r>
+              <a:rPr lang="de-DE"/>
+              <a:t>Vid ut eatiati onectem ventet dolore dolupta es volupta quas ullandi.</a:t>
+            </a:r>
+          </a:p>
+          <a:p>
+            <a:pPr lvl="3"/>
+            <a:r>
+              <a:rPr lang="de-DE"/>
+              <a:t>Tquisci endersped beat dit et quo omnis expelig tem rerita qui.</a:t>
+            </a:r>
+            <a:endParaRPr lang="de-DE" dirty="0"/>
+          </a:p>
+        </p:txBody>
+      </p:sp>
+      <p:sp>
+        <p:nvSpPr>
+          <p:cNvPr id="14" name="Fußzeilenplatzhalter 4"/>
+          <p:cNvSpPr>
+            <a:spLocks noGrp="1"/>
+          </p:cNvSpPr>
+          <p:nvPr>
+            <p:ph type="ftr" sz="quarter" idx="3"/>
+          </p:nvPr>
+        </p:nvSpPr>
+        <p:spPr>
+          <a:xfrm>
+            <a:off x="3338671" y="6453336"/>
+            <a:ext cx="4247802" cy="216024"/>
+          </a:xfrm>
+        </p:spPr>
+        <p:txBody>
+          <a:bodyPr/>
+          <a:lstStyle/>
+          <a:p>
+            <a:r>
+              <a:rPr lang="de-DE" sz="900"/>
               <a:t>Magnetisum und Altermagnetismus</a:t>
             </a:r>
+            <a:endParaRPr lang="de-DE" sz="900" dirty="0"/>
+          </a:p>
+        </p:txBody>
+      </p:sp>
+      <p:sp>
+        <p:nvSpPr>
+          <p:cNvPr id="15" name="Foliennummernplatzhalter 5"/>
+          <p:cNvSpPr>
+            <a:spLocks noGrp="1"/>
+          </p:cNvSpPr>
+          <p:nvPr>
+            <p:ph type="sldNum" sz="quarter" idx="4"/>
+          </p:nvPr>
+        </p:nvSpPr>
+        <p:spPr>
+          <a:xfrm>
+            <a:off x="431800" y="6453336"/>
+            <a:ext cx="935038" cy="216024"/>
+          </a:xfrm>
+        </p:spPr>
+        <p:txBody>
+          <a:bodyPr/>
+          <a:lstStyle/>
+          <a:p>
+            <a:fld id="{C05EE493-AD2E-4872-B2F6-8F12A747F0A5}" type="slidenum">
+              <a:rPr lang="de-DE" sz="900"/>
+              <a:pPr/>
+              <a:t>17</a:t>
+            </a:fld>
+            <a:endParaRPr lang="de-DE" sz="900" dirty="0"/>
+          </a:p>
+        </p:txBody>
+      </p:sp>
+      <p:sp>
+        <p:nvSpPr>
+          <p:cNvPr id="16" name="Datumsplatzhalter 3"/>
+          <p:cNvSpPr>
+            <a:spLocks noGrp="1"/>
+          </p:cNvSpPr>
+          <p:nvPr>
+            <p:ph type="dt" sz="half" idx="2"/>
+          </p:nvPr>
+        </p:nvSpPr>
+        <p:spPr>
+          <a:xfrm>
+            <a:off x="1871663" y="6453336"/>
+            <a:ext cx="936626" cy="216024"/>
+          </a:xfrm>
+        </p:spPr>
+        <p:txBody>
+          <a:bodyPr anchor="ctr" anchorCtr="0"/>
+          <a:lstStyle/>
+          <a:p>
+            <a:r>
+              <a:rPr lang="de-DE" sz="900">
+                <a:solidFill>
+                  <a:schemeClr val="tx1"/>
+                </a:solidFill>
+              </a:rPr>
+              <a:t>07.06.2024</a:t>
+            </a:r>
+            <a:endParaRPr lang="de-DE" sz="900" dirty="0">
+              <a:solidFill>
+                <a:schemeClr val="tx1"/>
+              </a:solidFill>
+            </a:endParaRPr>
+          </a:p>
+        </p:txBody>
+      </p:sp>
+    </p:spTree>
+    <p:extLst>
+      <p:ext uri="{BB962C8B-B14F-4D97-AF65-F5344CB8AC3E}">
+        <p14:creationId xmlns:p14="http://schemas.microsoft.com/office/powerpoint/2010/main" val="250567232"/>
+      </p:ext>
+    </p:extLst>
+  </p:cSld>
+  <p:clrMapOvr>
+    <a:masterClrMapping/>
+  </p:clrMapOvr>
+</p:sld>
+</file>
+
+<file path=ppt/slides/slide18.xml><?xml version="1.0" encoding="utf-8"?>
+<p:sld xmlns:a="http://schemas.openxmlformats.org/drawingml/2006/main" xmlns:r="http://schemas.openxmlformats.org/officeDocument/2006/relationships" xmlns:p="http://schemas.openxmlformats.org/presentationml/2006/main">
+  <p:cSld>
+    <p:spTree>
+      <p:nvGrpSpPr>
+        <p:cNvPr id="1" name=""/>
+        <p:cNvGrpSpPr/>
+        <p:nvPr/>
+      </p:nvGrpSpPr>
+      <p:grpSpPr>
+        <a:xfrm>
+          <a:off x="0" y="0"/>
+          <a:ext cx="0" cy="0"/>
+          <a:chOff x="0" y="0"/>
+          <a:chExt cx="0" cy="0"/>
+        </a:xfrm>
+      </p:grpSpPr>
+      <p:sp>
+        <p:nvSpPr>
+          <p:cNvPr id="2" name="Titel 1"/>
+          <p:cNvSpPr>
+            <a:spLocks noGrp="1"/>
+          </p:cNvSpPr>
+          <p:nvPr>
+            <p:ph type="title"/>
+          </p:nvPr>
+        </p:nvSpPr>
+        <p:spPr/>
+        <p:txBody>
+          <a:bodyPr/>
+          <a:lstStyle/>
+          <a:p>
+            <a:r>
+              <a:rPr lang="de-DE"/>
+              <a:t>Große Headline für Textfolie</a:t>
+            </a:r>
+            <a:br>
+              <a:rPr lang="de-DE"/>
+            </a:br>
+            <a:r>
+              <a:rPr lang="de-DE"/>
+              <a:t>Headline maximal zwei Zeilen</a:t>
+            </a:r>
+            <a:endParaRPr lang="de-DE" dirty="0"/>
+          </a:p>
+        </p:txBody>
+      </p:sp>
+      <p:sp>
+        <p:nvSpPr>
+          <p:cNvPr id="3" name="Inhaltsplatzhalter 2"/>
+          <p:cNvSpPr>
+            <a:spLocks noGrp="1"/>
+          </p:cNvSpPr>
+          <p:nvPr>
+            <p:ph idx="1"/>
+          </p:nvPr>
+        </p:nvSpPr>
+        <p:spPr/>
+        <p:txBody>
+          <a:bodyPr/>
+          <a:lstStyle/>
+          <a:p>
+            <a:r>
+              <a:rPr lang="de-DE"/>
+              <a:t>Subheadline in Arial Bold mit Akzentfarbe 1</a:t>
+            </a:r>
+          </a:p>
+          <a:p>
+            <a:endParaRPr lang="de-DE"/>
+          </a:p>
+          <a:p>
+            <a:pPr lvl="1"/>
+            <a:r>
+              <a:rPr lang="de-DE"/>
+              <a:t>Fließtext in Arial Regular. Illament ulluptatis desci dolent even ducit. Qui voluptas. Eni impor hacksy hiliqui tectem repeliq dello fugitis qui repera dolore cum. Enimpor ersperc hili aqui tectem repeliq dello fugitis. Enimpor ersperc hiliqui.</a:t>
+            </a:r>
+          </a:p>
+          <a:p>
+            <a:endParaRPr lang="de-DE"/>
+          </a:p>
+          <a:p>
+            <a:r>
+              <a:rPr lang="de-DE"/>
+              <a:t>Subheadline in Arial Bold mit Akzentfarbe 1</a:t>
+            </a:r>
+          </a:p>
+          <a:p>
+            <a:endParaRPr lang="de-DE"/>
+          </a:p>
+          <a:p>
+            <a:pPr lvl="2"/>
+            <a:r>
+              <a:rPr lang="de-DE"/>
+              <a:t>Enimpor ersperc hiliqui tectem uatiuntum fugitis.</a:t>
+            </a:r>
+          </a:p>
+          <a:p>
+            <a:pPr lvl="2"/>
+            <a:r>
+              <a:rPr lang="de-DE"/>
+              <a:t>Solupti undandae neso re ulpa impor ersperc. Iderae velenist et vent dolores magnis earumquam que consero inis aut et volo.</a:t>
+            </a:r>
+          </a:p>
+          <a:p>
+            <a:pPr lvl="3"/>
+            <a:r>
+              <a:rPr lang="de-DE"/>
+              <a:t>Tur, tem rerita qui repera dolore cum qui voluptas et laborer.</a:t>
+            </a:r>
+          </a:p>
+          <a:p>
+            <a:pPr lvl="3"/>
+            <a:r>
+              <a:rPr lang="de-DE"/>
+              <a:t>Vid ut eatiati onectem ventet dolore dolupta es volupta</a:t>
+            </a:r>
+          </a:p>
+          <a:p>
+            <a:pPr lvl="3"/>
+            <a:r>
+              <a:rPr lang="de-DE"/>
+              <a:t>Tquisci endersped quas ullandi beat dit et quo omnis expelig</a:t>
+            </a:r>
+            <a:endParaRPr lang="de-DE" dirty="0"/>
+          </a:p>
+        </p:txBody>
+      </p:sp>
+      <p:sp>
+        <p:nvSpPr>
+          <p:cNvPr id="7" name="Fußzeilenplatzhalter 4"/>
+          <p:cNvSpPr>
+            <a:spLocks noGrp="1"/>
+          </p:cNvSpPr>
+          <p:nvPr>
+            <p:ph type="ftr" sz="quarter" idx="3"/>
+          </p:nvPr>
+        </p:nvSpPr>
+        <p:spPr>
+          <a:xfrm>
+            <a:off x="3313113" y="6453336"/>
+            <a:ext cx="4247802" cy="216024"/>
+          </a:xfrm>
+        </p:spPr>
+        <p:txBody>
+          <a:bodyPr/>
+          <a:lstStyle/>
+          <a:p>
+            <a:r>
+              <a:rPr lang="de-DE" sz="900"/>
+              <a:t>Magnetisum und Altermagnetismus</a:t>
+            </a:r>
+            <a:endParaRPr lang="de-DE" sz="900" dirty="0"/>
+          </a:p>
+        </p:txBody>
+      </p:sp>
+      <p:sp>
+        <p:nvSpPr>
+          <p:cNvPr id="8" name="Foliennummernplatzhalter 5"/>
+          <p:cNvSpPr>
+            <a:spLocks noGrp="1"/>
+          </p:cNvSpPr>
+          <p:nvPr>
+            <p:ph type="sldNum" sz="quarter" idx="4"/>
+          </p:nvPr>
+        </p:nvSpPr>
+        <p:spPr>
+          <a:xfrm>
+            <a:off x="479376" y="6453336"/>
+            <a:ext cx="935038" cy="216024"/>
+          </a:xfrm>
+        </p:spPr>
+        <p:txBody>
+          <a:bodyPr/>
+          <a:lstStyle/>
+          <a:p>
+            <a:fld id="{C05EE493-AD2E-4872-B2F6-8F12A747F0A5}" type="slidenum">
+              <a:rPr lang="de-DE" sz="900"/>
+              <a:pPr/>
+              <a:t>18</a:t>
+            </a:fld>
+            <a:endParaRPr lang="de-DE" sz="900" dirty="0"/>
+          </a:p>
+        </p:txBody>
+      </p:sp>
+      <p:sp>
+        <p:nvSpPr>
+          <p:cNvPr id="9" name="Datumsplatzhalter 3"/>
+          <p:cNvSpPr>
+            <a:spLocks noGrp="1"/>
+          </p:cNvSpPr>
+          <p:nvPr>
+            <p:ph type="dt" sz="half" idx="2"/>
+          </p:nvPr>
+        </p:nvSpPr>
+        <p:spPr>
+          <a:xfrm>
+            <a:off x="1871663" y="6453336"/>
+            <a:ext cx="936626" cy="216024"/>
+          </a:xfrm>
+        </p:spPr>
+        <p:txBody>
+          <a:bodyPr/>
+          <a:lstStyle/>
+          <a:p>
+            <a:r>
+              <a:rPr lang="de-DE" sz="900"/>
+              <a:t>07.06.2024</a:t>
+            </a:r>
+            <a:endParaRPr lang="de-DE" sz="900" dirty="0"/>
+          </a:p>
+        </p:txBody>
+      </p:sp>
+    </p:spTree>
+    <p:extLst>
+      <p:ext uri="{BB962C8B-B14F-4D97-AF65-F5344CB8AC3E}">
+        <p14:creationId xmlns:p14="http://schemas.microsoft.com/office/powerpoint/2010/main" val="514531594"/>
+      </p:ext>
+    </p:extLst>
+  </p:cSld>
+  <p:clrMapOvr>
+    <a:masterClrMapping/>
+  </p:clrMapOvr>
+</p:sld>
+</file>
+
+<file path=ppt/slides/slide19.xml><?xml version="1.0" encoding="utf-8"?>
+<p:sld xmlns:a="http://schemas.openxmlformats.org/drawingml/2006/main" xmlns:r="http://schemas.openxmlformats.org/officeDocument/2006/relationships" xmlns:p="http://schemas.openxmlformats.org/presentationml/2006/main">
+  <p:cSld>
+    <p:spTree>
+      <p:nvGrpSpPr>
+        <p:cNvPr id="1" name=""/>
+        <p:cNvGrpSpPr/>
+        <p:nvPr/>
+      </p:nvGrpSpPr>
+      <p:grpSpPr>
+        <a:xfrm>
+          <a:off x="0" y="0"/>
+          <a:ext cx="0" cy="0"/>
+          <a:chOff x="0" y="0"/>
+          <a:chExt cx="0" cy="0"/>
+        </a:xfrm>
+      </p:grpSpPr>
+      <p:sp>
+        <p:nvSpPr>
+          <p:cNvPr id="2" name="Titel 1"/>
+          <p:cNvSpPr>
+            <a:spLocks noGrp="1"/>
+          </p:cNvSpPr>
+          <p:nvPr>
+            <p:ph type="title"/>
+          </p:nvPr>
+        </p:nvSpPr>
+        <p:spPr/>
+        <p:txBody>
+          <a:bodyPr/>
+          <a:lstStyle/>
+          <a:p>
+            <a:r>
+              <a:rPr lang="de-DE"/>
+              <a:t>Große Headline für Textfolie</a:t>
+            </a:r>
+            <a:br>
+              <a:rPr lang="de-DE"/>
+            </a:br>
+            <a:r>
+              <a:rPr lang="de-DE"/>
+              <a:t>Headline maximal zwei Zeilen</a:t>
+            </a:r>
+            <a:endParaRPr lang="de-DE" dirty="0"/>
+          </a:p>
+        </p:txBody>
+      </p:sp>
+      <p:sp>
+        <p:nvSpPr>
+          <p:cNvPr id="3" name="Inhaltsplatzhalter 2"/>
+          <p:cNvSpPr>
+            <a:spLocks noGrp="1"/>
+          </p:cNvSpPr>
+          <p:nvPr>
+            <p:ph sz="half" idx="1"/>
+          </p:nvPr>
+        </p:nvSpPr>
+        <p:spPr/>
+        <p:txBody>
+          <a:bodyPr/>
+          <a:lstStyle/>
+          <a:p>
+            <a:r>
+              <a:rPr lang="de-DE"/>
+              <a:t>Subheadline Bold Akzentfarbe 1</a:t>
+            </a:r>
+          </a:p>
+          <a:p>
+            <a:endParaRPr lang="de-DE"/>
+          </a:p>
+          <a:p>
+            <a:pPr lvl="1"/>
+            <a:r>
+              <a:rPr lang="de-DE"/>
+              <a:t>Fließtext in Arial Regular. Illament ulluptatis desci dolent even ducit. Qui voluptas. </a:t>
+            </a:r>
+          </a:p>
+          <a:p>
+            <a:endParaRPr lang="de-DE"/>
+          </a:p>
+          <a:p>
+            <a:pPr lvl="2"/>
+            <a:r>
+              <a:rPr lang="de-DE"/>
+              <a:t>Enimpor ersperc hiliqui tectem fugitis.</a:t>
+            </a:r>
+          </a:p>
+          <a:p>
+            <a:pPr lvl="2"/>
+            <a:r>
+              <a:rPr lang="de-DE"/>
+              <a:t>Solupti undandae neso re ulpa impor ers percderae velenist et vent volo.</a:t>
+            </a:r>
+          </a:p>
+          <a:p>
+            <a:pPr lvl="3"/>
+            <a:r>
+              <a:rPr lang="de-DE"/>
+              <a:t>Tur tem rerita qui repera dolore cum qui voluptas et laborer ventet.</a:t>
+            </a:r>
+          </a:p>
+          <a:p>
+            <a:pPr lvl="3"/>
+            <a:r>
+              <a:rPr lang="de-DE"/>
+              <a:t>Vid ut eatiati onectem ventet dolore dolupta es volupta quas ullandi.</a:t>
+            </a:r>
+          </a:p>
+          <a:p>
+            <a:pPr lvl="3"/>
+            <a:r>
+              <a:rPr lang="de-DE"/>
+              <a:t>Tquisci endersped beat dit et quo omnis expelig tem rerita qui.</a:t>
+            </a:r>
+          </a:p>
+          <a:p>
+            <a:endParaRPr lang="de-DE" dirty="0"/>
+          </a:p>
+        </p:txBody>
+      </p:sp>
+      <p:sp>
+        <p:nvSpPr>
+          <p:cNvPr id="4" name="Inhaltsplatzhalter 3"/>
+          <p:cNvSpPr>
+            <a:spLocks noGrp="1"/>
+          </p:cNvSpPr>
+          <p:nvPr>
+            <p:ph sz="half" idx="2"/>
+          </p:nvPr>
+        </p:nvSpPr>
+        <p:spPr/>
+        <p:txBody>
+          <a:bodyPr/>
+          <a:lstStyle/>
+          <a:p>
+            <a:r>
+              <a:rPr lang="de-DE"/>
+              <a:t>Subheadline Bold Akzentfarbe 1</a:t>
+            </a:r>
+          </a:p>
+          <a:p>
+            <a:endParaRPr lang="de-DE"/>
+          </a:p>
+          <a:p>
+            <a:pPr lvl="1"/>
+            <a:r>
+              <a:rPr lang="de-DE"/>
+              <a:t>Fließtext in Arial Regular. Illament ulluptatis desci dolent even ducit. Qui voluptas. </a:t>
+            </a:r>
+          </a:p>
+          <a:p>
+            <a:endParaRPr lang="de-DE"/>
+          </a:p>
+          <a:p>
+            <a:pPr lvl="2"/>
+            <a:r>
+              <a:rPr lang="de-DE"/>
+              <a:t>Enimpor ersperc hiliqui tectem fugitis.</a:t>
+            </a:r>
+          </a:p>
+          <a:p>
+            <a:pPr lvl="2"/>
+            <a:r>
+              <a:rPr lang="de-DE"/>
+              <a:t>Solupti undandae neso re ulpa impor ers percderae velenist et vent volo.</a:t>
+            </a:r>
+          </a:p>
+          <a:p>
+            <a:pPr lvl="3"/>
+            <a:r>
+              <a:rPr lang="de-DE"/>
+              <a:t>Tur tem rerita qui repera dolore cum qui voluptas et laborer ventet.</a:t>
+            </a:r>
+          </a:p>
+          <a:p>
+            <a:pPr lvl="3"/>
+            <a:r>
+              <a:rPr lang="de-DE"/>
+              <a:t>Vid ut eatiati onectem ventet dolore dolupta es volupta quas ullandi.</a:t>
+            </a:r>
+          </a:p>
+          <a:p>
+            <a:pPr lvl="3"/>
+            <a:r>
+              <a:rPr lang="de-DE"/>
+              <a:t>Tquisci endersped beat dit et quo omnis expelig tem rerita qui.</a:t>
+            </a:r>
+            <a:endParaRPr lang="de-DE" dirty="0"/>
+          </a:p>
+        </p:txBody>
+      </p:sp>
+      <p:sp>
+        <p:nvSpPr>
+          <p:cNvPr id="5" name="Fußzeilenplatzhalter 4"/>
+          <p:cNvSpPr>
+            <a:spLocks noGrp="1"/>
+          </p:cNvSpPr>
+          <p:nvPr>
+            <p:ph type="ftr" sz="quarter" idx="3"/>
+          </p:nvPr>
+        </p:nvSpPr>
+        <p:spPr/>
+        <p:txBody>
+          <a:bodyPr/>
+          <a:lstStyle/>
+          <a:p>
+            <a:r>
+              <a:rPr lang="de-DE"/>
+              <a:t>Magnetisum und Altermagnetismus</a:t>
+            </a:r>
             <a:endParaRPr lang="de-DE" dirty="0"/>
           </a:p>
         </p:txBody>
@@ -6509,7 +8935,7 @@
             <a:spLocks noGrp="1"/>
           </p:cNvSpPr>
           <p:nvPr>
-            <p:ph type="sldNum" sz="quarter" idx="11"/>
+            <p:ph type="sldNum" sz="quarter" idx="4"/>
           </p:nvPr>
         </p:nvSpPr>
         <p:spPr/>
@@ -6520,7 +8946,1421 @@
             <a:fld id="{C05EE493-AD2E-4872-B2F6-8F12A747F0A5}" type="slidenum">
               <a:rPr lang="de-DE" smtClean="0"/>
               <a:pPr/>
-              <a:t>17</a:t>
+              <a:t>19</a:t>
+            </a:fld>
+            <a:endParaRPr lang="de-DE" dirty="0"/>
+          </a:p>
+        </p:txBody>
+      </p:sp>
+      <p:sp>
+        <p:nvSpPr>
+          <p:cNvPr id="7" name="Datumsplatzhalter 6"/>
+          <p:cNvSpPr>
+            <a:spLocks noGrp="1"/>
+          </p:cNvSpPr>
+          <p:nvPr>
+            <p:ph type="dt" sz="half" idx="10"/>
+          </p:nvPr>
+        </p:nvSpPr>
+        <p:spPr/>
+        <p:txBody>
+          <a:bodyPr/>
+          <a:lstStyle/>
+          <a:p>
+            <a:r>
+              <a:rPr lang="de-DE"/>
+              <a:t>07.06.2024</a:t>
+            </a:r>
+            <a:endParaRPr lang="de-DE" dirty="0"/>
+          </a:p>
+        </p:txBody>
+      </p:sp>
+    </p:spTree>
+    <p:extLst>
+      <p:ext uri="{BB962C8B-B14F-4D97-AF65-F5344CB8AC3E}">
+        <p14:creationId xmlns:p14="http://schemas.microsoft.com/office/powerpoint/2010/main" val="2871778320"/>
+      </p:ext>
+    </p:extLst>
+  </p:cSld>
+  <p:clrMapOvr>
+    <a:masterClrMapping/>
+  </p:clrMapOvr>
+</p:sld>
+</file>
+
+<file path=ppt/slides/slide2.xml><?xml version="1.0" encoding="utf-8"?>
+<p:sld xmlns:a="http://schemas.openxmlformats.org/drawingml/2006/main" xmlns:r="http://schemas.openxmlformats.org/officeDocument/2006/relationships" xmlns:p="http://schemas.openxmlformats.org/presentationml/2006/main" show="0">
+  <p:cSld>
+    <p:spTree>
+      <p:nvGrpSpPr>
+        <p:cNvPr id="1" name=""/>
+        <p:cNvGrpSpPr/>
+        <p:nvPr/>
+      </p:nvGrpSpPr>
+      <p:grpSpPr>
+        <a:xfrm>
+          <a:off x="0" y="0"/>
+          <a:ext cx="0" cy="0"/>
+          <a:chOff x="0" y="0"/>
+          <a:chExt cx="0" cy="0"/>
+        </a:xfrm>
+      </p:grpSpPr>
+      <p:sp>
+        <p:nvSpPr>
+          <p:cNvPr id="4" name="Titel 2"/>
+          <p:cNvSpPr txBox="1">
+            <a:spLocks/>
+          </p:cNvSpPr>
+          <p:nvPr/>
+        </p:nvSpPr>
+        <p:spPr>
+          <a:xfrm>
+            <a:off x="431800" y="2349500"/>
+            <a:ext cx="6335713" cy="2592388"/>
+          </a:xfrm>
+          <a:prstGeom prst="rect">
+            <a:avLst/>
+          </a:prstGeom>
+        </p:spPr>
+        <p:txBody>
+          <a:bodyPr vert="horz" lIns="0" tIns="0" rIns="0" bIns="82800" rtlCol="0" anchor="b" anchorCtr="0">
+            <a:noAutofit/>
+          </a:bodyPr>
+          <a:lstStyle>
+            <a:lvl1pPr>
+              <a:lnSpc>
+                <a:spcPct val="105000"/>
+              </a:lnSpc>
+              <a:spcBef>
+                <a:spcPct val="0"/>
+              </a:spcBef>
+              <a:buNone/>
+              <a:defRPr sz="5200" b="1" u="none" baseline="0">
+                <a:uFill>
+                  <a:solidFill>
+                    <a:schemeClr val="accent1"/>
+                  </a:solidFill>
+                </a:uFill>
+                <a:latin typeface="+mj-lt"/>
+                <a:ea typeface="+mj-ea"/>
+                <a:cs typeface="+mj-cs"/>
+              </a:defRPr>
+            </a:lvl1pPr>
+          </a:lstStyle>
+          <a:p>
+            <a:r>
+              <a:rPr lang="de-DE" dirty="0"/>
+              <a:t>Titelfolie ohne</a:t>
+            </a:r>
+          </a:p>
+          <a:p>
+            <a:r>
+              <a:rPr lang="de-DE" dirty="0"/>
+              <a:t>Bild mit</a:t>
+            </a:r>
+          </a:p>
+          <a:p>
+            <a:r>
+              <a:rPr lang="de-DE" dirty="0"/>
+              <a:t>großer </a:t>
+            </a:r>
+            <a:r>
+              <a:rPr lang="de-DE" dirty="0" err="1"/>
+              <a:t>Typo</a:t>
+            </a:r>
+            <a:endParaRPr lang="de-DE" dirty="0"/>
+          </a:p>
+        </p:txBody>
+      </p:sp>
+      <p:sp>
+        <p:nvSpPr>
+          <p:cNvPr id="5" name="Untertitel 1"/>
+          <p:cNvSpPr txBox="1">
+            <a:spLocks/>
+          </p:cNvSpPr>
+          <p:nvPr/>
+        </p:nvSpPr>
+        <p:spPr>
+          <a:xfrm>
+            <a:off x="431800" y="5373688"/>
+            <a:ext cx="6335713" cy="792162"/>
+          </a:xfrm>
+          <a:prstGeom prst="rect">
+            <a:avLst/>
+          </a:prstGeom>
+        </p:spPr>
+        <p:txBody>
+          <a:bodyPr vert="horz" lIns="0" tIns="0" rIns="0" bIns="0" rtlCol="0" anchor="b">
+            <a:noAutofit/>
+          </a:bodyPr>
+          <a:lstStyle>
+            <a:lvl1pPr indent="0">
+              <a:lnSpc>
+                <a:spcPct val="110000"/>
+              </a:lnSpc>
+              <a:spcBef>
+                <a:spcPts val="0"/>
+              </a:spcBef>
+              <a:buFont typeface="Arial" pitchFamily="34" charset="0"/>
+              <a:buNone/>
+              <a:defRPr sz="2000" b="1" u="none" baseline="0">
+                <a:solidFill>
+                  <a:schemeClr val="accent1"/>
+                </a:solidFill>
+                <a:uFill>
+                  <a:solidFill>
+                    <a:schemeClr val="accent1"/>
+                  </a:solidFill>
+                </a:uFill>
+              </a:defRPr>
+            </a:lvl1pPr>
+            <a:lvl2pPr indent="0" algn="ctr">
+              <a:lnSpc>
+                <a:spcPct val="110000"/>
+              </a:lnSpc>
+              <a:spcBef>
+                <a:spcPts val="0"/>
+              </a:spcBef>
+              <a:buFont typeface="Arial" pitchFamily="34" charset="0"/>
+              <a:buNone/>
+              <a:defRPr sz="1600">
+                <a:solidFill>
+                  <a:schemeClr val="tx1">
+                    <a:tint val="75000"/>
+                  </a:schemeClr>
+                </a:solidFill>
+              </a:defRPr>
+            </a:lvl2pPr>
+            <a:lvl3pPr indent="0" algn="ctr">
+              <a:lnSpc>
+                <a:spcPct val="110000"/>
+              </a:lnSpc>
+              <a:spcBef>
+                <a:spcPts val="0"/>
+              </a:spcBef>
+              <a:buClr>
+                <a:schemeClr val="accent1"/>
+              </a:buClr>
+              <a:buFont typeface="Arial" panose="020B0604020202020204" pitchFamily="34" charset="0"/>
+              <a:buNone/>
+              <a:defRPr sz="1600">
+                <a:solidFill>
+                  <a:schemeClr val="tx1">
+                    <a:tint val="75000"/>
+                  </a:schemeClr>
+                </a:solidFill>
+              </a:defRPr>
+            </a:lvl3pPr>
+            <a:lvl4pPr indent="0" algn="ctr">
+              <a:lnSpc>
+                <a:spcPct val="110000"/>
+              </a:lnSpc>
+              <a:spcBef>
+                <a:spcPts val="0"/>
+              </a:spcBef>
+              <a:buClr>
+                <a:schemeClr val="accent1"/>
+              </a:buClr>
+              <a:buFont typeface="Arial" panose="020B0604020202020204" pitchFamily="34" charset="0"/>
+              <a:buNone/>
+              <a:defRPr sz="1600">
+                <a:solidFill>
+                  <a:schemeClr val="tx1">
+                    <a:tint val="75000"/>
+                  </a:schemeClr>
+                </a:solidFill>
+              </a:defRPr>
+            </a:lvl4pPr>
+            <a:lvl5pPr indent="0" algn="ctr">
+              <a:lnSpc>
+                <a:spcPct val="110000"/>
+              </a:lnSpc>
+              <a:spcBef>
+                <a:spcPts val="0"/>
+              </a:spcBef>
+              <a:buFont typeface="+mj-lt"/>
+              <a:buNone/>
+              <a:defRPr sz="1600" u="sng" baseline="0">
+                <a:solidFill>
+                  <a:schemeClr val="tx1">
+                    <a:tint val="75000"/>
+                  </a:schemeClr>
+                </a:solidFill>
+                <a:uFill>
+                  <a:solidFill>
+                    <a:schemeClr val="accent1"/>
+                  </a:solidFill>
+                </a:uFill>
+              </a:defRPr>
+            </a:lvl5pPr>
+            <a:lvl6pPr indent="0" algn="ctr">
+              <a:lnSpc>
+                <a:spcPct val="110000"/>
+              </a:lnSpc>
+              <a:spcBef>
+                <a:spcPts val="0"/>
+              </a:spcBef>
+              <a:buClr>
+                <a:schemeClr val="accent1"/>
+              </a:buClr>
+              <a:buFont typeface="Arial" panose="020B0604020202020204" pitchFamily="34" charset="0"/>
+              <a:buNone/>
+              <a:defRPr sz="1600" baseline="0">
+                <a:solidFill>
+                  <a:schemeClr val="tx1">
+                    <a:tint val="75000"/>
+                  </a:schemeClr>
+                </a:solidFill>
+              </a:defRPr>
+            </a:lvl6pPr>
+            <a:lvl7pPr indent="0" algn="ctr">
+              <a:lnSpc>
+                <a:spcPct val="110000"/>
+              </a:lnSpc>
+              <a:spcBef>
+                <a:spcPts val="0"/>
+              </a:spcBef>
+              <a:buClr>
+                <a:schemeClr val="accent1"/>
+              </a:buClr>
+              <a:buFont typeface="Arial" panose="020B0604020202020204" pitchFamily="34" charset="0"/>
+              <a:buNone/>
+              <a:defRPr sz="1600" baseline="0">
+                <a:solidFill>
+                  <a:schemeClr val="tx1">
+                    <a:tint val="75000"/>
+                  </a:schemeClr>
+                </a:solidFill>
+              </a:defRPr>
+            </a:lvl7pPr>
+            <a:lvl8pPr indent="0" algn="ctr">
+              <a:lnSpc>
+                <a:spcPct val="110000"/>
+              </a:lnSpc>
+              <a:spcBef>
+                <a:spcPts val="0"/>
+              </a:spcBef>
+              <a:buClr>
+                <a:schemeClr val="accent1"/>
+              </a:buClr>
+              <a:buFont typeface="Arial" panose="020B0604020202020204" pitchFamily="34" charset="0"/>
+              <a:buNone/>
+              <a:tabLst/>
+              <a:defRPr sz="1600" baseline="0">
+                <a:solidFill>
+                  <a:schemeClr val="tx1">
+                    <a:tint val="75000"/>
+                  </a:schemeClr>
+                </a:solidFill>
+              </a:defRPr>
+            </a:lvl8pPr>
+            <a:lvl9pPr indent="0" algn="ctr">
+              <a:lnSpc>
+                <a:spcPct val="110000"/>
+              </a:lnSpc>
+              <a:spcBef>
+                <a:spcPts val="0"/>
+              </a:spcBef>
+              <a:buClr>
+                <a:schemeClr val="accent1"/>
+              </a:buClr>
+              <a:buFont typeface="Arial" panose="020B0604020202020204" pitchFamily="34" charset="0"/>
+              <a:buNone/>
+              <a:defRPr sz="1600" baseline="0">
+                <a:solidFill>
+                  <a:schemeClr val="tx1">
+                    <a:tint val="75000"/>
+                  </a:schemeClr>
+                </a:solidFill>
+              </a:defRPr>
+            </a:lvl9pPr>
+          </a:lstStyle>
+          <a:p>
+            <a:r>
+              <a:rPr lang="de-DE" dirty="0"/>
+              <a:t>Name des Referenten, Arial </a:t>
+            </a:r>
+            <a:r>
+              <a:rPr lang="de-DE" dirty="0" err="1"/>
+              <a:t>Bold</a:t>
+            </a:r>
+            <a:r>
+              <a:rPr lang="de-DE" dirty="0"/>
+              <a:t> Akzentfarbe 1</a:t>
+            </a:r>
+          </a:p>
+          <a:p>
+            <a:r>
+              <a:rPr lang="de-DE" b="0" dirty="0"/>
+              <a:t>Ort, Datum, Arial Regular Akzentfarbe 1</a:t>
+            </a:r>
+          </a:p>
+        </p:txBody>
+      </p:sp>
+    </p:spTree>
+    <p:extLst>
+      <p:ext uri="{BB962C8B-B14F-4D97-AF65-F5344CB8AC3E}">
+        <p14:creationId xmlns:p14="http://schemas.microsoft.com/office/powerpoint/2010/main" val="92787183"/>
+      </p:ext>
+    </p:extLst>
+  </p:cSld>
+  <p:clrMapOvr>
+    <a:masterClrMapping/>
+  </p:clrMapOvr>
+</p:sld>
+</file>
+
+<file path=ppt/slides/slide20.xml><?xml version="1.0" encoding="utf-8"?>
+<p:sld xmlns:a="http://schemas.openxmlformats.org/drawingml/2006/main" xmlns:r="http://schemas.openxmlformats.org/officeDocument/2006/relationships" xmlns:p="http://schemas.openxmlformats.org/presentationml/2006/main">
+  <p:cSld>
+    <p:spTree>
+      <p:nvGrpSpPr>
+        <p:cNvPr id="1" name=""/>
+        <p:cNvGrpSpPr/>
+        <p:nvPr/>
+      </p:nvGrpSpPr>
+      <p:grpSpPr>
+        <a:xfrm>
+          <a:off x="0" y="0"/>
+          <a:ext cx="0" cy="0"/>
+          <a:chOff x="0" y="0"/>
+          <a:chExt cx="0" cy="0"/>
+        </a:xfrm>
+      </p:grpSpPr>
+      <p:sp>
+        <p:nvSpPr>
+          <p:cNvPr id="10" name="Titel 9"/>
+          <p:cNvSpPr>
+            <a:spLocks noGrp="1"/>
+          </p:cNvSpPr>
+          <p:nvPr>
+            <p:ph type="title"/>
+          </p:nvPr>
+        </p:nvSpPr>
+        <p:spPr/>
+        <p:txBody>
+          <a:bodyPr/>
+          <a:lstStyle/>
+          <a:p>
+            <a:r>
+              <a:rPr lang="de-DE"/>
+              <a:t>Headline für Bildfolie Arial Bold</a:t>
+            </a:r>
+            <a:br>
+              <a:rPr lang="de-DE"/>
+            </a:br>
+            <a:r>
+              <a:rPr lang="de-DE"/>
+              <a:t>Headline maximal zwei Zeilen</a:t>
+            </a:r>
+            <a:endParaRPr lang="de-DE" dirty="0"/>
+          </a:p>
+        </p:txBody>
+      </p:sp>
+      <p:sp>
+        <p:nvSpPr>
+          <p:cNvPr id="3" name="Fußzeilenplatzhalter 2"/>
+          <p:cNvSpPr>
+            <a:spLocks noGrp="1"/>
+          </p:cNvSpPr>
+          <p:nvPr>
+            <p:ph type="ftr" sz="quarter" idx="10"/>
+          </p:nvPr>
+        </p:nvSpPr>
+        <p:spPr/>
+        <p:txBody>
+          <a:bodyPr/>
+          <a:lstStyle/>
+          <a:p>
+            <a:r>
+              <a:rPr lang="de-DE"/>
+              <a:t>Magnetisum und Altermagnetismus</a:t>
+            </a:r>
+            <a:endParaRPr lang="de-DE" dirty="0"/>
+          </a:p>
+        </p:txBody>
+      </p:sp>
+      <p:sp>
+        <p:nvSpPr>
+          <p:cNvPr id="4" name="Foliennummernplatzhalter 3"/>
+          <p:cNvSpPr>
+            <a:spLocks noGrp="1"/>
+          </p:cNvSpPr>
+          <p:nvPr>
+            <p:ph type="sldNum" sz="quarter" idx="11"/>
+          </p:nvPr>
+        </p:nvSpPr>
+        <p:spPr/>
+        <p:txBody>
+          <a:bodyPr/>
+          <a:lstStyle/>
+          <a:p>
+            <a:fld id="{C05EE493-AD2E-4872-B2F6-8F12A747F0A5}" type="slidenum">
+              <a:rPr lang="de-DE" smtClean="0"/>
+              <a:pPr/>
+              <a:t>20</a:t>
+            </a:fld>
+            <a:endParaRPr lang="de-DE" dirty="0"/>
+          </a:p>
+        </p:txBody>
+      </p:sp>
+      <p:sp>
+        <p:nvSpPr>
+          <p:cNvPr id="5" name="Datumsplatzhalter 4"/>
+          <p:cNvSpPr>
+            <a:spLocks noGrp="1"/>
+          </p:cNvSpPr>
+          <p:nvPr>
+            <p:ph type="dt" sz="half" idx="12"/>
+          </p:nvPr>
+        </p:nvSpPr>
+        <p:spPr/>
+        <p:txBody>
+          <a:bodyPr/>
+          <a:lstStyle/>
+          <a:p>
+            <a:r>
+              <a:rPr lang="de-DE"/>
+              <a:t>07.06.2024</a:t>
+            </a:r>
+            <a:endParaRPr lang="de-DE" dirty="0"/>
+          </a:p>
+        </p:txBody>
+      </p:sp>
+      <p:pic>
+        <p:nvPicPr>
+          <p:cNvPr id="8" name="Bildplatzhalter 7"/>
+          <p:cNvPicPr>
+            <a:picLocks noGrp="1" noChangeAspect="1"/>
+          </p:cNvPicPr>
+          <p:nvPr>
+            <p:ph type="pic" sz="quarter" idx="13"/>
+          </p:nvPr>
+        </p:nvPicPr>
+        <p:blipFill>
+          <a:blip r:embed="rId2" cstate="print">
+            <a:extLst>
+              <a:ext uri="{28A0092B-C50C-407E-A947-70E740481C1C}">
+                <a14:useLocalDpi xmlns:a14="http://schemas.microsoft.com/office/drawing/2010/main" val="0"/>
+              </a:ext>
+            </a:extLst>
+          </a:blip>
+          <a:srcRect l="9354" r="9354"/>
+          <a:stretch>
+            <a:fillRect/>
+          </a:stretch>
+        </p:blipFill>
+        <p:spPr/>
+      </p:pic>
+      <p:sp>
+        <p:nvSpPr>
+          <p:cNvPr id="7" name="Textplatzhalter 6"/>
+          <p:cNvSpPr>
+            <a:spLocks noGrp="1"/>
+          </p:cNvSpPr>
+          <p:nvPr>
+            <p:ph type="body" sz="quarter" idx="15"/>
+          </p:nvPr>
+        </p:nvSpPr>
+        <p:spPr/>
+        <p:txBody>
+          <a:bodyPr/>
+          <a:lstStyle/>
+          <a:p>
+            <a:r>
+              <a:rPr lang="de-DE"/>
+              <a:t>Headline Bildunterschrift [1. Ebene]</a:t>
+            </a:r>
+          </a:p>
+          <a:p>
+            <a:pPr lvl="1"/>
+            <a:r>
+              <a:rPr lang="de-DE"/>
+              <a:t>Text Bildunterschrift Arial Regular [2. Ebene]. </a:t>
+            </a:r>
+            <a:br>
+              <a:rPr lang="de-DE"/>
+            </a:br>
+            <a:r>
+              <a:rPr lang="de-DE"/>
+              <a:t>Zur Formatierung 1 × „Einzug vergrößern“</a:t>
+            </a:r>
+          </a:p>
+          <a:p>
+            <a:pPr lvl="1"/>
+            <a:endParaRPr lang="de-DE" dirty="0"/>
+          </a:p>
+        </p:txBody>
+      </p:sp>
+      <p:pic>
+        <p:nvPicPr>
+          <p:cNvPr id="13" name="Bildplatzhalter 12"/>
+          <p:cNvPicPr>
+            <a:picLocks noGrp="1" noChangeAspect="1"/>
+          </p:cNvPicPr>
+          <p:nvPr>
+            <p:ph type="pic" sz="quarter" idx="16"/>
+          </p:nvPr>
+        </p:nvPicPr>
+        <p:blipFill>
+          <a:blip r:embed="rId2" cstate="print">
+            <a:extLst>
+              <a:ext uri="{28A0092B-C50C-407E-A947-70E740481C1C}">
+                <a14:useLocalDpi xmlns:a14="http://schemas.microsoft.com/office/drawing/2010/main" val="0"/>
+              </a:ext>
+            </a:extLst>
+          </a:blip>
+          <a:srcRect l="9354" r="9354"/>
+          <a:stretch>
+            <a:fillRect/>
+          </a:stretch>
+        </p:blipFill>
+        <p:spPr/>
+      </p:pic>
+      <p:sp>
+        <p:nvSpPr>
+          <p:cNvPr id="12" name="Textplatzhalter 11"/>
+          <p:cNvSpPr>
+            <a:spLocks noGrp="1"/>
+          </p:cNvSpPr>
+          <p:nvPr>
+            <p:ph type="body" sz="quarter" idx="17"/>
+          </p:nvPr>
+        </p:nvSpPr>
+        <p:spPr/>
+        <p:txBody>
+          <a:bodyPr/>
+          <a:lstStyle/>
+          <a:p>
+            <a:r>
+              <a:rPr lang="de-DE"/>
+              <a:t>Headline Bildunterschrift [1. Ebene]</a:t>
+            </a:r>
+          </a:p>
+          <a:p>
+            <a:pPr lvl="1"/>
+            <a:r>
+              <a:rPr lang="de-DE"/>
+              <a:t>Text Bildunterschrift Arial Regular [2. Ebene]. </a:t>
+            </a:r>
+            <a:br>
+              <a:rPr lang="de-DE"/>
+            </a:br>
+            <a:r>
+              <a:rPr lang="de-DE"/>
+              <a:t>Zur Formatierung 1 × „Einzug vergrößern“</a:t>
+            </a:r>
+            <a:endParaRPr lang="de-DE" dirty="0"/>
+          </a:p>
+        </p:txBody>
+      </p:sp>
+    </p:spTree>
+    <p:extLst>
+      <p:ext uri="{BB962C8B-B14F-4D97-AF65-F5344CB8AC3E}">
+        <p14:creationId xmlns:p14="http://schemas.microsoft.com/office/powerpoint/2010/main" val="514753688"/>
+      </p:ext>
+    </p:extLst>
+  </p:cSld>
+  <p:clrMapOvr>
+    <a:masterClrMapping/>
+  </p:clrMapOvr>
+</p:sld>
+</file>
+
+<file path=ppt/slides/slide21.xml><?xml version="1.0" encoding="utf-8"?>
+<p:sld xmlns:a="http://schemas.openxmlformats.org/drawingml/2006/main" xmlns:r="http://schemas.openxmlformats.org/officeDocument/2006/relationships" xmlns:p="http://schemas.openxmlformats.org/presentationml/2006/main">
+  <p:cSld>
+    <p:spTree>
+      <p:nvGrpSpPr>
+        <p:cNvPr id="1" name=""/>
+        <p:cNvGrpSpPr/>
+        <p:nvPr/>
+      </p:nvGrpSpPr>
+      <p:grpSpPr>
+        <a:xfrm>
+          <a:off x="0" y="0"/>
+          <a:ext cx="0" cy="0"/>
+          <a:chOff x="0" y="0"/>
+          <a:chExt cx="0" cy="0"/>
+        </a:xfrm>
+      </p:grpSpPr>
+      <p:sp>
+        <p:nvSpPr>
+          <p:cNvPr id="10" name="Titel 9"/>
+          <p:cNvSpPr>
+            <a:spLocks noGrp="1"/>
+          </p:cNvSpPr>
+          <p:nvPr>
+            <p:ph type="title"/>
+          </p:nvPr>
+        </p:nvSpPr>
+        <p:spPr/>
+        <p:txBody>
+          <a:bodyPr/>
+          <a:lstStyle/>
+          <a:p>
+            <a:r>
+              <a:rPr lang="de-DE"/>
+              <a:t>Große Headline für Textfolie</a:t>
+            </a:r>
+            <a:br>
+              <a:rPr lang="de-DE"/>
+            </a:br>
+            <a:r>
+              <a:rPr lang="de-DE"/>
+              <a:t>Headline maximal zwei Zeilen</a:t>
+            </a:r>
+            <a:endParaRPr lang="de-DE" dirty="0"/>
+          </a:p>
+        </p:txBody>
+      </p:sp>
+      <p:sp>
+        <p:nvSpPr>
+          <p:cNvPr id="3" name="Fußzeilenplatzhalter 2"/>
+          <p:cNvSpPr>
+            <a:spLocks noGrp="1"/>
+          </p:cNvSpPr>
+          <p:nvPr>
+            <p:ph type="ftr" sz="quarter" idx="10"/>
+          </p:nvPr>
+        </p:nvSpPr>
+        <p:spPr/>
+        <p:txBody>
+          <a:bodyPr/>
+          <a:lstStyle/>
+          <a:p>
+            <a:r>
+              <a:rPr lang="de-DE"/>
+              <a:t>Magnetisum und Altermagnetismus</a:t>
+            </a:r>
+            <a:endParaRPr lang="de-DE" dirty="0"/>
+          </a:p>
+        </p:txBody>
+      </p:sp>
+      <p:sp>
+        <p:nvSpPr>
+          <p:cNvPr id="4" name="Foliennummernplatzhalter 3"/>
+          <p:cNvSpPr>
+            <a:spLocks noGrp="1"/>
+          </p:cNvSpPr>
+          <p:nvPr>
+            <p:ph type="sldNum" sz="quarter" idx="11"/>
+          </p:nvPr>
+        </p:nvSpPr>
+        <p:spPr/>
+        <p:txBody>
+          <a:bodyPr/>
+          <a:lstStyle/>
+          <a:p>
+            <a:fld id="{C05EE493-AD2E-4872-B2F6-8F12A747F0A5}" type="slidenum">
+              <a:rPr lang="de-DE" smtClean="0"/>
+              <a:pPr/>
+              <a:t>21</a:t>
+            </a:fld>
+            <a:endParaRPr lang="de-DE" dirty="0"/>
+          </a:p>
+        </p:txBody>
+      </p:sp>
+      <p:sp>
+        <p:nvSpPr>
+          <p:cNvPr id="5" name="Datumsplatzhalter 4"/>
+          <p:cNvSpPr>
+            <a:spLocks noGrp="1"/>
+          </p:cNvSpPr>
+          <p:nvPr>
+            <p:ph type="dt" sz="half" idx="12"/>
+          </p:nvPr>
+        </p:nvSpPr>
+        <p:spPr/>
+        <p:txBody>
+          <a:bodyPr/>
+          <a:lstStyle/>
+          <a:p>
+            <a:r>
+              <a:rPr lang="de-DE"/>
+              <a:t>07.06.2024</a:t>
+            </a:r>
+            <a:endParaRPr lang="de-DE" dirty="0"/>
+          </a:p>
+        </p:txBody>
+      </p:sp>
+      <p:pic>
+        <p:nvPicPr>
+          <p:cNvPr id="8" name="Bildplatzhalter 7"/>
+          <p:cNvPicPr>
+            <a:picLocks noGrp="1" noChangeAspect="1"/>
+          </p:cNvPicPr>
+          <p:nvPr>
+            <p:ph type="pic" sz="quarter" idx="13"/>
+          </p:nvPr>
+        </p:nvPicPr>
+        <p:blipFill>
+          <a:blip r:embed="rId2" cstate="print">
+            <a:extLst>
+              <a:ext uri="{28A0092B-C50C-407E-A947-70E740481C1C}">
+                <a14:useLocalDpi xmlns:a14="http://schemas.microsoft.com/office/drawing/2010/main" val="0"/>
+              </a:ext>
+            </a:extLst>
+          </a:blip>
+          <a:srcRect l="9354" r="9354"/>
+          <a:stretch>
+            <a:fillRect/>
+          </a:stretch>
+        </p:blipFill>
+        <p:spPr/>
+      </p:pic>
+      <p:sp>
+        <p:nvSpPr>
+          <p:cNvPr id="7" name="Textplatzhalter 6"/>
+          <p:cNvSpPr>
+            <a:spLocks noGrp="1"/>
+          </p:cNvSpPr>
+          <p:nvPr>
+            <p:ph type="body" sz="quarter" idx="15"/>
+          </p:nvPr>
+        </p:nvSpPr>
+        <p:spPr/>
+        <p:txBody>
+          <a:bodyPr/>
+          <a:lstStyle/>
+          <a:p>
+            <a:r>
+              <a:rPr lang="de-DE"/>
+              <a:t>Headline Bildunterschrift [1. Ebene]</a:t>
+            </a:r>
+          </a:p>
+          <a:p>
+            <a:pPr lvl="1"/>
+            <a:r>
+              <a:rPr lang="de-DE"/>
+              <a:t>Text Bildunterschrift Arial Regular [2. Ebene]. </a:t>
+            </a:r>
+            <a:br>
+              <a:rPr lang="de-DE"/>
+            </a:br>
+            <a:r>
+              <a:rPr lang="de-DE"/>
+              <a:t>Zur Formatierung 1 × „Einzug vergrößern“</a:t>
+            </a:r>
+          </a:p>
+          <a:p>
+            <a:pPr lvl="1"/>
+            <a:endParaRPr lang="de-DE" dirty="0"/>
+          </a:p>
+        </p:txBody>
+      </p:sp>
+      <p:pic>
+        <p:nvPicPr>
+          <p:cNvPr id="13" name="Bildplatzhalter 12"/>
+          <p:cNvPicPr>
+            <a:picLocks noGrp="1" noChangeAspect="1"/>
+          </p:cNvPicPr>
+          <p:nvPr>
+            <p:ph type="pic" sz="quarter" idx="16"/>
+          </p:nvPr>
+        </p:nvPicPr>
+        <p:blipFill>
+          <a:blip r:embed="rId2" cstate="print">
+            <a:extLst>
+              <a:ext uri="{28A0092B-C50C-407E-A947-70E740481C1C}">
+                <a14:useLocalDpi xmlns:a14="http://schemas.microsoft.com/office/drawing/2010/main" val="0"/>
+              </a:ext>
+            </a:extLst>
+          </a:blip>
+          <a:srcRect l="9354" r="9354"/>
+          <a:stretch>
+            <a:fillRect/>
+          </a:stretch>
+        </p:blipFill>
+        <p:spPr/>
+      </p:pic>
+      <p:sp>
+        <p:nvSpPr>
+          <p:cNvPr id="12" name="Textplatzhalter 11"/>
+          <p:cNvSpPr>
+            <a:spLocks noGrp="1"/>
+          </p:cNvSpPr>
+          <p:nvPr>
+            <p:ph type="body" sz="quarter" idx="17"/>
+          </p:nvPr>
+        </p:nvSpPr>
+        <p:spPr/>
+        <p:txBody>
+          <a:bodyPr/>
+          <a:lstStyle/>
+          <a:p>
+            <a:r>
+              <a:rPr lang="de-DE"/>
+              <a:t>Headline Bildunterschrift [1. Ebene]</a:t>
+            </a:r>
+          </a:p>
+          <a:p>
+            <a:pPr lvl="1"/>
+            <a:r>
+              <a:rPr lang="de-DE"/>
+              <a:t>Text Bildunterschrift Arial Regular [2. Ebene]. </a:t>
+            </a:r>
+            <a:br>
+              <a:rPr lang="de-DE"/>
+            </a:br>
+            <a:r>
+              <a:rPr lang="de-DE"/>
+              <a:t>Zur Formatierung 1 × „Einzug vergrößern“</a:t>
+            </a:r>
+            <a:endParaRPr lang="de-DE" dirty="0"/>
+          </a:p>
+        </p:txBody>
+      </p:sp>
+    </p:spTree>
+    <p:extLst>
+      <p:ext uri="{BB962C8B-B14F-4D97-AF65-F5344CB8AC3E}">
+        <p14:creationId xmlns:p14="http://schemas.microsoft.com/office/powerpoint/2010/main" val="3046935765"/>
+      </p:ext>
+    </p:extLst>
+  </p:cSld>
+  <p:clrMapOvr>
+    <a:masterClrMapping/>
+  </p:clrMapOvr>
+</p:sld>
+</file>
+
+<file path=ppt/slides/slide22.xml><?xml version="1.0" encoding="utf-8"?>
+<p:sld xmlns:a="http://schemas.openxmlformats.org/drawingml/2006/main" xmlns:r="http://schemas.openxmlformats.org/officeDocument/2006/relationships" xmlns:p="http://schemas.openxmlformats.org/presentationml/2006/main">
+  <p:cSld>
+    <p:spTree>
+      <p:nvGrpSpPr>
+        <p:cNvPr id="1" name=""/>
+        <p:cNvGrpSpPr/>
+        <p:nvPr/>
+      </p:nvGrpSpPr>
+      <p:grpSpPr>
+        <a:xfrm>
+          <a:off x="0" y="0"/>
+          <a:ext cx="0" cy="0"/>
+          <a:chOff x="0" y="0"/>
+          <a:chExt cx="0" cy="0"/>
+        </a:xfrm>
+      </p:grpSpPr>
+      <p:sp>
+        <p:nvSpPr>
+          <p:cNvPr id="2" name="Fußzeilenplatzhalter 1"/>
+          <p:cNvSpPr>
+            <a:spLocks noGrp="1"/>
+          </p:cNvSpPr>
+          <p:nvPr>
+            <p:ph type="ftr" sz="quarter" idx="10"/>
+          </p:nvPr>
+        </p:nvSpPr>
+        <p:spPr/>
+        <p:txBody>
+          <a:bodyPr/>
+          <a:lstStyle/>
+          <a:p>
+            <a:r>
+              <a:rPr lang="de-DE"/>
+              <a:t>Magnetisum und Altermagnetismus</a:t>
+            </a:r>
+            <a:endParaRPr lang="de-DE" dirty="0"/>
+          </a:p>
+        </p:txBody>
+      </p:sp>
+      <p:sp>
+        <p:nvSpPr>
+          <p:cNvPr id="3" name="Foliennummernplatzhalter 2"/>
+          <p:cNvSpPr>
+            <a:spLocks noGrp="1"/>
+          </p:cNvSpPr>
+          <p:nvPr>
+            <p:ph type="sldNum" sz="quarter" idx="11"/>
+          </p:nvPr>
+        </p:nvSpPr>
+        <p:spPr/>
+        <p:txBody>
+          <a:bodyPr/>
+          <a:lstStyle/>
+          <a:p>
+            <a:fld id="{C05EE493-AD2E-4872-B2F6-8F12A747F0A5}" type="slidenum">
+              <a:rPr lang="de-DE" smtClean="0"/>
+              <a:pPr/>
+              <a:t>22</a:t>
+            </a:fld>
+            <a:endParaRPr lang="de-DE" dirty="0"/>
+          </a:p>
+        </p:txBody>
+      </p:sp>
+      <p:sp>
+        <p:nvSpPr>
+          <p:cNvPr id="4" name="Datumsplatzhalter 3"/>
+          <p:cNvSpPr>
+            <a:spLocks noGrp="1"/>
+          </p:cNvSpPr>
+          <p:nvPr>
+            <p:ph type="dt" sz="half" idx="12"/>
+          </p:nvPr>
+        </p:nvSpPr>
+        <p:spPr/>
+        <p:txBody>
+          <a:bodyPr/>
+          <a:lstStyle/>
+          <a:p>
+            <a:r>
+              <a:rPr lang="de-DE"/>
+              <a:t>07.06.2024</a:t>
+            </a:r>
+            <a:endParaRPr lang="de-DE" dirty="0"/>
+          </a:p>
+        </p:txBody>
+      </p:sp>
+      <p:pic>
+        <p:nvPicPr>
+          <p:cNvPr id="7" name="Bildplatzhalter 6"/>
+          <p:cNvPicPr>
+            <a:picLocks noGrp="1" noChangeAspect="1"/>
+          </p:cNvPicPr>
+          <p:nvPr>
+            <p:ph type="pic" sz="quarter" idx="13"/>
+          </p:nvPr>
+        </p:nvPicPr>
+        <p:blipFill>
+          <a:blip r:embed="rId2">
+            <a:extLst>
+              <a:ext uri="{28A0092B-C50C-407E-A947-70E740481C1C}">
+                <a14:useLocalDpi xmlns:a14="http://schemas.microsoft.com/office/drawing/2010/main" val="0"/>
+              </a:ext>
+            </a:extLst>
+          </a:blip>
+          <a:srcRect l="5497" r="5497"/>
+          <a:stretch>
+            <a:fillRect/>
+          </a:stretch>
+        </p:blipFill>
+        <p:spPr/>
+      </p:pic>
+      <p:sp>
+        <p:nvSpPr>
+          <p:cNvPr id="6" name="Textplatzhalter 5"/>
+          <p:cNvSpPr>
+            <a:spLocks noGrp="1"/>
+          </p:cNvSpPr>
+          <p:nvPr>
+            <p:ph type="body" sz="quarter" idx="15"/>
+          </p:nvPr>
+        </p:nvSpPr>
+        <p:spPr/>
+        <p:txBody>
+          <a:bodyPr/>
+          <a:lstStyle/>
+          <a:p>
+            <a:r>
+              <a:rPr lang="de-DE"/>
+              <a:t>Headline Bildunterschrift [1. Ebene]</a:t>
+            </a:r>
+          </a:p>
+          <a:p>
+            <a:pPr lvl="1"/>
+            <a:r>
+              <a:rPr lang="de-DE"/>
+              <a:t>Text Bildunterschrift Arial Regular [2. Ebene]. Zur Formatierung </a:t>
+            </a:r>
+            <a:br>
+              <a:rPr lang="de-DE"/>
+            </a:br>
+            <a:r>
+              <a:rPr lang="de-DE"/>
+              <a:t>1 × „Einzug vergrößern“</a:t>
+            </a:r>
+            <a:endParaRPr lang="de-DE" dirty="0"/>
+          </a:p>
+        </p:txBody>
+      </p:sp>
+    </p:spTree>
+    <p:extLst>
+      <p:ext uri="{BB962C8B-B14F-4D97-AF65-F5344CB8AC3E}">
+        <p14:creationId xmlns:p14="http://schemas.microsoft.com/office/powerpoint/2010/main" val="3171381206"/>
+      </p:ext>
+    </p:extLst>
+  </p:cSld>
+  <p:clrMapOvr>
+    <a:masterClrMapping/>
+  </p:clrMapOvr>
+</p:sld>
+</file>
+
+<file path=ppt/slides/slide23.xml><?xml version="1.0" encoding="utf-8"?>
+<p:sld xmlns:a="http://schemas.openxmlformats.org/drawingml/2006/main" xmlns:r="http://schemas.openxmlformats.org/officeDocument/2006/relationships" xmlns:p="http://schemas.openxmlformats.org/presentationml/2006/main">
+  <p:cSld>
+    <p:spTree>
+      <p:nvGrpSpPr>
+        <p:cNvPr id="1" name=""/>
+        <p:cNvGrpSpPr/>
+        <p:nvPr/>
+      </p:nvGrpSpPr>
+      <p:grpSpPr>
+        <a:xfrm>
+          <a:off x="0" y="0"/>
+          <a:ext cx="0" cy="0"/>
+          <a:chOff x="0" y="0"/>
+          <a:chExt cx="0" cy="0"/>
+        </a:xfrm>
+      </p:grpSpPr>
+      <p:sp>
+        <p:nvSpPr>
+          <p:cNvPr id="2" name="Fußzeilenplatzhalter 1"/>
+          <p:cNvSpPr>
+            <a:spLocks noGrp="1"/>
+          </p:cNvSpPr>
+          <p:nvPr>
+            <p:ph type="ftr" sz="quarter" idx="10"/>
+          </p:nvPr>
+        </p:nvSpPr>
+        <p:spPr/>
+        <p:txBody>
+          <a:bodyPr/>
+          <a:lstStyle/>
+          <a:p>
+            <a:r>
+              <a:rPr lang="de-DE"/>
+              <a:t>Magnetisum und Altermagnetismus</a:t>
+            </a:r>
+            <a:endParaRPr lang="de-DE" dirty="0"/>
+          </a:p>
+        </p:txBody>
+      </p:sp>
+      <p:sp>
+        <p:nvSpPr>
+          <p:cNvPr id="3" name="Foliennummernplatzhalter 2"/>
+          <p:cNvSpPr>
+            <a:spLocks noGrp="1"/>
+          </p:cNvSpPr>
+          <p:nvPr>
+            <p:ph type="sldNum" sz="quarter" idx="11"/>
+          </p:nvPr>
+        </p:nvSpPr>
+        <p:spPr/>
+        <p:txBody>
+          <a:bodyPr/>
+          <a:lstStyle/>
+          <a:p>
+            <a:fld id="{C05EE493-AD2E-4872-B2F6-8F12A747F0A5}" type="slidenum">
+              <a:rPr lang="de-DE" smtClean="0"/>
+              <a:pPr/>
+              <a:t>23</a:t>
+            </a:fld>
+            <a:endParaRPr lang="de-DE" dirty="0"/>
+          </a:p>
+        </p:txBody>
+      </p:sp>
+      <p:sp>
+        <p:nvSpPr>
+          <p:cNvPr id="4" name="Datumsplatzhalter 3"/>
+          <p:cNvSpPr>
+            <a:spLocks noGrp="1"/>
+          </p:cNvSpPr>
+          <p:nvPr>
+            <p:ph type="dt" sz="half" idx="12"/>
+          </p:nvPr>
+        </p:nvSpPr>
+        <p:spPr/>
+        <p:txBody>
+          <a:bodyPr/>
+          <a:lstStyle/>
+          <a:p>
+            <a:r>
+              <a:rPr lang="de-DE"/>
+              <a:t>07.06.2024</a:t>
+            </a:r>
+            <a:endParaRPr lang="de-DE" dirty="0"/>
+          </a:p>
+        </p:txBody>
+      </p:sp>
+      <p:sp>
+        <p:nvSpPr>
+          <p:cNvPr id="6" name="Textplatzhalter 5"/>
+          <p:cNvSpPr>
+            <a:spLocks noGrp="1"/>
+          </p:cNvSpPr>
+          <p:nvPr>
+            <p:ph type="body" sz="quarter" idx="13"/>
+          </p:nvPr>
+        </p:nvSpPr>
+        <p:spPr/>
+        <p:txBody>
+          <a:bodyPr/>
+          <a:lstStyle/>
+          <a:p>
+            <a:r>
+              <a:rPr lang="de-DE"/>
+              <a:t>„Großes </a:t>
+            </a:r>
+          </a:p>
+          <a:p>
+            <a:r>
+              <a:rPr lang="de-DE"/>
+              <a:t>Zitat/Aussage. Typografie:</a:t>
+            </a:r>
+            <a:br>
+              <a:rPr lang="de-DE"/>
+            </a:br>
+            <a:r>
+              <a:rPr lang="de-DE"/>
+              <a:t>Arial Bold.“</a:t>
+            </a:r>
+          </a:p>
+          <a:p>
+            <a:pPr lvl="1"/>
+            <a:r>
+              <a:rPr lang="de-DE"/>
+              <a:t>Zitat Max Mustermann</a:t>
+            </a:r>
+            <a:br>
+              <a:rPr lang="de-DE"/>
+            </a:br>
+            <a:r>
+              <a:rPr lang="de-DE"/>
+              <a:t>[Formatierung 1 × „Einzug vergrößern“]</a:t>
+            </a:r>
+            <a:endParaRPr lang="de-DE" dirty="0"/>
+          </a:p>
+        </p:txBody>
+      </p:sp>
+    </p:spTree>
+    <p:extLst>
+      <p:ext uri="{BB962C8B-B14F-4D97-AF65-F5344CB8AC3E}">
+        <p14:creationId xmlns:p14="http://schemas.microsoft.com/office/powerpoint/2010/main" val="2591564855"/>
+      </p:ext>
+    </p:extLst>
+  </p:cSld>
+  <p:clrMapOvr>
+    <a:masterClrMapping/>
+  </p:clrMapOvr>
+</p:sld>
+</file>
+
+<file path=ppt/slides/slide24.xml><?xml version="1.0" encoding="utf-8"?>
+<p:sld xmlns:a="http://schemas.openxmlformats.org/drawingml/2006/main" xmlns:r="http://schemas.openxmlformats.org/officeDocument/2006/relationships" xmlns:p="http://schemas.openxmlformats.org/presentationml/2006/main">
+  <p:cSld>
+    <p:spTree>
+      <p:nvGrpSpPr>
+        <p:cNvPr id="1" name=""/>
+        <p:cNvGrpSpPr/>
+        <p:nvPr/>
+      </p:nvGrpSpPr>
+      <p:grpSpPr>
+        <a:xfrm>
+          <a:off x="0" y="0"/>
+          <a:ext cx="0" cy="0"/>
+          <a:chOff x="0" y="0"/>
+          <a:chExt cx="0" cy="0"/>
+        </a:xfrm>
+      </p:grpSpPr>
+      <p:sp>
+        <p:nvSpPr>
+          <p:cNvPr id="2" name="Fußzeilenplatzhalter 1"/>
+          <p:cNvSpPr>
+            <a:spLocks noGrp="1"/>
+          </p:cNvSpPr>
+          <p:nvPr>
+            <p:ph type="ftr" sz="quarter" idx="10"/>
+          </p:nvPr>
+        </p:nvSpPr>
+        <p:spPr/>
+        <p:txBody>
+          <a:bodyPr/>
+          <a:lstStyle/>
+          <a:p>
+            <a:r>
+              <a:rPr lang="de-DE"/>
+              <a:t>Magnetisum und Altermagnetismus</a:t>
+            </a:r>
+            <a:endParaRPr lang="de-DE" dirty="0"/>
+          </a:p>
+        </p:txBody>
+      </p:sp>
+      <p:sp>
+        <p:nvSpPr>
+          <p:cNvPr id="3" name="Foliennummernplatzhalter 2"/>
+          <p:cNvSpPr>
+            <a:spLocks noGrp="1"/>
+          </p:cNvSpPr>
+          <p:nvPr>
+            <p:ph type="sldNum" sz="quarter" idx="11"/>
+          </p:nvPr>
+        </p:nvSpPr>
+        <p:spPr/>
+        <p:txBody>
+          <a:bodyPr/>
+          <a:lstStyle/>
+          <a:p>
+            <a:fld id="{C05EE493-AD2E-4872-B2F6-8F12A747F0A5}" type="slidenum">
+              <a:rPr lang="de-DE" smtClean="0"/>
+              <a:pPr/>
+              <a:t>24</a:t>
+            </a:fld>
+            <a:endParaRPr lang="de-DE" dirty="0"/>
+          </a:p>
+        </p:txBody>
+      </p:sp>
+      <p:sp>
+        <p:nvSpPr>
+          <p:cNvPr id="4" name="Datumsplatzhalter 3"/>
+          <p:cNvSpPr>
+            <a:spLocks noGrp="1"/>
+          </p:cNvSpPr>
+          <p:nvPr>
+            <p:ph type="dt" sz="half" idx="12"/>
+          </p:nvPr>
+        </p:nvSpPr>
+        <p:spPr/>
+        <p:txBody>
+          <a:bodyPr/>
+          <a:lstStyle/>
+          <a:p>
+            <a:r>
+              <a:rPr lang="de-DE"/>
+              <a:t>07.06.2024</a:t>
+            </a:r>
+            <a:endParaRPr lang="de-DE" dirty="0"/>
+          </a:p>
+        </p:txBody>
+      </p:sp>
+      <p:sp>
+        <p:nvSpPr>
+          <p:cNvPr id="6" name="Textplatzhalter 5"/>
+          <p:cNvSpPr>
+            <a:spLocks noGrp="1"/>
+          </p:cNvSpPr>
+          <p:nvPr>
+            <p:ph type="body" sz="quarter" idx="13"/>
+          </p:nvPr>
+        </p:nvSpPr>
+        <p:spPr/>
+        <p:txBody>
+          <a:bodyPr/>
+          <a:lstStyle/>
+          <a:p>
+            <a:r>
+              <a:rPr lang="de-DE"/>
+              <a:t>„Zitat/Aussage. </a:t>
+            </a:r>
+            <a:br>
+              <a:rPr lang="de-DE"/>
+            </a:br>
+            <a:r>
+              <a:rPr lang="de-DE"/>
+              <a:t>Typografie: Arial Bold.“</a:t>
+            </a:r>
+          </a:p>
+          <a:p>
+            <a:pPr lvl="1"/>
+            <a:r>
+              <a:rPr lang="de-DE"/>
+              <a:t>Zitat Max Mustermann</a:t>
+            </a:r>
+            <a:br>
+              <a:rPr lang="de-DE"/>
+            </a:br>
+            <a:r>
+              <a:rPr lang="de-DE"/>
+              <a:t>[Formatierung 1 × „Einzug vergrößern“]</a:t>
+            </a:r>
+            <a:endParaRPr lang="de-DE" dirty="0"/>
+          </a:p>
+        </p:txBody>
+      </p:sp>
+    </p:spTree>
+    <p:extLst>
+      <p:ext uri="{BB962C8B-B14F-4D97-AF65-F5344CB8AC3E}">
+        <p14:creationId xmlns:p14="http://schemas.microsoft.com/office/powerpoint/2010/main" val="634207922"/>
+      </p:ext>
+    </p:extLst>
+  </p:cSld>
+  <p:clrMapOvr>
+    <a:masterClrMapping/>
+  </p:clrMapOvr>
+</p:sld>
+</file>
+
+<file path=ppt/slides/slide25.xml><?xml version="1.0" encoding="utf-8"?>
+<p:sld xmlns:a="http://schemas.openxmlformats.org/drawingml/2006/main" xmlns:r="http://schemas.openxmlformats.org/officeDocument/2006/relationships" xmlns:p="http://schemas.openxmlformats.org/presentationml/2006/main">
+  <p:cSld>
+    <p:spTree>
+      <p:nvGrpSpPr>
+        <p:cNvPr id="1" name=""/>
+        <p:cNvGrpSpPr/>
+        <p:nvPr/>
+      </p:nvGrpSpPr>
+      <p:grpSpPr>
+        <a:xfrm>
+          <a:off x="0" y="0"/>
+          <a:ext cx="0" cy="0"/>
+          <a:chOff x="0" y="0"/>
+          <a:chExt cx="0" cy="0"/>
+        </a:xfrm>
+      </p:grpSpPr>
+      <p:sp>
+        <p:nvSpPr>
+          <p:cNvPr id="15" name="Titel 14"/>
+          <p:cNvSpPr>
+            <a:spLocks noGrp="1"/>
+          </p:cNvSpPr>
+          <p:nvPr>
+            <p:ph type="title"/>
+          </p:nvPr>
+        </p:nvSpPr>
+        <p:spPr/>
+        <p:txBody>
+          <a:bodyPr/>
+          <a:lstStyle/>
+          <a:p>
+            <a:r>
+              <a:rPr lang="de-DE" dirty="0"/>
+              <a:t>Merken-Element für die PowerPoint-Anwendung</a:t>
+            </a:r>
+          </a:p>
+        </p:txBody>
+      </p:sp>
+      <p:sp>
+        <p:nvSpPr>
+          <p:cNvPr id="3" name="Fußzeilenplatzhalter 2"/>
+          <p:cNvSpPr>
+            <a:spLocks noGrp="1"/>
+          </p:cNvSpPr>
+          <p:nvPr>
+            <p:ph type="ftr" sz="quarter" idx="10"/>
+          </p:nvPr>
+        </p:nvSpPr>
+        <p:spPr/>
+        <p:txBody>
+          <a:bodyPr/>
+          <a:lstStyle/>
+          <a:p>
+            <a:r>
+              <a:rPr lang="de-DE"/>
+              <a:t>Magnetisum und Altermagnetismus</a:t>
+            </a:r>
+            <a:endParaRPr lang="de-DE" dirty="0"/>
+          </a:p>
+        </p:txBody>
+      </p:sp>
+      <p:sp>
+        <p:nvSpPr>
+          <p:cNvPr id="6" name="Foliennummernplatzhalter 5"/>
+          <p:cNvSpPr>
+            <a:spLocks noGrp="1"/>
+          </p:cNvSpPr>
+          <p:nvPr>
+            <p:ph type="sldNum" sz="quarter" idx="11"/>
+          </p:nvPr>
+        </p:nvSpPr>
+        <p:spPr/>
+        <p:txBody>
+          <a:bodyPr/>
+          <a:lstStyle/>
+          <a:p>
+            <a:fld id="{C05EE493-AD2E-4872-B2F6-8F12A747F0A5}" type="slidenum">
+              <a:rPr lang="de-DE" smtClean="0"/>
+              <a:pPr/>
+              <a:t>25</a:t>
             </a:fld>
             <a:endParaRPr lang="de-DE" dirty="0"/>
           </a:p>
@@ -7585,7 +11425,7 @@
 </p:sld>
 </file>
 
-<file path=ppt/slides/slide18.xml><?xml version="1.0" encoding="utf-8"?>
+<file path=ppt/slides/slide26.xml><?xml version="1.0" encoding="utf-8"?>
 <p:sld xmlns:a="http://schemas.openxmlformats.org/drawingml/2006/main" xmlns:r="http://schemas.openxmlformats.org/officeDocument/2006/relationships" xmlns:p="http://schemas.openxmlformats.org/presentationml/2006/main">
   <p:cSld>
     <p:spTree>
@@ -7962,328 +11802,6 @@
 </p:sld>
 </file>
 
-<file path=ppt/slides/slide2.xml><?xml version="1.0" encoding="utf-8"?>
-<p:sld xmlns:a="http://schemas.openxmlformats.org/drawingml/2006/main" xmlns:r="http://schemas.openxmlformats.org/officeDocument/2006/relationships" xmlns:p="http://schemas.openxmlformats.org/presentationml/2006/main" show="0">
-  <p:cSld>
-    <p:spTree>
-      <p:nvGrpSpPr>
-        <p:cNvPr id="1" name=""/>
-        <p:cNvGrpSpPr/>
-        <p:nvPr/>
-      </p:nvGrpSpPr>
-      <p:grpSpPr>
-        <a:xfrm>
-          <a:off x="0" y="0"/>
-          <a:ext cx="0" cy="0"/>
-          <a:chOff x="0" y="0"/>
-          <a:chExt cx="0" cy="0"/>
-        </a:xfrm>
-      </p:grpSpPr>
-      <p:sp>
-        <p:nvSpPr>
-          <p:cNvPr id="4" name="Titel 2"/>
-          <p:cNvSpPr txBox="1">
-            <a:spLocks/>
-          </p:cNvSpPr>
-          <p:nvPr/>
-        </p:nvSpPr>
-        <p:spPr>
-          <a:xfrm>
-            <a:off x="431800" y="2349500"/>
-            <a:ext cx="6335713" cy="2592388"/>
-          </a:xfrm>
-          <a:prstGeom prst="rect">
-            <a:avLst/>
-          </a:prstGeom>
-        </p:spPr>
-        <p:txBody>
-          <a:bodyPr vert="horz" lIns="0" tIns="0" rIns="0" bIns="82800" rtlCol="0" anchor="b" anchorCtr="0">
-            <a:noAutofit/>
-          </a:bodyPr>
-          <a:lstStyle>
-            <a:lvl1pPr>
-              <a:lnSpc>
-                <a:spcPct val="105000"/>
-              </a:lnSpc>
-              <a:spcBef>
-                <a:spcPct val="0"/>
-              </a:spcBef>
-              <a:buNone/>
-              <a:defRPr sz="5200" b="1" u="none" baseline="0">
-                <a:uFill>
-                  <a:solidFill>
-                    <a:schemeClr val="accent1"/>
-                  </a:solidFill>
-                </a:uFill>
-                <a:latin typeface="+mj-lt"/>
-                <a:ea typeface="+mj-ea"/>
-                <a:cs typeface="+mj-cs"/>
-              </a:defRPr>
-            </a:lvl1pPr>
-          </a:lstStyle>
-          <a:p>
-            <a:r>
-              <a:rPr lang="de-DE" dirty="0"/>
-              <a:t>Titelfolie ohne</a:t>
-            </a:r>
-          </a:p>
-          <a:p>
-            <a:r>
-              <a:rPr lang="de-DE" dirty="0"/>
-              <a:t>Bild mit</a:t>
-            </a:r>
-          </a:p>
-          <a:p>
-            <a:r>
-              <a:rPr lang="de-DE" dirty="0"/>
-              <a:t>großer </a:t>
-            </a:r>
-            <a:r>
-              <a:rPr lang="de-DE" dirty="0" err="1"/>
-              <a:t>Typo</a:t>
-            </a:r>
-            <a:endParaRPr lang="de-DE" dirty="0"/>
-          </a:p>
-        </p:txBody>
-      </p:sp>
-      <p:sp>
-        <p:nvSpPr>
-          <p:cNvPr id="5" name="Untertitel 1"/>
-          <p:cNvSpPr txBox="1">
-            <a:spLocks/>
-          </p:cNvSpPr>
-          <p:nvPr/>
-        </p:nvSpPr>
-        <p:spPr>
-          <a:xfrm>
-            <a:off x="431800" y="5373688"/>
-            <a:ext cx="6335713" cy="792162"/>
-          </a:xfrm>
-          <a:prstGeom prst="rect">
-            <a:avLst/>
-          </a:prstGeom>
-        </p:spPr>
-        <p:txBody>
-          <a:bodyPr vert="horz" lIns="0" tIns="0" rIns="0" bIns="0" rtlCol="0" anchor="b">
-            <a:noAutofit/>
-          </a:bodyPr>
-          <a:lstStyle>
-            <a:lvl1pPr indent="0">
-              <a:lnSpc>
-                <a:spcPct val="110000"/>
-              </a:lnSpc>
-              <a:spcBef>
-                <a:spcPts val="0"/>
-              </a:spcBef>
-              <a:buFont typeface="Arial" pitchFamily="34" charset="0"/>
-              <a:buNone/>
-              <a:defRPr sz="2000" b="1" u="none" baseline="0">
-                <a:solidFill>
-                  <a:schemeClr val="accent1"/>
-                </a:solidFill>
-                <a:uFill>
-                  <a:solidFill>
-                    <a:schemeClr val="accent1"/>
-                  </a:solidFill>
-                </a:uFill>
-              </a:defRPr>
-            </a:lvl1pPr>
-            <a:lvl2pPr indent="0" algn="ctr">
-              <a:lnSpc>
-                <a:spcPct val="110000"/>
-              </a:lnSpc>
-              <a:spcBef>
-                <a:spcPts val="0"/>
-              </a:spcBef>
-              <a:buFont typeface="Arial" pitchFamily="34" charset="0"/>
-              <a:buNone/>
-              <a:defRPr sz="1600">
-                <a:solidFill>
-                  <a:schemeClr val="tx1">
-                    <a:tint val="75000"/>
-                  </a:schemeClr>
-                </a:solidFill>
-              </a:defRPr>
-            </a:lvl2pPr>
-            <a:lvl3pPr indent="0" algn="ctr">
-              <a:lnSpc>
-                <a:spcPct val="110000"/>
-              </a:lnSpc>
-              <a:spcBef>
-                <a:spcPts val="0"/>
-              </a:spcBef>
-              <a:buClr>
-                <a:schemeClr val="accent1"/>
-              </a:buClr>
-              <a:buFont typeface="Arial" panose="020B0604020202020204" pitchFamily="34" charset="0"/>
-              <a:buNone/>
-              <a:defRPr sz="1600">
-                <a:solidFill>
-                  <a:schemeClr val="tx1">
-                    <a:tint val="75000"/>
-                  </a:schemeClr>
-                </a:solidFill>
-              </a:defRPr>
-            </a:lvl3pPr>
-            <a:lvl4pPr indent="0" algn="ctr">
-              <a:lnSpc>
-                <a:spcPct val="110000"/>
-              </a:lnSpc>
-              <a:spcBef>
-                <a:spcPts val="0"/>
-              </a:spcBef>
-              <a:buClr>
-                <a:schemeClr val="accent1"/>
-              </a:buClr>
-              <a:buFont typeface="Arial" panose="020B0604020202020204" pitchFamily="34" charset="0"/>
-              <a:buNone/>
-              <a:defRPr sz="1600">
-                <a:solidFill>
-                  <a:schemeClr val="tx1">
-                    <a:tint val="75000"/>
-                  </a:schemeClr>
-                </a:solidFill>
-              </a:defRPr>
-            </a:lvl4pPr>
-            <a:lvl5pPr indent="0" algn="ctr">
-              <a:lnSpc>
-                <a:spcPct val="110000"/>
-              </a:lnSpc>
-              <a:spcBef>
-                <a:spcPts val="0"/>
-              </a:spcBef>
-              <a:buFont typeface="+mj-lt"/>
-              <a:buNone/>
-              <a:defRPr sz="1600" u="sng" baseline="0">
-                <a:solidFill>
-                  <a:schemeClr val="tx1">
-                    <a:tint val="75000"/>
-                  </a:schemeClr>
-                </a:solidFill>
-                <a:uFill>
-                  <a:solidFill>
-                    <a:schemeClr val="accent1"/>
-                  </a:solidFill>
-                </a:uFill>
-              </a:defRPr>
-            </a:lvl5pPr>
-            <a:lvl6pPr indent="0" algn="ctr">
-              <a:lnSpc>
-                <a:spcPct val="110000"/>
-              </a:lnSpc>
-              <a:spcBef>
-                <a:spcPts val="0"/>
-              </a:spcBef>
-              <a:buClr>
-                <a:schemeClr val="accent1"/>
-              </a:buClr>
-              <a:buFont typeface="Arial" panose="020B0604020202020204" pitchFamily="34" charset="0"/>
-              <a:buNone/>
-              <a:defRPr sz="1600" baseline="0">
-                <a:solidFill>
-                  <a:schemeClr val="tx1">
-                    <a:tint val="75000"/>
-                  </a:schemeClr>
-                </a:solidFill>
-              </a:defRPr>
-            </a:lvl6pPr>
-            <a:lvl7pPr indent="0" algn="ctr">
-              <a:lnSpc>
-                <a:spcPct val="110000"/>
-              </a:lnSpc>
-              <a:spcBef>
-                <a:spcPts val="0"/>
-              </a:spcBef>
-              <a:buClr>
-                <a:schemeClr val="accent1"/>
-              </a:buClr>
-              <a:buFont typeface="Arial" panose="020B0604020202020204" pitchFamily="34" charset="0"/>
-              <a:buNone/>
-              <a:defRPr sz="1600" baseline="0">
-                <a:solidFill>
-                  <a:schemeClr val="tx1">
-                    <a:tint val="75000"/>
-                  </a:schemeClr>
-                </a:solidFill>
-              </a:defRPr>
-            </a:lvl7pPr>
-            <a:lvl8pPr indent="0" algn="ctr">
-              <a:lnSpc>
-                <a:spcPct val="110000"/>
-              </a:lnSpc>
-              <a:spcBef>
-                <a:spcPts val="0"/>
-              </a:spcBef>
-              <a:buClr>
-                <a:schemeClr val="accent1"/>
-              </a:buClr>
-              <a:buFont typeface="Arial" panose="020B0604020202020204" pitchFamily="34" charset="0"/>
-              <a:buNone/>
-              <a:tabLst/>
-              <a:defRPr sz="1600" baseline="0">
-                <a:solidFill>
-                  <a:schemeClr val="tx1">
-                    <a:tint val="75000"/>
-                  </a:schemeClr>
-                </a:solidFill>
-              </a:defRPr>
-            </a:lvl8pPr>
-            <a:lvl9pPr indent="0" algn="ctr">
-              <a:lnSpc>
-                <a:spcPct val="110000"/>
-              </a:lnSpc>
-              <a:spcBef>
-                <a:spcPts val="0"/>
-              </a:spcBef>
-              <a:buClr>
-                <a:schemeClr val="accent1"/>
-              </a:buClr>
-              <a:buFont typeface="Arial" panose="020B0604020202020204" pitchFamily="34" charset="0"/>
-              <a:buNone/>
-              <a:defRPr sz="1600" baseline="0">
-                <a:solidFill>
-                  <a:schemeClr val="tx1">
-                    <a:tint val="75000"/>
-                  </a:schemeClr>
-                </a:solidFill>
-              </a:defRPr>
-            </a:lvl9pPr>
-          </a:lstStyle>
-          <a:p>
-            <a:r>
-              <a:rPr lang="de-DE" dirty="0"/>
-              <a:t>Name des Referenten, Arial </a:t>
-            </a:r>
-            <a:r>
-              <a:rPr lang="de-DE" dirty="0" err="1"/>
-              <a:t>Bold</a:t>
-            </a:r>
-            <a:r>
-              <a:rPr lang="de-DE" dirty="0"/>
-              <a:t> Akzentfarbe 1</a:t>
-            </a:r>
-          </a:p>
-          <a:p>
-            <a:r>
-              <a:rPr lang="de-DE" b="0" dirty="0"/>
-              <a:t>Ort, Datum, Arial Regular Akzentfarbe 1</a:t>
-            </a:r>
-          </a:p>
-        </p:txBody>
-      </p:sp>
-    </p:spTree>
-    <p:extLst>
-      <p:ext uri="{BB962C8B-B14F-4D97-AF65-F5344CB8AC3E}">
-        <p14:creationId xmlns:p14="http://schemas.microsoft.com/office/powerpoint/2010/main" val="92787183"/>
-      </p:ext>
-    </p:extLst>
-  </p:cSld>
-  <p:clrMapOvr>
-    <a:masterClrMapping/>
-  </p:clrMapOvr>
-</p:sld>
-</file>
-
 <file path=ppt/slides/slide3.xml><?xml version="1.0" encoding="utf-8"?>
 <p:sld xmlns:a="http://schemas.openxmlformats.org/drawingml/2006/main" xmlns:r="http://schemas.openxmlformats.org/officeDocument/2006/relationships" xmlns:p="http://schemas.openxmlformats.org/presentationml/2006/main" show="0">
   <p:cSld>
@@ -9865,14 +13383,7 @@
           <a:p>
             <a:r>
               <a:rPr lang="de-DE" dirty="0"/>
-              <a:t>Große Headline für Textfolie</a:t>
-            </a:r>
-            <a:br>
-              <a:rPr lang="de-DE" dirty="0"/>
-            </a:br>
-            <a:r>
-              <a:rPr lang="de-DE" dirty="0"/>
-              <a:t>Headline maximal zwei Zeilen</a:t>
+              <a:t>Motivation</a:t>
             </a:r>
           </a:p>
         </p:txBody>
@@ -9887,66 +13398,149 @@
             <p:ph sz="half" idx="1"/>
           </p:nvPr>
         </p:nvSpPr>
-        <p:spPr/>
+        <p:spPr>
+          <a:xfrm>
+            <a:off x="431799" y="1669473"/>
+            <a:ext cx="5568951" cy="4103687"/>
+          </a:xfrm>
+        </p:spPr>
         <p:txBody>
           <a:bodyPr/>
           <a:lstStyle/>
           <a:p>
             <a:r>
-              <a:rPr lang="de-DE"/>
-              <a:t>Subheadline Bold Akzentfarbe 1</a:t>
-            </a:r>
-          </a:p>
-          <a:p>
-            <a:endParaRPr lang="de-DE"/>
-          </a:p>
-          <a:p>
-            <a:pPr lvl="1"/>
-            <a:r>
-              <a:rPr lang="de-DE"/>
-              <a:t>Fließtext in Arial Regular. Illament ulluptatis desci dolent even ducit. Qui voluptas. </a:t>
-            </a:r>
-          </a:p>
-          <a:p>
-            <a:endParaRPr lang="de-DE"/>
+              <a:rPr lang="de-DE" dirty="0"/>
+              <a:t>Magnete sind Überall (nicht nur am Kühlschrank):</a:t>
+            </a:r>
+          </a:p>
+          <a:p>
+            <a:endParaRPr lang="de-DE" dirty="0"/>
           </a:p>
           <a:p>
             <a:pPr lvl="2"/>
             <a:r>
-              <a:rPr lang="de-DE"/>
-              <a:t>Enimpor ersperc hiliqui tectem fugitis.</a:t>
-            </a:r>
+              <a:rPr lang="de-DE" dirty="0"/>
+              <a:t>Praktisch in jedem elektrischen Motor.</a:t>
+            </a:r>
+          </a:p>
+          <a:p>
+            <a:pPr lvl="3"/>
+            <a:r>
+              <a:rPr lang="de-DE" dirty="0"/>
+              <a:t>Lautsprecher</a:t>
+            </a:r>
+          </a:p>
+          <a:p>
+            <a:pPr lvl="3"/>
+            <a:endParaRPr lang="de-DE" dirty="0"/>
+          </a:p>
+          <a:p>
+            <a:pPr lvl="3"/>
+            <a:endParaRPr lang="de-DE" dirty="0"/>
           </a:p>
           <a:p>
             <a:pPr lvl="2"/>
             <a:r>
-              <a:rPr lang="de-DE"/>
-              <a:t>Solupti undandae neso re ulpa impor ers percderae velenist et vent volo.</a:t>
+              <a:rPr lang="de-DE" dirty="0"/>
+              <a:t>Medizin</a:t>
             </a:r>
           </a:p>
           <a:p>
             <a:pPr lvl="3"/>
             <a:r>
-              <a:rPr lang="de-DE"/>
-              <a:t>Tur tem rerita qui repera dolore cum qui voluptas et laborer ventet.</a:t>
+              <a:rPr lang="de-DE" dirty="0"/>
+              <a:t>MRI </a:t>
+            </a:r>
+          </a:p>
+          <a:p>
+            <a:pPr lvl="2"/>
+            <a:r>
+              <a:rPr lang="de-DE" dirty="0"/>
+              <a:t>Digitaler Speicher</a:t>
             </a:r>
           </a:p>
           <a:p>
             <a:pPr lvl="3"/>
             <a:r>
-              <a:rPr lang="de-DE"/>
-              <a:t>Vid ut eatiati onectem ventet dolore dolupta es volupta quas ullandi.</a:t>
+              <a:rPr lang="de-DE" dirty="0"/>
+              <a:t>HDD</a:t>
             </a:r>
           </a:p>
           <a:p>
             <a:pPr lvl="3"/>
             <a:r>
-              <a:rPr lang="de-DE"/>
-              <a:t>Tquisci endersped beat dit et quo omnis expelig tem rerita qui.</a:t>
-            </a:r>
-          </a:p>
-          <a:p>
-            <a:endParaRPr lang="de-DE" dirty="0"/>
+              <a:rPr lang="de-DE" dirty="0" err="1"/>
+              <a:t>Skyrmions</a:t>
+            </a:r>
+            <a:r>
+              <a:rPr lang="de-DE" dirty="0"/>
+              <a:t>?</a:t>
+            </a:r>
+          </a:p>
+          <a:p>
+            <a:pPr lvl="2"/>
+            <a:r>
+              <a:rPr lang="de-DE" dirty="0" err="1"/>
+              <a:t>Fp</a:t>
+            </a:r>
+            <a:r>
+              <a:rPr lang="de-DE" dirty="0"/>
+              <a:t>/</a:t>
+            </a:r>
+            <a:r>
+              <a:rPr lang="de-DE" dirty="0" err="1"/>
+              <a:t>Ap</a:t>
+            </a:r>
+            <a:r>
+              <a:rPr lang="de-DE" dirty="0"/>
+              <a:t>-Versuche</a:t>
+            </a:r>
+          </a:p>
+          <a:p>
+            <a:pPr lvl="2"/>
+            <a:r>
+              <a:rPr lang="de-DE" dirty="0"/>
+              <a:t>Computing – </a:t>
+            </a:r>
+            <a:r>
+              <a:rPr lang="de-DE" dirty="0" err="1"/>
+              <a:t>Spintronics</a:t>
+            </a:r>
+            <a:r>
+              <a:rPr lang="de-DE" dirty="0"/>
+              <a:t> - </a:t>
+            </a:r>
+            <a:r>
+              <a:rPr lang="de-DE" dirty="0" err="1"/>
+              <a:t>Magnonen</a:t>
+            </a:r>
+            <a:r>
+              <a:rPr lang="de-DE" dirty="0"/>
+              <a:t>?</a:t>
+            </a:r>
+          </a:p>
+          <a:p>
+            <a:pPr lvl="2"/>
+            <a:r>
+              <a:rPr lang="de-DE" dirty="0"/>
+              <a:t>Forschung (</a:t>
+            </a:r>
+            <a:r>
+              <a:rPr lang="de-DE" dirty="0" err="1"/>
+              <a:t>Nowak,Gönnenwein</a:t>
+            </a:r>
+            <a:r>
+              <a:rPr lang="de-DE" dirty="0"/>
+              <a:t>, </a:t>
+            </a:r>
+            <a:r>
+              <a:rPr lang="de-DE" dirty="0" err="1"/>
+              <a:t>Bossini</a:t>
+            </a:r>
+            <a:r>
+              <a:rPr lang="de-DE" dirty="0"/>
+              <a:t>….)</a:t>
+            </a:r>
           </a:p>
         </p:txBody>
       </p:sp>
@@ -9960,64 +13554,37 @@
             <p:ph sz="half" idx="2"/>
           </p:nvPr>
         </p:nvSpPr>
-        <p:spPr/>
+        <p:spPr>
+          <a:xfrm>
+            <a:off x="12936760" y="1772816"/>
+            <a:ext cx="5568949" cy="4103687"/>
+          </a:xfrm>
+        </p:spPr>
         <p:txBody>
           <a:bodyPr/>
           <a:lstStyle/>
           <a:p>
             <a:r>
-              <a:rPr lang="de-DE"/>
-              <a:t>Subheadline Bold Akzentfarbe 1</a:t>
-            </a:r>
-          </a:p>
-          <a:p>
-            <a:endParaRPr lang="de-DE"/>
-          </a:p>
-          <a:p>
-            <a:pPr lvl="1"/>
-            <a:r>
-              <a:rPr lang="de-DE"/>
-              <a:t>Fließtext in Arial Regular. Illament ulluptatis desci dolent even ducit. Qui voluptas. </a:t>
-            </a:r>
-          </a:p>
-          <a:p>
-            <a:endParaRPr lang="de-DE"/>
+              <a:rPr lang="de-DE" dirty="0"/>
+              <a:t>Alles aber keine Neuheiten</a:t>
+            </a:r>
+          </a:p>
+          <a:p>
+            <a:endParaRPr lang="de-DE" dirty="0"/>
           </a:p>
           <a:p>
             <a:pPr lvl="2"/>
             <a:r>
-              <a:rPr lang="de-DE"/>
-              <a:t>Enimpor ersperc hiliqui tectem fugitis.</a:t>
+              <a:rPr lang="de-DE" dirty="0"/>
+              <a:t>IK2</a:t>
             </a:r>
           </a:p>
           <a:p>
             <a:pPr lvl="2"/>
             <a:r>
-              <a:rPr lang="de-DE"/>
-              <a:t>Solupti undandae neso re ulpa impor ers percderae velenist et vent volo.</a:t>
-            </a:r>
-          </a:p>
-          <a:p>
-            <a:pPr lvl="3"/>
-            <a:r>
-              <a:rPr lang="de-DE"/>
-              <a:t>Tur tem rerita qui repera dolore cum qui voluptas et laborer ventet.</a:t>
-            </a:r>
-          </a:p>
-          <a:p>
-            <a:pPr lvl="3"/>
-            <a:r>
-              <a:rPr lang="de-DE"/>
-              <a:t>Vid ut eatiati onectem ventet dolore dolupta es volupta quas ullandi.</a:t>
-            </a:r>
-          </a:p>
-          <a:p>
-            <a:pPr lvl="3"/>
-            <a:r>
-              <a:rPr lang="de-DE"/>
-              <a:t>Tquisci endersped beat dit et quo omnis expelig tem rerita qui.</a:t>
-            </a:r>
-            <a:endParaRPr lang="de-DE" dirty="0"/>
+              <a:rPr lang="de-DE" dirty="0"/>
+              <a:t>Festkörperphysik</a:t>
+            </a:r>
           </a:p>
         </p:txBody>
       </p:sp>
@@ -10094,7 +13661,7 @@
     </p:spTree>
     <p:extLst>
       <p:ext uri="{BB962C8B-B14F-4D97-AF65-F5344CB8AC3E}">
-        <p14:creationId xmlns:p14="http://schemas.microsoft.com/office/powerpoint/2010/main" val="992360967"/>
+        <p14:creationId xmlns:p14="http://schemas.microsoft.com/office/powerpoint/2010/main" val="2110574274"/>
       </p:ext>
     </p:extLst>
   </p:cSld>
@@ -10138,7 +13705,7 @@
           <a:p>
             <a:r>
               <a:rPr lang="de-DE" dirty="0"/>
-              <a:t>Aufgabe-Mean-Field Abschätzung</a:t>
+              <a:t>Motivation</a:t>
             </a:r>
           </a:p>
         </p:txBody>
@@ -10150,65 +13717,23 @@
             <a:spLocks noGrp="1"/>
           </p:cNvSpPr>
           <p:nvPr>
-            <p:ph idx="1"/>
+            <p:ph sz="half" idx="1"/>
           </p:nvPr>
         </p:nvSpPr>
         <p:spPr>
           <a:xfrm>
-            <a:off x="431800" y="908720"/>
-            <a:ext cx="11328400" cy="5472608"/>
+            <a:off x="431799" y="1669473"/>
+            <a:ext cx="5568951" cy="4103687"/>
           </a:xfrm>
         </p:spPr>
         <p:txBody>
           <a:bodyPr/>
           <a:lstStyle/>
           <a:p>
-            <a:pPr lvl="1"/>
-            <a:r>
-              <a:rPr lang="de-DE" sz="2000" dirty="0"/>
-              <a:t>Wie groß müsste das mittlere Feld in einem</a:t>
-            </a:r>
-          </a:p>
-          <a:p>
-            <a:pPr lvl="1"/>
-            <a:r>
-              <a:rPr lang="de-DE" sz="2000" dirty="0"/>
-              <a:t>Ferromagneten sein um </a:t>
-            </a:r>
-            <a:r>
-              <a:rPr lang="de-DE" sz="2000"/>
-              <a:t>einen inneren4444 </a:t>
-            </a:r>
-            <a:r>
-              <a:rPr lang="de-DE" sz="2000" dirty="0"/>
-              <a:t>Spin</a:t>
-            </a:r>
-          </a:p>
-          <a:p>
-            <a:pPr lvl="1"/>
-            <a:r>
-              <a:rPr lang="de-DE" sz="2000" dirty="0"/>
-              <a:t>bei Raumtemperatur auszurichten?</a:t>
-            </a:r>
-          </a:p>
-          <a:p>
-            <a:pPr lvl="1"/>
-            <a:endParaRPr lang="de-DE" dirty="0"/>
-          </a:p>
-          <a:p>
-            <a:endParaRPr lang="de-DE" dirty="0"/>
-          </a:p>
-          <a:p>
-            <a:endParaRPr lang="de-DE" dirty="0"/>
-          </a:p>
-          <a:p>
-            <a:endParaRPr lang="de-DE" dirty="0"/>
-          </a:p>
-          <a:p>
-            <a:endParaRPr lang="de-DE" dirty="0"/>
-          </a:p>
-          <a:p>
-            <a:endParaRPr lang="de-DE" dirty="0"/>
+            <a:r>
+              <a:rPr lang="de-DE" dirty="0"/>
+              <a:t>Magnete sind Überall (nicht nur am Kühlschrank):</a:t>
+            </a:r>
           </a:p>
           <a:p>
             <a:endParaRPr lang="de-DE" dirty="0"/>
@@ -10216,54 +13741,145 @@
           <a:p>
             <a:pPr lvl="2"/>
             <a:r>
-              <a:rPr lang="de-DE" sz="2000" dirty="0"/>
-              <a:t>Ergebnis:	~10</a:t>
-            </a:r>
-            <a:r>
-              <a:rPr lang="de-DE" sz="2000" baseline="30000" dirty="0"/>
-              <a:t>3 </a:t>
-            </a:r>
-            <a:r>
-              <a:rPr lang="de-DE" sz="2000" dirty="0"/>
-              <a:t>T</a:t>
-            </a:r>
+              <a:rPr lang="de-DE" dirty="0"/>
+              <a:t>Praktisch in jedem elektrischen Motor.</a:t>
+            </a:r>
+          </a:p>
+          <a:p>
+            <a:pPr lvl="3"/>
+            <a:r>
+              <a:rPr lang="de-DE" dirty="0"/>
+              <a:t>Lautsprecher</a:t>
+            </a:r>
+          </a:p>
+          <a:p>
+            <a:pPr lvl="3"/>
+            <a:endParaRPr lang="de-DE" dirty="0"/>
+          </a:p>
+          <a:p>
+            <a:pPr lvl="3"/>
+            <a:endParaRPr lang="de-DE" dirty="0"/>
           </a:p>
           <a:p>
             <a:pPr lvl="2"/>
             <a:r>
-              <a:rPr lang="de-DE" sz="2000" dirty="0"/>
-              <a:t>Würdigung:	Sehr groß!</a:t>
-            </a:r>
-          </a:p>
-          <a:p>
-            <a:pPr marL="0" lvl="2" indent="0">
-              <a:buNone/>
-            </a:pPr>
-            <a:r>
-              <a:rPr lang="de-DE" sz="2000" dirty="0"/>
-              <a:t>		</a:t>
-            </a:r>
-          </a:p>
-          <a:p>
-            <a:pPr lvl="4"/>
-            <a:endParaRPr lang="de-DE" dirty="0"/>
-          </a:p>
-        </p:txBody>
-      </p:sp>
-      <p:sp>
-        <p:nvSpPr>
-          <p:cNvPr id="5" name="Fußzeilenplatzhalter 4"/>
-          <p:cNvSpPr>
-            <a:spLocks noGrp="1"/>
-          </p:cNvSpPr>
-          <p:nvPr>
-            <p:ph type="ftr" sz="quarter" idx="3"/>
+              <a:rPr lang="de-DE" dirty="0"/>
+              <a:t>Medizin</a:t>
+            </a:r>
+          </a:p>
+          <a:p>
+            <a:pPr lvl="3"/>
+            <a:r>
+              <a:rPr lang="de-DE" dirty="0"/>
+              <a:t>MRI </a:t>
+            </a:r>
+          </a:p>
+          <a:p>
+            <a:pPr lvl="2"/>
+            <a:r>
+              <a:rPr lang="de-DE" dirty="0"/>
+              <a:t>Digitaler Speicher</a:t>
+            </a:r>
+          </a:p>
+          <a:p>
+            <a:pPr lvl="3"/>
+            <a:r>
+              <a:rPr lang="de-DE" dirty="0"/>
+              <a:t>HDD</a:t>
+            </a:r>
+          </a:p>
+          <a:p>
+            <a:pPr lvl="3"/>
+            <a:r>
+              <a:rPr lang="de-DE" dirty="0" err="1"/>
+              <a:t>Skyrmions</a:t>
+            </a:r>
+            <a:r>
+              <a:rPr lang="de-DE" dirty="0"/>
+              <a:t>?</a:t>
+            </a:r>
+          </a:p>
+          <a:p>
+            <a:pPr lvl="2"/>
+            <a:r>
+              <a:rPr lang="de-DE" dirty="0" err="1"/>
+              <a:t>Fp</a:t>
+            </a:r>
+            <a:r>
+              <a:rPr lang="de-DE" dirty="0"/>
+              <a:t>/</a:t>
+            </a:r>
+            <a:r>
+              <a:rPr lang="de-DE" dirty="0" err="1"/>
+              <a:t>Ap</a:t>
+            </a:r>
+            <a:r>
+              <a:rPr lang="de-DE" dirty="0"/>
+              <a:t>-Versuche</a:t>
+            </a:r>
+          </a:p>
+          <a:p>
+            <a:pPr lvl="2"/>
+            <a:r>
+              <a:rPr lang="de-DE" dirty="0"/>
+              <a:t>Computing – </a:t>
+            </a:r>
+            <a:r>
+              <a:rPr lang="de-DE" dirty="0" err="1"/>
+              <a:t>Spintronics</a:t>
+            </a:r>
+            <a:r>
+              <a:rPr lang="de-DE" dirty="0"/>
+              <a:t> - </a:t>
+            </a:r>
+            <a:r>
+              <a:rPr lang="de-DE" dirty="0" err="1"/>
+              <a:t>Magnonen</a:t>
+            </a:r>
+            <a:r>
+              <a:rPr lang="de-DE" dirty="0"/>
+              <a:t>?</a:t>
+            </a:r>
+          </a:p>
+          <a:p>
+            <a:pPr lvl="2"/>
+            <a:r>
+              <a:rPr lang="de-DE" dirty="0"/>
+              <a:t>Forschung (</a:t>
+            </a:r>
+            <a:r>
+              <a:rPr lang="de-DE" dirty="0" err="1"/>
+              <a:t>Nowak,Gönnenwein</a:t>
+            </a:r>
+            <a:r>
+              <a:rPr lang="de-DE" dirty="0"/>
+              <a:t>, </a:t>
+            </a:r>
+            <a:r>
+              <a:rPr lang="de-DE" dirty="0" err="1"/>
+              <a:t>Bossini</a:t>
+            </a:r>
+            <a:r>
+              <a:rPr lang="de-DE" dirty="0"/>
+              <a:t>….)</a:t>
+            </a:r>
+          </a:p>
+        </p:txBody>
+      </p:sp>
+      <p:sp>
+        <p:nvSpPr>
+          <p:cNvPr id="4" name="Inhaltsplatzhalter 3"/>
+          <p:cNvSpPr>
+            <a:spLocks noGrp="1"/>
+          </p:cNvSpPr>
+          <p:nvPr>
+            <p:ph sz="half" idx="2"/>
           </p:nvPr>
         </p:nvSpPr>
         <p:spPr>
           <a:xfrm>
-            <a:off x="4008438" y="6453336"/>
-            <a:ext cx="4247802" cy="216024"/>
+            <a:off x="6208521" y="1669473"/>
+            <a:ext cx="5568949" cy="4103687"/>
           </a:xfrm>
         </p:spPr>
         <p:txBody>
@@ -10271,10 +13887,49 @@
           <a:lstStyle/>
           <a:p>
             <a:r>
-              <a:rPr lang="de-DE" sz="900"/>
+              <a:rPr lang="de-DE" dirty="0"/>
+              <a:t>Alles aber keine Neuheiten</a:t>
+            </a:r>
+          </a:p>
+          <a:p>
+            <a:endParaRPr lang="de-DE" dirty="0"/>
+          </a:p>
+          <a:p>
+            <a:pPr lvl="2"/>
+            <a:r>
+              <a:rPr lang="de-DE" dirty="0"/>
+              <a:t>IK2</a:t>
+            </a:r>
+          </a:p>
+          <a:p>
+            <a:pPr lvl="2"/>
+            <a:r>
+              <a:rPr lang="de-DE" dirty="0"/>
+              <a:t>Festkörperphysik</a:t>
+            </a:r>
+          </a:p>
+        </p:txBody>
+      </p:sp>
+      <p:sp>
+        <p:nvSpPr>
+          <p:cNvPr id="5" name="Fußzeilenplatzhalter 4"/>
+          <p:cNvSpPr>
+            <a:spLocks noGrp="1"/>
+          </p:cNvSpPr>
+          <p:nvPr>
+            <p:ph type="ftr" sz="quarter" idx="3"/>
+          </p:nvPr>
+        </p:nvSpPr>
+        <p:spPr/>
+        <p:txBody>
+          <a:bodyPr/>
+          <a:lstStyle/>
+          <a:p>
+            <a:r>
+              <a:rPr lang="de-DE"/>
               <a:t>Magnetisum und Altermagnetismus</a:t>
             </a:r>
-            <a:endParaRPr lang="de-DE" sz="900" dirty="0"/>
+            <a:endParaRPr lang="de-DE" dirty="0"/>
           </a:p>
         </p:txBody>
       </p:sp>
@@ -10294,22 +13949,22 @@
           <a:lstStyle/>
           <a:p>
             <a:fld id="{C05EE493-AD2E-4872-B2F6-8F12A747F0A5}" type="slidenum">
-              <a:rPr lang="de-DE" sz="900"/>
+              <a:rPr lang="de-DE" smtClean="0"/>
               <a:pPr/>
               <a:t>7</a:t>
             </a:fld>
-            <a:endParaRPr lang="de-DE" sz="900" dirty="0"/>
-          </a:p>
-        </p:txBody>
-      </p:sp>
-      <p:sp>
-        <p:nvSpPr>
-          <p:cNvPr id="4" name="Datumsplatzhalter 3"/>
-          <p:cNvSpPr>
-            <a:spLocks noGrp="1"/>
-          </p:cNvSpPr>
-          <p:nvPr>
-            <p:ph type="dt" sz="half" idx="2"/>
+            <a:endParaRPr lang="de-DE" dirty="0"/>
+          </a:p>
+        </p:txBody>
+      </p:sp>
+      <p:sp>
+        <p:nvSpPr>
+          <p:cNvPr id="7" name="Datumsplatzhalter 6"/>
+          <p:cNvSpPr>
+            <a:spLocks noGrp="1"/>
+          </p:cNvSpPr>
+          <p:nvPr>
+            <p:ph type="dt" sz="half" idx="10"/>
           </p:nvPr>
         </p:nvSpPr>
         <p:spPr/>
@@ -10318,17 +13973,17 @@
           <a:lstStyle/>
           <a:p>
             <a:r>
-              <a:rPr lang="de-DE" sz="900"/>
+              <a:rPr lang="de-DE"/>
               <a:t>07.06.2024</a:t>
             </a:r>
-            <a:endParaRPr lang="de-DE" sz="900" dirty="0"/>
+            <a:endParaRPr lang="de-DE" dirty="0"/>
           </a:p>
         </p:txBody>
       </p:sp>
     </p:spTree>
     <p:extLst>
       <p:ext uri="{BB962C8B-B14F-4D97-AF65-F5344CB8AC3E}">
-        <p14:creationId xmlns:p14="http://schemas.microsoft.com/office/powerpoint/2010/main" val="4178085787"/>
+        <p14:creationId xmlns:p14="http://schemas.microsoft.com/office/powerpoint/2010/main" val="2095320223"/>
       </p:ext>
     </p:extLst>
   </p:cSld>
@@ -10371,17 +14026,9 @@
           <a:lstStyle/>
           <a:p>
             <a:r>
-              <a:rPr lang="de-DE"/>
-              <a:t>Headline für Textfolie Arial Bold</a:t>
-            </a:r>
-            <a:br>
-              <a:rPr lang="de-DE"/>
-            </a:br>
-            <a:r>
-              <a:rPr lang="de-DE"/>
-              <a:t>Headline maximal zwei Zeilen</a:t>
-            </a:r>
-            <a:endParaRPr lang="de-DE" dirty="0"/>
+              <a:rPr lang="de-DE" dirty="0"/>
+              <a:t>Motivation</a:t>
+            </a:r>
           </a:p>
         </p:txBody>
       </p:sp>
@@ -10392,93 +14039,13 @@
             <a:spLocks noGrp="1"/>
           </p:cNvSpPr>
           <p:nvPr>
-            <p:ph idx="1"/>
-          </p:nvPr>
-        </p:nvSpPr>
-        <p:spPr/>
-        <p:txBody>
-          <a:bodyPr/>
-          <a:lstStyle/>
-          <a:p>
-            <a:r>
-              <a:rPr lang="de-DE"/>
-              <a:t>Subheadline in Arial Bold mit Akzentfarbe 1</a:t>
-            </a:r>
-          </a:p>
-          <a:p>
-            <a:endParaRPr lang="de-DE"/>
-          </a:p>
-          <a:p>
-            <a:pPr lvl="1"/>
-            <a:r>
-              <a:rPr lang="de-DE"/>
-              <a:t>Fließtext in Arial Regular. Illament ulluptatis desci dolent even ducit. Qui voluptas. Eni impor hacksy hiliqui tectem repeliq dello fugitis qui repera dolore cum. Enimpor ersperc hili aqui tectem repeliq dello fugitis. Enimpor ersperc hiliqui.</a:t>
-            </a:r>
-          </a:p>
-          <a:p>
-            <a:endParaRPr lang="de-DE"/>
-          </a:p>
-          <a:p>
-            <a:r>
-              <a:rPr lang="de-DE"/>
-              <a:t>Subheadline in Arial Bold mit Akzentfarbe 1</a:t>
-            </a:r>
-          </a:p>
-          <a:p>
-            <a:endParaRPr lang="de-DE"/>
-          </a:p>
-          <a:p>
-            <a:pPr lvl="2"/>
-            <a:r>
-              <a:rPr lang="de-DE"/>
-              <a:t>Enimpor ersperc hiliqui tectem uatiuntum fugitis.</a:t>
-            </a:r>
-          </a:p>
-          <a:p>
-            <a:pPr lvl="2"/>
-            <a:r>
-              <a:rPr lang="de-DE"/>
-              <a:t>Solupti undandae neso re ulpa impor ersperc. Iderae velenist et vent dolores magnis earumquam que consero inis aut et volo.</a:t>
-            </a:r>
-          </a:p>
-          <a:p>
-            <a:pPr lvl="3"/>
-            <a:r>
-              <a:rPr lang="de-DE"/>
-              <a:t>Tur, tem rerita qui repera dolore cum qui voluptas et laborer.</a:t>
-            </a:r>
-          </a:p>
-          <a:p>
-            <a:pPr lvl="3"/>
-            <a:r>
-              <a:rPr lang="de-DE"/>
-              <a:t>Vid ut eatiati onectem ventet dolore dolupta es volupta</a:t>
-            </a:r>
-          </a:p>
-          <a:p>
-            <a:pPr lvl="3"/>
-            <a:r>
-              <a:rPr lang="de-DE"/>
-              <a:t>Tquisci endersped quas ullandi beat dit et quo omnis expelig</a:t>
-            </a:r>
-            <a:endParaRPr lang="de-DE" dirty="0"/>
-          </a:p>
-        </p:txBody>
-      </p:sp>
-      <p:sp>
-        <p:nvSpPr>
-          <p:cNvPr id="7" name="Fußzeilenplatzhalter 4"/>
-          <p:cNvSpPr>
-            <a:spLocks noGrp="1"/>
-          </p:cNvSpPr>
-          <p:nvPr>
-            <p:ph type="ftr" sz="quarter" idx="3"/>
+            <p:ph sz="half" idx="1"/>
           </p:nvPr>
         </p:nvSpPr>
         <p:spPr>
           <a:xfrm>
-            <a:off x="3326097" y="6453336"/>
-            <a:ext cx="4247802" cy="216024"/>
+            <a:off x="-6001344" y="1669473"/>
+            <a:ext cx="5568951" cy="4103687"/>
           </a:xfrm>
         </p:spPr>
         <p:txBody>
@@ -10486,74 +14053,900 @@
           <a:lstStyle/>
           <a:p>
             <a:r>
-              <a:rPr lang="de-DE" sz="900"/>
-              <a:t>Magnetisum und Altermagnetismus</a:t>
-            </a:r>
-            <a:endParaRPr lang="de-DE" sz="900" dirty="0"/>
-          </a:p>
-        </p:txBody>
-      </p:sp>
-      <p:sp>
-        <p:nvSpPr>
-          <p:cNvPr id="8" name="Foliennummernplatzhalter 5"/>
-          <p:cNvSpPr>
-            <a:spLocks noGrp="1"/>
-          </p:cNvSpPr>
-          <p:nvPr>
-            <p:ph type="sldNum" sz="quarter" idx="4"/>
+              <a:rPr lang="de-DE" dirty="0"/>
+              <a:t>Magnete sind Überall (nicht nur am Kühlschrank):</a:t>
+            </a:r>
+          </a:p>
+          <a:p>
+            <a:endParaRPr lang="de-DE" dirty="0"/>
+          </a:p>
+          <a:p>
+            <a:pPr lvl="2"/>
+            <a:r>
+              <a:rPr lang="de-DE" dirty="0"/>
+              <a:t>Praktisch in jedem elektrischen Motor.</a:t>
+            </a:r>
+          </a:p>
+          <a:p>
+            <a:pPr lvl="3"/>
+            <a:r>
+              <a:rPr lang="de-DE" dirty="0"/>
+              <a:t>Lautsprecher</a:t>
+            </a:r>
+          </a:p>
+          <a:p>
+            <a:pPr lvl="3"/>
+            <a:endParaRPr lang="de-DE" dirty="0"/>
+          </a:p>
+          <a:p>
+            <a:pPr lvl="3"/>
+            <a:endParaRPr lang="de-DE" dirty="0"/>
+          </a:p>
+          <a:p>
+            <a:pPr lvl="2"/>
+            <a:r>
+              <a:rPr lang="de-DE" dirty="0"/>
+              <a:t>Medizin</a:t>
+            </a:r>
+          </a:p>
+          <a:p>
+            <a:pPr lvl="3"/>
+            <a:r>
+              <a:rPr lang="de-DE" dirty="0"/>
+              <a:t>MRI </a:t>
+            </a:r>
+          </a:p>
+          <a:p>
+            <a:pPr lvl="2"/>
+            <a:r>
+              <a:rPr lang="de-DE" dirty="0"/>
+              <a:t>Digitaler Speicher</a:t>
+            </a:r>
+          </a:p>
+          <a:p>
+            <a:pPr lvl="3"/>
+            <a:r>
+              <a:rPr lang="de-DE" dirty="0"/>
+              <a:t>HDD</a:t>
+            </a:r>
+          </a:p>
+          <a:p>
+            <a:pPr lvl="3"/>
+            <a:r>
+              <a:rPr lang="de-DE" dirty="0" err="1"/>
+              <a:t>Skyrmions</a:t>
+            </a:r>
+            <a:r>
+              <a:rPr lang="de-DE" dirty="0"/>
+              <a:t>?</a:t>
+            </a:r>
+          </a:p>
+          <a:p>
+            <a:pPr lvl="2"/>
+            <a:r>
+              <a:rPr lang="de-DE" dirty="0" err="1"/>
+              <a:t>Fp</a:t>
+            </a:r>
+            <a:r>
+              <a:rPr lang="de-DE" dirty="0"/>
+              <a:t>/</a:t>
+            </a:r>
+            <a:r>
+              <a:rPr lang="de-DE" dirty="0" err="1"/>
+              <a:t>Ap</a:t>
+            </a:r>
+            <a:r>
+              <a:rPr lang="de-DE" dirty="0"/>
+              <a:t>-Versuche</a:t>
+            </a:r>
+          </a:p>
+          <a:p>
+            <a:pPr lvl="2"/>
+            <a:r>
+              <a:rPr lang="de-DE" dirty="0"/>
+              <a:t>Computing – </a:t>
+            </a:r>
+            <a:r>
+              <a:rPr lang="de-DE" dirty="0" err="1"/>
+              <a:t>Spintronics</a:t>
+            </a:r>
+            <a:r>
+              <a:rPr lang="de-DE" dirty="0"/>
+              <a:t> - </a:t>
+            </a:r>
+            <a:r>
+              <a:rPr lang="de-DE" dirty="0" err="1"/>
+              <a:t>Magnonen</a:t>
+            </a:r>
+            <a:r>
+              <a:rPr lang="de-DE" dirty="0"/>
+              <a:t>?</a:t>
+            </a:r>
+          </a:p>
+          <a:p>
+            <a:pPr lvl="2"/>
+            <a:r>
+              <a:rPr lang="de-DE" dirty="0"/>
+              <a:t>Forschung (</a:t>
+            </a:r>
+            <a:r>
+              <a:rPr lang="de-DE" dirty="0" err="1"/>
+              <a:t>Nowak,Gönnenwein</a:t>
+            </a:r>
+            <a:r>
+              <a:rPr lang="de-DE" dirty="0"/>
+              <a:t>, </a:t>
+            </a:r>
+            <a:r>
+              <a:rPr lang="de-DE" dirty="0" err="1"/>
+              <a:t>Bossini</a:t>
+            </a:r>
+            <a:r>
+              <a:rPr lang="de-DE" dirty="0"/>
+              <a:t>….)</a:t>
+            </a:r>
+          </a:p>
+        </p:txBody>
+      </p:sp>
+      <p:sp>
+        <p:nvSpPr>
+          <p:cNvPr id="4" name="Inhaltsplatzhalter 3"/>
+          <p:cNvSpPr>
+            <a:spLocks noGrp="1"/>
+          </p:cNvSpPr>
+          <p:nvPr>
+            <p:ph sz="half" idx="2"/>
           </p:nvPr>
         </p:nvSpPr>
         <p:spPr>
           <a:xfrm>
-            <a:off x="452759" y="6453336"/>
-            <a:ext cx="935038" cy="216024"/>
+            <a:off x="641020" y="1685992"/>
+            <a:ext cx="5568949" cy="4103687"/>
           </a:xfrm>
         </p:spPr>
         <p:txBody>
           <a:bodyPr/>
           <a:lstStyle/>
           <a:p>
+            <a:r>
+              <a:rPr lang="de-DE" dirty="0"/>
+              <a:t>Alles aber keine Neuheiten</a:t>
+            </a:r>
+          </a:p>
+          <a:p>
+            <a:endParaRPr lang="de-DE" dirty="0"/>
+          </a:p>
+          <a:p>
+            <a:pPr lvl="2"/>
+            <a:r>
+              <a:rPr lang="de-DE" dirty="0"/>
+              <a:t>IK2</a:t>
+            </a:r>
+          </a:p>
+          <a:p>
+            <a:pPr lvl="2"/>
+            <a:r>
+              <a:rPr lang="de-DE" dirty="0"/>
+              <a:t>Festkörperphysik</a:t>
+            </a:r>
+          </a:p>
+        </p:txBody>
+      </p:sp>
+      <p:sp>
+        <p:nvSpPr>
+          <p:cNvPr id="5" name="Fußzeilenplatzhalter 4"/>
+          <p:cNvSpPr>
+            <a:spLocks noGrp="1"/>
+          </p:cNvSpPr>
+          <p:nvPr>
+            <p:ph type="ftr" sz="quarter" idx="3"/>
+          </p:nvPr>
+        </p:nvSpPr>
+        <p:spPr/>
+        <p:txBody>
+          <a:bodyPr/>
+          <a:lstStyle/>
+          <a:p>
+            <a:r>
+              <a:rPr lang="de-DE"/>
+              <a:t>Magnetisum und Altermagnetismus</a:t>
+            </a:r>
+            <a:endParaRPr lang="de-DE" dirty="0"/>
+          </a:p>
+        </p:txBody>
+      </p:sp>
+      <p:sp>
+        <p:nvSpPr>
+          <p:cNvPr id="6" name="Foliennummernplatzhalter 5"/>
+          <p:cNvSpPr>
+            <a:spLocks noGrp="1"/>
+          </p:cNvSpPr>
+          <p:nvPr>
+            <p:ph type="sldNum" sz="quarter" idx="4"/>
+          </p:nvPr>
+        </p:nvSpPr>
+        <p:spPr/>
+        <p:txBody>
+          <a:bodyPr/>
+          <a:lstStyle/>
+          <a:p>
             <a:fld id="{C05EE493-AD2E-4872-B2F6-8F12A747F0A5}" type="slidenum">
-              <a:rPr lang="de-DE" sz="900"/>
+              <a:rPr lang="de-DE" smtClean="0"/>
               <a:pPr/>
               <a:t>8</a:t>
             </a:fld>
-            <a:endParaRPr lang="de-DE" sz="900" dirty="0"/>
-          </a:p>
-        </p:txBody>
-      </p:sp>
-      <p:sp>
-        <p:nvSpPr>
-          <p:cNvPr id="9" name="Datumsplatzhalter 3"/>
-          <p:cNvSpPr>
-            <a:spLocks noGrp="1"/>
-          </p:cNvSpPr>
-          <p:nvPr>
-            <p:ph type="dt" sz="half" idx="2"/>
-          </p:nvPr>
+            <a:endParaRPr lang="de-DE" dirty="0"/>
+          </a:p>
+        </p:txBody>
+      </p:sp>
+      <p:sp>
+        <p:nvSpPr>
+          <p:cNvPr id="7" name="Datumsplatzhalter 6"/>
+          <p:cNvSpPr>
+            <a:spLocks noGrp="1"/>
+          </p:cNvSpPr>
+          <p:nvPr>
+            <p:ph type="dt" sz="half" idx="10"/>
+          </p:nvPr>
+        </p:nvSpPr>
+        <p:spPr/>
+        <p:txBody>
+          <a:bodyPr/>
+          <a:lstStyle/>
+          <a:p>
+            <a:r>
+              <a:rPr lang="de-DE"/>
+              <a:t>07.06.2024</a:t>
+            </a:r>
+            <a:endParaRPr lang="de-DE" dirty="0"/>
+          </a:p>
+        </p:txBody>
+      </p:sp>
+      <p:sp>
+        <p:nvSpPr>
+          <p:cNvPr id="8" name="Rechteck: abgerundete Ecken 7">
+            <a:extLst>
+              <a:ext uri="{FF2B5EF4-FFF2-40B4-BE49-F238E27FC236}">
+                <a16:creationId xmlns:a16="http://schemas.microsoft.com/office/drawing/2014/main" id="{727F6B26-A6ED-9CC9-8AA4-9690D623329F}"/>
+              </a:ext>
+            </a:extLst>
+          </p:cNvPr>
+          <p:cNvSpPr/>
+          <p:nvPr/>
         </p:nvSpPr>
         <p:spPr>
           <a:xfrm>
-            <a:off x="1871663" y="6453336"/>
-            <a:ext cx="936626" cy="216024"/>
+            <a:off x="6456040" y="2109038"/>
+            <a:ext cx="2160240" cy="1152128"/>
           </a:xfrm>
+          <a:prstGeom prst="roundRect">
+            <a:avLst/>
+          </a:prstGeom>
+          <a:ln>
+            <a:noFill/>
+          </a:ln>
         </p:spPr>
-        <p:txBody>
-          <a:bodyPr/>
-          <a:lstStyle/>
-          <a:p>
-            <a:r>
-              <a:rPr lang="de-DE" sz="900"/>
-              <a:t>07.06.2024</a:t>
-            </a:r>
-            <a:endParaRPr lang="de-DE" sz="900" dirty="0"/>
+        <p:style>
+          <a:lnRef idx="2">
+            <a:schemeClr val="accent1">
+              <a:shade val="50000"/>
+            </a:schemeClr>
+          </a:lnRef>
+          <a:fillRef idx="1">
+            <a:schemeClr val="accent1"/>
+          </a:fillRef>
+          <a:effectRef idx="0">
+            <a:schemeClr val="accent1"/>
+          </a:effectRef>
+          <a:fontRef idx="minor">
+            <a:schemeClr val="lt1"/>
+          </a:fontRef>
+        </p:style>
+        <p:txBody>
+          <a:bodyPr rtlCol="0" anchor="ctr"/>
+          <a:lstStyle/>
+          <a:p>
+            <a:pPr algn="ctr"/>
+            <a:r>
+              <a:rPr lang="de-DE" dirty="0" err="1"/>
+              <a:t>Lamor</a:t>
+            </a:r>
+            <a:r>
+              <a:rPr lang="de-DE" dirty="0"/>
+              <a:t> Diamagnetismus</a:t>
+            </a:r>
+          </a:p>
+        </p:txBody>
+      </p:sp>
+      <p:sp>
+        <p:nvSpPr>
+          <p:cNvPr id="9" name="Rechteck: abgerundete Ecken 8">
+            <a:extLst>
+              <a:ext uri="{FF2B5EF4-FFF2-40B4-BE49-F238E27FC236}">
+                <a16:creationId xmlns:a16="http://schemas.microsoft.com/office/drawing/2014/main" id="{D20BA94D-5759-DDE0-86C8-3208FA61B60C}"/>
+              </a:ext>
+            </a:extLst>
+          </p:cNvPr>
+          <p:cNvSpPr/>
+          <p:nvPr/>
+        </p:nvSpPr>
+        <p:spPr>
+          <a:xfrm>
+            <a:off x="8768680" y="2132856"/>
+            <a:ext cx="2160240" cy="1152128"/>
+          </a:xfrm>
+          <a:prstGeom prst="roundRect">
+            <a:avLst/>
+          </a:prstGeom>
+          <a:ln>
+            <a:noFill/>
+          </a:ln>
+        </p:spPr>
+        <p:style>
+          <a:lnRef idx="2">
+            <a:schemeClr val="accent1">
+              <a:shade val="50000"/>
+            </a:schemeClr>
+          </a:lnRef>
+          <a:fillRef idx="1">
+            <a:schemeClr val="accent1"/>
+          </a:fillRef>
+          <a:effectRef idx="0">
+            <a:schemeClr val="accent1"/>
+          </a:effectRef>
+          <a:fontRef idx="minor">
+            <a:schemeClr val="lt1"/>
+          </a:fontRef>
+        </p:style>
+        <p:txBody>
+          <a:bodyPr rtlCol="0" anchor="ctr"/>
+          <a:lstStyle/>
+          <a:p>
+            <a:pPr algn="ctr"/>
+            <a:r>
+              <a:rPr lang="de-DE" dirty="0"/>
+              <a:t>Landau</a:t>
+            </a:r>
+          </a:p>
+          <a:p>
+            <a:pPr algn="ctr"/>
+            <a:r>
+              <a:rPr lang="de-DE" dirty="0"/>
+              <a:t>Diamagnetismus</a:t>
+            </a:r>
+          </a:p>
+        </p:txBody>
+      </p:sp>
+      <p:sp>
+        <p:nvSpPr>
+          <p:cNvPr id="10" name="Rechteck: abgerundete Ecken 9">
+            <a:extLst>
+              <a:ext uri="{FF2B5EF4-FFF2-40B4-BE49-F238E27FC236}">
+                <a16:creationId xmlns:a16="http://schemas.microsoft.com/office/drawing/2014/main" id="{363FBCE6-D30B-E1B1-16EA-D8ECECD4C601}"/>
+              </a:ext>
+            </a:extLst>
+          </p:cNvPr>
+          <p:cNvSpPr/>
+          <p:nvPr/>
+        </p:nvSpPr>
+        <p:spPr>
+          <a:xfrm>
+            <a:off x="8768680" y="3397170"/>
+            <a:ext cx="2160240" cy="1152128"/>
+          </a:xfrm>
+          <a:prstGeom prst="roundRect">
+            <a:avLst/>
+          </a:prstGeom>
+          <a:solidFill>
+            <a:schemeClr val="accent2"/>
+          </a:solidFill>
+          <a:ln>
+            <a:noFill/>
+          </a:ln>
+        </p:spPr>
+        <p:style>
+          <a:lnRef idx="2">
+            <a:schemeClr val="accent1">
+              <a:shade val="50000"/>
+            </a:schemeClr>
+          </a:lnRef>
+          <a:fillRef idx="1">
+            <a:schemeClr val="accent1"/>
+          </a:fillRef>
+          <a:effectRef idx="0">
+            <a:schemeClr val="accent1"/>
+          </a:effectRef>
+          <a:fontRef idx="minor">
+            <a:schemeClr val="lt1"/>
+          </a:fontRef>
+        </p:style>
+        <p:txBody>
+          <a:bodyPr rtlCol="0" anchor="ctr"/>
+          <a:lstStyle/>
+          <a:p>
+            <a:pPr algn="ctr"/>
+            <a:r>
+              <a:rPr lang="de-DE" dirty="0"/>
+              <a:t>Pauli</a:t>
+            </a:r>
+          </a:p>
+          <a:p>
+            <a:pPr algn="ctr"/>
+            <a:r>
+              <a:rPr lang="de-DE" dirty="0"/>
+              <a:t>Paramagnetismus</a:t>
+            </a:r>
+          </a:p>
+        </p:txBody>
+      </p:sp>
+      <p:sp>
+        <p:nvSpPr>
+          <p:cNvPr id="11" name="Rechteck: abgerundete Ecken 10">
+            <a:extLst>
+              <a:ext uri="{FF2B5EF4-FFF2-40B4-BE49-F238E27FC236}">
+                <a16:creationId xmlns:a16="http://schemas.microsoft.com/office/drawing/2014/main" id="{7E2A590E-A05D-8D60-3A67-AB950B80DC1D}"/>
+              </a:ext>
+            </a:extLst>
+          </p:cNvPr>
+          <p:cNvSpPr/>
+          <p:nvPr/>
+        </p:nvSpPr>
+        <p:spPr>
+          <a:xfrm>
+            <a:off x="6456040" y="3397170"/>
+            <a:ext cx="2160240" cy="1152128"/>
+          </a:xfrm>
+          <a:prstGeom prst="roundRect">
+            <a:avLst/>
+          </a:prstGeom>
+          <a:solidFill>
+            <a:schemeClr val="accent2"/>
+          </a:solidFill>
+          <a:ln>
+            <a:noFill/>
+          </a:ln>
+        </p:spPr>
+        <p:style>
+          <a:lnRef idx="2">
+            <a:schemeClr val="accent1">
+              <a:shade val="50000"/>
+            </a:schemeClr>
+          </a:lnRef>
+          <a:fillRef idx="1">
+            <a:schemeClr val="accent1"/>
+          </a:fillRef>
+          <a:effectRef idx="0">
+            <a:schemeClr val="accent1"/>
+          </a:effectRef>
+          <a:fontRef idx="minor">
+            <a:schemeClr val="lt1"/>
+          </a:fontRef>
+        </p:style>
+        <p:txBody>
+          <a:bodyPr rtlCol="0" anchor="ctr"/>
+          <a:lstStyle/>
+          <a:p>
+            <a:pPr algn="ctr"/>
+            <a:r>
+              <a:rPr lang="de-DE" dirty="0" err="1"/>
+              <a:t>Langevin</a:t>
+            </a:r>
+            <a:r>
+              <a:rPr lang="de-DE" dirty="0"/>
+              <a:t> Paramagnetismus</a:t>
+            </a:r>
+          </a:p>
+        </p:txBody>
+      </p:sp>
+      <p:sp>
+        <p:nvSpPr>
+          <p:cNvPr id="12" name="Rechteck: abgerundete Ecken 11">
+            <a:extLst>
+              <a:ext uri="{FF2B5EF4-FFF2-40B4-BE49-F238E27FC236}">
+                <a16:creationId xmlns:a16="http://schemas.microsoft.com/office/drawing/2014/main" id="{AE0FDB35-C9A5-9AD0-3453-9E9C250F6D42}"/>
+              </a:ext>
+            </a:extLst>
+          </p:cNvPr>
+          <p:cNvSpPr/>
+          <p:nvPr/>
+        </p:nvSpPr>
+        <p:spPr>
+          <a:xfrm>
+            <a:off x="6456040" y="1381420"/>
+            <a:ext cx="2160240" cy="576106"/>
+          </a:xfrm>
+          <a:prstGeom prst="roundRect">
+            <a:avLst/>
+          </a:prstGeom>
+          <a:solidFill>
+            <a:schemeClr val="accent1">
+              <a:lumMod val="75000"/>
+            </a:schemeClr>
+          </a:solidFill>
+          <a:ln>
+            <a:noFill/>
+          </a:ln>
+        </p:spPr>
+        <p:style>
+          <a:lnRef idx="2">
+            <a:schemeClr val="accent1">
+              <a:shade val="50000"/>
+            </a:schemeClr>
+          </a:lnRef>
+          <a:fillRef idx="1">
+            <a:schemeClr val="accent1"/>
+          </a:fillRef>
+          <a:effectRef idx="0">
+            <a:schemeClr val="accent1"/>
+          </a:effectRef>
+          <a:fontRef idx="minor">
+            <a:schemeClr val="lt1"/>
+          </a:fontRef>
+        </p:style>
+        <p:txBody>
+          <a:bodyPr rtlCol="0" anchor="ctr"/>
+          <a:lstStyle/>
+          <a:p>
+            <a:pPr algn="ctr"/>
+            <a:r>
+              <a:rPr lang="de-DE" dirty="0" err="1"/>
+              <a:t>Gebundende</a:t>
+            </a:r>
+            <a:r>
+              <a:rPr lang="de-DE" dirty="0"/>
+              <a:t> e</a:t>
+            </a:r>
+            <a:r>
+              <a:rPr lang="de-DE" baseline="30000" dirty="0"/>
+              <a:t>-</a:t>
+            </a:r>
+          </a:p>
+        </p:txBody>
+      </p:sp>
+      <p:sp>
+        <p:nvSpPr>
+          <p:cNvPr id="13" name="Rechteck: abgerundete Ecken 12">
+            <a:extLst>
+              <a:ext uri="{FF2B5EF4-FFF2-40B4-BE49-F238E27FC236}">
+                <a16:creationId xmlns:a16="http://schemas.microsoft.com/office/drawing/2014/main" id="{4AD83D1A-D151-1AFD-F125-A615532D59DB}"/>
+              </a:ext>
+            </a:extLst>
+          </p:cNvPr>
+          <p:cNvSpPr/>
+          <p:nvPr/>
+        </p:nvSpPr>
+        <p:spPr>
+          <a:xfrm>
+            <a:off x="8768680" y="1381420"/>
+            <a:ext cx="2160240" cy="576106"/>
+          </a:xfrm>
+          <a:prstGeom prst="roundRect">
+            <a:avLst/>
+          </a:prstGeom>
+          <a:solidFill>
+            <a:schemeClr val="accent1">
+              <a:lumMod val="75000"/>
+            </a:schemeClr>
+          </a:solidFill>
+          <a:ln>
+            <a:noFill/>
+          </a:ln>
+        </p:spPr>
+        <p:style>
+          <a:lnRef idx="2">
+            <a:schemeClr val="accent1">
+              <a:shade val="50000"/>
+            </a:schemeClr>
+          </a:lnRef>
+          <a:fillRef idx="1">
+            <a:schemeClr val="accent1"/>
+          </a:fillRef>
+          <a:effectRef idx="0">
+            <a:schemeClr val="accent1"/>
+          </a:effectRef>
+          <a:fontRef idx="minor">
+            <a:schemeClr val="lt1"/>
+          </a:fontRef>
+        </p:style>
+        <p:txBody>
+          <a:bodyPr rtlCol="0" anchor="ctr"/>
+          <a:lstStyle/>
+          <a:p>
+            <a:pPr algn="ctr"/>
+            <a:r>
+              <a:rPr lang="de-DE" dirty="0"/>
+              <a:t>Quasi-freie e</a:t>
+            </a:r>
+            <a:r>
+              <a:rPr lang="de-DE" baseline="30000" dirty="0"/>
+              <a:t>-</a:t>
+            </a:r>
+            <a:endParaRPr lang="de-DE" dirty="0"/>
+          </a:p>
+        </p:txBody>
+      </p:sp>
+      <p:sp>
+        <p:nvSpPr>
+          <p:cNvPr id="14" name="Rechteck: abgerundete Ecken 13">
+            <a:extLst>
+              <a:ext uri="{FF2B5EF4-FFF2-40B4-BE49-F238E27FC236}">
+                <a16:creationId xmlns:a16="http://schemas.microsoft.com/office/drawing/2014/main" id="{276D500D-9419-3715-F8AB-9B614E48DACC}"/>
+              </a:ext>
+            </a:extLst>
+          </p:cNvPr>
+          <p:cNvSpPr/>
+          <p:nvPr/>
+        </p:nvSpPr>
+        <p:spPr>
+          <a:xfrm>
+            <a:off x="5318222" y="2109038"/>
+            <a:ext cx="985418" cy="1152128"/>
+          </a:xfrm>
+          <a:prstGeom prst="roundRect">
+            <a:avLst/>
+          </a:prstGeom>
+          <a:ln>
+            <a:noFill/>
+          </a:ln>
+        </p:spPr>
+        <p:style>
+          <a:lnRef idx="2">
+            <a:schemeClr val="accent1">
+              <a:shade val="50000"/>
+            </a:schemeClr>
+          </a:lnRef>
+          <a:fillRef idx="1">
+            <a:schemeClr val="accent1"/>
+          </a:fillRef>
+          <a:effectRef idx="0">
+            <a:schemeClr val="accent1"/>
+          </a:effectRef>
+          <a:fontRef idx="minor">
+            <a:schemeClr val="lt1"/>
+          </a:fontRef>
+        </p:style>
+        <p:txBody>
+          <a:bodyPr rtlCol="0" anchor="ctr"/>
+          <a:lstStyle/>
+          <a:p>
+            <a:pPr algn="ctr"/>
+            <a:r>
+              <a:rPr lang="de-DE" dirty="0"/>
+              <a:t>Dia</a:t>
+            </a:r>
+          </a:p>
+        </p:txBody>
+      </p:sp>
+      <p:sp>
+        <p:nvSpPr>
+          <p:cNvPr id="16" name="Rechteck: abgerundete Ecken 15">
+            <a:extLst>
+              <a:ext uri="{FF2B5EF4-FFF2-40B4-BE49-F238E27FC236}">
+                <a16:creationId xmlns:a16="http://schemas.microsoft.com/office/drawing/2014/main" id="{6C5894B8-5C23-F93C-6D0C-A90430DFB0FC}"/>
+              </a:ext>
+            </a:extLst>
+          </p:cNvPr>
+          <p:cNvSpPr/>
+          <p:nvPr/>
+        </p:nvSpPr>
+        <p:spPr>
+          <a:xfrm>
+            <a:off x="5318222" y="3397170"/>
+            <a:ext cx="985418" cy="1152128"/>
+          </a:xfrm>
+          <a:prstGeom prst="roundRect">
+            <a:avLst/>
+          </a:prstGeom>
+          <a:solidFill>
+            <a:schemeClr val="accent2"/>
+          </a:solidFill>
+          <a:ln>
+            <a:noFill/>
+          </a:ln>
+        </p:spPr>
+        <p:style>
+          <a:lnRef idx="2">
+            <a:schemeClr val="accent1">
+              <a:shade val="50000"/>
+            </a:schemeClr>
+          </a:lnRef>
+          <a:fillRef idx="1">
+            <a:schemeClr val="accent1"/>
+          </a:fillRef>
+          <a:effectRef idx="0">
+            <a:schemeClr val="accent1"/>
+          </a:effectRef>
+          <a:fontRef idx="minor">
+            <a:schemeClr val="lt1"/>
+          </a:fontRef>
+        </p:style>
+        <p:txBody>
+          <a:bodyPr rtlCol="0" anchor="ctr"/>
+          <a:lstStyle/>
+          <a:p>
+            <a:pPr algn="ctr"/>
+            <a:r>
+              <a:rPr lang="de-DE" dirty="0"/>
+              <a:t>Para</a:t>
+            </a:r>
+          </a:p>
+        </p:txBody>
+      </p:sp>
+      <p:sp>
+        <p:nvSpPr>
+          <p:cNvPr id="17" name="Rechteck: abgerundete Ecken 16">
+            <a:extLst>
+              <a:ext uri="{FF2B5EF4-FFF2-40B4-BE49-F238E27FC236}">
+                <a16:creationId xmlns:a16="http://schemas.microsoft.com/office/drawing/2014/main" id="{E234622B-6A75-0923-7DF3-C62EC388F409}"/>
+              </a:ext>
+            </a:extLst>
+          </p:cNvPr>
+          <p:cNvSpPr/>
+          <p:nvPr/>
+        </p:nvSpPr>
+        <p:spPr>
+          <a:xfrm>
+            <a:off x="8768680" y="4900475"/>
+            <a:ext cx="2160240" cy="1152128"/>
+          </a:xfrm>
+          <a:prstGeom prst="roundRect">
+            <a:avLst/>
+          </a:prstGeom>
+          <a:solidFill>
+            <a:schemeClr val="accent2">
+              <a:lumMod val="75000"/>
+            </a:schemeClr>
+          </a:solidFill>
+          <a:ln>
+            <a:noFill/>
+          </a:ln>
+        </p:spPr>
+        <p:style>
+          <a:lnRef idx="2">
+            <a:schemeClr val="accent1">
+              <a:shade val="50000"/>
+            </a:schemeClr>
+          </a:lnRef>
+          <a:fillRef idx="1">
+            <a:schemeClr val="accent1"/>
+          </a:fillRef>
+          <a:effectRef idx="0">
+            <a:schemeClr val="accent1"/>
+          </a:effectRef>
+          <a:fontRef idx="minor">
+            <a:schemeClr val="lt1"/>
+          </a:fontRef>
+        </p:style>
+        <p:txBody>
+          <a:bodyPr rtlCol="0" anchor="ctr"/>
+          <a:lstStyle/>
+          <a:p>
+            <a:pPr algn="ctr"/>
+            <a:r>
+              <a:rPr lang="de-DE" dirty="0"/>
+              <a:t>Band Ferromagnetismus</a:t>
+            </a:r>
+          </a:p>
+        </p:txBody>
+      </p:sp>
+      <p:sp>
+        <p:nvSpPr>
+          <p:cNvPr id="18" name="Rechteck: abgerundete Ecken 17">
+            <a:extLst>
+              <a:ext uri="{FF2B5EF4-FFF2-40B4-BE49-F238E27FC236}">
+                <a16:creationId xmlns:a16="http://schemas.microsoft.com/office/drawing/2014/main" id="{64FD7CF6-0273-F048-BD54-BF53D58C8AF1}"/>
+              </a:ext>
+            </a:extLst>
+          </p:cNvPr>
+          <p:cNvSpPr/>
+          <p:nvPr/>
+        </p:nvSpPr>
+        <p:spPr>
+          <a:xfrm>
+            <a:off x="6456040" y="4900475"/>
+            <a:ext cx="2160240" cy="1152128"/>
+          </a:xfrm>
+          <a:prstGeom prst="roundRect">
+            <a:avLst/>
+          </a:prstGeom>
+          <a:solidFill>
+            <a:schemeClr val="accent2">
+              <a:lumMod val="75000"/>
+            </a:schemeClr>
+          </a:solidFill>
+          <a:ln>
+            <a:noFill/>
+          </a:ln>
+        </p:spPr>
+        <p:style>
+          <a:lnRef idx="2">
+            <a:schemeClr val="accent1">
+              <a:shade val="50000"/>
+            </a:schemeClr>
+          </a:lnRef>
+          <a:fillRef idx="1">
+            <a:schemeClr val="accent1"/>
+          </a:fillRef>
+          <a:effectRef idx="0">
+            <a:schemeClr val="accent1"/>
+          </a:effectRef>
+          <a:fontRef idx="minor">
+            <a:schemeClr val="lt1"/>
+          </a:fontRef>
+        </p:style>
+        <p:txBody>
+          <a:bodyPr rtlCol="0" anchor="ctr"/>
+          <a:lstStyle/>
+          <a:p>
+            <a:pPr algn="ctr"/>
+            <a:r>
+              <a:rPr lang="de-DE" dirty="0"/>
+              <a:t>Kooperativer Magnetismus</a:t>
+            </a:r>
+          </a:p>
+        </p:txBody>
+      </p:sp>
+      <p:sp>
+        <p:nvSpPr>
+          <p:cNvPr id="19" name="Rechteck: abgerundete Ecken 18">
+            <a:extLst>
+              <a:ext uri="{FF2B5EF4-FFF2-40B4-BE49-F238E27FC236}">
+                <a16:creationId xmlns:a16="http://schemas.microsoft.com/office/drawing/2014/main" id="{0A2D6652-B74C-0A80-E5B6-1671FEEA90DA}"/>
+              </a:ext>
+            </a:extLst>
+          </p:cNvPr>
+          <p:cNvSpPr/>
+          <p:nvPr/>
+        </p:nvSpPr>
+        <p:spPr>
+          <a:xfrm>
+            <a:off x="5318222" y="4900475"/>
+            <a:ext cx="985418" cy="1152128"/>
+          </a:xfrm>
+          <a:prstGeom prst="roundRect">
+            <a:avLst/>
+          </a:prstGeom>
+          <a:solidFill>
+            <a:schemeClr val="accent2">
+              <a:lumMod val="75000"/>
+            </a:schemeClr>
+          </a:solidFill>
+          <a:ln>
+            <a:noFill/>
+          </a:ln>
+        </p:spPr>
+        <p:style>
+          <a:lnRef idx="2">
+            <a:schemeClr val="accent1">
+              <a:shade val="50000"/>
+            </a:schemeClr>
+          </a:lnRef>
+          <a:fillRef idx="1">
+            <a:schemeClr val="accent1"/>
+          </a:fillRef>
+          <a:effectRef idx="0">
+            <a:schemeClr val="accent1"/>
+          </a:effectRef>
+          <a:fontRef idx="minor">
+            <a:schemeClr val="lt1"/>
+          </a:fontRef>
+        </p:style>
+        <p:txBody>
+          <a:bodyPr rtlCol="0" anchor="ctr"/>
+          <a:lstStyle/>
+          <a:p>
+            <a:pPr algn="ctr"/>
+            <a:r>
+              <a:rPr lang="de-DE" dirty="0"/>
+              <a:t>WWM</a:t>
+            </a:r>
           </a:p>
         </p:txBody>
       </p:sp>
     </p:spTree>
     <p:extLst>
       <p:ext uri="{BB962C8B-B14F-4D97-AF65-F5344CB8AC3E}">
-        <p14:creationId xmlns:p14="http://schemas.microsoft.com/office/powerpoint/2010/main" val="3026823599"/>
+        <p14:creationId xmlns:p14="http://schemas.microsoft.com/office/powerpoint/2010/main" val="1160690201"/>
       </p:ext>
     </p:extLst>
   </p:cSld>
@@ -10596,17 +14989,9 @@
           <a:lstStyle/>
           <a:p>
             <a:r>
-              <a:rPr lang="de-DE"/>
-              <a:t>Headline für Textfolie Arial Bold</a:t>
-            </a:r>
-            <a:br>
-              <a:rPr lang="de-DE"/>
-            </a:br>
-            <a:r>
-              <a:rPr lang="de-DE"/>
-              <a:t>Headline maximal zwei Zeilen</a:t>
-            </a:r>
-            <a:endParaRPr lang="de-DE" dirty="0"/>
+              <a:rPr lang="de-DE" dirty="0"/>
+              <a:t>Motivation</a:t>
+            </a:r>
           </a:p>
         </p:txBody>
       </p:sp>
@@ -10618,556 +15003,12 @@
           </p:cNvSpPr>
           <p:nvPr>
             <p:ph sz="half" idx="1"/>
-          </p:nvPr>
-        </p:nvSpPr>
-        <p:spPr/>
-        <p:txBody>
-          <a:bodyPr/>
-          <a:lstStyle/>
-          <a:p>
-            <a:r>
-              <a:rPr lang="de-DE" dirty="0"/>
-              <a:t>Subheadline </a:t>
-            </a:r>
-            <a:r>
-              <a:rPr lang="de-DE" dirty="0" err="1"/>
-              <a:t>Bold</a:t>
-            </a:r>
-            <a:r>
-              <a:rPr lang="de-DE" dirty="0"/>
-              <a:t> Akzentfarbe 1</a:t>
-            </a:r>
-          </a:p>
-          <a:p>
-            <a:endParaRPr lang="de-DE" dirty="0"/>
-          </a:p>
-          <a:p>
-            <a:pPr lvl="1"/>
-            <a:r>
-              <a:rPr lang="de-DE" dirty="0"/>
-              <a:t>Fließtext in Arial Regular. </a:t>
-            </a:r>
-            <a:r>
-              <a:rPr lang="de-DE" dirty="0" err="1"/>
-              <a:t>Illament</a:t>
-            </a:r>
-            <a:r>
-              <a:rPr lang="de-DE" dirty="0"/>
-              <a:t> </a:t>
-            </a:r>
-            <a:r>
-              <a:rPr lang="de-DE" dirty="0" err="1"/>
-              <a:t>ulluptatis</a:t>
-            </a:r>
-            <a:r>
-              <a:rPr lang="de-DE" dirty="0"/>
-              <a:t> </a:t>
-            </a:r>
-            <a:r>
-              <a:rPr lang="de-DE" dirty="0" err="1"/>
-              <a:t>desci</a:t>
-            </a:r>
-            <a:r>
-              <a:rPr lang="de-DE" dirty="0"/>
-              <a:t> </a:t>
-            </a:r>
-            <a:r>
-              <a:rPr lang="de-DE" dirty="0" err="1"/>
-              <a:t>dolent</a:t>
-            </a:r>
-            <a:r>
-              <a:rPr lang="de-DE" dirty="0"/>
-              <a:t> </a:t>
-            </a:r>
-            <a:r>
-              <a:rPr lang="de-DE" dirty="0" err="1"/>
-              <a:t>even</a:t>
-            </a:r>
-            <a:r>
-              <a:rPr lang="de-DE" dirty="0"/>
-              <a:t> </a:t>
-            </a:r>
-            <a:r>
-              <a:rPr lang="de-DE" dirty="0" err="1"/>
-              <a:t>ducit</a:t>
-            </a:r>
-            <a:r>
-              <a:rPr lang="de-DE" dirty="0"/>
-              <a:t>. </a:t>
-            </a:r>
-            <a:r>
-              <a:rPr lang="de-DE" dirty="0" err="1"/>
-              <a:t>Qui</a:t>
-            </a:r>
-            <a:r>
-              <a:rPr lang="de-DE" dirty="0"/>
-              <a:t> </a:t>
-            </a:r>
-            <a:r>
-              <a:rPr lang="de-DE" dirty="0" err="1"/>
-              <a:t>voluptas</a:t>
-            </a:r>
-            <a:r>
-              <a:rPr lang="de-DE" dirty="0"/>
-              <a:t>. </a:t>
-            </a:r>
-          </a:p>
-          <a:p>
-            <a:endParaRPr lang="de-DE" dirty="0"/>
-          </a:p>
-          <a:p>
-            <a:pPr lvl="2"/>
-            <a:r>
-              <a:rPr lang="de-DE" dirty="0" err="1"/>
-              <a:t>Enimpor</a:t>
-            </a:r>
-            <a:r>
-              <a:rPr lang="de-DE" dirty="0"/>
-              <a:t> </a:t>
-            </a:r>
-            <a:r>
-              <a:rPr lang="de-DE" dirty="0" err="1"/>
-              <a:t>ersperc</a:t>
-            </a:r>
-            <a:r>
-              <a:rPr lang="de-DE" dirty="0"/>
-              <a:t> </a:t>
-            </a:r>
-            <a:r>
-              <a:rPr lang="de-DE" dirty="0" err="1"/>
-              <a:t>hiliqui</a:t>
-            </a:r>
-            <a:r>
-              <a:rPr lang="de-DE" dirty="0"/>
-              <a:t> </a:t>
-            </a:r>
-            <a:r>
-              <a:rPr lang="de-DE" dirty="0" err="1"/>
-              <a:t>tectem</a:t>
-            </a:r>
-            <a:r>
-              <a:rPr lang="de-DE" dirty="0"/>
-              <a:t> </a:t>
-            </a:r>
-            <a:r>
-              <a:rPr lang="de-DE" dirty="0" err="1"/>
-              <a:t>fugitis</a:t>
-            </a:r>
-            <a:r>
-              <a:rPr lang="de-DE" dirty="0"/>
-              <a:t>.</a:t>
-            </a:r>
-          </a:p>
-          <a:p>
-            <a:pPr lvl="2"/>
-            <a:r>
-              <a:rPr lang="de-DE" dirty="0" err="1"/>
-              <a:t>Solupti</a:t>
-            </a:r>
-            <a:r>
-              <a:rPr lang="de-DE" dirty="0"/>
-              <a:t> </a:t>
-            </a:r>
-            <a:r>
-              <a:rPr lang="de-DE" dirty="0" err="1"/>
-              <a:t>undandae</a:t>
-            </a:r>
-            <a:r>
-              <a:rPr lang="de-DE" dirty="0"/>
-              <a:t> </a:t>
-            </a:r>
-            <a:r>
-              <a:rPr lang="de-DE" dirty="0" err="1"/>
-              <a:t>neso</a:t>
-            </a:r>
-            <a:r>
-              <a:rPr lang="de-DE" dirty="0"/>
-              <a:t> </a:t>
-            </a:r>
-            <a:r>
-              <a:rPr lang="de-DE" dirty="0" err="1"/>
-              <a:t>re</a:t>
-            </a:r>
-            <a:r>
-              <a:rPr lang="de-DE" dirty="0"/>
-              <a:t> </a:t>
-            </a:r>
-            <a:r>
-              <a:rPr lang="de-DE" dirty="0" err="1"/>
-              <a:t>ulpa</a:t>
-            </a:r>
-            <a:r>
-              <a:rPr lang="de-DE" dirty="0"/>
-              <a:t> </a:t>
-            </a:r>
-            <a:r>
-              <a:rPr lang="de-DE" dirty="0" err="1"/>
-              <a:t>impor</a:t>
-            </a:r>
-            <a:r>
-              <a:rPr lang="de-DE" dirty="0"/>
-              <a:t> </a:t>
-            </a:r>
-            <a:r>
-              <a:rPr lang="de-DE" dirty="0" err="1"/>
-              <a:t>ers</a:t>
-            </a:r>
-            <a:r>
-              <a:rPr lang="de-DE" dirty="0"/>
-              <a:t> </a:t>
-            </a:r>
-            <a:r>
-              <a:rPr lang="de-DE" dirty="0" err="1"/>
-              <a:t>percderae</a:t>
-            </a:r>
-            <a:r>
-              <a:rPr lang="de-DE" dirty="0"/>
-              <a:t> </a:t>
-            </a:r>
-            <a:r>
-              <a:rPr lang="de-DE" dirty="0" err="1"/>
-              <a:t>velenist</a:t>
-            </a:r>
-            <a:r>
-              <a:rPr lang="de-DE" dirty="0"/>
-              <a:t> et </a:t>
-            </a:r>
-            <a:r>
-              <a:rPr lang="de-DE" dirty="0" err="1"/>
-              <a:t>vent</a:t>
-            </a:r>
-            <a:r>
-              <a:rPr lang="de-DE" dirty="0"/>
-              <a:t> </a:t>
-            </a:r>
-            <a:r>
-              <a:rPr lang="de-DE" dirty="0" err="1"/>
-              <a:t>volo</a:t>
-            </a:r>
-            <a:r>
-              <a:rPr lang="de-DE"/>
-              <a:t>.</a:t>
-            </a:r>
-          </a:p>
-          <a:p>
-            <a:pPr lvl="3"/>
-            <a:r>
-              <a:rPr lang="de-DE" dirty="0" err="1"/>
-              <a:t>Tur</a:t>
-            </a:r>
-            <a:r>
-              <a:rPr lang="de-DE" dirty="0"/>
-              <a:t> </a:t>
-            </a:r>
-            <a:r>
-              <a:rPr lang="de-DE" dirty="0" err="1"/>
-              <a:t>tem</a:t>
-            </a:r>
-            <a:r>
-              <a:rPr lang="de-DE" dirty="0"/>
-              <a:t> </a:t>
-            </a:r>
-            <a:r>
-              <a:rPr lang="de-DE" dirty="0" err="1"/>
-              <a:t>rerita</a:t>
-            </a:r>
-            <a:r>
-              <a:rPr lang="de-DE" dirty="0"/>
-              <a:t> </a:t>
-            </a:r>
-            <a:r>
-              <a:rPr lang="de-DE" dirty="0" err="1"/>
-              <a:t>qui</a:t>
-            </a:r>
-            <a:r>
-              <a:rPr lang="de-DE" dirty="0"/>
-              <a:t> </a:t>
-            </a:r>
-            <a:r>
-              <a:rPr lang="de-DE" dirty="0" err="1"/>
-              <a:t>repera</a:t>
-            </a:r>
-            <a:r>
-              <a:rPr lang="de-DE" dirty="0"/>
-              <a:t> </a:t>
-            </a:r>
-            <a:r>
-              <a:rPr lang="de-DE" dirty="0" err="1"/>
-              <a:t>dolore</a:t>
-            </a:r>
-            <a:r>
-              <a:rPr lang="de-DE" dirty="0"/>
-              <a:t> cum </a:t>
-            </a:r>
-            <a:r>
-              <a:rPr lang="de-DE" dirty="0" err="1"/>
-              <a:t>qui</a:t>
-            </a:r>
-            <a:r>
-              <a:rPr lang="de-DE" dirty="0"/>
-              <a:t> </a:t>
-            </a:r>
-            <a:r>
-              <a:rPr lang="de-DE" dirty="0" err="1"/>
-              <a:t>voluptas</a:t>
-            </a:r>
-            <a:r>
-              <a:rPr lang="de-DE" dirty="0"/>
-              <a:t> et </a:t>
-            </a:r>
-            <a:r>
-              <a:rPr lang="de-DE" dirty="0" err="1"/>
-              <a:t>laborer</a:t>
-            </a:r>
-            <a:r>
-              <a:rPr lang="de-DE" dirty="0"/>
-              <a:t> </a:t>
-            </a:r>
-            <a:r>
-              <a:rPr lang="de-DE" dirty="0" err="1"/>
-              <a:t>ventet</a:t>
-            </a:r>
-            <a:r>
-              <a:rPr lang="de-DE" dirty="0"/>
-              <a:t>.</a:t>
-            </a:r>
-          </a:p>
-          <a:p>
-            <a:pPr lvl="3"/>
-            <a:r>
-              <a:rPr lang="de-DE" dirty="0"/>
-              <a:t>Vid </a:t>
-            </a:r>
-            <a:r>
-              <a:rPr lang="de-DE" dirty="0" err="1"/>
-              <a:t>ut</a:t>
-            </a:r>
-            <a:r>
-              <a:rPr lang="de-DE" dirty="0"/>
-              <a:t> </a:t>
-            </a:r>
-            <a:r>
-              <a:rPr lang="de-DE" dirty="0" err="1"/>
-              <a:t>eatiati</a:t>
-            </a:r>
-            <a:r>
-              <a:rPr lang="de-DE" dirty="0"/>
-              <a:t> </a:t>
-            </a:r>
-            <a:r>
-              <a:rPr lang="de-DE" dirty="0" err="1"/>
-              <a:t>onectem</a:t>
-            </a:r>
-            <a:r>
-              <a:rPr lang="de-DE" dirty="0"/>
-              <a:t> </a:t>
-            </a:r>
-            <a:r>
-              <a:rPr lang="de-DE" dirty="0" err="1"/>
-              <a:t>ventet</a:t>
-            </a:r>
-            <a:r>
-              <a:rPr lang="de-DE" dirty="0"/>
-              <a:t> </a:t>
-            </a:r>
-            <a:r>
-              <a:rPr lang="de-DE" dirty="0" err="1"/>
-              <a:t>dolore</a:t>
-            </a:r>
-            <a:r>
-              <a:rPr lang="de-DE" dirty="0"/>
-              <a:t> </a:t>
-            </a:r>
-            <a:r>
-              <a:rPr lang="de-DE" dirty="0" err="1"/>
-              <a:t>dolupta</a:t>
-            </a:r>
-            <a:r>
-              <a:rPr lang="de-DE" dirty="0"/>
-              <a:t> es </a:t>
-            </a:r>
-            <a:r>
-              <a:rPr lang="de-DE" dirty="0" err="1"/>
-              <a:t>volupta</a:t>
-            </a:r>
-            <a:r>
-              <a:rPr lang="de-DE" dirty="0"/>
-              <a:t> quas </a:t>
-            </a:r>
-            <a:r>
-              <a:rPr lang="de-DE" dirty="0" err="1"/>
-              <a:t>ullandi</a:t>
-            </a:r>
-            <a:r>
-              <a:rPr lang="de-DE" dirty="0"/>
-              <a:t>.</a:t>
-            </a:r>
-          </a:p>
-          <a:p>
-            <a:pPr lvl="3"/>
-            <a:r>
-              <a:rPr lang="de-DE" dirty="0" err="1"/>
-              <a:t>Tquisci</a:t>
-            </a:r>
-            <a:r>
-              <a:rPr lang="de-DE" dirty="0"/>
-              <a:t> </a:t>
-            </a:r>
-            <a:r>
-              <a:rPr lang="de-DE" dirty="0" err="1"/>
-              <a:t>endersped</a:t>
-            </a:r>
-            <a:r>
-              <a:rPr lang="de-DE" dirty="0"/>
-              <a:t> </a:t>
-            </a:r>
-            <a:r>
-              <a:rPr lang="de-DE" dirty="0" err="1"/>
-              <a:t>beat</a:t>
-            </a:r>
-            <a:r>
-              <a:rPr lang="de-DE" dirty="0"/>
-              <a:t> </a:t>
-            </a:r>
-            <a:r>
-              <a:rPr lang="de-DE" dirty="0" err="1"/>
-              <a:t>dit</a:t>
-            </a:r>
-            <a:r>
-              <a:rPr lang="de-DE" dirty="0"/>
-              <a:t> et quo </a:t>
-            </a:r>
-            <a:r>
-              <a:rPr lang="de-DE" dirty="0" err="1"/>
-              <a:t>omnis</a:t>
-            </a:r>
-            <a:r>
-              <a:rPr lang="de-DE" dirty="0"/>
-              <a:t> </a:t>
-            </a:r>
-            <a:r>
-              <a:rPr lang="de-DE" dirty="0" err="1"/>
-              <a:t>expelig</a:t>
-            </a:r>
-            <a:r>
-              <a:rPr lang="de-DE" dirty="0"/>
-              <a:t> </a:t>
-            </a:r>
-            <a:r>
-              <a:rPr lang="de-DE" dirty="0" err="1"/>
-              <a:t>tem</a:t>
-            </a:r>
-            <a:r>
-              <a:rPr lang="de-DE" dirty="0"/>
-              <a:t> </a:t>
-            </a:r>
-            <a:r>
-              <a:rPr lang="de-DE" dirty="0" err="1"/>
-              <a:t>rerita</a:t>
-            </a:r>
-            <a:r>
-              <a:rPr lang="de-DE" dirty="0"/>
-              <a:t> </a:t>
-            </a:r>
-            <a:r>
-              <a:rPr lang="de-DE" dirty="0" err="1"/>
-              <a:t>qui</a:t>
-            </a:r>
-            <a:r>
-              <a:rPr lang="de-DE" dirty="0"/>
-              <a:t>.</a:t>
-            </a:r>
-          </a:p>
-          <a:p>
-            <a:endParaRPr lang="de-DE" dirty="0"/>
-          </a:p>
-        </p:txBody>
-      </p:sp>
-      <p:sp>
-        <p:nvSpPr>
-          <p:cNvPr id="4" name="Inhaltsplatzhalter 3"/>
-          <p:cNvSpPr>
-            <a:spLocks noGrp="1"/>
-          </p:cNvSpPr>
-          <p:nvPr>
-            <p:ph sz="half" idx="2"/>
-          </p:nvPr>
-        </p:nvSpPr>
-        <p:spPr/>
-        <p:txBody>
-          <a:bodyPr/>
-          <a:lstStyle/>
-          <a:p>
-            <a:r>
-              <a:rPr lang="de-DE"/>
-              <a:t>Subheadline Bold Akzentfarbe 1</a:t>
-            </a:r>
-          </a:p>
-          <a:p>
-            <a:endParaRPr lang="de-DE"/>
-          </a:p>
-          <a:p>
-            <a:pPr lvl="1"/>
-            <a:r>
-              <a:rPr lang="de-DE"/>
-              <a:t>Fließtext in Arial Regular. Illament ulluptatis desci dolent even ducit. Qui voluptas. </a:t>
-            </a:r>
-          </a:p>
-          <a:p>
-            <a:endParaRPr lang="de-DE"/>
-          </a:p>
-          <a:p>
-            <a:pPr lvl="2"/>
-            <a:r>
-              <a:rPr lang="de-DE"/>
-              <a:t>Enimpor ersperc hiliqui tectem fugitis.</a:t>
-            </a:r>
-          </a:p>
-          <a:p>
-            <a:pPr lvl="2"/>
-            <a:r>
-              <a:rPr lang="de-DE"/>
-              <a:t>Solupti undandae neso re ulpa impor ers percderae velenist et vent volo.</a:t>
-            </a:r>
-          </a:p>
-          <a:p>
-            <a:pPr lvl="3"/>
-            <a:r>
-              <a:rPr lang="de-DE"/>
-              <a:t>Tur tem rerita qui repera dolore cum qui voluptas et laborer ventet.</a:t>
-            </a:r>
-          </a:p>
-          <a:p>
-            <a:pPr lvl="3"/>
-            <a:r>
-              <a:rPr lang="de-DE"/>
-              <a:t>Vid ut eatiati onectem ventet dolore dolupta es volupta quas ullandi.</a:t>
-            </a:r>
-          </a:p>
-          <a:p>
-            <a:pPr lvl="3"/>
-            <a:r>
-              <a:rPr lang="de-DE"/>
-              <a:t>Tquisci endersped beat dit et quo omnis expelig tem rerita qui.</a:t>
-            </a:r>
-            <a:endParaRPr lang="de-DE" dirty="0"/>
-          </a:p>
-        </p:txBody>
-      </p:sp>
-      <p:sp>
-        <p:nvSpPr>
-          <p:cNvPr id="14" name="Fußzeilenplatzhalter 4"/>
-          <p:cNvSpPr>
-            <a:spLocks noGrp="1"/>
-          </p:cNvSpPr>
-          <p:nvPr>
-            <p:ph type="ftr" sz="quarter" idx="3"/>
           </p:nvPr>
         </p:nvSpPr>
         <p:spPr>
           <a:xfrm>
-            <a:off x="3338671" y="6453336"/>
-            <a:ext cx="4247802" cy="216024"/>
+            <a:off x="-6001344" y="1669473"/>
+            <a:ext cx="5568951" cy="4103687"/>
           </a:xfrm>
         </p:spPr>
         <p:txBody>
@@ -11175,82 +15016,1043 @@
           <a:lstStyle/>
           <a:p>
             <a:r>
-              <a:rPr lang="de-DE" sz="900"/>
-              <a:t>Magnetisum und Altermagnetismus</a:t>
-            </a:r>
-            <a:endParaRPr lang="de-DE" sz="900" dirty="0"/>
-          </a:p>
-        </p:txBody>
-      </p:sp>
-      <p:sp>
-        <p:nvSpPr>
-          <p:cNvPr id="15" name="Foliennummernplatzhalter 5"/>
-          <p:cNvSpPr>
-            <a:spLocks noGrp="1"/>
-          </p:cNvSpPr>
-          <p:nvPr>
-            <p:ph type="sldNum" sz="quarter" idx="4"/>
+              <a:rPr lang="de-DE" dirty="0"/>
+              <a:t>Magnete sind Überall (nicht nur am Kühlschrank):</a:t>
+            </a:r>
+          </a:p>
+          <a:p>
+            <a:endParaRPr lang="de-DE" dirty="0"/>
+          </a:p>
+          <a:p>
+            <a:pPr lvl="2"/>
+            <a:r>
+              <a:rPr lang="de-DE" dirty="0"/>
+              <a:t>Praktisch in jedem elektrischen Motor.</a:t>
+            </a:r>
+          </a:p>
+          <a:p>
+            <a:pPr lvl="3"/>
+            <a:r>
+              <a:rPr lang="de-DE" dirty="0"/>
+              <a:t>Lautsprecher</a:t>
+            </a:r>
+          </a:p>
+          <a:p>
+            <a:pPr lvl="3"/>
+            <a:endParaRPr lang="de-DE" dirty="0"/>
+          </a:p>
+          <a:p>
+            <a:pPr lvl="3"/>
+            <a:endParaRPr lang="de-DE" dirty="0"/>
+          </a:p>
+          <a:p>
+            <a:pPr lvl="2"/>
+            <a:r>
+              <a:rPr lang="de-DE" dirty="0"/>
+              <a:t>Medizin</a:t>
+            </a:r>
+          </a:p>
+          <a:p>
+            <a:pPr lvl="3"/>
+            <a:r>
+              <a:rPr lang="de-DE" dirty="0"/>
+              <a:t>MRI </a:t>
+            </a:r>
+          </a:p>
+          <a:p>
+            <a:pPr lvl="2"/>
+            <a:r>
+              <a:rPr lang="de-DE" dirty="0"/>
+              <a:t>Digitaler Speicher</a:t>
+            </a:r>
+          </a:p>
+          <a:p>
+            <a:pPr lvl="3"/>
+            <a:r>
+              <a:rPr lang="de-DE" dirty="0"/>
+              <a:t>HDD</a:t>
+            </a:r>
+          </a:p>
+          <a:p>
+            <a:pPr lvl="3"/>
+            <a:r>
+              <a:rPr lang="de-DE" dirty="0" err="1"/>
+              <a:t>Skyrmions</a:t>
+            </a:r>
+            <a:r>
+              <a:rPr lang="de-DE" dirty="0"/>
+              <a:t>?</a:t>
+            </a:r>
+          </a:p>
+          <a:p>
+            <a:pPr lvl="2"/>
+            <a:r>
+              <a:rPr lang="de-DE" dirty="0" err="1"/>
+              <a:t>Fp</a:t>
+            </a:r>
+            <a:r>
+              <a:rPr lang="de-DE" dirty="0"/>
+              <a:t>/</a:t>
+            </a:r>
+            <a:r>
+              <a:rPr lang="de-DE" dirty="0" err="1"/>
+              <a:t>Ap</a:t>
+            </a:r>
+            <a:r>
+              <a:rPr lang="de-DE" dirty="0"/>
+              <a:t>-Versuche</a:t>
+            </a:r>
+          </a:p>
+          <a:p>
+            <a:pPr lvl="2"/>
+            <a:r>
+              <a:rPr lang="de-DE" dirty="0"/>
+              <a:t>Computing – </a:t>
+            </a:r>
+            <a:r>
+              <a:rPr lang="de-DE" dirty="0" err="1"/>
+              <a:t>Spintronics</a:t>
+            </a:r>
+            <a:r>
+              <a:rPr lang="de-DE" dirty="0"/>
+              <a:t> - </a:t>
+            </a:r>
+            <a:r>
+              <a:rPr lang="de-DE" dirty="0" err="1"/>
+              <a:t>Magnonen</a:t>
+            </a:r>
+            <a:r>
+              <a:rPr lang="de-DE" dirty="0"/>
+              <a:t>?</a:t>
+            </a:r>
+          </a:p>
+          <a:p>
+            <a:pPr lvl="2"/>
+            <a:r>
+              <a:rPr lang="de-DE" dirty="0"/>
+              <a:t>Forschung (</a:t>
+            </a:r>
+            <a:r>
+              <a:rPr lang="de-DE" dirty="0" err="1"/>
+              <a:t>Nowak,Gönnenwein</a:t>
+            </a:r>
+            <a:r>
+              <a:rPr lang="de-DE" dirty="0"/>
+              <a:t>, </a:t>
+            </a:r>
+            <a:r>
+              <a:rPr lang="de-DE" dirty="0" err="1"/>
+              <a:t>Bossini</a:t>
+            </a:r>
+            <a:r>
+              <a:rPr lang="de-DE" dirty="0"/>
+              <a:t>….)</a:t>
+            </a:r>
+          </a:p>
+        </p:txBody>
+      </p:sp>
+      <p:sp>
+        <p:nvSpPr>
+          <p:cNvPr id="4" name="Inhaltsplatzhalter 3"/>
+          <p:cNvSpPr>
+            <a:spLocks noGrp="1"/>
+          </p:cNvSpPr>
+          <p:nvPr>
+            <p:ph sz="half" idx="2"/>
           </p:nvPr>
         </p:nvSpPr>
         <p:spPr>
           <a:xfrm>
-            <a:off x="431800" y="6453336"/>
-            <a:ext cx="935038" cy="216024"/>
+            <a:off x="641021" y="1685992"/>
+            <a:ext cx="4374860" cy="4366611"/>
           </a:xfrm>
         </p:spPr>
         <p:txBody>
           <a:bodyPr/>
           <a:lstStyle/>
           <a:p>
+            <a:r>
+              <a:rPr lang="de-DE" dirty="0"/>
+              <a:t>Alles aber keine Neuheiten</a:t>
+            </a:r>
+          </a:p>
+          <a:p>
+            <a:endParaRPr lang="de-DE" dirty="0"/>
+          </a:p>
+          <a:p>
+            <a:pPr lvl="2"/>
+            <a:r>
+              <a:rPr lang="de-DE" dirty="0"/>
+              <a:t>IK2</a:t>
+            </a:r>
+          </a:p>
+          <a:p>
+            <a:pPr lvl="2"/>
+            <a:r>
+              <a:rPr lang="de-DE" dirty="0"/>
+              <a:t>Festkörperphysik</a:t>
+            </a:r>
+          </a:p>
+          <a:p>
+            <a:pPr lvl="2"/>
+            <a:endParaRPr lang="de-DE" dirty="0"/>
+          </a:p>
+          <a:p>
+            <a:r>
+              <a:rPr lang="de-DE" dirty="0"/>
+              <a:t>Wechselwirkender Magnetismus</a:t>
+            </a:r>
+          </a:p>
+          <a:p>
+            <a:endParaRPr lang="de-DE" dirty="0"/>
+          </a:p>
+          <a:p>
+            <a:pPr lvl="2"/>
+            <a:r>
+              <a:rPr lang="de-DE" dirty="0"/>
+              <a:t>Ausrichtung auch ohne externes Feld</a:t>
+            </a:r>
+          </a:p>
+          <a:p>
+            <a:pPr lvl="2"/>
+            <a:endParaRPr lang="de-DE" dirty="0"/>
+          </a:p>
+          <a:p>
+            <a:pPr lvl="2"/>
+            <a:r>
+              <a:rPr lang="de-DE" dirty="0"/>
+              <a:t>Quantenmechanischer Ursprung von Spins nicht relevant</a:t>
+            </a:r>
+          </a:p>
+          <a:p>
+            <a:pPr lvl="2"/>
+            <a:r>
+              <a:rPr lang="de-DE" dirty="0"/>
+              <a:t>Vorstellung von </a:t>
+            </a:r>
+            <a:r>
+              <a:rPr lang="de-DE" b="0" i="0" dirty="0" err="1">
+                <a:solidFill>
+                  <a:srgbClr val="202122"/>
+                </a:solidFill>
+                <a:effectLst/>
+                <a:highlight>
+                  <a:srgbClr val="FFFFFF"/>
+                </a:highlight>
+                <a:latin typeface="Arial" panose="020B0604020202020204" pitchFamily="34" charset="0"/>
+              </a:rPr>
+              <a:t>Ørsted</a:t>
+            </a:r>
+            <a:r>
+              <a:rPr lang="de-DE" dirty="0"/>
+              <a:t> (</a:t>
+            </a:r>
+            <a:r>
+              <a:rPr lang="de-DE" dirty="0" err="1"/>
+              <a:t>Uhlenbeck-Goudsmith</a:t>
+            </a:r>
+            <a:r>
+              <a:rPr lang="de-DE" dirty="0"/>
+              <a:t>)</a:t>
+            </a:r>
+          </a:p>
+          <a:p>
+            <a:pPr lvl="3"/>
+            <a:r>
+              <a:rPr lang="de-DE" dirty="0"/>
+              <a:t>e</a:t>
+            </a:r>
+            <a:r>
+              <a:rPr lang="de-DE" baseline="30000" dirty="0"/>
+              <a:t>- </a:t>
+            </a:r>
+            <a:r>
+              <a:rPr lang="de-DE" dirty="0"/>
+              <a:t> rotieren um eigene Achse</a:t>
+            </a:r>
+          </a:p>
+          <a:p>
+            <a:pPr lvl="3"/>
+            <a:r>
+              <a:rPr lang="de-DE" dirty="0"/>
+              <a:t>Begründet magnetisches Moment</a:t>
+            </a:r>
+          </a:p>
+          <a:p>
+            <a:pPr lvl="2"/>
+            <a:r>
+              <a:rPr lang="de-DE" dirty="0"/>
+              <a:t>Noch einfacheres Bild, jeder Spin ein Stabmagnet mit dem magnetischen Moment </a:t>
+            </a:r>
+            <a:r>
+              <a:rPr lang="el-GR" dirty="0"/>
+              <a:t>μ</a:t>
+            </a:r>
+            <a:r>
+              <a:rPr lang="de-DE" baseline="-25000" dirty="0"/>
+              <a:t>Bohr</a:t>
+            </a:r>
+          </a:p>
+          <a:p>
+            <a:pPr lvl="2"/>
+            <a:endParaRPr lang="de-DE" dirty="0"/>
+          </a:p>
+          <a:p>
+            <a:pPr marL="0" lvl="2" indent="0">
+              <a:buNone/>
+            </a:pPr>
+            <a:endParaRPr lang="de-DE" dirty="0"/>
+          </a:p>
+          <a:p>
+            <a:pPr lvl="2"/>
+            <a:endParaRPr lang="de-DE" dirty="0"/>
+          </a:p>
+        </p:txBody>
+      </p:sp>
+      <p:sp>
+        <p:nvSpPr>
+          <p:cNvPr id="5" name="Fußzeilenplatzhalter 4"/>
+          <p:cNvSpPr>
+            <a:spLocks noGrp="1"/>
+          </p:cNvSpPr>
+          <p:nvPr>
+            <p:ph type="ftr" sz="quarter" idx="3"/>
+          </p:nvPr>
+        </p:nvSpPr>
+        <p:spPr/>
+        <p:txBody>
+          <a:bodyPr/>
+          <a:lstStyle/>
+          <a:p>
+            <a:r>
+              <a:rPr lang="de-DE"/>
+              <a:t>Magnetisum und Altermagnetismus</a:t>
+            </a:r>
+            <a:endParaRPr lang="de-DE" dirty="0"/>
+          </a:p>
+        </p:txBody>
+      </p:sp>
+      <p:sp>
+        <p:nvSpPr>
+          <p:cNvPr id="6" name="Foliennummernplatzhalter 5"/>
+          <p:cNvSpPr>
+            <a:spLocks noGrp="1"/>
+          </p:cNvSpPr>
+          <p:nvPr>
+            <p:ph type="sldNum" sz="quarter" idx="4"/>
+          </p:nvPr>
+        </p:nvSpPr>
+        <p:spPr/>
+        <p:txBody>
+          <a:bodyPr/>
+          <a:lstStyle/>
+          <a:p>
             <a:fld id="{C05EE493-AD2E-4872-B2F6-8F12A747F0A5}" type="slidenum">
-              <a:rPr lang="de-DE" sz="900"/>
+              <a:rPr lang="de-DE" smtClean="0"/>
               <a:pPr/>
               <a:t>9</a:t>
             </a:fld>
-            <a:endParaRPr lang="de-DE" sz="900" dirty="0"/>
-          </a:p>
-        </p:txBody>
-      </p:sp>
-      <p:sp>
-        <p:nvSpPr>
-          <p:cNvPr id="16" name="Datumsplatzhalter 3"/>
-          <p:cNvSpPr>
-            <a:spLocks noGrp="1"/>
-          </p:cNvSpPr>
-          <p:nvPr>
-            <p:ph type="dt" sz="half" idx="2"/>
-          </p:nvPr>
+            <a:endParaRPr lang="de-DE" dirty="0"/>
+          </a:p>
+        </p:txBody>
+      </p:sp>
+      <p:sp>
+        <p:nvSpPr>
+          <p:cNvPr id="7" name="Datumsplatzhalter 6"/>
+          <p:cNvSpPr>
+            <a:spLocks noGrp="1"/>
+          </p:cNvSpPr>
+          <p:nvPr>
+            <p:ph type="dt" sz="half" idx="10"/>
+          </p:nvPr>
+        </p:nvSpPr>
+        <p:spPr/>
+        <p:txBody>
+          <a:bodyPr/>
+          <a:lstStyle/>
+          <a:p>
+            <a:r>
+              <a:rPr lang="de-DE"/>
+              <a:t>07.06.2024</a:t>
+            </a:r>
+            <a:endParaRPr lang="de-DE" dirty="0"/>
+          </a:p>
+        </p:txBody>
+      </p:sp>
+      <p:sp>
+        <p:nvSpPr>
+          <p:cNvPr id="8" name="Rechteck: abgerundete Ecken 7">
+            <a:extLst>
+              <a:ext uri="{FF2B5EF4-FFF2-40B4-BE49-F238E27FC236}">
+                <a16:creationId xmlns:a16="http://schemas.microsoft.com/office/drawing/2014/main" id="{727F6B26-A6ED-9CC9-8AA4-9690D623329F}"/>
+              </a:ext>
+            </a:extLst>
+          </p:cNvPr>
+          <p:cNvSpPr/>
+          <p:nvPr/>
         </p:nvSpPr>
         <p:spPr>
           <a:xfrm>
-            <a:off x="1871663" y="6453336"/>
-            <a:ext cx="936626" cy="216024"/>
+            <a:off x="6456040" y="2109038"/>
+            <a:ext cx="2160240" cy="1152128"/>
           </a:xfrm>
+          <a:prstGeom prst="roundRect">
+            <a:avLst/>
+          </a:prstGeom>
+          <a:solidFill>
+            <a:schemeClr val="accent2">
+              <a:lumMod val="40000"/>
+              <a:lumOff val="60000"/>
+            </a:schemeClr>
+          </a:solidFill>
+          <a:ln>
+            <a:noFill/>
+          </a:ln>
         </p:spPr>
-        <p:txBody>
-          <a:bodyPr anchor="ctr" anchorCtr="0"/>
-          <a:lstStyle/>
-          <a:p>
-            <a:r>
-              <a:rPr lang="de-DE" sz="900">
-                <a:solidFill>
-                  <a:schemeClr val="tx1"/>
-                </a:solidFill>
-              </a:rPr>
-              <a:t>07.06.2024</a:t>
-            </a:r>
-            <a:endParaRPr lang="de-DE" sz="900" dirty="0">
-              <a:solidFill>
-                <a:schemeClr val="tx1"/>
-              </a:solidFill>
-            </a:endParaRPr>
+        <p:style>
+          <a:lnRef idx="2">
+            <a:schemeClr val="accent1">
+              <a:shade val="50000"/>
+            </a:schemeClr>
+          </a:lnRef>
+          <a:fillRef idx="1">
+            <a:schemeClr val="accent1"/>
+          </a:fillRef>
+          <a:effectRef idx="0">
+            <a:schemeClr val="accent1"/>
+          </a:effectRef>
+          <a:fontRef idx="minor">
+            <a:schemeClr val="lt1"/>
+          </a:fontRef>
+        </p:style>
+        <p:txBody>
+          <a:bodyPr rtlCol="0" anchor="ctr"/>
+          <a:lstStyle/>
+          <a:p>
+            <a:pPr algn="ctr"/>
+            <a:r>
+              <a:rPr lang="de-DE" dirty="0" err="1"/>
+              <a:t>Lamor</a:t>
+            </a:r>
+            <a:r>
+              <a:rPr lang="de-DE" dirty="0"/>
+              <a:t> Diamagnetismus</a:t>
+            </a:r>
+          </a:p>
+        </p:txBody>
+      </p:sp>
+      <p:sp>
+        <p:nvSpPr>
+          <p:cNvPr id="9" name="Rechteck: abgerundete Ecken 8">
+            <a:extLst>
+              <a:ext uri="{FF2B5EF4-FFF2-40B4-BE49-F238E27FC236}">
+                <a16:creationId xmlns:a16="http://schemas.microsoft.com/office/drawing/2014/main" id="{D20BA94D-5759-DDE0-86C8-3208FA61B60C}"/>
+              </a:ext>
+            </a:extLst>
+          </p:cNvPr>
+          <p:cNvSpPr/>
+          <p:nvPr/>
+        </p:nvSpPr>
+        <p:spPr>
+          <a:xfrm>
+            <a:off x="8768680" y="2132856"/>
+            <a:ext cx="2160240" cy="1152128"/>
+          </a:xfrm>
+          <a:prstGeom prst="roundRect">
+            <a:avLst/>
+          </a:prstGeom>
+          <a:solidFill>
+            <a:schemeClr val="accent2">
+              <a:lumMod val="40000"/>
+              <a:lumOff val="60000"/>
+            </a:schemeClr>
+          </a:solidFill>
+          <a:ln>
+            <a:noFill/>
+          </a:ln>
+        </p:spPr>
+        <p:style>
+          <a:lnRef idx="2">
+            <a:schemeClr val="accent1">
+              <a:shade val="50000"/>
+            </a:schemeClr>
+          </a:lnRef>
+          <a:fillRef idx="1">
+            <a:schemeClr val="accent1"/>
+          </a:fillRef>
+          <a:effectRef idx="0">
+            <a:schemeClr val="accent1"/>
+          </a:effectRef>
+          <a:fontRef idx="minor">
+            <a:schemeClr val="lt1"/>
+          </a:fontRef>
+        </p:style>
+        <p:txBody>
+          <a:bodyPr rtlCol="0" anchor="ctr"/>
+          <a:lstStyle/>
+          <a:p>
+            <a:pPr algn="ctr"/>
+            <a:r>
+              <a:rPr lang="de-DE" dirty="0"/>
+              <a:t>Landau</a:t>
+            </a:r>
+          </a:p>
+          <a:p>
+            <a:pPr algn="ctr"/>
+            <a:r>
+              <a:rPr lang="de-DE" dirty="0"/>
+              <a:t>Diamagnetismus</a:t>
+            </a:r>
+          </a:p>
+        </p:txBody>
+      </p:sp>
+      <p:sp>
+        <p:nvSpPr>
+          <p:cNvPr id="10" name="Rechteck: abgerundete Ecken 9">
+            <a:extLst>
+              <a:ext uri="{FF2B5EF4-FFF2-40B4-BE49-F238E27FC236}">
+                <a16:creationId xmlns:a16="http://schemas.microsoft.com/office/drawing/2014/main" id="{363FBCE6-D30B-E1B1-16EA-D8ECECD4C601}"/>
+              </a:ext>
+            </a:extLst>
+          </p:cNvPr>
+          <p:cNvSpPr/>
+          <p:nvPr/>
+        </p:nvSpPr>
+        <p:spPr>
+          <a:xfrm>
+            <a:off x="8768680" y="3397170"/>
+            <a:ext cx="2160240" cy="1152128"/>
+          </a:xfrm>
+          <a:prstGeom prst="roundRect">
+            <a:avLst/>
+          </a:prstGeom>
+          <a:solidFill>
+            <a:schemeClr val="accent2">
+              <a:lumMod val="20000"/>
+              <a:lumOff val="80000"/>
+            </a:schemeClr>
+          </a:solidFill>
+          <a:ln>
+            <a:noFill/>
+          </a:ln>
+        </p:spPr>
+        <p:style>
+          <a:lnRef idx="2">
+            <a:schemeClr val="accent1">
+              <a:shade val="50000"/>
+            </a:schemeClr>
+          </a:lnRef>
+          <a:fillRef idx="1">
+            <a:schemeClr val="accent1"/>
+          </a:fillRef>
+          <a:effectRef idx="0">
+            <a:schemeClr val="accent1"/>
+          </a:effectRef>
+          <a:fontRef idx="minor">
+            <a:schemeClr val="lt1"/>
+          </a:fontRef>
+        </p:style>
+        <p:txBody>
+          <a:bodyPr rtlCol="0" anchor="ctr"/>
+          <a:lstStyle/>
+          <a:p>
+            <a:pPr algn="ctr"/>
+            <a:r>
+              <a:rPr lang="de-DE" dirty="0"/>
+              <a:t>Pauli</a:t>
+            </a:r>
+          </a:p>
+          <a:p>
+            <a:pPr algn="ctr"/>
+            <a:r>
+              <a:rPr lang="de-DE" dirty="0"/>
+              <a:t>Paramagnetismus</a:t>
+            </a:r>
+          </a:p>
+        </p:txBody>
+      </p:sp>
+      <p:sp>
+        <p:nvSpPr>
+          <p:cNvPr id="11" name="Rechteck: abgerundete Ecken 10">
+            <a:extLst>
+              <a:ext uri="{FF2B5EF4-FFF2-40B4-BE49-F238E27FC236}">
+                <a16:creationId xmlns:a16="http://schemas.microsoft.com/office/drawing/2014/main" id="{7E2A590E-A05D-8D60-3A67-AB950B80DC1D}"/>
+              </a:ext>
+            </a:extLst>
+          </p:cNvPr>
+          <p:cNvSpPr/>
+          <p:nvPr/>
+        </p:nvSpPr>
+        <p:spPr>
+          <a:xfrm>
+            <a:off x="6456040" y="3397170"/>
+            <a:ext cx="2160240" cy="1152128"/>
+          </a:xfrm>
+          <a:prstGeom prst="roundRect">
+            <a:avLst/>
+          </a:prstGeom>
+          <a:solidFill>
+            <a:schemeClr val="accent2">
+              <a:lumMod val="20000"/>
+              <a:lumOff val="80000"/>
+            </a:schemeClr>
+          </a:solidFill>
+          <a:ln>
+            <a:noFill/>
+          </a:ln>
+        </p:spPr>
+        <p:style>
+          <a:lnRef idx="2">
+            <a:schemeClr val="accent1">
+              <a:shade val="50000"/>
+            </a:schemeClr>
+          </a:lnRef>
+          <a:fillRef idx="1">
+            <a:schemeClr val="accent1"/>
+          </a:fillRef>
+          <a:effectRef idx="0">
+            <a:schemeClr val="accent1"/>
+          </a:effectRef>
+          <a:fontRef idx="minor">
+            <a:schemeClr val="lt1"/>
+          </a:fontRef>
+        </p:style>
+        <p:txBody>
+          <a:bodyPr rtlCol="0" anchor="ctr"/>
+          <a:lstStyle/>
+          <a:p>
+            <a:pPr algn="ctr"/>
+            <a:r>
+              <a:rPr lang="de-DE" dirty="0" err="1"/>
+              <a:t>Langevin</a:t>
+            </a:r>
+            <a:r>
+              <a:rPr lang="de-DE" dirty="0"/>
+              <a:t> Paramagnetismus</a:t>
+            </a:r>
+          </a:p>
+        </p:txBody>
+      </p:sp>
+      <p:sp>
+        <p:nvSpPr>
+          <p:cNvPr id="12" name="Rechteck: abgerundete Ecken 11">
+            <a:extLst>
+              <a:ext uri="{FF2B5EF4-FFF2-40B4-BE49-F238E27FC236}">
+                <a16:creationId xmlns:a16="http://schemas.microsoft.com/office/drawing/2014/main" id="{AE0FDB35-C9A5-9AD0-3453-9E9C250F6D42}"/>
+              </a:ext>
+            </a:extLst>
+          </p:cNvPr>
+          <p:cNvSpPr/>
+          <p:nvPr/>
+        </p:nvSpPr>
+        <p:spPr>
+          <a:xfrm>
+            <a:off x="6456040" y="1381420"/>
+            <a:ext cx="2160240" cy="576106"/>
+          </a:xfrm>
+          <a:prstGeom prst="roundRect">
+            <a:avLst/>
+          </a:prstGeom>
+          <a:solidFill>
+            <a:schemeClr val="accent1">
+              <a:lumMod val="75000"/>
+            </a:schemeClr>
+          </a:solidFill>
+          <a:ln>
+            <a:noFill/>
+          </a:ln>
+        </p:spPr>
+        <p:style>
+          <a:lnRef idx="2">
+            <a:schemeClr val="accent1">
+              <a:shade val="50000"/>
+            </a:schemeClr>
+          </a:lnRef>
+          <a:fillRef idx="1">
+            <a:schemeClr val="accent1"/>
+          </a:fillRef>
+          <a:effectRef idx="0">
+            <a:schemeClr val="accent1"/>
+          </a:effectRef>
+          <a:fontRef idx="minor">
+            <a:schemeClr val="lt1"/>
+          </a:fontRef>
+        </p:style>
+        <p:txBody>
+          <a:bodyPr rtlCol="0" anchor="ctr"/>
+          <a:lstStyle/>
+          <a:p>
+            <a:pPr algn="ctr"/>
+            <a:r>
+              <a:rPr lang="de-DE" dirty="0" err="1"/>
+              <a:t>Gebundende</a:t>
+            </a:r>
+            <a:r>
+              <a:rPr lang="de-DE" dirty="0"/>
+              <a:t> e</a:t>
+            </a:r>
+            <a:r>
+              <a:rPr lang="de-DE" baseline="30000" dirty="0"/>
+              <a:t>-</a:t>
+            </a:r>
+          </a:p>
+        </p:txBody>
+      </p:sp>
+      <p:sp>
+        <p:nvSpPr>
+          <p:cNvPr id="13" name="Rechteck: abgerundete Ecken 12">
+            <a:extLst>
+              <a:ext uri="{FF2B5EF4-FFF2-40B4-BE49-F238E27FC236}">
+                <a16:creationId xmlns:a16="http://schemas.microsoft.com/office/drawing/2014/main" id="{4AD83D1A-D151-1AFD-F125-A615532D59DB}"/>
+              </a:ext>
+            </a:extLst>
+          </p:cNvPr>
+          <p:cNvSpPr/>
+          <p:nvPr/>
+        </p:nvSpPr>
+        <p:spPr>
+          <a:xfrm>
+            <a:off x="8768680" y="1381420"/>
+            <a:ext cx="2160240" cy="576106"/>
+          </a:xfrm>
+          <a:prstGeom prst="roundRect">
+            <a:avLst/>
+          </a:prstGeom>
+          <a:solidFill>
+            <a:schemeClr val="accent1">
+              <a:lumMod val="20000"/>
+              <a:lumOff val="80000"/>
+            </a:schemeClr>
+          </a:solidFill>
+          <a:ln>
+            <a:noFill/>
+          </a:ln>
+        </p:spPr>
+        <p:style>
+          <a:lnRef idx="2">
+            <a:schemeClr val="accent1">
+              <a:shade val="50000"/>
+            </a:schemeClr>
+          </a:lnRef>
+          <a:fillRef idx="1">
+            <a:schemeClr val="accent1"/>
+          </a:fillRef>
+          <a:effectRef idx="0">
+            <a:schemeClr val="accent1"/>
+          </a:effectRef>
+          <a:fontRef idx="minor">
+            <a:schemeClr val="lt1"/>
+          </a:fontRef>
+        </p:style>
+        <p:txBody>
+          <a:bodyPr rtlCol="0" anchor="ctr"/>
+          <a:lstStyle/>
+          <a:p>
+            <a:pPr algn="ctr"/>
+            <a:r>
+              <a:rPr lang="de-DE" dirty="0"/>
+              <a:t>Quasi-freie e</a:t>
+            </a:r>
+            <a:r>
+              <a:rPr lang="de-DE" baseline="30000" dirty="0"/>
+              <a:t>-</a:t>
+            </a:r>
+            <a:endParaRPr lang="de-DE" dirty="0"/>
+          </a:p>
+        </p:txBody>
+      </p:sp>
+      <p:sp>
+        <p:nvSpPr>
+          <p:cNvPr id="14" name="Rechteck: abgerundete Ecken 13">
+            <a:extLst>
+              <a:ext uri="{FF2B5EF4-FFF2-40B4-BE49-F238E27FC236}">
+                <a16:creationId xmlns:a16="http://schemas.microsoft.com/office/drawing/2014/main" id="{276D500D-9419-3715-F8AB-9B614E48DACC}"/>
+              </a:ext>
+            </a:extLst>
+          </p:cNvPr>
+          <p:cNvSpPr/>
+          <p:nvPr/>
+        </p:nvSpPr>
+        <p:spPr>
+          <a:xfrm>
+            <a:off x="5318222" y="2109038"/>
+            <a:ext cx="985418" cy="1152128"/>
+          </a:xfrm>
+          <a:prstGeom prst="roundRect">
+            <a:avLst/>
+          </a:prstGeom>
+          <a:solidFill>
+            <a:schemeClr val="accent2">
+              <a:lumMod val="40000"/>
+              <a:lumOff val="60000"/>
+            </a:schemeClr>
+          </a:solidFill>
+          <a:ln>
+            <a:noFill/>
+          </a:ln>
+        </p:spPr>
+        <p:style>
+          <a:lnRef idx="2">
+            <a:schemeClr val="accent1">
+              <a:shade val="50000"/>
+            </a:schemeClr>
+          </a:lnRef>
+          <a:fillRef idx="1">
+            <a:schemeClr val="accent1"/>
+          </a:fillRef>
+          <a:effectRef idx="0">
+            <a:schemeClr val="accent1"/>
+          </a:effectRef>
+          <a:fontRef idx="minor">
+            <a:schemeClr val="lt1"/>
+          </a:fontRef>
+        </p:style>
+        <p:txBody>
+          <a:bodyPr rtlCol="0" anchor="ctr"/>
+          <a:lstStyle/>
+          <a:p>
+            <a:pPr algn="ctr"/>
+            <a:r>
+              <a:rPr lang="de-DE" dirty="0"/>
+              <a:t>Dia</a:t>
+            </a:r>
+          </a:p>
+        </p:txBody>
+      </p:sp>
+      <p:sp>
+        <p:nvSpPr>
+          <p:cNvPr id="16" name="Rechteck: abgerundete Ecken 15">
+            <a:extLst>
+              <a:ext uri="{FF2B5EF4-FFF2-40B4-BE49-F238E27FC236}">
+                <a16:creationId xmlns:a16="http://schemas.microsoft.com/office/drawing/2014/main" id="{6C5894B8-5C23-F93C-6D0C-A90430DFB0FC}"/>
+              </a:ext>
+            </a:extLst>
+          </p:cNvPr>
+          <p:cNvSpPr/>
+          <p:nvPr/>
+        </p:nvSpPr>
+        <p:spPr>
+          <a:xfrm>
+            <a:off x="5318222" y="3397170"/>
+            <a:ext cx="985418" cy="1152128"/>
+          </a:xfrm>
+          <a:prstGeom prst="roundRect">
+            <a:avLst/>
+          </a:prstGeom>
+          <a:solidFill>
+            <a:schemeClr val="accent2">
+              <a:lumMod val="20000"/>
+              <a:lumOff val="80000"/>
+            </a:schemeClr>
+          </a:solidFill>
+          <a:ln>
+            <a:noFill/>
+          </a:ln>
+        </p:spPr>
+        <p:style>
+          <a:lnRef idx="2">
+            <a:schemeClr val="accent1">
+              <a:shade val="50000"/>
+            </a:schemeClr>
+          </a:lnRef>
+          <a:fillRef idx="1">
+            <a:schemeClr val="accent1"/>
+          </a:fillRef>
+          <a:effectRef idx="0">
+            <a:schemeClr val="accent1"/>
+          </a:effectRef>
+          <a:fontRef idx="minor">
+            <a:schemeClr val="lt1"/>
+          </a:fontRef>
+        </p:style>
+        <p:txBody>
+          <a:bodyPr rtlCol="0" anchor="ctr"/>
+          <a:lstStyle/>
+          <a:p>
+            <a:pPr algn="ctr"/>
+            <a:r>
+              <a:rPr lang="de-DE" dirty="0"/>
+              <a:t>Para</a:t>
+            </a:r>
+          </a:p>
+        </p:txBody>
+      </p:sp>
+      <p:sp>
+        <p:nvSpPr>
+          <p:cNvPr id="17" name="Rechteck: abgerundete Ecken 16">
+            <a:extLst>
+              <a:ext uri="{FF2B5EF4-FFF2-40B4-BE49-F238E27FC236}">
+                <a16:creationId xmlns:a16="http://schemas.microsoft.com/office/drawing/2014/main" id="{E234622B-6A75-0923-7DF3-C62EC388F409}"/>
+              </a:ext>
+            </a:extLst>
+          </p:cNvPr>
+          <p:cNvSpPr/>
+          <p:nvPr/>
+        </p:nvSpPr>
+        <p:spPr>
+          <a:xfrm>
+            <a:off x="8768680" y="4900475"/>
+            <a:ext cx="2160240" cy="1152128"/>
+          </a:xfrm>
+          <a:prstGeom prst="roundRect">
+            <a:avLst/>
+          </a:prstGeom>
+          <a:solidFill>
+            <a:schemeClr val="accent3">
+              <a:lumMod val="60000"/>
+              <a:lumOff val="40000"/>
+            </a:schemeClr>
+          </a:solidFill>
+          <a:ln>
+            <a:noFill/>
+          </a:ln>
+        </p:spPr>
+        <p:style>
+          <a:lnRef idx="2">
+            <a:schemeClr val="accent1">
+              <a:shade val="50000"/>
+            </a:schemeClr>
+          </a:lnRef>
+          <a:fillRef idx="1">
+            <a:schemeClr val="accent1"/>
+          </a:fillRef>
+          <a:effectRef idx="0">
+            <a:schemeClr val="accent1"/>
+          </a:effectRef>
+          <a:fontRef idx="minor">
+            <a:schemeClr val="lt1"/>
+          </a:fontRef>
+        </p:style>
+        <p:txBody>
+          <a:bodyPr rtlCol="0" anchor="ctr"/>
+          <a:lstStyle/>
+          <a:p>
+            <a:pPr algn="ctr"/>
+            <a:r>
+              <a:rPr lang="de-DE" dirty="0"/>
+              <a:t>Band Ferromagnetismus</a:t>
+            </a:r>
+          </a:p>
+        </p:txBody>
+      </p:sp>
+      <p:sp>
+        <p:nvSpPr>
+          <p:cNvPr id="18" name="Rechteck: abgerundete Ecken 17">
+            <a:extLst>
+              <a:ext uri="{FF2B5EF4-FFF2-40B4-BE49-F238E27FC236}">
+                <a16:creationId xmlns:a16="http://schemas.microsoft.com/office/drawing/2014/main" id="{64FD7CF6-0273-F048-BD54-BF53D58C8AF1}"/>
+              </a:ext>
+            </a:extLst>
+          </p:cNvPr>
+          <p:cNvSpPr/>
+          <p:nvPr/>
+        </p:nvSpPr>
+        <p:spPr>
+          <a:xfrm>
+            <a:off x="6456040" y="4900475"/>
+            <a:ext cx="2160240" cy="1152128"/>
+          </a:xfrm>
+          <a:prstGeom prst="roundRect">
+            <a:avLst/>
+          </a:prstGeom>
+          <a:solidFill>
+            <a:schemeClr val="accent2">
+              <a:lumMod val="75000"/>
+            </a:schemeClr>
+          </a:solidFill>
+          <a:ln>
+            <a:noFill/>
+          </a:ln>
+        </p:spPr>
+        <p:style>
+          <a:lnRef idx="2">
+            <a:schemeClr val="accent1">
+              <a:shade val="50000"/>
+            </a:schemeClr>
+          </a:lnRef>
+          <a:fillRef idx="1">
+            <a:schemeClr val="accent1"/>
+          </a:fillRef>
+          <a:effectRef idx="0">
+            <a:schemeClr val="accent1"/>
+          </a:effectRef>
+          <a:fontRef idx="minor">
+            <a:schemeClr val="lt1"/>
+          </a:fontRef>
+        </p:style>
+        <p:txBody>
+          <a:bodyPr rtlCol="0" anchor="ctr"/>
+          <a:lstStyle/>
+          <a:p>
+            <a:pPr algn="ctr"/>
+            <a:r>
+              <a:rPr lang="de-DE" dirty="0"/>
+              <a:t>Kooperativer Magnetismus</a:t>
+            </a:r>
+          </a:p>
+        </p:txBody>
+      </p:sp>
+      <p:sp>
+        <p:nvSpPr>
+          <p:cNvPr id="19" name="Rechteck: abgerundete Ecken 18">
+            <a:extLst>
+              <a:ext uri="{FF2B5EF4-FFF2-40B4-BE49-F238E27FC236}">
+                <a16:creationId xmlns:a16="http://schemas.microsoft.com/office/drawing/2014/main" id="{0A2D6652-B74C-0A80-E5B6-1671FEEA90DA}"/>
+              </a:ext>
+            </a:extLst>
+          </p:cNvPr>
+          <p:cNvSpPr/>
+          <p:nvPr/>
+        </p:nvSpPr>
+        <p:spPr>
+          <a:xfrm>
+            <a:off x="5318222" y="4900475"/>
+            <a:ext cx="985418" cy="1152128"/>
+          </a:xfrm>
+          <a:prstGeom prst="roundRect">
+            <a:avLst/>
+          </a:prstGeom>
+          <a:solidFill>
+            <a:schemeClr val="accent2">
+              <a:lumMod val="75000"/>
+            </a:schemeClr>
+          </a:solidFill>
+          <a:ln>
+            <a:noFill/>
+          </a:ln>
+        </p:spPr>
+        <p:style>
+          <a:lnRef idx="2">
+            <a:schemeClr val="accent1">
+              <a:shade val="50000"/>
+            </a:schemeClr>
+          </a:lnRef>
+          <a:fillRef idx="1">
+            <a:schemeClr val="accent1"/>
+          </a:fillRef>
+          <a:effectRef idx="0">
+            <a:schemeClr val="accent1"/>
+          </a:effectRef>
+          <a:fontRef idx="minor">
+            <a:schemeClr val="lt1"/>
+          </a:fontRef>
+        </p:style>
+        <p:txBody>
+          <a:bodyPr rtlCol="0" anchor="ctr"/>
+          <a:lstStyle/>
+          <a:p>
+            <a:pPr algn="ctr"/>
+            <a:r>
+              <a:rPr lang="de-DE" dirty="0"/>
+              <a:t>WWM</a:t>
+            </a:r>
           </a:p>
         </p:txBody>
       </p:sp>
     </p:spTree>
     <p:extLst>
       <p:ext uri="{BB962C8B-B14F-4D97-AF65-F5344CB8AC3E}">
-        <p14:creationId xmlns:p14="http://schemas.microsoft.com/office/powerpoint/2010/main" val="250567232"/>
+        <p14:creationId xmlns:p14="http://schemas.microsoft.com/office/powerpoint/2010/main" val="1785887219"/>
       </p:ext>
     </p:extLst>
   </p:cSld>

--- a/Vortrag.pptx
+++ b/Vortrag.pptx
@@ -5,10 +5,10 @@
     <p:sldMasterId id="2147483653" r:id="rId1"/>
   </p:sldMasterIdLst>
   <p:notesMasterIdLst>
-    <p:notesMasterId r:id="rId46"/>
+    <p:notesMasterId r:id="rId47"/>
   </p:notesMasterIdLst>
   <p:handoutMasterIdLst>
-    <p:handoutMasterId r:id="rId47"/>
+    <p:handoutMasterId r:id="rId48"/>
   </p:handoutMasterIdLst>
   <p:sldIdLst>
     <p:sldId id="274" r:id="rId2"/>
@@ -39,22 +39,23 @@
     <p:sldId id="305" r:id="rId27"/>
     <p:sldId id="306" r:id="rId28"/>
     <p:sldId id="308" r:id="rId29"/>
-    <p:sldId id="309" r:id="rId30"/>
-    <p:sldId id="310" r:id="rId31"/>
-    <p:sldId id="258" r:id="rId32"/>
-    <p:sldId id="311" r:id="rId33"/>
-    <p:sldId id="312" r:id="rId34"/>
-    <p:sldId id="313" r:id="rId35"/>
-    <p:sldId id="257" r:id="rId36"/>
-    <p:sldId id="269" r:id="rId37"/>
-    <p:sldId id="307" r:id="rId38"/>
-    <p:sldId id="264" r:id="rId39"/>
-    <p:sldId id="271" r:id="rId40"/>
-    <p:sldId id="265" r:id="rId41"/>
-    <p:sldId id="262" r:id="rId42"/>
-    <p:sldId id="267" r:id="rId43"/>
-    <p:sldId id="268" r:id="rId44"/>
-    <p:sldId id="277" r:id="rId45"/>
+    <p:sldId id="314" r:id="rId30"/>
+    <p:sldId id="309" r:id="rId31"/>
+    <p:sldId id="310" r:id="rId32"/>
+    <p:sldId id="258" r:id="rId33"/>
+    <p:sldId id="311" r:id="rId34"/>
+    <p:sldId id="312" r:id="rId35"/>
+    <p:sldId id="313" r:id="rId36"/>
+    <p:sldId id="257" r:id="rId37"/>
+    <p:sldId id="269" r:id="rId38"/>
+    <p:sldId id="307" r:id="rId39"/>
+    <p:sldId id="264" r:id="rId40"/>
+    <p:sldId id="271" r:id="rId41"/>
+    <p:sldId id="265" r:id="rId42"/>
+    <p:sldId id="262" r:id="rId43"/>
+    <p:sldId id="267" r:id="rId44"/>
+    <p:sldId id="268" r:id="rId45"/>
+    <p:sldId id="277" r:id="rId46"/>
   </p:sldIdLst>
   <p:sldSz cx="12192000" cy="6858000"/>
   <p:notesSz cx="6858000" cy="9144000"/>
@@ -408,7 +409,7 @@
           <a:p>
             <a:fld id="{4C3797C4-ED8E-4EA4-959C-2AEEE7E3AD08}" type="datetimeFigureOut">
               <a:rPr lang="de-DE" smtClean="0"/>
-              <a:t>02.06.2024</a:t>
+              <a:t>03.06.2024</a:t>
             </a:fld>
             <a:endParaRPr lang="de-DE"/>
           </a:p>
@@ -573,7 +574,7 @@
           <a:p>
             <a:fld id="{44B5C22D-DB44-4084-9471-0EB64DB204F9}" type="datetimeFigureOut">
               <a:rPr lang="de-DE" smtClean="0"/>
-              <a:t>02.06.2024</a:t>
+              <a:t>03.06.2024</a:t>
             </a:fld>
             <a:endParaRPr lang="de-DE"/>
           </a:p>
@@ -1336,7 +1337,7 @@
           <a:p>
             <a:fld id="{8947F2EB-A273-4CA5-8E41-BC88C509E25D}" type="slidenum">
               <a:rPr lang="de-DE" smtClean="0"/>
-              <a:t>35</a:t>
+              <a:t>36</a:t>
             </a:fld>
             <a:endParaRPr lang="de-DE"/>
           </a:p>
@@ -6474,7 +6475,7 @@
             <a:pPr lvl="2"/>
             <a:r>
               <a:rPr lang="de-DE" sz="2000" dirty="0"/>
-              <a:t>Würdigung:	Sehr groß!</a:t>
+              <a:t>Würdigung:	Sehr groß und nicht physikalisch!</a:t>
             </a:r>
           </a:p>
           <a:p>
@@ -6598,7 +6599,7 @@
         <p:spPr>
           <a:xfrm>
             <a:off x="431799" y="1399628"/>
-            <a:ext cx="5568951" cy="4103687"/>
+            <a:ext cx="5448177" cy="4103687"/>
           </a:xfrm>
         </p:spPr>
         <p:txBody>
@@ -7173,7 +7174,15 @@
             <a:pPr lvl="1"/>
             <a:r>
               <a:rPr lang="de-DE" dirty="0"/>
-              <a:t>Grafisches Lösen gibt für eine Kombination von T und B </a:t>
+              <a:t>Grafisches Lösen gibt für eine Kombination von T und B und M die </a:t>
+            </a:r>
+            <a:r>
+              <a:rPr lang="de-DE" dirty="0" err="1"/>
+              <a:t>physikalsich</a:t>
+            </a:r>
+            <a:r>
+              <a:rPr lang="de-DE" dirty="0"/>
+              <a:t> sind </a:t>
             </a:r>
           </a:p>
         </p:txBody>
@@ -7345,21 +7354,69 @@
           <a:p>
             <a:pPr lvl="1"/>
             <a:r>
-              <a:rPr lang="de-DE" dirty="0"/>
-              <a:t>„Das Feld [der Atome] ist jedoch mehr als tausendmal schwächer als das Molekularfeld[…] </a:t>
-            </a:r>
-            <a:r>
-              <a:rPr lang="de-DE" b="0" i="0" dirty="0">
+              <a:rPr lang="de-DE" i="1" dirty="0"/>
+              <a:t>„Das Feld [der Atome] ist jedoch mehr als tausendmal schwächer als das Molekularfeld </a:t>
+            </a:r>
+            <a:r>
+              <a:rPr lang="de-DE" dirty="0"/>
+              <a:t>[…]</a:t>
+            </a:r>
+            <a:r>
+              <a:rPr lang="de-DE" i="1" dirty="0"/>
+              <a:t>. D</a:t>
+            </a:r>
+            <a:r>
+              <a:rPr lang="de-DE" b="0" i="1" dirty="0">
                 <a:effectLst/>
                 <a:highlight>
                   <a:srgbClr val="FFFFFF"/>
                 </a:highlight>
                 <a:latin typeface="Arial" panose="020B0604020202020204" pitchFamily="34" charset="0"/>
               </a:rPr>
-              <a:t>und dass diese Interpretationsschwierigkeit weniger als Einwand denn als Hinweis für die Suche nach neuen Hypothesen über den Aufbau des Atoms angesehen werden sollte.</a:t>
-            </a:r>
-            <a:r>
-              <a:rPr lang="de-DE" dirty="0"/>
+              <a:t>iese Interpretationsschwierigkeit </a:t>
+            </a:r>
+            <a:r>
+              <a:rPr lang="de-DE" b="0" dirty="0">
+                <a:effectLst/>
+                <a:highlight>
+                  <a:srgbClr val="FFFFFF"/>
+                </a:highlight>
+                <a:latin typeface="Arial" panose="020B0604020202020204" pitchFamily="34" charset="0"/>
+              </a:rPr>
+              <a:t>[soll] </a:t>
+            </a:r>
+            <a:r>
+              <a:rPr lang="de-DE" b="0" i="1" dirty="0">
+                <a:effectLst/>
+                <a:highlight>
+                  <a:srgbClr val="FFFFFF"/>
+                </a:highlight>
+                <a:latin typeface="Arial" panose="020B0604020202020204" pitchFamily="34" charset="0"/>
+              </a:rPr>
+              <a:t>weniger als Einwand denn als Hinweis für die Suche nach neuen Hypothesen über den Aufbau des Atoms angesehen werden </a:t>
+            </a:r>
+            <a:r>
+              <a:rPr lang="de-DE" b="0" dirty="0">
+                <a:effectLst/>
+                <a:highlight>
+                  <a:srgbClr val="FFFFFF"/>
+                </a:highlight>
+                <a:latin typeface="Arial" panose="020B0604020202020204" pitchFamily="34" charset="0"/>
+              </a:rPr>
+              <a:t>[…]</a:t>
+            </a:r>
+            <a:r>
+              <a:rPr lang="de-DE" b="0" i="1" dirty="0">
+                <a:effectLst/>
+                <a:highlight>
+                  <a:srgbClr val="FFFFFF"/>
+                </a:highlight>
+                <a:latin typeface="Arial" panose="020B0604020202020204" pitchFamily="34" charset="0"/>
+              </a:rPr>
+              <a:t>.</a:t>
+            </a:r>
+            <a:r>
+              <a:rPr lang="de-DE" i="1" dirty="0"/>
               <a:t>“ </a:t>
             </a:r>
           </a:p>
@@ -7370,18 +7427,23 @@
             <a:pPr lvl="2"/>
             <a:r>
               <a:rPr lang="de-DE" dirty="0"/>
-              <a:t>Model war dennoch auf den Prinzipien der statistischen Physik begründet und „formal befriedigend“.(Heisenberg)</a:t>
+              <a:t>Model war dennoch auf den Prinzipien der statistischen Physik begründet und </a:t>
+            </a:r>
+            <a:r>
+              <a:rPr lang="de-DE" i="1" dirty="0"/>
+              <a:t>„formal befriedigend“.</a:t>
+            </a:r>
+            <a:r>
+              <a:rPr lang="de-DE" dirty="0"/>
+              <a:t>(Heisenberg)</a:t>
             </a:r>
           </a:p>
           <a:p>
             <a:pPr lvl="2"/>
             <a:r>
               <a:rPr lang="de-DE" dirty="0"/>
-              <a:t>Model war erfolgreich, nur die großen Felder sorgten für Unmut. ( bei wem )</a:t>
-            </a:r>
-          </a:p>
-          <a:p>
-            <a:endParaRPr lang="de-DE" dirty="0"/>
+              <a:t>Model war erfolgreich, nur die großen Felder sorgten für Unmut. </a:t>
+            </a:r>
           </a:p>
         </p:txBody>
       </p:sp>
@@ -7888,24 +7950,6 @@
             <a:pPr lvl="2"/>
             <a:endParaRPr lang="de-DE" dirty="0"/>
           </a:p>
-          <a:p>
-            <a:pPr lvl="2"/>
-            <a:r>
-              <a:rPr lang="de-DE" dirty="0"/>
-              <a:t>Kombinierte Wellenfunktion genähert als Produkt der zwei ein Teilchen Wellenfunktionen</a:t>
-            </a:r>
-          </a:p>
-          <a:p>
-            <a:pPr lvl="2"/>
-            <a:endParaRPr lang="de-DE" dirty="0"/>
-          </a:p>
-          <a:p>
-            <a:pPr lvl="2"/>
-            <a:r>
-              <a:rPr lang="de-DE" dirty="0"/>
-              <a:t>P</a:t>
-            </a:r>
-          </a:p>
         </p:txBody>
       </p:sp>
       <p:sp>
@@ -8165,36 +8209,6 @@
           <a:xfrm>
             <a:off x="3633579" y="4405445"/>
             <a:ext cx="881240" cy="288032"/>
-          </a:xfrm>
-          <a:prstGeom prst="rect">
-            <a:avLst/>
-          </a:prstGeom>
-        </p:spPr>
-      </p:pic>
-      <p:pic>
-        <p:nvPicPr>
-          <p:cNvPr id="28" name="Grafik 27">
-            <a:extLst>
-              <a:ext uri="{FF2B5EF4-FFF2-40B4-BE49-F238E27FC236}">
-                <a16:creationId xmlns:a16="http://schemas.microsoft.com/office/drawing/2014/main" id="{9635137E-A079-E5D2-70A6-A35417B2B798}"/>
-              </a:ext>
-            </a:extLst>
-          </p:cNvPr>
-          <p:cNvPicPr>
-            <a:picLocks noChangeAspect="1"/>
-          </p:cNvPicPr>
-          <p:nvPr/>
-        </p:nvPicPr>
-        <p:blipFill>
-          <a:blip r:embed="rId7"/>
-          <a:stretch>
-            <a:fillRect/>
-          </a:stretch>
-        </p:blipFill>
-        <p:spPr>
-          <a:xfrm>
-            <a:off x="664643" y="5733256"/>
-            <a:ext cx="2802830" cy="319194"/>
           </a:xfrm>
           <a:prstGeom prst="rect">
             <a:avLst/>
@@ -8350,23 +8364,6 @@
             </a:r>
           </a:p>
           <a:p>
-            <a:pPr marL="0" lvl="2" indent="0">
-              <a:buNone/>
-            </a:pPr>
-            <a:endParaRPr lang="de-DE" dirty="0"/>
-          </a:p>
-          <a:p>
-            <a:pPr lvl="2"/>
-            <a:r>
-              <a:rPr lang="de-DE" dirty="0"/>
-              <a:t>Psi(</a:t>
-            </a:r>
-          </a:p>
-          <a:p>
-            <a:pPr lvl="2"/>
-            <a:endParaRPr lang="de-DE" dirty="0"/>
-          </a:p>
-          <a:p>
             <a:pPr lvl="3"/>
             <a:endParaRPr lang="de-DE" dirty="0"/>
           </a:p>
@@ -8824,10 +8821,10 @@
       </p:sp>
       <p:pic>
         <p:nvPicPr>
-          <p:cNvPr id="20" name="Grafik 19">
+          <p:cNvPr id="27" name="Grafik 26">
             <a:extLst>
               <a:ext uri="{FF2B5EF4-FFF2-40B4-BE49-F238E27FC236}">
-                <a16:creationId xmlns:a16="http://schemas.microsoft.com/office/drawing/2014/main" id="{91FDC774-CEFE-B8AD-054F-6C83AFDB6F2F}"/>
+                <a16:creationId xmlns:a16="http://schemas.microsoft.com/office/drawing/2014/main" id="{E358DD36-62FB-05F3-A012-782BB7F7433A}"/>
               </a:ext>
             </a:extLst>
           </p:cNvPr>
@@ -8844,37 +8841,7 @@
         </p:blipFill>
         <p:spPr>
           <a:xfrm>
-            <a:off x="767408" y="2513319"/>
-            <a:ext cx="2802830" cy="319194"/>
-          </a:xfrm>
-          <a:prstGeom prst="rect">
-            <a:avLst/>
-          </a:prstGeom>
-        </p:spPr>
-      </p:pic>
-      <p:pic>
-        <p:nvPicPr>
-          <p:cNvPr id="27" name="Grafik 26">
-            <a:extLst>
-              <a:ext uri="{FF2B5EF4-FFF2-40B4-BE49-F238E27FC236}">
-                <a16:creationId xmlns:a16="http://schemas.microsoft.com/office/drawing/2014/main" id="{E358DD36-62FB-05F3-A012-782BB7F7433A}"/>
-              </a:ext>
-            </a:extLst>
-          </p:cNvPr>
-          <p:cNvPicPr>
-            <a:picLocks noChangeAspect="1"/>
-          </p:cNvPicPr>
-          <p:nvPr/>
-        </p:nvPicPr>
-        <p:blipFill>
-          <a:blip r:embed="rId6"/>
-          <a:stretch>
-            <a:fillRect/>
-          </a:stretch>
-        </p:blipFill>
-        <p:spPr>
-          <a:xfrm>
-            <a:off x="1055158" y="4083799"/>
+            <a:off x="1211615" y="3306929"/>
             <a:ext cx="3816706" cy="426035"/>
           </a:xfrm>
           <a:prstGeom prst="rect">
@@ -34308,6 +34275,165 @@
       </p:grpSpPr>
       <p:sp>
         <p:nvSpPr>
+          <p:cNvPr id="4" name="Inhaltsplatzhalter 3"/>
+          <p:cNvSpPr>
+            <a:spLocks noGrp="1"/>
+          </p:cNvSpPr>
+          <p:nvPr>
+            <p:ph sz="half" idx="2"/>
+          </p:nvPr>
+        </p:nvSpPr>
+        <p:spPr>
+          <a:xfrm>
+            <a:off x="4427995" y="1484785"/>
+            <a:ext cx="3191993" cy="4618179"/>
+          </a:xfrm>
+        </p:spPr>
+        <p:txBody>
+          <a:bodyPr/>
+          <a:lstStyle/>
+          <a:p>
+            <a:r>
+              <a:rPr lang="de-DE"/>
+              <a:t>Gitter Symmetrien</a:t>
+            </a:r>
+            <a:endParaRPr lang="de-DE" dirty="0"/>
+          </a:p>
+          <a:p>
+            <a:pPr lvl="2"/>
+            <a:endParaRPr lang="de-DE" dirty="0"/>
+          </a:p>
+          <a:p>
+            <a:pPr lvl="2"/>
+            <a:r>
+              <a:rPr lang="de-DE" dirty="0"/>
+              <a:t>Keine effektive Magnetisierung</a:t>
+            </a:r>
+          </a:p>
+          <a:p>
+            <a:pPr lvl="3"/>
+            <a:r>
+              <a:rPr lang="de-DE" dirty="0"/>
+              <a:t>Kompensierende Ordnung</a:t>
+            </a:r>
+          </a:p>
+          <a:p>
+            <a:pPr lvl="2"/>
+            <a:r>
+              <a:rPr lang="de-DE" dirty="0"/>
+              <a:t>Time-</a:t>
+            </a:r>
+            <a:r>
+              <a:rPr lang="de-DE" dirty="0" err="1"/>
+              <a:t>reversal</a:t>
+            </a:r>
+            <a:r>
+              <a:rPr lang="de-DE" dirty="0"/>
+              <a:t> </a:t>
+            </a:r>
+            <a:r>
+              <a:rPr lang="de-DE" dirty="0" err="1"/>
+              <a:t>symmetry</a:t>
+            </a:r>
+            <a:endParaRPr lang="de-DE" dirty="0"/>
+          </a:p>
+          <a:p>
+            <a:pPr lvl="2"/>
+            <a:r>
+              <a:rPr lang="de-DE" dirty="0"/>
+              <a:t>Keine </a:t>
+            </a:r>
+            <a:r>
+              <a:rPr lang="de-DE" dirty="0" err="1"/>
+              <a:t>spin</a:t>
+            </a:r>
+            <a:r>
+              <a:rPr lang="de-DE" dirty="0"/>
+              <a:t>-polarisation im k-Raum</a:t>
+            </a:r>
+          </a:p>
+        </p:txBody>
+      </p:sp>
+      <p:sp>
+        <p:nvSpPr>
+          <p:cNvPr id="3" name="Inhaltsplatzhalter 2"/>
+          <p:cNvSpPr>
+            <a:spLocks noGrp="1"/>
+          </p:cNvSpPr>
+          <p:nvPr>
+            <p:ph sz="half" idx="1"/>
+          </p:nvPr>
+        </p:nvSpPr>
+        <p:spPr>
+          <a:xfrm>
+            <a:off x="431799" y="1484785"/>
+            <a:ext cx="3191993" cy="4608042"/>
+          </a:xfrm>
+        </p:spPr>
+        <p:txBody>
+          <a:bodyPr/>
+          <a:lstStyle/>
+          <a:p>
+            <a:r>
+              <a:rPr lang="de-DE" dirty="0"/>
+              <a:t>Time </a:t>
+            </a:r>
+            <a:r>
+              <a:rPr lang="de-DE" dirty="0" err="1"/>
+              <a:t>Reversal</a:t>
+            </a:r>
+            <a:r>
+              <a:rPr lang="de-DE" dirty="0"/>
+              <a:t> </a:t>
+            </a:r>
+            <a:r>
+              <a:rPr lang="de-DE" dirty="0" err="1"/>
+              <a:t>Symmetry</a:t>
+            </a:r>
+            <a:endParaRPr lang="de-DE" dirty="0"/>
+          </a:p>
+          <a:p>
+            <a:pPr lvl="2"/>
+            <a:endParaRPr lang="de-DE" dirty="0"/>
+          </a:p>
+          <a:p>
+            <a:pPr lvl="2"/>
+            <a:r>
+              <a:rPr lang="de-DE" dirty="0"/>
+              <a:t>Starke Magnetisierung</a:t>
+            </a:r>
+          </a:p>
+          <a:p>
+            <a:pPr lvl="2"/>
+            <a:r>
+              <a:rPr lang="de-DE" dirty="0"/>
+              <a:t>Keine time-</a:t>
+            </a:r>
+            <a:r>
+              <a:rPr lang="de-DE" dirty="0" err="1"/>
+              <a:t>reversal</a:t>
+            </a:r>
+            <a:r>
+              <a:rPr lang="de-DE" dirty="0"/>
+              <a:t> </a:t>
+            </a:r>
+            <a:r>
+              <a:rPr lang="de-DE" dirty="0" err="1"/>
+              <a:t>symmetry</a:t>
+            </a:r>
+            <a:endParaRPr lang="de-DE" dirty="0"/>
+          </a:p>
+          <a:p>
+            <a:pPr lvl="2"/>
+            <a:endParaRPr lang="de-DE" dirty="0"/>
+          </a:p>
+          <a:p>
+            <a:endParaRPr lang="de-DE" dirty="0"/>
+          </a:p>
+        </p:txBody>
+      </p:sp>
+      <p:sp>
+        <p:nvSpPr>
           <p:cNvPr id="2" name="Titel 1"/>
           <p:cNvSpPr>
             <a:spLocks noGrp="1"/>
@@ -34323,7 +34449,7 @@
           <a:p>
             <a:r>
               <a:rPr lang="de-DE" dirty="0"/>
-              <a:t>Phasen des Magnetismus</a:t>
+              <a:t>Symmetrien</a:t>
             </a:r>
           </a:p>
         </p:txBody>
@@ -34398,78 +34524,6 @@
           </a:p>
         </p:txBody>
       </p:sp>
-      <p:pic>
-        <p:nvPicPr>
-          <p:cNvPr id="14" name="Grafik 13" descr="Ein Bild, das Text, Kreis, Diagramm, Design enthält.&#10;&#10;Automatisch generierte Beschreibung">
-            <a:extLst>
-              <a:ext uri="{FF2B5EF4-FFF2-40B4-BE49-F238E27FC236}">
-                <a16:creationId xmlns:a16="http://schemas.microsoft.com/office/drawing/2014/main" id="{1A0F3BCE-299A-3390-3780-8FC7DED3F501}"/>
-              </a:ext>
-            </a:extLst>
-          </p:cNvPr>
-          <p:cNvPicPr>
-            <a:picLocks noChangeAspect="1"/>
-          </p:cNvPicPr>
-          <p:nvPr/>
-        </p:nvPicPr>
-        <p:blipFill>
-          <a:blip r:embed="rId2" cstate="print">
-            <a:extLst>
-              <a:ext uri="{28A0092B-C50C-407E-A947-70E740481C1C}">
-                <a14:useLocalDpi xmlns:a14="http://schemas.microsoft.com/office/drawing/2010/main" val="0"/>
-              </a:ext>
-            </a:extLst>
-          </a:blip>
-          <a:stretch>
-            <a:fillRect/>
-          </a:stretch>
-        </p:blipFill>
-        <p:spPr>
-          <a:xfrm>
-            <a:off x="4427995" y="1725419"/>
-            <a:ext cx="3027967" cy="1966954"/>
-          </a:xfrm>
-          <a:prstGeom prst="rect">
-            <a:avLst/>
-          </a:prstGeom>
-        </p:spPr>
-      </p:pic>
-      <p:pic>
-        <p:nvPicPr>
-          <p:cNvPr id="16" name="Grafik 15" descr="Ein Bild, das Text, Diagramm, Screenshot, Kreis enthält.&#10;&#10;Automatisch generierte Beschreibung">
-            <a:extLst>
-              <a:ext uri="{FF2B5EF4-FFF2-40B4-BE49-F238E27FC236}">
-                <a16:creationId xmlns:a16="http://schemas.microsoft.com/office/drawing/2014/main" id="{3B25DA53-E97B-F5FC-C64E-AC7856B65548}"/>
-              </a:ext>
-            </a:extLst>
-          </p:cNvPr>
-          <p:cNvPicPr>
-            <a:picLocks noChangeAspect="1"/>
-          </p:cNvPicPr>
-          <p:nvPr/>
-        </p:nvPicPr>
-        <p:blipFill>
-          <a:blip r:embed="rId3" cstate="print">
-            <a:extLst>
-              <a:ext uri="{28A0092B-C50C-407E-A947-70E740481C1C}">
-                <a14:useLocalDpi xmlns:a14="http://schemas.microsoft.com/office/drawing/2010/main" val="0"/>
-              </a:ext>
-            </a:extLst>
-          </a:blip>
-          <a:stretch>
-            <a:fillRect/>
-          </a:stretch>
-        </p:blipFill>
-        <p:spPr>
-          <a:xfrm>
-            <a:off x="499887" y="1737767"/>
-            <a:ext cx="2742491" cy="1779179"/>
-          </a:xfrm>
-          <a:prstGeom prst="rect">
-            <a:avLst/>
-          </a:prstGeom>
-        </p:spPr>
-      </p:pic>
       <p:sp>
         <p:nvSpPr>
           <p:cNvPr id="19" name="Rechteck 18">
@@ -34571,253 +34625,6 @@
           <a:p>
             <a:pPr algn="ctr"/>
             <a:endParaRPr lang="de-DE"/>
-          </a:p>
-        </p:txBody>
-      </p:sp>
-      <p:sp>
-        <p:nvSpPr>
-          <p:cNvPr id="4" name="Inhaltsplatzhalter 3"/>
-          <p:cNvSpPr>
-            <a:spLocks noGrp="1"/>
-          </p:cNvSpPr>
-          <p:nvPr>
-            <p:ph sz="half" idx="2"/>
-          </p:nvPr>
-        </p:nvSpPr>
-        <p:spPr>
-          <a:xfrm>
-            <a:off x="4427995" y="1484785"/>
-            <a:ext cx="3191993" cy="4618179"/>
-          </a:xfrm>
-        </p:spPr>
-        <p:txBody>
-          <a:bodyPr/>
-          <a:lstStyle/>
-          <a:p>
-            <a:r>
-              <a:rPr lang="de-DE" dirty="0"/>
-              <a:t>Antiferromagnetismus</a:t>
-            </a:r>
-          </a:p>
-          <a:p>
-            <a:endParaRPr lang="de-DE" dirty="0"/>
-          </a:p>
-          <a:p>
-            <a:pPr lvl="1"/>
-            <a:endParaRPr lang="de-DE" dirty="0"/>
-          </a:p>
-          <a:p>
-            <a:endParaRPr lang="de-DE" dirty="0"/>
-          </a:p>
-          <a:p>
-            <a:endParaRPr lang="de-DE" dirty="0"/>
-          </a:p>
-          <a:p>
-            <a:endParaRPr lang="de-DE" dirty="0"/>
-          </a:p>
-          <a:p>
-            <a:endParaRPr lang="de-DE" dirty="0"/>
-          </a:p>
-          <a:p>
-            <a:endParaRPr lang="de-DE" dirty="0"/>
-          </a:p>
-          <a:p>
-            <a:pPr lvl="2"/>
-            <a:endParaRPr lang="de-DE" dirty="0"/>
-          </a:p>
-          <a:p>
-            <a:pPr lvl="2"/>
-            <a:r>
-              <a:rPr lang="de-DE" dirty="0"/>
-              <a:t>Keine effektive Magnetisierung</a:t>
-            </a:r>
-          </a:p>
-          <a:p>
-            <a:pPr lvl="3"/>
-            <a:r>
-              <a:rPr lang="de-DE" dirty="0"/>
-              <a:t>Kompensierende Ordnung</a:t>
-            </a:r>
-          </a:p>
-          <a:p>
-            <a:pPr lvl="2"/>
-            <a:r>
-              <a:rPr lang="de-DE" dirty="0"/>
-              <a:t>Time-</a:t>
-            </a:r>
-            <a:r>
-              <a:rPr lang="de-DE" dirty="0" err="1"/>
-              <a:t>reversal</a:t>
-            </a:r>
-            <a:r>
-              <a:rPr lang="de-DE" dirty="0"/>
-              <a:t> </a:t>
-            </a:r>
-            <a:r>
-              <a:rPr lang="de-DE" dirty="0" err="1"/>
-              <a:t>symmetry</a:t>
-            </a:r>
-            <a:endParaRPr lang="de-DE" dirty="0"/>
-          </a:p>
-          <a:p>
-            <a:pPr lvl="2"/>
-            <a:r>
-              <a:rPr lang="de-DE" dirty="0"/>
-              <a:t>Keine </a:t>
-            </a:r>
-            <a:r>
-              <a:rPr lang="de-DE" dirty="0" err="1"/>
-              <a:t>spin</a:t>
-            </a:r>
-            <a:r>
-              <a:rPr lang="de-DE" dirty="0"/>
-              <a:t>-polarisation im k-Raum</a:t>
-            </a:r>
-          </a:p>
-        </p:txBody>
-      </p:sp>
-      <p:sp>
-        <p:nvSpPr>
-          <p:cNvPr id="3" name="Inhaltsplatzhalter 2"/>
-          <p:cNvSpPr>
-            <a:spLocks noGrp="1"/>
-          </p:cNvSpPr>
-          <p:nvPr>
-            <p:ph sz="half" idx="1"/>
-          </p:nvPr>
-        </p:nvSpPr>
-        <p:spPr>
-          <a:xfrm>
-            <a:off x="431799" y="1484785"/>
-            <a:ext cx="3191993" cy="4608042"/>
-          </a:xfrm>
-        </p:spPr>
-        <p:txBody>
-          <a:bodyPr/>
-          <a:lstStyle/>
-          <a:p>
-            <a:r>
-              <a:rPr lang="de-DE" dirty="0"/>
-              <a:t>Ferromagnetismus</a:t>
-            </a:r>
-          </a:p>
-          <a:p>
-            <a:endParaRPr lang="de-DE" dirty="0"/>
-          </a:p>
-          <a:p>
-            <a:pPr lvl="1"/>
-            <a:endParaRPr lang="de-DE" dirty="0"/>
-          </a:p>
-          <a:p>
-            <a:endParaRPr lang="de-DE" dirty="0"/>
-          </a:p>
-          <a:p>
-            <a:endParaRPr lang="de-DE" dirty="0"/>
-          </a:p>
-          <a:p>
-            <a:pPr lvl="2"/>
-            <a:endParaRPr lang="de-DE" dirty="0"/>
-          </a:p>
-          <a:p>
-            <a:pPr lvl="2"/>
-            <a:endParaRPr lang="de-DE" dirty="0"/>
-          </a:p>
-          <a:p>
-            <a:pPr lvl="2"/>
-            <a:endParaRPr lang="de-DE" dirty="0"/>
-          </a:p>
-          <a:p>
-            <a:pPr lvl="2"/>
-            <a:endParaRPr lang="de-DE" dirty="0"/>
-          </a:p>
-          <a:p>
-            <a:pPr lvl="2"/>
-            <a:r>
-              <a:rPr lang="de-DE" dirty="0"/>
-              <a:t>Starke Magnetisierung</a:t>
-            </a:r>
-          </a:p>
-          <a:p>
-            <a:pPr lvl="2"/>
-            <a:r>
-              <a:rPr lang="de-DE" dirty="0"/>
-              <a:t>Keine time-</a:t>
-            </a:r>
-            <a:r>
-              <a:rPr lang="de-DE" dirty="0" err="1"/>
-              <a:t>reversal</a:t>
-            </a:r>
-            <a:r>
-              <a:rPr lang="de-DE" dirty="0"/>
-              <a:t> </a:t>
-            </a:r>
-            <a:r>
-              <a:rPr lang="de-DE" dirty="0" err="1"/>
-              <a:t>symmetry</a:t>
-            </a:r>
-            <a:endParaRPr lang="de-DE" dirty="0"/>
-          </a:p>
-          <a:p>
-            <a:pPr lvl="2"/>
-            <a:r>
-              <a:rPr lang="de-DE" dirty="0"/>
-              <a:t>Magnetisierung als Ordnungsparameter</a:t>
-            </a:r>
-          </a:p>
-          <a:p>
-            <a:pPr lvl="2"/>
-            <a:r>
-              <a:rPr lang="de-DE" dirty="0"/>
-              <a:t>Spin-polarisation im k-Raum</a:t>
-            </a:r>
-          </a:p>
-          <a:p>
-            <a:pPr lvl="3"/>
-            <a:r>
-              <a:rPr lang="de-DE" dirty="0"/>
-              <a:t>Isotrop</a:t>
-            </a:r>
-          </a:p>
-          <a:p>
-            <a:pPr lvl="3"/>
-            <a:r>
-              <a:rPr lang="de-DE" dirty="0"/>
-              <a:t>„Spin-splitting“ (</a:t>
-            </a:r>
-            <a:r>
-              <a:rPr lang="de-DE" dirty="0" err="1"/>
-              <a:t>magneto</a:t>
-            </a:r>
-            <a:r>
-              <a:rPr lang="de-DE" dirty="0"/>
-              <a:t> </a:t>
-            </a:r>
-            <a:r>
-              <a:rPr lang="de-DE" dirty="0" err="1"/>
-              <a:t>transport</a:t>
-            </a:r>
-            <a:r>
-              <a:rPr lang="de-DE" dirty="0"/>
-              <a:t> </a:t>
-            </a:r>
-            <a:r>
-              <a:rPr lang="de-DE" dirty="0" err="1"/>
-              <a:t>effects</a:t>
-            </a:r>
-            <a:r>
-              <a:rPr lang="de-DE" dirty="0"/>
-              <a:t>).</a:t>
-            </a:r>
-          </a:p>
-          <a:p>
-            <a:pPr lvl="3"/>
-            <a:r>
-              <a:rPr lang="de-DE" dirty="0"/>
-              <a:t>Elektronische Bandeffekte</a:t>
-            </a:r>
-          </a:p>
-          <a:p>
-            <a:endParaRPr lang="de-DE" dirty="0"/>
           </a:p>
         </p:txBody>
       </p:sp>
@@ -34875,6 +34682,354 @@
       </p:sp>
       <p:sp>
         <p:nvSpPr>
+          <p:cNvPr id="5" name="Fußzeilenplatzhalter 4"/>
+          <p:cNvSpPr>
+            <a:spLocks noGrp="1"/>
+          </p:cNvSpPr>
+          <p:nvPr>
+            <p:ph type="ftr" sz="quarter" idx="3"/>
+          </p:nvPr>
+        </p:nvSpPr>
+        <p:spPr/>
+        <p:txBody>
+          <a:bodyPr/>
+          <a:lstStyle/>
+          <a:p>
+            <a:r>
+              <a:rPr lang="de-DE"/>
+              <a:t>Magnetisum und Altermagnetismus</a:t>
+            </a:r>
+            <a:endParaRPr lang="de-DE" dirty="0"/>
+          </a:p>
+        </p:txBody>
+      </p:sp>
+      <p:sp>
+        <p:nvSpPr>
+          <p:cNvPr id="6" name="Foliennummernplatzhalter 5"/>
+          <p:cNvSpPr>
+            <a:spLocks noGrp="1"/>
+          </p:cNvSpPr>
+          <p:nvPr>
+            <p:ph type="sldNum" sz="quarter" idx="4"/>
+          </p:nvPr>
+        </p:nvSpPr>
+        <p:spPr/>
+        <p:txBody>
+          <a:bodyPr/>
+          <a:lstStyle/>
+          <a:p>
+            <a:fld id="{C05EE493-AD2E-4872-B2F6-8F12A747F0A5}" type="slidenum">
+              <a:rPr lang="de-DE" smtClean="0"/>
+              <a:pPr/>
+              <a:t>29</a:t>
+            </a:fld>
+            <a:endParaRPr lang="de-DE" dirty="0"/>
+          </a:p>
+        </p:txBody>
+      </p:sp>
+      <p:sp>
+        <p:nvSpPr>
+          <p:cNvPr id="7" name="Datumsplatzhalter 6"/>
+          <p:cNvSpPr>
+            <a:spLocks noGrp="1"/>
+          </p:cNvSpPr>
+          <p:nvPr>
+            <p:ph type="dt" sz="half" idx="10"/>
+          </p:nvPr>
+        </p:nvSpPr>
+        <p:spPr/>
+        <p:txBody>
+          <a:bodyPr/>
+          <a:lstStyle/>
+          <a:p>
+            <a:r>
+              <a:rPr lang="de-DE"/>
+              <a:t>07.06.2024</a:t>
+            </a:r>
+            <a:endParaRPr lang="de-DE" dirty="0"/>
+          </a:p>
+        </p:txBody>
+      </p:sp>
+      <p:pic>
+        <p:nvPicPr>
+          <p:cNvPr id="14" name="Grafik 13" descr="Ein Bild, das Text, Kreis, Diagramm, Design enthält.&#10;&#10;Automatisch generierte Beschreibung">
+            <a:extLst>
+              <a:ext uri="{FF2B5EF4-FFF2-40B4-BE49-F238E27FC236}">
+                <a16:creationId xmlns:a16="http://schemas.microsoft.com/office/drawing/2014/main" id="{1A0F3BCE-299A-3390-3780-8FC7DED3F501}"/>
+              </a:ext>
+            </a:extLst>
+          </p:cNvPr>
+          <p:cNvPicPr>
+            <a:picLocks noChangeAspect="1"/>
+          </p:cNvPicPr>
+          <p:nvPr/>
+        </p:nvPicPr>
+        <p:blipFill>
+          <a:blip r:embed="rId2" cstate="print">
+            <a:extLst>
+              <a:ext uri="{28A0092B-C50C-407E-A947-70E740481C1C}">
+                <a14:useLocalDpi xmlns:a14="http://schemas.microsoft.com/office/drawing/2010/main" val="0"/>
+              </a:ext>
+            </a:extLst>
+          </a:blip>
+          <a:stretch>
+            <a:fillRect/>
+          </a:stretch>
+        </p:blipFill>
+        <p:spPr>
+          <a:xfrm>
+            <a:off x="4427995" y="1725419"/>
+            <a:ext cx="3027967" cy="1966954"/>
+          </a:xfrm>
+          <a:prstGeom prst="rect">
+            <a:avLst/>
+          </a:prstGeom>
+        </p:spPr>
+      </p:pic>
+      <p:pic>
+        <p:nvPicPr>
+          <p:cNvPr id="16" name="Grafik 15" descr="Ein Bild, das Text, Diagramm, Screenshot, Kreis enthält.&#10;&#10;Automatisch generierte Beschreibung">
+            <a:extLst>
+              <a:ext uri="{FF2B5EF4-FFF2-40B4-BE49-F238E27FC236}">
+                <a16:creationId xmlns:a16="http://schemas.microsoft.com/office/drawing/2014/main" id="{3B25DA53-E97B-F5FC-C64E-AC7856B65548}"/>
+              </a:ext>
+            </a:extLst>
+          </p:cNvPr>
+          <p:cNvPicPr>
+            <a:picLocks noChangeAspect="1"/>
+          </p:cNvPicPr>
+          <p:nvPr/>
+        </p:nvPicPr>
+        <p:blipFill>
+          <a:blip r:embed="rId3" cstate="print">
+            <a:extLst>
+              <a:ext uri="{28A0092B-C50C-407E-A947-70E740481C1C}">
+                <a14:useLocalDpi xmlns:a14="http://schemas.microsoft.com/office/drawing/2010/main" val="0"/>
+              </a:ext>
+            </a:extLst>
+          </a:blip>
+          <a:stretch>
+            <a:fillRect/>
+          </a:stretch>
+        </p:blipFill>
+        <p:spPr>
+          <a:xfrm>
+            <a:off x="499887" y="1737767"/>
+            <a:ext cx="2742491" cy="1779179"/>
+          </a:xfrm>
+          <a:prstGeom prst="rect">
+            <a:avLst/>
+          </a:prstGeom>
+        </p:spPr>
+      </p:pic>
+      <p:sp>
+        <p:nvSpPr>
+          <p:cNvPr id="19" name="Rechteck 18">
+            <a:extLst>
+              <a:ext uri="{FF2B5EF4-FFF2-40B4-BE49-F238E27FC236}">
+                <a16:creationId xmlns:a16="http://schemas.microsoft.com/office/drawing/2014/main" id="{87A81E01-1CE4-19E9-59E8-3A7EFC8B63A5}"/>
+              </a:ext>
+            </a:extLst>
+          </p:cNvPr>
+          <p:cNvSpPr/>
+          <p:nvPr/>
+        </p:nvSpPr>
+        <p:spPr>
+          <a:xfrm>
+            <a:off x="623392" y="1737767"/>
+            <a:ext cx="1247741" cy="212348"/>
+          </a:xfrm>
+          <a:prstGeom prst="rect">
+            <a:avLst/>
+          </a:prstGeom>
+          <a:solidFill>
+            <a:schemeClr val="bg1"/>
+          </a:solidFill>
+          <a:ln>
+            <a:noFill/>
+          </a:ln>
+        </p:spPr>
+        <p:style>
+          <a:lnRef idx="2">
+            <a:schemeClr val="accent1">
+              <a:shade val="50000"/>
+            </a:schemeClr>
+          </a:lnRef>
+          <a:fillRef idx="1">
+            <a:schemeClr val="accent1"/>
+          </a:fillRef>
+          <a:effectRef idx="0">
+            <a:schemeClr val="accent1"/>
+          </a:effectRef>
+          <a:fontRef idx="minor">
+            <a:schemeClr val="lt1"/>
+          </a:fontRef>
+        </p:style>
+        <p:txBody>
+          <a:bodyPr rtlCol="0" anchor="ctr"/>
+          <a:lstStyle/>
+          <a:p>
+            <a:pPr algn="ctr"/>
+            <a:endParaRPr lang="de-DE"/>
+          </a:p>
+        </p:txBody>
+      </p:sp>
+      <p:sp>
+        <p:nvSpPr>
+          <p:cNvPr id="20" name="Rechteck 19">
+            <a:extLst>
+              <a:ext uri="{FF2B5EF4-FFF2-40B4-BE49-F238E27FC236}">
+                <a16:creationId xmlns:a16="http://schemas.microsoft.com/office/drawing/2014/main" id="{B269AED8-FD42-EAA9-1976-559141456F4A}"/>
+              </a:ext>
+            </a:extLst>
+          </p:cNvPr>
+          <p:cNvSpPr/>
+          <p:nvPr/>
+        </p:nvSpPr>
+        <p:spPr>
+          <a:xfrm>
+            <a:off x="4427995" y="1753643"/>
+            <a:ext cx="1523989" cy="212348"/>
+          </a:xfrm>
+          <a:prstGeom prst="rect">
+            <a:avLst/>
+          </a:prstGeom>
+          <a:solidFill>
+            <a:schemeClr val="bg1"/>
+          </a:solidFill>
+          <a:ln>
+            <a:noFill/>
+          </a:ln>
+        </p:spPr>
+        <p:style>
+          <a:lnRef idx="2">
+            <a:schemeClr val="accent1">
+              <a:shade val="50000"/>
+            </a:schemeClr>
+          </a:lnRef>
+          <a:fillRef idx="1">
+            <a:schemeClr val="accent1"/>
+          </a:fillRef>
+          <a:effectRef idx="0">
+            <a:schemeClr val="accent1"/>
+          </a:effectRef>
+          <a:fontRef idx="minor">
+            <a:schemeClr val="lt1"/>
+          </a:fontRef>
+        </p:style>
+        <p:txBody>
+          <a:bodyPr rtlCol="0" anchor="ctr"/>
+          <a:lstStyle/>
+          <a:p>
+            <a:pPr algn="ctr"/>
+            <a:endParaRPr lang="de-DE"/>
+          </a:p>
+        </p:txBody>
+      </p:sp>
+      <p:sp>
+        <p:nvSpPr>
+          <p:cNvPr id="4" name="Inhaltsplatzhalter 3"/>
+          <p:cNvSpPr>
+            <a:spLocks noGrp="1"/>
+          </p:cNvSpPr>
+          <p:nvPr>
+            <p:ph sz="half" idx="2"/>
+          </p:nvPr>
+        </p:nvSpPr>
+        <p:spPr>
+          <a:xfrm>
+            <a:off x="4427995" y="1484785"/>
+            <a:ext cx="3191993" cy="4618179"/>
+          </a:xfrm>
+        </p:spPr>
+        <p:txBody>
+          <a:bodyPr/>
+          <a:lstStyle/>
+          <a:p>
+            <a:r>
+              <a:rPr lang="de-DE" dirty="0"/>
+              <a:t>Antiferromagnetismus</a:t>
+            </a:r>
+          </a:p>
+          <a:p>
+            <a:endParaRPr lang="de-DE" dirty="0"/>
+          </a:p>
+          <a:p>
+            <a:pPr lvl="1"/>
+            <a:endParaRPr lang="de-DE" dirty="0"/>
+          </a:p>
+          <a:p>
+            <a:endParaRPr lang="de-DE" dirty="0"/>
+          </a:p>
+          <a:p>
+            <a:endParaRPr lang="de-DE" dirty="0"/>
+          </a:p>
+          <a:p>
+            <a:endParaRPr lang="de-DE" dirty="0"/>
+          </a:p>
+          <a:p>
+            <a:endParaRPr lang="de-DE" dirty="0"/>
+          </a:p>
+          <a:p>
+            <a:endParaRPr lang="de-DE" dirty="0"/>
+          </a:p>
+          <a:p>
+            <a:pPr lvl="2"/>
+            <a:endParaRPr lang="de-DE" dirty="0"/>
+          </a:p>
+          <a:p>
+            <a:pPr lvl="2"/>
+            <a:r>
+              <a:rPr lang="de-DE" dirty="0"/>
+              <a:t>Keine effektive Magnetisierung</a:t>
+            </a:r>
+          </a:p>
+          <a:p>
+            <a:pPr lvl="3"/>
+            <a:r>
+              <a:rPr lang="de-DE" dirty="0"/>
+              <a:t>Kompensierende Ordnung</a:t>
+            </a:r>
+          </a:p>
+          <a:p>
+            <a:pPr lvl="2"/>
+            <a:r>
+              <a:rPr lang="de-DE" dirty="0"/>
+              <a:t>Time-</a:t>
+            </a:r>
+            <a:r>
+              <a:rPr lang="de-DE" dirty="0" err="1"/>
+              <a:t>reversal</a:t>
+            </a:r>
+            <a:r>
+              <a:rPr lang="de-DE" dirty="0"/>
+              <a:t> </a:t>
+            </a:r>
+            <a:r>
+              <a:rPr lang="de-DE" dirty="0" err="1"/>
+              <a:t>symmetry</a:t>
+            </a:r>
+            <a:endParaRPr lang="de-DE" dirty="0"/>
+          </a:p>
+          <a:p>
+            <a:pPr lvl="2"/>
+            <a:r>
+              <a:rPr lang="de-DE" dirty="0"/>
+              <a:t>Keine </a:t>
+            </a:r>
+            <a:r>
+              <a:rPr lang="de-DE" dirty="0" err="1"/>
+              <a:t>spin</a:t>
+            </a:r>
+            <a:r>
+              <a:rPr lang="de-DE" dirty="0"/>
+              <a:t>-polarisation im k-Raum</a:t>
+            </a:r>
+          </a:p>
+        </p:txBody>
+      </p:sp>
+      <p:sp>
+        <p:nvSpPr>
           <p:cNvPr id="3" name="Inhaltsplatzhalter 2"/>
           <p:cNvSpPr>
             <a:spLocks noGrp="1"/>
@@ -34938,6 +35093,731 @@
             <a:pPr lvl="2"/>
             <a:r>
               <a:rPr lang="de-DE" dirty="0"/>
+              <a:t>Keine time-</a:t>
+            </a:r>
+            <a:r>
+              <a:rPr lang="de-DE" dirty="0" err="1"/>
+              <a:t>reversal</a:t>
+            </a:r>
+            <a:r>
+              <a:rPr lang="de-DE" dirty="0"/>
+              <a:t> </a:t>
+            </a:r>
+            <a:r>
+              <a:rPr lang="de-DE" dirty="0" err="1"/>
+              <a:t>symmetry</a:t>
+            </a:r>
+            <a:endParaRPr lang="de-DE" dirty="0"/>
+          </a:p>
+          <a:p>
+            <a:pPr lvl="2"/>
+            <a:r>
+              <a:rPr lang="de-DE" dirty="0"/>
+              <a:t>Magnetisierung als Ordnungsparameter</a:t>
+            </a:r>
+          </a:p>
+          <a:p>
+            <a:pPr lvl="2"/>
+            <a:r>
+              <a:rPr lang="de-DE" dirty="0"/>
+              <a:t>Spin-polarisation im k-Raum</a:t>
+            </a:r>
+          </a:p>
+          <a:p>
+            <a:pPr lvl="3"/>
+            <a:r>
+              <a:rPr lang="de-DE" dirty="0"/>
+              <a:t>Isotrop</a:t>
+            </a:r>
+          </a:p>
+          <a:p>
+            <a:pPr lvl="3"/>
+            <a:r>
+              <a:rPr lang="de-DE" dirty="0"/>
+              <a:t>„Spin-splitting“ (</a:t>
+            </a:r>
+            <a:r>
+              <a:rPr lang="de-DE" dirty="0" err="1"/>
+              <a:t>magneto</a:t>
+            </a:r>
+            <a:r>
+              <a:rPr lang="de-DE" dirty="0"/>
+              <a:t> </a:t>
+            </a:r>
+            <a:r>
+              <a:rPr lang="de-DE" dirty="0" err="1"/>
+              <a:t>transport</a:t>
+            </a:r>
+            <a:r>
+              <a:rPr lang="de-DE" dirty="0"/>
+              <a:t> </a:t>
+            </a:r>
+            <a:r>
+              <a:rPr lang="de-DE" dirty="0" err="1"/>
+              <a:t>effects</a:t>
+            </a:r>
+            <a:r>
+              <a:rPr lang="de-DE" dirty="0"/>
+              <a:t>).</a:t>
+            </a:r>
+          </a:p>
+          <a:p>
+            <a:pPr lvl="3"/>
+            <a:r>
+              <a:rPr lang="de-DE" dirty="0"/>
+              <a:t>Elektronische Bandeffekte</a:t>
+            </a:r>
+          </a:p>
+          <a:p>
+            <a:endParaRPr lang="de-DE" dirty="0"/>
+          </a:p>
+        </p:txBody>
+      </p:sp>
+    </p:spTree>
+    <p:extLst>
+      <p:ext uri="{BB962C8B-B14F-4D97-AF65-F5344CB8AC3E}">
+        <p14:creationId xmlns:p14="http://schemas.microsoft.com/office/powerpoint/2010/main" val="4266638202"/>
+      </p:ext>
+    </p:extLst>
+  </p:cSld>
+  <p:clrMapOvr>
+    <a:masterClrMapping/>
+  </p:clrMapOvr>
+</p:sld>
+</file>
+
+<file path=ppt/slides/slide3.xml><?xml version="1.0" encoding="utf-8"?>
+<p:sld xmlns:a="http://schemas.openxmlformats.org/drawingml/2006/main" xmlns:r="http://schemas.openxmlformats.org/officeDocument/2006/relationships" xmlns:p="http://schemas.openxmlformats.org/presentationml/2006/main" show="0">
+  <p:cSld>
+    <p:spTree>
+      <p:nvGrpSpPr>
+        <p:cNvPr id="1" name=""/>
+        <p:cNvGrpSpPr/>
+        <p:nvPr/>
+      </p:nvGrpSpPr>
+      <p:grpSpPr>
+        <a:xfrm>
+          <a:off x="0" y="0"/>
+          <a:ext cx="0" cy="0"/>
+          <a:chOff x="0" y="0"/>
+          <a:chExt cx="0" cy="0"/>
+        </a:xfrm>
+      </p:grpSpPr>
+      <p:pic>
+        <p:nvPicPr>
+          <p:cNvPr id="2" name="Bildplatzhalter 17"/>
+          <p:cNvPicPr>
+            <a:picLocks noChangeAspect="1"/>
+          </p:cNvPicPr>
+          <p:nvPr/>
+        </p:nvPicPr>
+        <p:blipFill>
+          <a:blip r:embed="rId2" cstate="print">
+            <a:extLst>
+              <a:ext uri="{28A0092B-C50C-407E-A947-70E740481C1C}">
+                <a14:useLocalDpi xmlns:a14="http://schemas.microsoft.com/office/drawing/2010/main" val="0"/>
+              </a:ext>
+            </a:extLst>
+          </a:blip>
+          <a:srcRect l="12848" r="12848"/>
+          <a:stretch>
+            <a:fillRect/>
+          </a:stretch>
+        </p:blipFill>
+        <p:spPr>
+          <a:xfrm>
+            <a:off x="4819159" y="1989138"/>
+            <a:ext cx="4500184" cy="3240087"/>
+          </a:xfrm>
+          <a:prstGeom prst="rect">
+            <a:avLst/>
+          </a:prstGeom>
+        </p:spPr>
+      </p:pic>
+      <p:sp>
+        <p:nvSpPr>
+          <p:cNvPr id="7" name="Untertitel 2"/>
+          <p:cNvSpPr txBox="1">
+            <a:spLocks/>
+          </p:cNvSpPr>
+          <p:nvPr/>
+        </p:nvSpPr>
+        <p:spPr>
+          <a:xfrm>
+            <a:off x="499572" y="5373687"/>
+            <a:ext cx="5256213" cy="792162"/>
+          </a:xfrm>
+          <a:prstGeom prst="rect">
+            <a:avLst/>
+          </a:prstGeom>
+        </p:spPr>
+        <p:txBody>
+          <a:bodyPr vert="horz" lIns="0" tIns="0" rIns="0" bIns="0" rtlCol="0" anchor="b">
+            <a:noAutofit/>
+          </a:bodyPr>
+          <a:lstStyle>
+            <a:lvl1pPr indent="0">
+              <a:lnSpc>
+                <a:spcPct val="110000"/>
+              </a:lnSpc>
+              <a:spcBef>
+                <a:spcPts val="0"/>
+              </a:spcBef>
+              <a:buFont typeface="Arial" pitchFamily="34" charset="0"/>
+              <a:buNone/>
+              <a:defRPr sz="2000" b="1" u="sng" baseline="0">
+                <a:uFill>
+                  <a:solidFill>
+                    <a:schemeClr val="accent1"/>
+                  </a:solidFill>
+                </a:uFill>
+              </a:defRPr>
+            </a:lvl1pPr>
+            <a:lvl2pPr indent="0" algn="ctr">
+              <a:lnSpc>
+                <a:spcPct val="110000"/>
+              </a:lnSpc>
+              <a:spcBef>
+                <a:spcPts val="0"/>
+              </a:spcBef>
+              <a:buFont typeface="Arial" pitchFamily="34" charset="0"/>
+              <a:buNone/>
+              <a:defRPr sz="1600">
+                <a:solidFill>
+                  <a:schemeClr val="tx1">
+                    <a:tint val="75000"/>
+                  </a:schemeClr>
+                </a:solidFill>
+              </a:defRPr>
+            </a:lvl2pPr>
+            <a:lvl3pPr indent="0" algn="ctr">
+              <a:lnSpc>
+                <a:spcPct val="110000"/>
+              </a:lnSpc>
+              <a:spcBef>
+                <a:spcPts val="0"/>
+              </a:spcBef>
+              <a:buClr>
+                <a:schemeClr val="accent1"/>
+              </a:buClr>
+              <a:buFont typeface="Arial" panose="020B0604020202020204" pitchFamily="34" charset="0"/>
+              <a:buNone/>
+              <a:defRPr sz="1600">
+                <a:solidFill>
+                  <a:schemeClr val="tx1">
+                    <a:tint val="75000"/>
+                  </a:schemeClr>
+                </a:solidFill>
+              </a:defRPr>
+            </a:lvl3pPr>
+            <a:lvl4pPr indent="0" algn="ctr">
+              <a:lnSpc>
+                <a:spcPct val="110000"/>
+              </a:lnSpc>
+              <a:spcBef>
+                <a:spcPts val="0"/>
+              </a:spcBef>
+              <a:buClr>
+                <a:schemeClr val="accent1"/>
+              </a:buClr>
+              <a:buFont typeface="Arial" panose="020B0604020202020204" pitchFamily="34" charset="0"/>
+              <a:buNone/>
+              <a:defRPr sz="1600">
+                <a:solidFill>
+                  <a:schemeClr val="tx1">
+                    <a:tint val="75000"/>
+                  </a:schemeClr>
+                </a:solidFill>
+              </a:defRPr>
+            </a:lvl4pPr>
+            <a:lvl5pPr indent="0" algn="ctr">
+              <a:lnSpc>
+                <a:spcPct val="110000"/>
+              </a:lnSpc>
+              <a:spcBef>
+                <a:spcPts val="0"/>
+              </a:spcBef>
+              <a:buFont typeface="+mj-lt"/>
+              <a:buNone/>
+              <a:defRPr sz="1600" u="sng" baseline="0">
+                <a:solidFill>
+                  <a:schemeClr val="tx1">
+                    <a:tint val="75000"/>
+                  </a:schemeClr>
+                </a:solidFill>
+                <a:uFill>
+                  <a:solidFill>
+                    <a:schemeClr val="accent1"/>
+                  </a:solidFill>
+                </a:uFill>
+              </a:defRPr>
+            </a:lvl5pPr>
+            <a:lvl6pPr indent="0" algn="ctr">
+              <a:lnSpc>
+                <a:spcPct val="110000"/>
+              </a:lnSpc>
+              <a:spcBef>
+                <a:spcPts val="0"/>
+              </a:spcBef>
+              <a:buClr>
+                <a:schemeClr val="accent1"/>
+              </a:buClr>
+              <a:buFont typeface="Arial" panose="020B0604020202020204" pitchFamily="34" charset="0"/>
+              <a:buNone/>
+              <a:defRPr sz="1600" baseline="0">
+                <a:solidFill>
+                  <a:schemeClr val="tx1">
+                    <a:tint val="75000"/>
+                  </a:schemeClr>
+                </a:solidFill>
+              </a:defRPr>
+            </a:lvl6pPr>
+            <a:lvl7pPr indent="0" algn="ctr">
+              <a:lnSpc>
+                <a:spcPct val="110000"/>
+              </a:lnSpc>
+              <a:spcBef>
+                <a:spcPts val="0"/>
+              </a:spcBef>
+              <a:buClr>
+                <a:schemeClr val="accent1"/>
+              </a:buClr>
+              <a:buFont typeface="Arial" panose="020B0604020202020204" pitchFamily="34" charset="0"/>
+              <a:buNone/>
+              <a:defRPr sz="1600" baseline="0">
+                <a:solidFill>
+                  <a:schemeClr val="tx1">
+                    <a:tint val="75000"/>
+                  </a:schemeClr>
+                </a:solidFill>
+              </a:defRPr>
+            </a:lvl7pPr>
+            <a:lvl8pPr indent="0" algn="ctr">
+              <a:lnSpc>
+                <a:spcPct val="110000"/>
+              </a:lnSpc>
+              <a:spcBef>
+                <a:spcPts val="0"/>
+              </a:spcBef>
+              <a:buClr>
+                <a:schemeClr val="accent1"/>
+              </a:buClr>
+              <a:buFont typeface="Arial" panose="020B0604020202020204" pitchFamily="34" charset="0"/>
+              <a:buNone/>
+              <a:tabLst/>
+              <a:defRPr sz="1600" baseline="0">
+                <a:solidFill>
+                  <a:schemeClr val="tx1">
+                    <a:tint val="75000"/>
+                  </a:schemeClr>
+                </a:solidFill>
+              </a:defRPr>
+            </a:lvl8pPr>
+            <a:lvl9pPr indent="0" algn="ctr">
+              <a:lnSpc>
+                <a:spcPct val="110000"/>
+              </a:lnSpc>
+              <a:spcBef>
+                <a:spcPts val="0"/>
+              </a:spcBef>
+              <a:buClr>
+                <a:schemeClr val="accent1"/>
+              </a:buClr>
+              <a:buFont typeface="Arial" panose="020B0604020202020204" pitchFamily="34" charset="0"/>
+              <a:buNone/>
+              <a:defRPr sz="1600" baseline="0">
+                <a:solidFill>
+                  <a:schemeClr val="tx1">
+                    <a:tint val="75000"/>
+                  </a:schemeClr>
+                </a:solidFill>
+              </a:defRPr>
+            </a:lvl9pPr>
+          </a:lstStyle>
+          <a:p>
+            <a:r>
+              <a:rPr lang="de-DE" dirty="0"/>
+              <a:t>Name des Referenten, Arial </a:t>
+            </a:r>
+            <a:r>
+              <a:rPr lang="de-DE" dirty="0" err="1"/>
+              <a:t>Bold</a:t>
+            </a:r>
+            <a:endParaRPr lang="de-DE" dirty="0"/>
+          </a:p>
+          <a:p>
+            <a:r>
+              <a:rPr lang="de-DE" b="0" u="none" dirty="0"/>
+              <a:t>Ort, Datum, Arial Regular</a:t>
+            </a:r>
+          </a:p>
+        </p:txBody>
+      </p:sp>
+      <p:sp>
+        <p:nvSpPr>
+          <p:cNvPr id="9" name="Rechteck 8"/>
+          <p:cNvSpPr>
+            <a:spLocks/>
+          </p:cNvSpPr>
+          <p:nvPr/>
+        </p:nvSpPr>
+        <p:spPr>
+          <a:xfrm>
+            <a:off x="465336" y="2548686"/>
+            <a:ext cx="4657228" cy="574961"/>
+          </a:xfrm>
+          <a:prstGeom prst="rect">
+            <a:avLst/>
+          </a:prstGeom>
+          <a:solidFill>
+            <a:schemeClr val="accent4"/>
+          </a:solidFill>
+          <a:ln>
+            <a:noFill/>
+          </a:ln>
+        </p:spPr>
+        <p:style>
+          <a:lnRef idx="2">
+            <a:schemeClr val="accent1">
+              <a:shade val="50000"/>
+            </a:schemeClr>
+          </a:lnRef>
+          <a:fillRef idx="1">
+            <a:schemeClr val="accent1"/>
+          </a:fillRef>
+          <a:effectRef idx="0">
+            <a:schemeClr val="accent1"/>
+          </a:effectRef>
+          <a:fontRef idx="minor">
+            <a:schemeClr val="lt1"/>
+          </a:fontRef>
+        </p:style>
+        <p:txBody>
+          <a:bodyPr wrap="none" lIns="36000" tIns="18000" rIns="36000" bIns="18000" rtlCol="0" anchor="ctr">
+            <a:spAutoFit/>
+          </a:bodyPr>
+          <a:lstStyle/>
+          <a:p>
+            <a:r>
+              <a:rPr lang="de-DE" sz="3500" b="1" dirty="0">
+                <a:solidFill>
+                  <a:schemeClr val="tx1"/>
+                </a:solidFill>
+              </a:rPr>
+              <a:t>Titel der Präsentation</a:t>
+            </a:r>
+          </a:p>
+        </p:txBody>
+      </p:sp>
+      <p:sp>
+        <p:nvSpPr>
+          <p:cNvPr id="10" name="Rechteck 9"/>
+          <p:cNvSpPr>
+            <a:spLocks/>
+          </p:cNvSpPr>
+          <p:nvPr/>
+        </p:nvSpPr>
+        <p:spPr>
+          <a:xfrm>
+            <a:off x="465336" y="3124686"/>
+            <a:ext cx="4481282" cy="574961"/>
+          </a:xfrm>
+          <a:prstGeom prst="rect">
+            <a:avLst/>
+          </a:prstGeom>
+          <a:solidFill>
+            <a:schemeClr val="accent3"/>
+          </a:solidFill>
+          <a:ln>
+            <a:noFill/>
+          </a:ln>
+        </p:spPr>
+        <p:style>
+          <a:lnRef idx="2">
+            <a:schemeClr val="accent1">
+              <a:shade val="50000"/>
+            </a:schemeClr>
+          </a:lnRef>
+          <a:fillRef idx="1">
+            <a:schemeClr val="accent1"/>
+          </a:fillRef>
+          <a:effectRef idx="0">
+            <a:schemeClr val="accent1"/>
+          </a:effectRef>
+          <a:fontRef idx="minor">
+            <a:schemeClr val="lt1"/>
+          </a:fontRef>
+        </p:style>
+        <p:txBody>
+          <a:bodyPr rot="0" spcFirstLastPara="0" vertOverflow="overflow" horzOverflow="overflow" vert="horz" wrap="none" lIns="36000" tIns="18000" rIns="36000" bIns="18000" numCol="1" spcCol="0" rtlCol="0" fromWordArt="0" anchor="ctr" anchorCtr="0" forceAA="0" compatLnSpc="1">
+            <a:prstTxWarp prst="textNoShape">
+              <a:avLst/>
+            </a:prstTxWarp>
+            <a:spAutoFit/>
+          </a:bodyPr>
+          <a:lstStyle/>
+          <a:p>
+            <a:r>
+              <a:rPr lang="de-DE" sz="3500" b="1" dirty="0">
+                <a:solidFill>
+                  <a:schemeClr val="tx1"/>
+                </a:solidFill>
+              </a:rPr>
+              <a:t>mit Bild, Typografie..</a:t>
+            </a:r>
+          </a:p>
+        </p:txBody>
+      </p:sp>
+      <p:sp>
+        <p:nvSpPr>
+          <p:cNvPr id="11" name="Rechteck 10"/>
+          <p:cNvSpPr>
+            <a:spLocks/>
+          </p:cNvSpPr>
+          <p:nvPr/>
+        </p:nvSpPr>
+        <p:spPr>
+          <a:xfrm>
+            <a:off x="465336" y="4276167"/>
+            <a:ext cx="3394125" cy="574961"/>
+          </a:xfrm>
+          <a:prstGeom prst="rect">
+            <a:avLst/>
+          </a:prstGeom>
+          <a:ln>
+            <a:noFill/>
+          </a:ln>
+        </p:spPr>
+        <p:style>
+          <a:lnRef idx="2">
+            <a:schemeClr val="accent1">
+              <a:shade val="50000"/>
+            </a:schemeClr>
+          </a:lnRef>
+          <a:fillRef idx="1">
+            <a:schemeClr val="accent1"/>
+          </a:fillRef>
+          <a:effectRef idx="0">
+            <a:schemeClr val="accent1"/>
+          </a:effectRef>
+          <a:fontRef idx="minor">
+            <a:schemeClr val="lt1"/>
+          </a:fontRef>
+        </p:style>
+        <p:txBody>
+          <a:bodyPr wrap="none" lIns="36000" tIns="18000" rIns="36000" bIns="18000" rtlCol="0" anchor="ctr">
+            <a:spAutoFit/>
+          </a:bodyPr>
+          <a:lstStyle/>
+          <a:p>
+            <a:r>
+              <a:rPr lang="de-DE" sz="3500" b="1" dirty="0">
+                <a:solidFill>
+                  <a:schemeClr val="tx1"/>
+                </a:solidFill>
+              </a:rPr>
+              <a:t>über vier Zeilen</a:t>
+            </a:r>
+          </a:p>
+        </p:txBody>
+      </p:sp>
+      <p:sp>
+        <p:nvSpPr>
+          <p:cNvPr id="12" name="Rechteck 11"/>
+          <p:cNvSpPr>
+            <a:spLocks/>
+          </p:cNvSpPr>
+          <p:nvPr/>
+        </p:nvSpPr>
+        <p:spPr>
+          <a:xfrm>
+            <a:off x="465336" y="3700686"/>
+            <a:ext cx="4242114" cy="574961"/>
+          </a:xfrm>
+          <a:prstGeom prst="rect">
+            <a:avLst/>
+          </a:prstGeom>
+          <a:solidFill>
+            <a:schemeClr val="accent2"/>
+          </a:solidFill>
+          <a:ln>
+            <a:noFill/>
+          </a:ln>
+        </p:spPr>
+        <p:style>
+          <a:lnRef idx="2">
+            <a:schemeClr val="accent1">
+              <a:shade val="50000"/>
+            </a:schemeClr>
+          </a:lnRef>
+          <a:fillRef idx="1">
+            <a:schemeClr val="accent1"/>
+          </a:fillRef>
+          <a:effectRef idx="0">
+            <a:schemeClr val="accent1"/>
+          </a:effectRef>
+          <a:fontRef idx="minor">
+            <a:schemeClr val="lt1"/>
+          </a:fontRef>
+        </p:style>
+        <p:txBody>
+          <a:bodyPr rot="0" spcFirstLastPara="0" vertOverflow="overflow" horzOverflow="overflow" vert="horz" wrap="none" lIns="36000" tIns="18000" rIns="36000" bIns="18000" numCol="1" spcCol="0" rtlCol="0" fromWordArt="0" anchor="ctr" anchorCtr="0" forceAA="0" compatLnSpc="1">
+            <a:prstTxWarp prst="textNoShape">
+              <a:avLst/>
+            </a:prstTxWarp>
+            <a:spAutoFit/>
+          </a:bodyPr>
+          <a:lstStyle/>
+          <a:p>
+            <a:r>
+              <a:rPr lang="de-DE" sz="3500" b="1" dirty="0">
+                <a:solidFill>
+                  <a:schemeClr val="tx1"/>
+                </a:solidFill>
+              </a:rPr>
+              <a:t>Arial </a:t>
+            </a:r>
+            <a:r>
+              <a:rPr lang="de-DE" sz="3500" b="1" dirty="0" err="1">
+                <a:solidFill>
+                  <a:schemeClr val="tx1"/>
+                </a:solidFill>
+              </a:rPr>
+              <a:t>Bold</a:t>
+            </a:r>
+            <a:r>
+              <a:rPr lang="de-DE" sz="3500" b="1">
+                <a:solidFill>
+                  <a:schemeClr val="tx1"/>
+                </a:solidFill>
+              </a:rPr>
+              <a:t>, maximal</a:t>
+            </a:r>
+            <a:endParaRPr lang="de-DE" sz="3500" b="1" dirty="0">
+              <a:solidFill>
+                <a:schemeClr val="tx1"/>
+              </a:solidFill>
+            </a:endParaRPr>
+          </a:p>
+        </p:txBody>
+      </p:sp>
+    </p:spTree>
+    <p:extLst>
+      <p:ext uri="{BB962C8B-B14F-4D97-AF65-F5344CB8AC3E}">
+        <p14:creationId xmlns:p14="http://schemas.microsoft.com/office/powerpoint/2010/main" val="2162362627"/>
+      </p:ext>
+    </p:extLst>
+  </p:cSld>
+  <p:clrMapOvr>
+    <a:masterClrMapping/>
+  </p:clrMapOvr>
+</p:sld>
+</file>
+
+<file path=ppt/slides/slide30.xml><?xml version="1.0" encoding="utf-8"?>
+<p:sld xmlns:a="http://schemas.openxmlformats.org/drawingml/2006/main" xmlns:r="http://schemas.openxmlformats.org/officeDocument/2006/relationships" xmlns:p="http://schemas.openxmlformats.org/presentationml/2006/main">
+  <p:cSld>
+    <p:spTree>
+      <p:nvGrpSpPr>
+        <p:cNvPr id="1" name=""/>
+        <p:cNvGrpSpPr/>
+        <p:nvPr/>
+      </p:nvGrpSpPr>
+      <p:grpSpPr>
+        <a:xfrm>
+          <a:off x="0" y="0"/>
+          <a:ext cx="0" cy="0"/>
+          <a:chOff x="0" y="0"/>
+          <a:chExt cx="0" cy="0"/>
+        </a:xfrm>
+      </p:grpSpPr>
+      <p:sp>
+        <p:nvSpPr>
+          <p:cNvPr id="2" name="Titel 1"/>
+          <p:cNvSpPr>
+            <a:spLocks noGrp="1"/>
+          </p:cNvSpPr>
+          <p:nvPr>
+            <p:ph type="title"/>
+          </p:nvPr>
+        </p:nvSpPr>
+        <p:spPr/>
+        <p:txBody>
+          <a:bodyPr/>
+          <a:lstStyle/>
+          <a:p>
+            <a:r>
+              <a:rPr lang="de-DE" dirty="0"/>
+              <a:t>Phasen des Magnetismus</a:t>
+            </a:r>
+          </a:p>
+        </p:txBody>
+      </p:sp>
+      <p:sp>
+        <p:nvSpPr>
+          <p:cNvPr id="3" name="Inhaltsplatzhalter 2"/>
+          <p:cNvSpPr>
+            <a:spLocks noGrp="1"/>
+          </p:cNvSpPr>
+          <p:nvPr>
+            <p:ph sz="half" idx="1"/>
+          </p:nvPr>
+        </p:nvSpPr>
+        <p:spPr>
+          <a:xfrm>
+            <a:off x="431799" y="1484785"/>
+            <a:ext cx="3191993" cy="4608042"/>
+          </a:xfrm>
+        </p:spPr>
+        <p:txBody>
+          <a:bodyPr/>
+          <a:lstStyle/>
+          <a:p>
+            <a:r>
+              <a:rPr lang="de-DE" dirty="0"/>
+              <a:t>Ferromagnetismus</a:t>
+            </a:r>
+          </a:p>
+          <a:p>
+            <a:endParaRPr lang="de-DE" dirty="0"/>
+          </a:p>
+          <a:p>
+            <a:pPr lvl="1"/>
+            <a:endParaRPr lang="de-DE" dirty="0"/>
+          </a:p>
+          <a:p>
+            <a:endParaRPr lang="de-DE" dirty="0"/>
+          </a:p>
+          <a:p>
+            <a:endParaRPr lang="de-DE" dirty="0"/>
+          </a:p>
+          <a:p>
+            <a:pPr lvl="2"/>
+            <a:endParaRPr lang="de-DE" dirty="0"/>
+          </a:p>
+          <a:p>
+            <a:pPr lvl="2"/>
+            <a:endParaRPr lang="de-DE" dirty="0"/>
+          </a:p>
+          <a:p>
+            <a:pPr lvl="2"/>
+            <a:endParaRPr lang="de-DE" dirty="0"/>
+          </a:p>
+          <a:p>
+            <a:pPr lvl="2"/>
+            <a:endParaRPr lang="de-DE" dirty="0"/>
+          </a:p>
+          <a:p>
+            <a:pPr lvl="2"/>
+            <a:r>
+              <a:rPr lang="de-DE" dirty="0"/>
+              <a:t>Starke Magnetisierung</a:t>
+            </a:r>
+          </a:p>
+          <a:p>
+            <a:pPr lvl="2"/>
+            <a:r>
+              <a:rPr lang="de-DE" dirty="0"/>
               <a:t>Keine Time-</a:t>
             </a:r>
             <a:r>
@@ -35059,7 +35939,7 @@
             <a:fld id="{C05EE493-AD2E-4872-B2F6-8F12A747F0A5}" type="slidenum">
               <a:rPr lang="de-DE" smtClean="0"/>
               <a:pPr/>
-              <a:t>29</a:t>
+              <a:t>30</a:t>
             </a:fld>
             <a:endParaRPr lang="de-DE" dirty="0"/>
           </a:p>
@@ -35976,535 +36856,7 @@
 </p:sld>
 </file>
 
-<file path=ppt/slides/slide3.xml><?xml version="1.0" encoding="utf-8"?>
-<p:sld xmlns:a="http://schemas.openxmlformats.org/drawingml/2006/main" xmlns:r="http://schemas.openxmlformats.org/officeDocument/2006/relationships" xmlns:p="http://schemas.openxmlformats.org/presentationml/2006/main" show="0">
-  <p:cSld>
-    <p:spTree>
-      <p:nvGrpSpPr>
-        <p:cNvPr id="1" name=""/>
-        <p:cNvGrpSpPr/>
-        <p:nvPr/>
-      </p:nvGrpSpPr>
-      <p:grpSpPr>
-        <a:xfrm>
-          <a:off x="0" y="0"/>
-          <a:ext cx="0" cy="0"/>
-          <a:chOff x="0" y="0"/>
-          <a:chExt cx="0" cy="0"/>
-        </a:xfrm>
-      </p:grpSpPr>
-      <p:pic>
-        <p:nvPicPr>
-          <p:cNvPr id="2" name="Bildplatzhalter 17"/>
-          <p:cNvPicPr>
-            <a:picLocks noChangeAspect="1"/>
-          </p:cNvPicPr>
-          <p:nvPr/>
-        </p:nvPicPr>
-        <p:blipFill>
-          <a:blip r:embed="rId2" cstate="print">
-            <a:extLst>
-              <a:ext uri="{28A0092B-C50C-407E-A947-70E740481C1C}">
-                <a14:useLocalDpi xmlns:a14="http://schemas.microsoft.com/office/drawing/2010/main" val="0"/>
-              </a:ext>
-            </a:extLst>
-          </a:blip>
-          <a:srcRect l="12848" r="12848"/>
-          <a:stretch>
-            <a:fillRect/>
-          </a:stretch>
-        </p:blipFill>
-        <p:spPr>
-          <a:xfrm>
-            <a:off x="4819159" y="1989138"/>
-            <a:ext cx="4500184" cy="3240087"/>
-          </a:xfrm>
-          <a:prstGeom prst="rect">
-            <a:avLst/>
-          </a:prstGeom>
-        </p:spPr>
-      </p:pic>
-      <p:sp>
-        <p:nvSpPr>
-          <p:cNvPr id="7" name="Untertitel 2"/>
-          <p:cNvSpPr txBox="1">
-            <a:spLocks/>
-          </p:cNvSpPr>
-          <p:nvPr/>
-        </p:nvSpPr>
-        <p:spPr>
-          <a:xfrm>
-            <a:off x="499572" y="5373687"/>
-            <a:ext cx="5256213" cy="792162"/>
-          </a:xfrm>
-          <a:prstGeom prst="rect">
-            <a:avLst/>
-          </a:prstGeom>
-        </p:spPr>
-        <p:txBody>
-          <a:bodyPr vert="horz" lIns="0" tIns="0" rIns="0" bIns="0" rtlCol="0" anchor="b">
-            <a:noAutofit/>
-          </a:bodyPr>
-          <a:lstStyle>
-            <a:lvl1pPr indent="0">
-              <a:lnSpc>
-                <a:spcPct val="110000"/>
-              </a:lnSpc>
-              <a:spcBef>
-                <a:spcPts val="0"/>
-              </a:spcBef>
-              <a:buFont typeface="Arial" pitchFamily="34" charset="0"/>
-              <a:buNone/>
-              <a:defRPr sz="2000" b="1" u="sng" baseline="0">
-                <a:uFill>
-                  <a:solidFill>
-                    <a:schemeClr val="accent1"/>
-                  </a:solidFill>
-                </a:uFill>
-              </a:defRPr>
-            </a:lvl1pPr>
-            <a:lvl2pPr indent="0" algn="ctr">
-              <a:lnSpc>
-                <a:spcPct val="110000"/>
-              </a:lnSpc>
-              <a:spcBef>
-                <a:spcPts val="0"/>
-              </a:spcBef>
-              <a:buFont typeface="Arial" pitchFamily="34" charset="0"/>
-              <a:buNone/>
-              <a:defRPr sz="1600">
-                <a:solidFill>
-                  <a:schemeClr val="tx1">
-                    <a:tint val="75000"/>
-                  </a:schemeClr>
-                </a:solidFill>
-              </a:defRPr>
-            </a:lvl2pPr>
-            <a:lvl3pPr indent="0" algn="ctr">
-              <a:lnSpc>
-                <a:spcPct val="110000"/>
-              </a:lnSpc>
-              <a:spcBef>
-                <a:spcPts val="0"/>
-              </a:spcBef>
-              <a:buClr>
-                <a:schemeClr val="accent1"/>
-              </a:buClr>
-              <a:buFont typeface="Arial" panose="020B0604020202020204" pitchFamily="34" charset="0"/>
-              <a:buNone/>
-              <a:defRPr sz="1600">
-                <a:solidFill>
-                  <a:schemeClr val="tx1">
-                    <a:tint val="75000"/>
-                  </a:schemeClr>
-                </a:solidFill>
-              </a:defRPr>
-            </a:lvl3pPr>
-            <a:lvl4pPr indent="0" algn="ctr">
-              <a:lnSpc>
-                <a:spcPct val="110000"/>
-              </a:lnSpc>
-              <a:spcBef>
-                <a:spcPts val="0"/>
-              </a:spcBef>
-              <a:buClr>
-                <a:schemeClr val="accent1"/>
-              </a:buClr>
-              <a:buFont typeface="Arial" panose="020B0604020202020204" pitchFamily="34" charset="0"/>
-              <a:buNone/>
-              <a:defRPr sz="1600">
-                <a:solidFill>
-                  <a:schemeClr val="tx1">
-                    <a:tint val="75000"/>
-                  </a:schemeClr>
-                </a:solidFill>
-              </a:defRPr>
-            </a:lvl4pPr>
-            <a:lvl5pPr indent="0" algn="ctr">
-              <a:lnSpc>
-                <a:spcPct val="110000"/>
-              </a:lnSpc>
-              <a:spcBef>
-                <a:spcPts val="0"/>
-              </a:spcBef>
-              <a:buFont typeface="+mj-lt"/>
-              <a:buNone/>
-              <a:defRPr sz="1600" u="sng" baseline="0">
-                <a:solidFill>
-                  <a:schemeClr val="tx1">
-                    <a:tint val="75000"/>
-                  </a:schemeClr>
-                </a:solidFill>
-                <a:uFill>
-                  <a:solidFill>
-                    <a:schemeClr val="accent1"/>
-                  </a:solidFill>
-                </a:uFill>
-              </a:defRPr>
-            </a:lvl5pPr>
-            <a:lvl6pPr indent="0" algn="ctr">
-              <a:lnSpc>
-                <a:spcPct val="110000"/>
-              </a:lnSpc>
-              <a:spcBef>
-                <a:spcPts val="0"/>
-              </a:spcBef>
-              <a:buClr>
-                <a:schemeClr val="accent1"/>
-              </a:buClr>
-              <a:buFont typeface="Arial" panose="020B0604020202020204" pitchFamily="34" charset="0"/>
-              <a:buNone/>
-              <a:defRPr sz="1600" baseline="0">
-                <a:solidFill>
-                  <a:schemeClr val="tx1">
-                    <a:tint val="75000"/>
-                  </a:schemeClr>
-                </a:solidFill>
-              </a:defRPr>
-            </a:lvl6pPr>
-            <a:lvl7pPr indent="0" algn="ctr">
-              <a:lnSpc>
-                <a:spcPct val="110000"/>
-              </a:lnSpc>
-              <a:spcBef>
-                <a:spcPts val="0"/>
-              </a:spcBef>
-              <a:buClr>
-                <a:schemeClr val="accent1"/>
-              </a:buClr>
-              <a:buFont typeface="Arial" panose="020B0604020202020204" pitchFamily="34" charset="0"/>
-              <a:buNone/>
-              <a:defRPr sz="1600" baseline="0">
-                <a:solidFill>
-                  <a:schemeClr val="tx1">
-                    <a:tint val="75000"/>
-                  </a:schemeClr>
-                </a:solidFill>
-              </a:defRPr>
-            </a:lvl7pPr>
-            <a:lvl8pPr indent="0" algn="ctr">
-              <a:lnSpc>
-                <a:spcPct val="110000"/>
-              </a:lnSpc>
-              <a:spcBef>
-                <a:spcPts val="0"/>
-              </a:spcBef>
-              <a:buClr>
-                <a:schemeClr val="accent1"/>
-              </a:buClr>
-              <a:buFont typeface="Arial" panose="020B0604020202020204" pitchFamily="34" charset="0"/>
-              <a:buNone/>
-              <a:tabLst/>
-              <a:defRPr sz="1600" baseline="0">
-                <a:solidFill>
-                  <a:schemeClr val="tx1">
-                    <a:tint val="75000"/>
-                  </a:schemeClr>
-                </a:solidFill>
-              </a:defRPr>
-            </a:lvl8pPr>
-            <a:lvl9pPr indent="0" algn="ctr">
-              <a:lnSpc>
-                <a:spcPct val="110000"/>
-              </a:lnSpc>
-              <a:spcBef>
-                <a:spcPts val="0"/>
-              </a:spcBef>
-              <a:buClr>
-                <a:schemeClr val="accent1"/>
-              </a:buClr>
-              <a:buFont typeface="Arial" panose="020B0604020202020204" pitchFamily="34" charset="0"/>
-              <a:buNone/>
-              <a:defRPr sz="1600" baseline="0">
-                <a:solidFill>
-                  <a:schemeClr val="tx1">
-                    <a:tint val="75000"/>
-                  </a:schemeClr>
-                </a:solidFill>
-              </a:defRPr>
-            </a:lvl9pPr>
-          </a:lstStyle>
-          <a:p>
-            <a:r>
-              <a:rPr lang="de-DE" dirty="0"/>
-              <a:t>Name des Referenten, Arial </a:t>
-            </a:r>
-            <a:r>
-              <a:rPr lang="de-DE" dirty="0" err="1"/>
-              <a:t>Bold</a:t>
-            </a:r>
-            <a:endParaRPr lang="de-DE" dirty="0"/>
-          </a:p>
-          <a:p>
-            <a:r>
-              <a:rPr lang="de-DE" b="0" u="none" dirty="0"/>
-              <a:t>Ort, Datum, Arial Regular</a:t>
-            </a:r>
-          </a:p>
-        </p:txBody>
-      </p:sp>
-      <p:sp>
-        <p:nvSpPr>
-          <p:cNvPr id="9" name="Rechteck 8"/>
-          <p:cNvSpPr>
-            <a:spLocks/>
-          </p:cNvSpPr>
-          <p:nvPr/>
-        </p:nvSpPr>
-        <p:spPr>
-          <a:xfrm>
-            <a:off x="465336" y="2548686"/>
-            <a:ext cx="4657228" cy="574961"/>
-          </a:xfrm>
-          <a:prstGeom prst="rect">
-            <a:avLst/>
-          </a:prstGeom>
-          <a:solidFill>
-            <a:schemeClr val="accent4"/>
-          </a:solidFill>
-          <a:ln>
-            <a:noFill/>
-          </a:ln>
-        </p:spPr>
-        <p:style>
-          <a:lnRef idx="2">
-            <a:schemeClr val="accent1">
-              <a:shade val="50000"/>
-            </a:schemeClr>
-          </a:lnRef>
-          <a:fillRef idx="1">
-            <a:schemeClr val="accent1"/>
-          </a:fillRef>
-          <a:effectRef idx="0">
-            <a:schemeClr val="accent1"/>
-          </a:effectRef>
-          <a:fontRef idx="minor">
-            <a:schemeClr val="lt1"/>
-          </a:fontRef>
-        </p:style>
-        <p:txBody>
-          <a:bodyPr wrap="none" lIns="36000" tIns="18000" rIns="36000" bIns="18000" rtlCol="0" anchor="ctr">
-            <a:spAutoFit/>
-          </a:bodyPr>
-          <a:lstStyle/>
-          <a:p>
-            <a:r>
-              <a:rPr lang="de-DE" sz="3500" b="1" dirty="0">
-                <a:solidFill>
-                  <a:schemeClr val="tx1"/>
-                </a:solidFill>
-              </a:rPr>
-              <a:t>Titel der Präsentation</a:t>
-            </a:r>
-          </a:p>
-        </p:txBody>
-      </p:sp>
-      <p:sp>
-        <p:nvSpPr>
-          <p:cNvPr id="10" name="Rechteck 9"/>
-          <p:cNvSpPr>
-            <a:spLocks/>
-          </p:cNvSpPr>
-          <p:nvPr/>
-        </p:nvSpPr>
-        <p:spPr>
-          <a:xfrm>
-            <a:off x="465336" y="3124686"/>
-            <a:ext cx="4481282" cy="574961"/>
-          </a:xfrm>
-          <a:prstGeom prst="rect">
-            <a:avLst/>
-          </a:prstGeom>
-          <a:solidFill>
-            <a:schemeClr val="accent3"/>
-          </a:solidFill>
-          <a:ln>
-            <a:noFill/>
-          </a:ln>
-        </p:spPr>
-        <p:style>
-          <a:lnRef idx="2">
-            <a:schemeClr val="accent1">
-              <a:shade val="50000"/>
-            </a:schemeClr>
-          </a:lnRef>
-          <a:fillRef idx="1">
-            <a:schemeClr val="accent1"/>
-          </a:fillRef>
-          <a:effectRef idx="0">
-            <a:schemeClr val="accent1"/>
-          </a:effectRef>
-          <a:fontRef idx="minor">
-            <a:schemeClr val="lt1"/>
-          </a:fontRef>
-        </p:style>
-        <p:txBody>
-          <a:bodyPr rot="0" spcFirstLastPara="0" vertOverflow="overflow" horzOverflow="overflow" vert="horz" wrap="none" lIns="36000" tIns="18000" rIns="36000" bIns="18000" numCol="1" spcCol="0" rtlCol="0" fromWordArt="0" anchor="ctr" anchorCtr="0" forceAA="0" compatLnSpc="1">
-            <a:prstTxWarp prst="textNoShape">
-              <a:avLst/>
-            </a:prstTxWarp>
-            <a:spAutoFit/>
-          </a:bodyPr>
-          <a:lstStyle/>
-          <a:p>
-            <a:r>
-              <a:rPr lang="de-DE" sz="3500" b="1" dirty="0">
-                <a:solidFill>
-                  <a:schemeClr val="tx1"/>
-                </a:solidFill>
-              </a:rPr>
-              <a:t>mit Bild, Typografie..</a:t>
-            </a:r>
-          </a:p>
-        </p:txBody>
-      </p:sp>
-      <p:sp>
-        <p:nvSpPr>
-          <p:cNvPr id="11" name="Rechteck 10"/>
-          <p:cNvSpPr>
-            <a:spLocks/>
-          </p:cNvSpPr>
-          <p:nvPr/>
-        </p:nvSpPr>
-        <p:spPr>
-          <a:xfrm>
-            <a:off x="465336" y="4276167"/>
-            <a:ext cx="3394125" cy="574961"/>
-          </a:xfrm>
-          <a:prstGeom prst="rect">
-            <a:avLst/>
-          </a:prstGeom>
-          <a:ln>
-            <a:noFill/>
-          </a:ln>
-        </p:spPr>
-        <p:style>
-          <a:lnRef idx="2">
-            <a:schemeClr val="accent1">
-              <a:shade val="50000"/>
-            </a:schemeClr>
-          </a:lnRef>
-          <a:fillRef idx="1">
-            <a:schemeClr val="accent1"/>
-          </a:fillRef>
-          <a:effectRef idx="0">
-            <a:schemeClr val="accent1"/>
-          </a:effectRef>
-          <a:fontRef idx="minor">
-            <a:schemeClr val="lt1"/>
-          </a:fontRef>
-        </p:style>
-        <p:txBody>
-          <a:bodyPr wrap="none" lIns="36000" tIns="18000" rIns="36000" bIns="18000" rtlCol="0" anchor="ctr">
-            <a:spAutoFit/>
-          </a:bodyPr>
-          <a:lstStyle/>
-          <a:p>
-            <a:r>
-              <a:rPr lang="de-DE" sz="3500" b="1" dirty="0">
-                <a:solidFill>
-                  <a:schemeClr val="tx1"/>
-                </a:solidFill>
-              </a:rPr>
-              <a:t>über vier Zeilen</a:t>
-            </a:r>
-          </a:p>
-        </p:txBody>
-      </p:sp>
-      <p:sp>
-        <p:nvSpPr>
-          <p:cNvPr id="12" name="Rechteck 11"/>
-          <p:cNvSpPr>
-            <a:spLocks/>
-          </p:cNvSpPr>
-          <p:nvPr/>
-        </p:nvSpPr>
-        <p:spPr>
-          <a:xfrm>
-            <a:off x="465336" y="3700686"/>
-            <a:ext cx="4242114" cy="574961"/>
-          </a:xfrm>
-          <a:prstGeom prst="rect">
-            <a:avLst/>
-          </a:prstGeom>
-          <a:solidFill>
-            <a:schemeClr val="accent2"/>
-          </a:solidFill>
-          <a:ln>
-            <a:noFill/>
-          </a:ln>
-        </p:spPr>
-        <p:style>
-          <a:lnRef idx="2">
-            <a:schemeClr val="accent1">
-              <a:shade val="50000"/>
-            </a:schemeClr>
-          </a:lnRef>
-          <a:fillRef idx="1">
-            <a:schemeClr val="accent1"/>
-          </a:fillRef>
-          <a:effectRef idx="0">
-            <a:schemeClr val="accent1"/>
-          </a:effectRef>
-          <a:fontRef idx="minor">
-            <a:schemeClr val="lt1"/>
-          </a:fontRef>
-        </p:style>
-        <p:txBody>
-          <a:bodyPr rot="0" spcFirstLastPara="0" vertOverflow="overflow" horzOverflow="overflow" vert="horz" wrap="none" lIns="36000" tIns="18000" rIns="36000" bIns="18000" numCol="1" spcCol="0" rtlCol="0" fromWordArt="0" anchor="ctr" anchorCtr="0" forceAA="0" compatLnSpc="1">
-            <a:prstTxWarp prst="textNoShape">
-              <a:avLst/>
-            </a:prstTxWarp>
-            <a:spAutoFit/>
-          </a:bodyPr>
-          <a:lstStyle/>
-          <a:p>
-            <a:r>
-              <a:rPr lang="de-DE" sz="3500" b="1" dirty="0">
-                <a:solidFill>
-                  <a:schemeClr val="tx1"/>
-                </a:solidFill>
-              </a:rPr>
-              <a:t>Arial </a:t>
-            </a:r>
-            <a:r>
-              <a:rPr lang="de-DE" sz="3500" b="1" dirty="0" err="1">
-                <a:solidFill>
-                  <a:schemeClr val="tx1"/>
-                </a:solidFill>
-              </a:rPr>
-              <a:t>Bold</a:t>
-            </a:r>
-            <a:r>
-              <a:rPr lang="de-DE" sz="3500" b="1">
-                <a:solidFill>
-                  <a:schemeClr val="tx1"/>
-                </a:solidFill>
-              </a:rPr>
-              <a:t>, maximal</a:t>
-            </a:r>
-            <a:endParaRPr lang="de-DE" sz="3500" b="1" dirty="0">
-              <a:solidFill>
-                <a:schemeClr val="tx1"/>
-              </a:solidFill>
-            </a:endParaRPr>
-          </a:p>
-        </p:txBody>
-      </p:sp>
-    </p:spTree>
-    <p:extLst>
-      <p:ext uri="{BB962C8B-B14F-4D97-AF65-F5344CB8AC3E}">
-        <p14:creationId xmlns:p14="http://schemas.microsoft.com/office/powerpoint/2010/main" val="2162362627"/>
-      </p:ext>
-    </p:extLst>
-  </p:cSld>
-  <p:clrMapOvr>
-    <a:masterClrMapping/>
-  </p:clrMapOvr>
-</p:sld>
-</file>
-
-<file path=ppt/slides/slide30.xml><?xml version="1.0" encoding="utf-8"?>
+<file path=ppt/slides/slide31.xml><?xml version="1.0" encoding="utf-8"?>
 <p:sld xmlns:a="http://schemas.openxmlformats.org/drawingml/2006/main" xmlns:r="http://schemas.openxmlformats.org/officeDocument/2006/relationships" xmlns:p="http://schemas.openxmlformats.org/presentationml/2006/main">
   <p:cSld>
     <p:spTree>
@@ -36656,7 +37008,7 @@
             <a:fld id="{C05EE493-AD2E-4872-B2F6-8F12A747F0A5}" type="slidenum">
               <a:rPr lang="de-DE" smtClean="0"/>
               <a:pPr/>
-              <a:t>30</a:t>
+              <a:t>31</a:t>
             </a:fld>
             <a:endParaRPr lang="de-DE" dirty="0"/>
           </a:p>
@@ -37366,311 +37718,6 @@
 </p:sld>
 </file>
 
-<file path=ppt/slides/slide31.xml><?xml version="1.0" encoding="utf-8"?>
-<p:sld xmlns:a="http://schemas.openxmlformats.org/drawingml/2006/main" xmlns:r="http://schemas.openxmlformats.org/officeDocument/2006/relationships" xmlns:p="http://schemas.openxmlformats.org/presentationml/2006/main">
-  <p:cSld>
-    <p:spTree>
-      <p:nvGrpSpPr>
-        <p:cNvPr id="1" name=""/>
-        <p:cNvGrpSpPr/>
-        <p:nvPr/>
-      </p:nvGrpSpPr>
-      <p:grpSpPr>
-        <a:xfrm>
-          <a:off x="0" y="0"/>
-          <a:ext cx="0" cy="0"/>
-          <a:chOff x="0" y="0"/>
-          <a:chExt cx="0" cy="0"/>
-        </a:xfrm>
-      </p:grpSpPr>
-      <p:sp>
-        <p:nvSpPr>
-          <p:cNvPr id="2" name="Titel 1"/>
-          <p:cNvSpPr>
-            <a:spLocks noGrp="1"/>
-          </p:cNvSpPr>
-          <p:nvPr>
-            <p:ph type="title"/>
-          </p:nvPr>
-        </p:nvSpPr>
-        <p:spPr/>
-        <p:txBody>
-          <a:bodyPr/>
-          <a:lstStyle/>
-          <a:p>
-            <a:r>
-              <a:rPr lang="de-DE" dirty="0" err="1"/>
-              <a:t>Altermagnetismus</a:t>
-            </a:r>
-            <a:endParaRPr lang="de-DE" dirty="0"/>
-          </a:p>
-        </p:txBody>
-      </p:sp>
-      <p:sp>
-        <p:nvSpPr>
-          <p:cNvPr id="3" name="Inhaltsplatzhalter 2"/>
-          <p:cNvSpPr>
-            <a:spLocks noGrp="1"/>
-          </p:cNvSpPr>
-          <p:nvPr>
-            <p:ph idx="1"/>
-          </p:nvPr>
-        </p:nvSpPr>
-        <p:spPr>
-          <a:xfrm>
-            <a:off x="431800" y="1988841"/>
-            <a:ext cx="6312272" cy="4103985"/>
-          </a:xfrm>
-        </p:spPr>
-        <p:txBody>
-          <a:bodyPr/>
-          <a:lstStyle/>
-          <a:p>
-            <a:r>
-              <a:rPr lang="de-DE" dirty="0"/>
-              <a:t>Analogie</a:t>
-            </a:r>
-          </a:p>
-          <a:p>
-            <a:endParaRPr lang="de-DE" dirty="0"/>
-          </a:p>
-          <a:p>
-            <a:pPr lvl="1"/>
-            <a:r>
-              <a:rPr lang="de-DE" dirty="0"/>
-              <a:t>Bereits in 2009 wurden d-wellen für Magnete aus einer Analogie zu Supraleitern vorhergesagt</a:t>
-            </a:r>
-          </a:p>
-          <a:p>
-            <a:endParaRPr lang="de-DE" dirty="0"/>
-          </a:p>
-          <a:p>
-            <a:r>
-              <a:rPr lang="de-DE" dirty="0"/>
-              <a:t>Weitere Eigenschaften</a:t>
-            </a:r>
-          </a:p>
-          <a:p>
-            <a:pPr marL="0" lvl="2" indent="0">
-              <a:buNone/>
-            </a:pPr>
-            <a:endParaRPr lang="de-DE" dirty="0"/>
-          </a:p>
-          <a:p>
-            <a:pPr lvl="2"/>
-            <a:r>
-              <a:rPr lang="de-DE" dirty="0"/>
-              <a:t>Aufteilung der Transformationen auf Gitter und Spin Transformationen [R_S||R_G]</a:t>
-            </a:r>
-          </a:p>
-          <a:p>
-            <a:pPr lvl="2"/>
-            <a:r>
-              <a:rPr lang="de-DE" dirty="0"/>
-              <a:t>Beachtung der nichtmagnetischen Atome für die Symmetrien </a:t>
-            </a:r>
-          </a:p>
-          <a:p>
-            <a:pPr lvl="2"/>
-            <a:r>
-              <a:rPr lang="de-DE" dirty="0"/>
-              <a:t>Robuste Zustände</a:t>
-            </a:r>
-          </a:p>
-          <a:p>
-            <a:pPr lvl="2"/>
-            <a:r>
-              <a:rPr lang="de-DE" dirty="0"/>
-              <a:t>Wird in vielen Materialien vermutet</a:t>
-            </a:r>
-          </a:p>
-          <a:p>
-            <a:pPr lvl="3"/>
-            <a:r>
-              <a:rPr lang="de-DE" dirty="0" err="1"/>
-              <a:t>Isolatoren,Leiter</a:t>
-            </a:r>
-            <a:r>
-              <a:rPr lang="de-DE" dirty="0"/>
-              <a:t> und Supraleitern</a:t>
-            </a:r>
-          </a:p>
-          <a:p>
-            <a:pPr lvl="3"/>
-            <a:endParaRPr lang="de-DE" dirty="0"/>
-          </a:p>
-        </p:txBody>
-      </p:sp>
-      <p:sp>
-        <p:nvSpPr>
-          <p:cNvPr id="7" name="Fußzeilenplatzhalter 4"/>
-          <p:cNvSpPr>
-            <a:spLocks noGrp="1"/>
-          </p:cNvSpPr>
-          <p:nvPr>
-            <p:ph type="ftr" sz="quarter" idx="3"/>
-          </p:nvPr>
-        </p:nvSpPr>
-        <p:spPr>
-          <a:xfrm>
-            <a:off x="3313113" y="6453336"/>
-            <a:ext cx="4247802" cy="216024"/>
-          </a:xfrm>
-        </p:spPr>
-        <p:txBody>
-          <a:bodyPr/>
-          <a:lstStyle/>
-          <a:p>
-            <a:r>
-              <a:rPr lang="de-DE" sz="900"/>
-              <a:t>Magnetisum und Altermagnetismus</a:t>
-            </a:r>
-            <a:endParaRPr lang="de-DE" sz="900" dirty="0"/>
-          </a:p>
-        </p:txBody>
-      </p:sp>
-      <p:sp>
-        <p:nvSpPr>
-          <p:cNvPr id="8" name="Foliennummernplatzhalter 5"/>
-          <p:cNvSpPr>
-            <a:spLocks noGrp="1"/>
-          </p:cNvSpPr>
-          <p:nvPr>
-            <p:ph type="sldNum" sz="quarter" idx="4"/>
-          </p:nvPr>
-        </p:nvSpPr>
-        <p:spPr>
-          <a:xfrm>
-            <a:off x="479376" y="6453336"/>
-            <a:ext cx="935038" cy="216024"/>
-          </a:xfrm>
-        </p:spPr>
-        <p:txBody>
-          <a:bodyPr/>
-          <a:lstStyle/>
-          <a:p>
-            <a:fld id="{C05EE493-AD2E-4872-B2F6-8F12A747F0A5}" type="slidenum">
-              <a:rPr lang="de-DE" sz="900"/>
-              <a:pPr/>
-              <a:t>31</a:t>
-            </a:fld>
-            <a:endParaRPr lang="de-DE" sz="900" dirty="0"/>
-          </a:p>
-        </p:txBody>
-      </p:sp>
-      <p:sp>
-        <p:nvSpPr>
-          <p:cNvPr id="9" name="Datumsplatzhalter 3"/>
-          <p:cNvSpPr>
-            <a:spLocks noGrp="1"/>
-          </p:cNvSpPr>
-          <p:nvPr>
-            <p:ph type="dt" sz="half" idx="2"/>
-          </p:nvPr>
-        </p:nvSpPr>
-        <p:spPr>
-          <a:xfrm>
-            <a:off x="1871663" y="6453336"/>
-            <a:ext cx="936626" cy="216024"/>
-          </a:xfrm>
-        </p:spPr>
-        <p:txBody>
-          <a:bodyPr/>
-          <a:lstStyle/>
-          <a:p>
-            <a:r>
-              <a:rPr lang="de-DE" sz="900"/>
-              <a:t>07.06.2024</a:t>
-            </a:r>
-            <a:endParaRPr lang="de-DE" sz="900" dirty="0"/>
-          </a:p>
-        </p:txBody>
-      </p:sp>
-      <p:pic>
-        <p:nvPicPr>
-          <p:cNvPr id="4" name="Grafik 3" descr="Ein Bild, das Kreative Künste, Bastelei, Origami enthält.&#10;&#10;Automatisch generierte Beschreibung">
-            <a:extLst>
-              <a:ext uri="{FF2B5EF4-FFF2-40B4-BE49-F238E27FC236}">
-                <a16:creationId xmlns:a16="http://schemas.microsoft.com/office/drawing/2014/main" id="{1086F595-587D-41EB-FEA5-5F28EA38C650}"/>
-              </a:ext>
-            </a:extLst>
-          </p:cNvPr>
-          <p:cNvPicPr>
-            <a:picLocks noChangeAspect="1"/>
-          </p:cNvPicPr>
-          <p:nvPr/>
-        </p:nvPicPr>
-        <p:blipFill>
-          <a:blip r:embed="rId2" cstate="print">
-            <a:extLst>
-              <a:ext uri="{28A0092B-C50C-407E-A947-70E740481C1C}">
-                <a14:useLocalDpi xmlns:a14="http://schemas.microsoft.com/office/drawing/2010/main" val="0"/>
-              </a:ext>
-            </a:extLst>
-          </a:blip>
-          <a:stretch>
-            <a:fillRect/>
-          </a:stretch>
-        </p:blipFill>
-        <p:spPr>
-          <a:xfrm>
-            <a:off x="7826687" y="686801"/>
-            <a:ext cx="2868639" cy="1883998"/>
-          </a:xfrm>
-          <a:prstGeom prst="rect">
-            <a:avLst/>
-          </a:prstGeom>
-        </p:spPr>
-      </p:pic>
-      <p:pic>
-        <p:nvPicPr>
-          <p:cNvPr id="6" name="Grafik 5" descr="Ein Bild, das Screenshot, Farbigkeit, Diagramm, Kreis enthält.&#10;&#10;Automatisch generierte Beschreibung">
-            <a:extLst>
-              <a:ext uri="{FF2B5EF4-FFF2-40B4-BE49-F238E27FC236}">
-                <a16:creationId xmlns:a16="http://schemas.microsoft.com/office/drawing/2014/main" id="{F76086D5-39AE-DCE1-4CEF-9412711C9C12}"/>
-              </a:ext>
-            </a:extLst>
-          </p:cNvPr>
-          <p:cNvPicPr>
-            <a:picLocks noChangeAspect="1"/>
-          </p:cNvPicPr>
-          <p:nvPr/>
-        </p:nvPicPr>
-        <p:blipFill>
-          <a:blip r:embed="rId3">
-            <a:extLst>
-              <a:ext uri="{28A0092B-C50C-407E-A947-70E740481C1C}">
-                <a14:useLocalDpi xmlns:a14="http://schemas.microsoft.com/office/drawing/2010/main" val="0"/>
-              </a:ext>
-            </a:extLst>
-          </a:blip>
-          <a:stretch>
-            <a:fillRect/>
-          </a:stretch>
-        </p:blipFill>
-        <p:spPr>
-          <a:xfrm>
-            <a:off x="7583204" y="3284984"/>
-            <a:ext cx="3355606" cy="2160238"/>
-          </a:xfrm>
-          <a:prstGeom prst="rect">
-            <a:avLst/>
-          </a:prstGeom>
-        </p:spPr>
-      </p:pic>
-    </p:spTree>
-    <p:extLst>
-      <p:ext uri="{BB962C8B-B14F-4D97-AF65-F5344CB8AC3E}">
-        <p14:creationId xmlns:p14="http://schemas.microsoft.com/office/powerpoint/2010/main" val="514531594"/>
-      </p:ext>
-    </p:extLst>
-  </p:cSld>
-  <p:clrMapOvr>
-    <a:masterClrMapping/>
-  </p:clrMapOvr>
-</p:sld>
-</file>
-
 <file path=ppt/slides/slide32.xml><?xml version="1.0" encoding="utf-8"?>
 <p:sld xmlns:a="http://schemas.openxmlformats.org/drawingml/2006/main" xmlns:r="http://schemas.openxmlformats.org/officeDocument/2006/relationships" xmlns:p="http://schemas.openxmlformats.org/presentationml/2006/main">
   <p:cSld>
@@ -37733,7 +37780,26 @@
           <a:p>
             <a:r>
               <a:rPr lang="de-DE" dirty="0"/>
-              <a:t>Vorteile der Translationsbeschreibung</a:t>
+              <a:t>Analogie</a:t>
+            </a:r>
+          </a:p>
+          <a:p>
+            <a:endParaRPr lang="de-DE" dirty="0"/>
+          </a:p>
+          <a:p>
+            <a:pPr lvl="1"/>
+            <a:r>
+              <a:rPr lang="de-DE" dirty="0"/>
+              <a:t>Bereits in 2009 wurden d-wellen für Magnete aus einer Analogie zu Supraleitern vorhergesagt</a:t>
+            </a:r>
+          </a:p>
+          <a:p>
+            <a:endParaRPr lang="de-DE" dirty="0"/>
+          </a:p>
+          <a:p>
+            <a:r>
+              <a:rPr lang="de-DE" dirty="0"/>
+              <a:t>Weitere Eigenschaften</a:t>
             </a:r>
           </a:p>
           <a:p>
@@ -37745,38 +37811,40 @@
           <a:p>
             <a:pPr lvl="2"/>
             <a:r>
+              <a:rPr lang="de-DE" dirty="0"/>
+              <a:t>Aufteilung der Transformationen auf Gitter und Spin Transformationen [R_S||R_G]</a:t>
+            </a:r>
+          </a:p>
+          <a:p>
+            <a:pPr lvl="2"/>
+            <a:r>
+              <a:rPr lang="de-DE" dirty="0"/>
+              <a:t>Beachtung der nichtmagnetischen Atome für die Symmetrien </a:t>
+            </a:r>
+          </a:p>
+          <a:p>
+            <a:pPr lvl="2"/>
+            <a:r>
+              <a:rPr lang="de-DE" dirty="0"/>
+              <a:t>Robuste Zustände</a:t>
+            </a:r>
+          </a:p>
+          <a:p>
+            <a:pPr lvl="2"/>
+            <a:r>
+              <a:rPr lang="de-DE" dirty="0"/>
+              <a:t>Wird in vielen Materialien vermutet</a:t>
+            </a:r>
+          </a:p>
+          <a:p>
+            <a:pPr lvl="3"/>
+            <a:r>
               <a:rPr lang="de-DE" dirty="0" err="1"/>
-              <a:t>Altermagnetische</a:t>
-            </a:r>
-            <a:r>
-              <a:rPr lang="de-DE" dirty="0"/>
-              <a:t> Spin </a:t>
-            </a:r>
-            <a:r>
-              <a:rPr lang="de-DE" dirty="0" err="1"/>
-              <a:t>Seperation</a:t>
-            </a:r>
-            <a:r>
-              <a:rPr lang="de-DE" dirty="0"/>
-              <a:t> ist nur schwach von der relativistischen Spin-Orbit-Kopplung abhängig</a:t>
-            </a:r>
-          </a:p>
-          <a:p>
-            <a:pPr lvl="2"/>
-            <a:endParaRPr lang="de-DE" dirty="0"/>
-          </a:p>
-          <a:p>
-            <a:pPr lvl="2"/>
-            <a:r>
-              <a:rPr lang="de-DE" dirty="0"/>
-              <a:t>Nicht relativistisch</a:t>
-            </a:r>
-          </a:p>
-          <a:p>
-            <a:pPr lvl="3"/>
-            <a:r>
-              <a:rPr lang="de-DE" dirty="0"/>
-              <a:t>Spin bleibt eine gute Quantenzahl</a:t>
+              <a:t>Isolatoren,Leiter</a:t>
+            </a:r>
+            <a:r>
+              <a:rPr lang="de-DE" dirty="0"/>
+              <a:t> und Supraleitern</a:t>
             </a:r>
           </a:p>
           <a:p>
@@ -37908,10 +37976,10 @@
       </p:pic>
       <p:pic>
         <p:nvPicPr>
-          <p:cNvPr id="10" name="Grafik 9">
+          <p:cNvPr id="6" name="Grafik 5" descr="Ein Bild, das Screenshot, Farbigkeit, Diagramm, Kreis enthält.&#10;&#10;Automatisch generierte Beschreibung">
             <a:extLst>
               <a:ext uri="{FF2B5EF4-FFF2-40B4-BE49-F238E27FC236}">
-                <a16:creationId xmlns:a16="http://schemas.microsoft.com/office/drawing/2014/main" id="{6AB6F0DD-2C2B-1985-7A1E-A56F5333903D}"/>
+                <a16:creationId xmlns:a16="http://schemas.microsoft.com/office/drawing/2014/main" id="{F76086D5-39AE-DCE1-4CEF-9412711C9C12}"/>
               </a:ext>
             </a:extLst>
           </p:cNvPr>
@@ -37921,15 +37989,21 @@
           <p:nvPr/>
         </p:nvPicPr>
         <p:blipFill>
-          <a:blip r:embed="rId3"/>
+          <a:blip r:embed="rId3">
+            <a:extLst>
+              <a:ext uri="{28A0092B-C50C-407E-A947-70E740481C1C}">
+                <a14:useLocalDpi xmlns:a14="http://schemas.microsoft.com/office/drawing/2010/main" val="0"/>
+              </a:ext>
+            </a:extLst>
+          </a:blip>
           <a:stretch>
             <a:fillRect/>
           </a:stretch>
         </p:blipFill>
         <p:spPr>
           <a:xfrm>
-            <a:off x="6744072" y="2874477"/>
-            <a:ext cx="4363059" cy="1657581"/>
+            <a:off x="7583204" y="3284984"/>
+            <a:ext cx="3355606" cy="2160238"/>
           </a:xfrm>
           <a:prstGeom prst="rect">
             <a:avLst/>
@@ -37939,7 +38013,7 @@
     </p:spTree>
     <p:extLst>
       <p:ext uri="{BB962C8B-B14F-4D97-AF65-F5344CB8AC3E}">
-        <p14:creationId xmlns:p14="http://schemas.microsoft.com/office/powerpoint/2010/main" val="537714189"/>
+        <p14:creationId xmlns:p14="http://schemas.microsoft.com/office/powerpoint/2010/main" val="514531594"/>
       </p:ext>
     </p:extLst>
   </p:cSld>
@@ -38011,7 +38085,7 @@
           <a:p>
             <a:r>
               <a:rPr lang="de-DE" dirty="0"/>
-              <a:t>Erkennungsmerkmale</a:t>
+              <a:t>Vorteile der Translationsbeschreibung</a:t>
             </a:r>
           </a:p>
           <a:p>
@@ -38023,13 +38097,39 @@
           <a:p>
             <a:pPr lvl="2"/>
             <a:r>
-              <a:rPr lang="de-DE" dirty="0"/>
-              <a:t>Anomaler Hall Effekt</a:t>
+              <a:rPr lang="de-DE" dirty="0" err="1"/>
+              <a:t>Altermagnetische</a:t>
+            </a:r>
+            <a:r>
+              <a:rPr lang="de-DE" dirty="0"/>
+              <a:t> Spin </a:t>
+            </a:r>
+            <a:r>
+              <a:rPr lang="de-DE" dirty="0" err="1"/>
+              <a:t>Seperation</a:t>
+            </a:r>
+            <a:r>
+              <a:rPr lang="de-DE" dirty="0"/>
+              <a:t> ist nur schwach von der relativistischen Spin-Orbit-Kopplung abhängig</a:t>
+            </a:r>
+          </a:p>
+          <a:p>
+            <a:pPr lvl="2"/>
+            <a:endParaRPr lang="de-DE" dirty="0"/>
+          </a:p>
+          <a:p>
+            <a:pPr lvl="2"/>
+            <a:r>
+              <a:rPr lang="de-DE" dirty="0"/>
+              <a:t>Nicht relativistisch</a:t>
             </a:r>
           </a:p>
           <a:p>
             <a:pPr lvl="3"/>
-            <a:endParaRPr lang="de-DE" dirty="0"/>
+            <a:r>
+              <a:rPr lang="de-DE" dirty="0"/>
+              <a:t>Spin bleibt eine gute Quantenzahl</a:t>
+            </a:r>
           </a:p>
           <a:p>
             <a:pPr lvl="3"/>
@@ -38158,10 +38258,40 @@
           </a:prstGeom>
         </p:spPr>
       </p:pic>
+      <p:pic>
+        <p:nvPicPr>
+          <p:cNvPr id="10" name="Grafik 9">
+            <a:extLst>
+              <a:ext uri="{FF2B5EF4-FFF2-40B4-BE49-F238E27FC236}">
+                <a16:creationId xmlns:a16="http://schemas.microsoft.com/office/drawing/2014/main" id="{6AB6F0DD-2C2B-1985-7A1E-A56F5333903D}"/>
+              </a:ext>
+            </a:extLst>
+          </p:cNvPr>
+          <p:cNvPicPr>
+            <a:picLocks noChangeAspect="1"/>
+          </p:cNvPicPr>
+          <p:nvPr/>
+        </p:nvPicPr>
+        <p:blipFill>
+          <a:blip r:embed="rId3"/>
+          <a:stretch>
+            <a:fillRect/>
+          </a:stretch>
+        </p:blipFill>
+        <p:spPr>
+          <a:xfrm>
+            <a:off x="6744072" y="2874477"/>
+            <a:ext cx="4363059" cy="1657581"/>
+          </a:xfrm>
+          <a:prstGeom prst="rect">
+            <a:avLst/>
+          </a:prstGeom>
+        </p:spPr>
+      </p:pic>
     </p:spTree>
     <p:extLst>
       <p:ext uri="{BB962C8B-B14F-4D97-AF65-F5344CB8AC3E}">
-        <p14:creationId xmlns:p14="http://schemas.microsoft.com/office/powerpoint/2010/main" val="3152084200"/>
+        <p14:creationId xmlns:p14="http://schemas.microsoft.com/office/powerpoint/2010/main" val="537714189"/>
       </p:ext>
     </p:extLst>
   </p:cSld>
@@ -38233,7 +38363,7 @@
           <a:p>
             <a:r>
               <a:rPr lang="de-DE" dirty="0"/>
-              <a:t>Vorteile/Einfluss</a:t>
+              <a:t>Erkennungsmerkmale</a:t>
             </a:r>
           </a:p>
           <a:p>
@@ -38383,7 +38513,7 @@
     </p:spTree>
     <p:extLst>
       <p:ext uri="{BB962C8B-B14F-4D97-AF65-F5344CB8AC3E}">
-        <p14:creationId xmlns:p14="http://schemas.microsoft.com/office/powerpoint/2010/main" val="3660473780"/>
+        <p14:creationId xmlns:p14="http://schemas.microsoft.com/office/powerpoint/2010/main" val="3152084200"/>
       </p:ext>
     </p:extLst>
   </p:cSld>
@@ -38426,15 +38556,8 @@
           <a:lstStyle/>
           <a:p>
             <a:r>
-              <a:rPr lang="de-DE"/>
-              <a:t>Headline für Textfolie Arial Bold</a:t>
-            </a:r>
-            <a:br>
-              <a:rPr lang="de-DE"/>
-            </a:br>
-            <a:r>
-              <a:rPr lang="de-DE"/>
-              <a:t>Headline maximal zwei Zeilen</a:t>
+              <a:rPr lang="de-DE" dirty="0" err="1"/>
+              <a:t>Altermagnetismus</a:t>
             </a:r>
             <a:endParaRPr lang="de-DE" dirty="0"/>
           </a:p>
@@ -38450,72 +38573,40 @@
             <p:ph idx="1"/>
           </p:nvPr>
         </p:nvSpPr>
-        <p:spPr/>
+        <p:spPr>
+          <a:xfrm>
+            <a:off x="431800" y="1988841"/>
+            <a:ext cx="6312272" cy="4103985"/>
+          </a:xfrm>
+        </p:spPr>
         <p:txBody>
           <a:bodyPr/>
           <a:lstStyle/>
           <a:p>
             <a:r>
-              <a:rPr lang="de-DE"/>
-              <a:t>Subheadline in Arial Bold mit Akzentfarbe 1</a:t>
-            </a:r>
-          </a:p>
-          <a:p>
-            <a:endParaRPr lang="de-DE"/>
-          </a:p>
-          <a:p>
-            <a:pPr lvl="1"/>
-            <a:r>
-              <a:rPr lang="de-DE"/>
-              <a:t>Fließtext in Arial Regular. Illament ulluptatis desci dolent even ducit. Qui voluptas. Eni impor hacksy hiliqui tectem repeliq dello fugitis qui repera dolore cum. Enimpor ersperc hili aqui tectem repeliq dello fugitis. Enimpor ersperc hiliqui.</a:t>
-            </a:r>
-          </a:p>
-          <a:p>
-            <a:endParaRPr lang="de-DE"/>
-          </a:p>
-          <a:p>
-            <a:r>
-              <a:rPr lang="de-DE"/>
-              <a:t>Subheadline in Arial Bold mit Akzentfarbe 1</a:t>
-            </a:r>
-          </a:p>
-          <a:p>
-            <a:endParaRPr lang="de-DE"/>
+              <a:rPr lang="de-DE" dirty="0"/>
+              <a:t>Vorteile/Einfluss</a:t>
+            </a:r>
+          </a:p>
+          <a:p>
+            <a:pPr marL="0" lvl="2" indent="0">
+              <a:buNone/>
+            </a:pPr>
+            <a:endParaRPr lang="de-DE" dirty="0"/>
           </a:p>
           <a:p>
             <a:pPr lvl="2"/>
             <a:r>
-              <a:rPr lang="de-DE"/>
-              <a:t>Enimpor ersperc hiliqui tectem uatiuntum fugitis.</a:t>
-            </a:r>
-          </a:p>
-          <a:p>
-            <a:pPr lvl="2"/>
-            <a:r>
-              <a:rPr lang="de-DE"/>
-              <a:t>Solupti undandae neso re ulpa impor ersperc. Iderae velenist et vent dolores magnis earumquam que consero inis aut et volo.</a:t>
+              <a:rPr lang="de-DE" dirty="0"/>
+              <a:t>Anomaler Hall Effekt</a:t>
             </a:r>
           </a:p>
           <a:p>
             <a:pPr lvl="3"/>
-            <a:r>
-              <a:rPr lang="de-DE"/>
-              <a:t>Tur, tem rerita qui repera dolore cum qui voluptas et laborer.</a:t>
-            </a:r>
+            <a:endParaRPr lang="de-DE" dirty="0"/>
           </a:p>
           <a:p>
             <a:pPr lvl="3"/>
-            <a:r>
-              <a:rPr lang="de-DE"/>
-              <a:t>Vid ut eatiati onectem ventet dolore dolupta es volupta</a:t>
-            </a:r>
-          </a:p>
-          <a:p>
-            <a:pPr lvl="3"/>
-            <a:r>
-              <a:rPr lang="de-DE"/>
-              <a:t>Tquisci endersped quas ullandi beat dit et quo omnis expelig</a:t>
-            </a:r>
             <a:endParaRPr lang="de-DE" dirty="0"/>
           </a:p>
         </p:txBody>
@@ -38532,7 +38623,7 @@
         </p:nvSpPr>
         <p:spPr>
           <a:xfrm>
-            <a:off x="3326097" y="6453336"/>
+            <a:off x="3313113" y="6453336"/>
             <a:ext cx="4247802" cy="216024"/>
           </a:xfrm>
         </p:spPr>
@@ -38560,7 +38651,7 @@
         </p:nvSpPr>
         <p:spPr>
           <a:xfrm>
-            <a:off x="452759" y="6453336"/>
+            <a:off x="479376" y="6453336"/>
             <a:ext cx="935038" cy="216024"/>
           </a:xfrm>
         </p:spPr>
@@ -38605,10 +38696,46 @@
           </a:p>
         </p:txBody>
       </p:sp>
+      <p:pic>
+        <p:nvPicPr>
+          <p:cNvPr id="4" name="Grafik 3" descr="Ein Bild, das Kreative Künste, Bastelei, Origami enthält.&#10;&#10;Automatisch generierte Beschreibung">
+            <a:extLst>
+              <a:ext uri="{FF2B5EF4-FFF2-40B4-BE49-F238E27FC236}">
+                <a16:creationId xmlns:a16="http://schemas.microsoft.com/office/drawing/2014/main" id="{1086F595-587D-41EB-FEA5-5F28EA38C650}"/>
+              </a:ext>
+            </a:extLst>
+          </p:cNvPr>
+          <p:cNvPicPr>
+            <a:picLocks noChangeAspect="1"/>
+          </p:cNvPicPr>
+          <p:nvPr/>
+        </p:nvPicPr>
+        <p:blipFill>
+          <a:blip r:embed="rId2" cstate="print">
+            <a:extLst>
+              <a:ext uri="{28A0092B-C50C-407E-A947-70E740481C1C}">
+                <a14:useLocalDpi xmlns:a14="http://schemas.microsoft.com/office/drawing/2010/main" val="0"/>
+              </a:ext>
+            </a:extLst>
+          </a:blip>
+          <a:stretch>
+            <a:fillRect/>
+          </a:stretch>
+        </p:blipFill>
+        <p:spPr>
+          <a:xfrm>
+            <a:off x="7826687" y="686801"/>
+            <a:ext cx="2868639" cy="1883998"/>
+          </a:xfrm>
+          <a:prstGeom prst="rect">
+            <a:avLst/>
+          </a:prstGeom>
+        </p:spPr>
+      </p:pic>
     </p:spTree>
     <p:extLst>
       <p:ext uri="{BB962C8B-B14F-4D97-AF65-F5344CB8AC3E}">
-        <p14:creationId xmlns:p14="http://schemas.microsoft.com/office/powerpoint/2010/main" val="3026823599"/>
+        <p14:creationId xmlns:p14="http://schemas.microsoft.com/office/powerpoint/2010/main" val="3660473780"/>
       </p:ext>
     </p:extLst>
   </p:cSld>
@@ -38672,7 +38799,7 @@
             <a:spLocks noGrp="1"/>
           </p:cNvSpPr>
           <p:nvPr>
-            <p:ph sz="half" idx="1"/>
+            <p:ph idx="1"/>
           </p:nvPr>
         </p:nvSpPr>
         <p:spPr/>
@@ -38681,537 +38808,73 @@
           <a:lstStyle/>
           <a:p>
             <a:r>
-              <a:rPr lang="de-DE" dirty="0"/>
-              <a:t>Subheadline </a:t>
-            </a:r>
-            <a:r>
-              <a:rPr lang="de-DE" dirty="0" err="1"/>
-              <a:t>Bold</a:t>
-            </a:r>
-            <a:r>
-              <a:rPr lang="de-DE" dirty="0"/>
-              <a:t> Akzentfarbe 1</a:t>
-            </a:r>
-          </a:p>
-          <a:p>
-            <a:endParaRPr lang="de-DE" dirty="0"/>
+              <a:rPr lang="de-DE"/>
+              <a:t>Subheadline in Arial Bold mit Akzentfarbe 1</a:t>
+            </a:r>
+          </a:p>
+          <a:p>
+            <a:endParaRPr lang="de-DE"/>
           </a:p>
           <a:p>
             <a:pPr lvl="1"/>
             <a:r>
-              <a:rPr lang="de-DE" dirty="0"/>
-              <a:t>Fließtext in Arial Regular. </a:t>
-            </a:r>
-            <a:r>
-              <a:rPr lang="de-DE" dirty="0" err="1"/>
-              <a:t>Illament</a:t>
-            </a:r>
-            <a:r>
-              <a:rPr lang="de-DE" dirty="0"/>
-              <a:t> </a:t>
-            </a:r>
-            <a:r>
-              <a:rPr lang="de-DE" dirty="0" err="1"/>
-              <a:t>ulluptatis</a:t>
-            </a:r>
-            <a:r>
-              <a:rPr lang="de-DE" dirty="0"/>
-              <a:t> </a:t>
-            </a:r>
-            <a:r>
-              <a:rPr lang="de-DE" dirty="0" err="1"/>
-              <a:t>desci</a:t>
-            </a:r>
-            <a:r>
-              <a:rPr lang="de-DE" dirty="0"/>
-              <a:t> </a:t>
-            </a:r>
-            <a:r>
-              <a:rPr lang="de-DE" dirty="0" err="1"/>
-              <a:t>dolent</a:t>
-            </a:r>
-            <a:r>
-              <a:rPr lang="de-DE" dirty="0"/>
-              <a:t> </a:t>
-            </a:r>
-            <a:r>
-              <a:rPr lang="de-DE" dirty="0" err="1"/>
-              <a:t>even</a:t>
-            </a:r>
-            <a:r>
-              <a:rPr lang="de-DE" dirty="0"/>
-              <a:t> </a:t>
-            </a:r>
-            <a:r>
-              <a:rPr lang="de-DE" dirty="0" err="1"/>
-              <a:t>ducit</a:t>
-            </a:r>
-            <a:r>
-              <a:rPr lang="de-DE" dirty="0"/>
-              <a:t>. </a:t>
-            </a:r>
-            <a:r>
-              <a:rPr lang="de-DE" dirty="0" err="1"/>
-              <a:t>Qui</a:t>
-            </a:r>
-            <a:r>
-              <a:rPr lang="de-DE" dirty="0"/>
-              <a:t> </a:t>
-            </a:r>
-            <a:r>
-              <a:rPr lang="de-DE" dirty="0" err="1"/>
-              <a:t>voluptas</a:t>
-            </a:r>
-            <a:r>
-              <a:rPr lang="de-DE" dirty="0"/>
-              <a:t>. </a:t>
-            </a:r>
-          </a:p>
-          <a:p>
-            <a:endParaRPr lang="de-DE" dirty="0"/>
+              <a:rPr lang="de-DE"/>
+              <a:t>Fließtext in Arial Regular. Illament ulluptatis desci dolent even ducit. Qui voluptas. Eni impor hacksy hiliqui tectem repeliq dello fugitis qui repera dolore cum. Enimpor ersperc hili aqui tectem repeliq dello fugitis. Enimpor ersperc hiliqui.</a:t>
+            </a:r>
+          </a:p>
+          <a:p>
+            <a:endParaRPr lang="de-DE"/>
+          </a:p>
+          <a:p>
+            <a:r>
+              <a:rPr lang="de-DE"/>
+              <a:t>Subheadline in Arial Bold mit Akzentfarbe 1</a:t>
+            </a:r>
+          </a:p>
+          <a:p>
+            <a:endParaRPr lang="de-DE"/>
           </a:p>
           <a:p>
             <a:pPr lvl="2"/>
             <a:r>
-              <a:rPr lang="de-DE" dirty="0" err="1"/>
-              <a:t>Enimpor</a:t>
-            </a:r>
-            <a:r>
-              <a:rPr lang="de-DE" dirty="0"/>
-              <a:t> </a:t>
-            </a:r>
-            <a:r>
-              <a:rPr lang="de-DE" dirty="0" err="1"/>
-              <a:t>ersperc</a:t>
-            </a:r>
-            <a:r>
-              <a:rPr lang="de-DE" dirty="0"/>
-              <a:t> </a:t>
-            </a:r>
-            <a:r>
-              <a:rPr lang="de-DE" dirty="0" err="1"/>
-              <a:t>hiliqui</a:t>
-            </a:r>
-            <a:r>
-              <a:rPr lang="de-DE" dirty="0"/>
-              <a:t> </a:t>
-            </a:r>
-            <a:r>
-              <a:rPr lang="de-DE" dirty="0" err="1"/>
-              <a:t>tectem</a:t>
-            </a:r>
-            <a:r>
-              <a:rPr lang="de-DE" dirty="0"/>
-              <a:t> </a:t>
-            </a:r>
-            <a:r>
-              <a:rPr lang="de-DE" dirty="0" err="1"/>
-              <a:t>fugitis</a:t>
-            </a:r>
-            <a:r>
-              <a:rPr lang="de-DE" dirty="0"/>
-              <a:t>.</a:t>
+              <a:rPr lang="de-DE"/>
+              <a:t>Enimpor ersperc hiliqui tectem uatiuntum fugitis.</a:t>
             </a:r>
           </a:p>
           <a:p>
             <a:pPr lvl="2"/>
             <a:r>
-              <a:rPr lang="de-DE" dirty="0" err="1"/>
-              <a:t>Solupti</a:t>
-            </a:r>
-            <a:r>
-              <a:rPr lang="de-DE" dirty="0"/>
-              <a:t> </a:t>
-            </a:r>
-            <a:r>
-              <a:rPr lang="de-DE" dirty="0" err="1"/>
-              <a:t>undandae</a:t>
-            </a:r>
-            <a:r>
-              <a:rPr lang="de-DE" dirty="0"/>
-              <a:t> </a:t>
-            </a:r>
-            <a:r>
-              <a:rPr lang="de-DE" dirty="0" err="1"/>
-              <a:t>neso</a:t>
-            </a:r>
-            <a:r>
-              <a:rPr lang="de-DE" dirty="0"/>
-              <a:t> </a:t>
-            </a:r>
-            <a:r>
-              <a:rPr lang="de-DE" dirty="0" err="1"/>
-              <a:t>re</a:t>
-            </a:r>
-            <a:r>
-              <a:rPr lang="de-DE" dirty="0"/>
-              <a:t> </a:t>
-            </a:r>
-            <a:r>
-              <a:rPr lang="de-DE" dirty="0" err="1"/>
-              <a:t>ulpa</a:t>
-            </a:r>
-            <a:r>
-              <a:rPr lang="de-DE" dirty="0"/>
-              <a:t> </a:t>
-            </a:r>
-            <a:r>
-              <a:rPr lang="de-DE" dirty="0" err="1"/>
-              <a:t>impor</a:t>
-            </a:r>
-            <a:r>
-              <a:rPr lang="de-DE" dirty="0"/>
-              <a:t> </a:t>
-            </a:r>
-            <a:r>
-              <a:rPr lang="de-DE" dirty="0" err="1"/>
-              <a:t>ers</a:t>
-            </a:r>
-            <a:r>
-              <a:rPr lang="de-DE" dirty="0"/>
-              <a:t> </a:t>
-            </a:r>
-            <a:r>
-              <a:rPr lang="de-DE" dirty="0" err="1"/>
-              <a:t>percderae</a:t>
-            </a:r>
-            <a:r>
-              <a:rPr lang="de-DE" dirty="0"/>
-              <a:t> </a:t>
-            </a:r>
-            <a:r>
-              <a:rPr lang="de-DE" dirty="0" err="1"/>
-              <a:t>velenist</a:t>
-            </a:r>
-            <a:r>
-              <a:rPr lang="de-DE" dirty="0"/>
-              <a:t> et </a:t>
-            </a:r>
-            <a:r>
-              <a:rPr lang="de-DE" dirty="0" err="1"/>
-              <a:t>vent</a:t>
-            </a:r>
-            <a:r>
-              <a:rPr lang="de-DE" dirty="0"/>
-              <a:t> </a:t>
-            </a:r>
-            <a:r>
-              <a:rPr lang="de-DE" dirty="0" err="1"/>
-              <a:t>volo</a:t>
-            </a:r>
-            <a:r>
               <a:rPr lang="de-DE"/>
-              <a:t>.</a:t>
+              <a:t>Solupti undandae neso re ulpa impor ersperc. Iderae velenist et vent dolores magnis earumquam que consero inis aut et volo.</a:t>
             </a:r>
           </a:p>
           <a:p>
             <a:pPr lvl="3"/>
             <a:r>
-              <a:rPr lang="de-DE" dirty="0" err="1"/>
-              <a:t>Tur</a:t>
-            </a:r>
-            <a:r>
-              <a:rPr lang="de-DE" dirty="0"/>
-              <a:t> </a:t>
-            </a:r>
-            <a:r>
-              <a:rPr lang="de-DE" dirty="0" err="1"/>
-              <a:t>tem</a:t>
-            </a:r>
-            <a:r>
-              <a:rPr lang="de-DE" dirty="0"/>
-              <a:t> </a:t>
-            </a:r>
-            <a:r>
-              <a:rPr lang="de-DE" dirty="0" err="1"/>
-              <a:t>rerita</a:t>
-            </a:r>
-            <a:r>
-              <a:rPr lang="de-DE" dirty="0"/>
-              <a:t> </a:t>
-            </a:r>
-            <a:r>
-              <a:rPr lang="de-DE" dirty="0" err="1"/>
-              <a:t>qui</a:t>
-            </a:r>
-            <a:r>
-              <a:rPr lang="de-DE" dirty="0"/>
-              <a:t> </a:t>
-            </a:r>
-            <a:r>
-              <a:rPr lang="de-DE" dirty="0" err="1"/>
-              <a:t>repera</a:t>
-            </a:r>
-            <a:r>
-              <a:rPr lang="de-DE" dirty="0"/>
-              <a:t> </a:t>
-            </a:r>
-            <a:r>
-              <a:rPr lang="de-DE" dirty="0" err="1"/>
-              <a:t>dolore</a:t>
-            </a:r>
-            <a:r>
-              <a:rPr lang="de-DE" dirty="0"/>
-              <a:t> cum </a:t>
-            </a:r>
-            <a:r>
-              <a:rPr lang="de-DE" dirty="0" err="1"/>
-              <a:t>qui</a:t>
-            </a:r>
-            <a:r>
-              <a:rPr lang="de-DE" dirty="0"/>
-              <a:t> </a:t>
-            </a:r>
-            <a:r>
-              <a:rPr lang="de-DE" dirty="0" err="1"/>
-              <a:t>voluptas</a:t>
-            </a:r>
-            <a:r>
-              <a:rPr lang="de-DE" dirty="0"/>
-              <a:t> et </a:t>
-            </a:r>
-            <a:r>
-              <a:rPr lang="de-DE" dirty="0" err="1"/>
-              <a:t>laborer</a:t>
-            </a:r>
-            <a:r>
-              <a:rPr lang="de-DE" dirty="0"/>
-              <a:t> </a:t>
-            </a:r>
-            <a:r>
-              <a:rPr lang="de-DE" dirty="0" err="1"/>
-              <a:t>ventet</a:t>
-            </a:r>
-            <a:r>
-              <a:rPr lang="de-DE" dirty="0"/>
-              <a:t>.</a:t>
+              <a:rPr lang="de-DE"/>
+              <a:t>Tur, tem rerita qui repera dolore cum qui voluptas et laborer.</a:t>
             </a:r>
           </a:p>
           <a:p>
             <a:pPr lvl="3"/>
             <a:r>
-              <a:rPr lang="de-DE" dirty="0"/>
-              <a:t>Vid </a:t>
-            </a:r>
-            <a:r>
-              <a:rPr lang="de-DE" dirty="0" err="1"/>
-              <a:t>ut</a:t>
-            </a:r>
-            <a:r>
-              <a:rPr lang="de-DE" dirty="0"/>
-              <a:t> </a:t>
-            </a:r>
-            <a:r>
-              <a:rPr lang="de-DE" dirty="0" err="1"/>
-              <a:t>eatiati</a:t>
-            </a:r>
-            <a:r>
-              <a:rPr lang="de-DE" dirty="0"/>
-              <a:t> </a:t>
-            </a:r>
-            <a:r>
-              <a:rPr lang="de-DE" dirty="0" err="1"/>
-              <a:t>onectem</a:t>
-            </a:r>
-            <a:r>
-              <a:rPr lang="de-DE" dirty="0"/>
-              <a:t> </a:t>
-            </a:r>
-            <a:r>
-              <a:rPr lang="de-DE" dirty="0" err="1"/>
-              <a:t>ventet</a:t>
-            </a:r>
-            <a:r>
-              <a:rPr lang="de-DE" dirty="0"/>
-              <a:t> </a:t>
-            </a:r>
-            <a:r>
-              <a:rPr lang="de-DE" dirty="0" err="1"/>
-              <a:t>dolore</a:t>
-            </a:r>
-            <a:r>
-              <a:rPr lang="de-DE" dirty="0"/>
-              <a:t> </a:t>
-            </a:r>
-            <a:r>
-              <a:rPr lang="de-DE" dirty="0" err="1"/>
-              <a:t>dolupta</a:t>
-            </a:r>
-            <a:r>
-              <a:rPr lang="de-DE" dirty="0"/>
-              <a:t> es </a:t>
-            </a:r>
-            <a:r>
-              <a:rPr lang="de-DE" dirty="0" err="1"/>
-              <a:t>volupta</a:t>
-            </a:r>
-            <a:r>
-              <a:rPr lang="de-DE" dirty="0"/>
-              <a:t> quas </a:t>
-            </a:r>
-            <a:r>
-              <a:rPr lang="de-DE" dirty="0" err="1"/>
-              <a:t>ullandi</a:t>
-            </a:r>
-            <a:r>
-              <a:rPr lang="de-DE" dirty="0"/>
-              <a:t>.</a:t>
+              <a:rPr lang="de-DE"/>
+              <a:t>Vid ut eatiati onectem ventet dolore dolupta es volupta</a:t>
             </a:r>
           </a:p>
           <a:p>
             <a:pPr lvl="3"/>
             <a:r>
-              <a:rPr lang="de-DE" dirty="0" err="1"/>
-              <a:t>Tquisci</a:t>
-            </a:r>
-            <a:r>
-              <a:rPr lang="de-DE" dirty="0"/>
-              <a:t> </a:t>
-            </a:r>
-            <a:r>
-              <a:rPr lang="de-DE" dirty="0" err="1"/>
-              <a:t>endersped</a:t>
-            </a:r>
-            <a:r>
-              <a:rPr lang="de-DE" dirty="0"/>
-              <a:t> </a:t>
-            </a:r>
-            <a:r>
-              <a:rPr lang="de-DE" dirty="0" err="1"/>
-              <a:t>beat</a:t>
-            </a:r>
-            <a:r>
-              <a:rPr lang="de-DE" dirty="0"/>
-              <a:t> </a:t>
-            </a:r>
-            <a:r>
-              <a:rPr lang="de-DE" dirty="0" err="1"/>
-              <a:t>dit</a:t>
-            </a:r>
-            <a:r>
-              <a:rPr lang="de-DE" dirty="0"/>
-              <a:t> et quo </a:t>
-            </a:r>
-            <a:r>
-              <a:rPr lang="de-DE" dirty="0" err="1"/>
-              <a:t>omnis</a:t>
-            </a:r>
-            <a:r>
-              <a:rPr lang="de-DE" dirty="0"/>
-              <a:t> </a:t>
-            </a:r>
-            <a:r>
-              <a:rPr lang="de-DE" dirty="0" err="1"/>
-              <a:t>expelig</a:t>
-            </a:r>
-            <a:r>
-              <a:rPr lang="de-DE" dirty="0"/>
-              <a:t> </a:t>
-            </a:r>
-            <a:r>
-              <a:rPr lang="de-DE" dirty="0" err="1"/>
-              <a:t>tem</a:t>
-            </a:r>
-            <a:r>
-              <a:rPr lang="de-DE" dirty="0"/>
-              <a:t> </a:t>
-            </a:r>
-            <a:r>
-              <a:rPr lang="de-DE" dirty="0" err="1"/>
-              <a:t>rerita</a:t>
-            </a:r>
-            <a:r>
-              <a:rPr lang="de-DE" dirty="0"/>
-              <a:t> </a:t>
-            </a:r>
-            <a:r>
-              <a:rPr lang="de-DE" dirty="0" err="1"/>
-              <a:t>qui</a:t>
-            </a:r>
-            <a:r>
-              <a:rPr lang="de-DE" dirty="0"/>
-              <a:t>.</a:t>
-            </a:r>
-          </a:p>
-          <a:p>
-            <a:endParaRPr lang="de-DE" dirty="0"/>
-          </a:p>
-        </p:txBody>
-      </p:sp>
-      <p:sp>
-        <p:nvSpPr>
-          <p:cNvPr id="4" name="Inhaltsplatzhalter 3"/>
-          <p:cNvSpPr>
-            <a:spLocks noGrp="1"/>
-          </p:cNvSpPr>
-          <p:nvPr>
-            <p:ph sz="half" idx="2"/>
-          </p:nvPr>
-        </p:nvSpPr>
-        <p:spPr/>
-        <p:txBody>
-          <a:bodyPr/>
-          <a:lstStyle/>
-          <a:p>
-            <a:r>
               <a:rPr lang="de-DE"/>
-              <a:t>Subheadline Bold Akzentfarbe 1</a:t>
-            </a:r>
-          </a:p>
-          <a:p>
-            <a:endParaRPr lang="de-DE"/>
-          </a:p>
-          <a:p>
-            <a:pPr lvl="1"/>
-            <a:r>
-              <a:rPr lang="de-DE"/>
-              <a:t>Fließtext in Arial Regular. Illament ulluptatis desci dolent even ducit. Qui voluptas. </a:t>
-            </a:r>
-          </a:p>
-          <a:p>
-            <a:endParaRPr lang="de-DE"/>
-          </a:p>
-          <a:p>
-            <a:pPr lvl="2"/>
-            <a:r>
-              <a:rPr lang="de-DE"/>
-              <a:t>Enimpor ersperc hiliqui tectem fugitis.</a:t>
-            </a:r>
-          </a:p>
-          <a:p>
-            <a:pPr lvl="2"/>
-            <a:r>
-              <a:rPr lang="de-DE"/>
-              <a:t>Solupti undandae neso re ulpa impor ers percderae velenist et vent volo.</a:t>
-            </a:r>
-          </a:p>
-          <a:p>
-            <a:pPr lvl="3"/>
-            <a:r>
-              <a:rPr lang="de-DE"/>
-              <a:t>Tur tem rerita qui repera dolore cum qui voluptas et laborer ventet.</a:t>
-            </a:r>
-          </a:p>
-          <a:p>
-            <a:pPr lvl="3"/>
-            <a:r>
-              <a:rPr lang="de-DE"/>
-              <a:t>Vid ut eatiati onectem ventet dolore dolupta es volupta quas ullandi.</a:t>
-            </a:r>
-          </a:p>
-          <a:p>
-            <a:pPr lvl="3"/>
-            <a:r>
-              <a:rPr lang="de-DE"/>
-              <a:t>Tquisci endersped beat dit et quo omnis expelig tem rerita qui.</a:t>
-            </a:r>
-            <a:endParaRPr lang="de-DE" dirty="0"/>
-          </a:p>
-        </p:txBody>
-      </p:sp>
-      <p:sp>
-        <p:nvSpPr>
-          <p:cNvPr id="14" name="Fußzeilenplatzhalter 4"/>
+              <a:t>Tquisci endersped quas ullandi beat dit et quo omnis expelig</a:t>
+            </a:r>
+            <a:endParaRPr lang="de-DE" dirty="0"/>
+          </a:p>
+        </p:txBody>
+      </p:sp>
+      <p:sp>
+        <p:nvSpPr>
+          <p:cNvPr id="7" name="Fußzeilenplatzhalter 4"/>
           <p:cNvSpPr>
             <a:spLocks noGrp="1"/>
           </p:cNvSpPr>
@@ -39221,7 +38884,7 @@
         </p:nvSpPr>
         <p:spPr>
           <a:xfrm>
-            <a:off x="3338671" y="6453336"/>
+            <a:off x="3326097" y="6453336"/>
             <a:ext cx="4247802" cy="216024"/>
           </a:xfrm>
         </p:spPr>
@@ -39239,7 +38902,7 @@
       </p:sp>
       <p:sp>
         <p:nvSpPr>
-          <p:cNvPr id="15" name="Foliennummernplatzhalter 5"/>
+          <p:cNvPr id="8" name="Foliennummernplatzhalter 5"/>
           <p:cNvSpPr>
             <a:spLocks noGrp="1"/>
           </p:cNvSpPr>
@@ -39249,7 +38912,7 @@
         </p:nvSpPr>
         <p:spPr>
           <a:xfrm>
-            <a:off x="431800" y="6453336"/>
+            <a:off x="452759" y="6453336"/>
             <a:ext cx="935038" cy="216024"/>
           </a:xfrm>
         </p:spPr>
@@ -39268,7 +38931,7 @@
       </p:sp>
       <p:sp>
         <p:nvSpPr>
-          <p:cNvPr id="16" name="Datumsplatzhalter 3"/>
+          <p:cNvPr id="9" name="Datumsplatzhalter 3"/>
           <p:cNvSpPr>
             <a:spLocks noGrp="1"/>
           </p:cNvSpPr>
@@ -39283,29 +38946,21 @@
           </a:xfrm>
         </p:spPr>
         <p:txBody>
-          <a:bodyPr anchor="ctr" anchorCtr="0"/>
-          <a:lstStyle/>
-          <a:p>
-            <a:r>
-              <a:rPr lang="de-DE" sz="900">
-                <a:solidFill>
-                  <a:schemeClr val="tx1"/>
-                </a:solidFill>
-              </a:rPr>
+          <a:bodyPr/>
+          <a:lstStyle/>
+          <a:p>
+            <a:r>
+              <a:rPr lang="de-DE" sz="900"/>
               <a:t>07.06.2024</a:t>
             </a:r>
-            <a:endParaRPr lang="de-DE" sz="900" dirty="0">
-              <a:solidFill>
-                <a:schemeClr val="tx1"/>
-              </a:solidFill>
-            </a:endParaRPr>
+            <a:endParaRPr lang="de-DE" sz="900" dirty="0"/>
           </a:p>
         </p:txBody>
       </p:sp>
     </p:spTree>
     <p:extLst>
       <p:ext uri="{BB962C8B-B14F-4D97-AF65-F5344CB8AC3E}">
-        <p14:creationId xmlns:p14="http://schemas.microsoft.com/office/powerpoint/2010/main" val="250567232"/>
+        <p14:creationId xmlns:p14="http://schemas.microsoft.com/office/powerpoint/2010/main" val="3026823599"/>
       </p:ext>
     </p:extLst>
   </p:cSld>
@@ -39349,7 +39004,7 @@
           <a:p>
             <a:r>
               <a:rPr lang="de-DE"/>
-              <a:t>Große Headline für Textfolie</a:t>
+              <a:t>Headline für Textfolie Arial Bold</a:t>
             </a:r>
             <a:br>
               <a:rPr lang="de-DE"/>
@@ -39378,56 +39033,456 @@
           <a:lstStyle/>
           <a:p>
             <a:r>
+              <a:rPr lang="de-DE" dirty="0"/>
+              <a:t>Subheadline </a:t>
+            </a:r>
+            <a:r>
+              <a:rPr lang="de-DE" dirty="0" err="1"/>
+              <a:t>Bold</a:t>
+            </a:r>
+            <a:r>
+              <a:rPr lang="de-DE" dirty="0"/>
+              <a:t> Akzentfarbe 1</a:t>
+            </a:r>
+          </a:p>
+          <a:p>
+            <a:endParaRPr lang="de-DE" dirty="0"/>
+          </a:p>
+          <a:p>
+            <a:pPr lvl="1"/>
+            <a:r>
+              <a:rPr lang="de-DE" dirty="0"/>
+              <a:t>Fließtext in Arial Regular. </a:t>
+            </a:r>
+            <a:r>
+              <a:rPr lang="de-DE" dirty="0" err="1"/>
+              <a:t>Illament</a:t>
+            </a:r>
+            <a:r>
+              <a:rPr lang="de-DE" dirty="0"/>
+              <a:t> </a:t>
+            </a:r>
+            <a:r>
+              <a:rPr lang="de-DE" dirty="0" err="1"/>
+              <a:t>ulluptatis</a:t>
+            </a:r>
+            <a:r>
+              <a:rPr lang="de-DE" dirty="0"/>
+              <a:t> </a:t>
+            </a:r>
+            <a:r>
+              <a:rPr lang="de-DE" dirty="0" err="1"/>
+              <a:t>desci</a:t>
+            </a:r>
+            <a:r>
+              <a:rPr lang="de-DE" dirty="0"/>
+              <a:t> </a:t>
+            </a:r>
+            <a:r>
+              <a:rPr lang="de-DE" dirty="0" err="1"/>
+              <a:t>dolent</a:t>
+            </a:r>
+            <a:r>
+              <a:rPr lang="de-DE" dirty="0"/>
+              <a:t> </a:t>
+            </a:r>
+            <a:r>
+              <a:rPr lang="de-DE" dirty="0" err="1"/>
+              <a:t>even</a:t>
+            </a:r>
+            <a:r>
+              <a:rPr lang="de-DE" dirty="0"/>
+              <a:t> </a:t>
+            </a:r>
+            <a:r>
+              <a:rPr lang="de-DE" dirty="0" err="1"/>
+              <a:t>ducit</a:t>
+            </a:r>
+            <a:r>
+              <a:rPr lang="de-DE" dirty="0"/>
+              <a:t>. </a:t>
+            </a:r>
+            <a:r>
+              <a:rPr lang="de-DE" dirty="0" err="1"/>
+              <a:t>Qui</a:t>
+            </a:r>
+            <a:r>
+              <a:rPr lang="de-DE" dirty="0"/>
+              <a:t> </a:t>
+            </a:r>
+            <a:r>
+              <a:rPr lang="de-DE" dirty="0" err="1"/>
+              <a:t>voluptas</a:t>
+            </a:r>
+            <a:r>
+              <a:rPr lang="de-DE" dirty="0"/>
+              <a:t>. </a:t>
+            </a:r>
+          </a:p>
+          <a:p>
+            <a:endParaRPr lang="de-DE" dirty="0"/>
+          </a:p>
+          <a:p>
+            <a:pPr lvl="2"/>
+            <a:r>
+              <a:rPr lang="de-DE" dirty="0" err="1"/>
+              <a:t>Enimpor</a:t>
+            </a:r>
+            <a:r>
+              <a:rPr lang="de-DE" dirty="0"/>
+              <a:t> </a:t>
+            </a:r>
+            <a:r>
+              <a:rPr lang="de-DE" dirty="0" err="1"/>
+              <a:t>ersperc</a:t>
+            </a:r>
+            <a:r>
+              <a:rPr lang="de-DE" dirty="0"/>
+              <a:t> </a:t>
+            </a:r>
+            <a:r>
+              <a:rPr lang="de-DE" dirty="0" err="1"/>
+              <a:t>hiliqui</a:t>
+            </a:r>
+            <a:r>
+              <a:rPr lang="de-DE" dirty="0"/>
+              <a:t> </a:t>
+            </a:r>
+            <a:r>
+              <a:rPr lang="de-DE" dirty="0" err="1"/>
+              <a:t>tectem</a:t>
+            </a:r>
+            <a:r>
+              <a:rPr lang="de-DE" dirty="0"/>
+              <a:t> </a:t>
+            </a:r>
+            <a:r>
+              <a:rPr lang="de-DE" dirty="0" err="1"/>
+              <a:t>fugitis</a:t>
+            </a:r>
+            <a:r>
+              <a:rPr lang="de-DE" dirty="0"/>
+              <a:t>.</a:t>
+            </a:r>
+          </a:p>
+          <a:p>
+            <a:pPr lvl="2"/>
+            <a:r>
+              <a:rPr lang="de-DE" dirty="0" err="1"/>
+              <a:t>Solupti</a:t>
+            </a:r>
+            <a:r>
+              <a:rPr lang="de-DE" dirty="0"/>
+              <a:t> </a:t>
+            </a:r>
+            <a:r>
+              <a:rPr lang="de-DE" dirty="0" err="1"/>
+              <a:t>undandae</a:t>
+            </a:r>
+            <a:r>
+              <a:rPr lang="de-DE" dirty="0"/>
+              <a:t> </a:t>
+            </a:r>
+            <a:r>
+              <a:rPr lang="de-DE" dirty="0" err="1"/>
+              <a:t>neso</a:t>
+            </a:r>
+            <a:r>
+              <a:rPr lang="de-DE" dirty="0"/>
+              <a:t> </a:t>
+            </a:r>
+            <a:r>
+              <a:rPr lang="de-DE" dirty="0" err="1"/>
+              <a:t>re</a:t>
+            </a:r>
+            <a:r>
+              <a:rPr lang="de-DE" dirty="0"/>
+              <a:t> </a:t>
+            </a:r>
+            <a:r>
+              <a:rPr lang="de-DE" dirty="0" err="1"/>
+              <a:t>ulpa</a:t>
+            </a:r>
+            <a:r>
+              <a:rPr lang="de-DE" dirty="0"/>
+              <a:t> </a:t>
+            </a:r>
+            <a:r>
+              <a:rPr lang="de-DE" dirty="0" err="1"/>
+              <a:t>impor</a:t>
+            </a:r>
+            <a:r>
+              <a:rPr lang="de-DE" dirty="0"/>
+              <a:t> </a:t>
+            </a:r>
+            <a:r>
+              <a:rPr lang="de-DE" dirty="0" err="1"/>
+              <a:t>ers</a:t>
+            </a:r>
+            <a:r>
+              <a:rPr lang="de-DE" dirty="0"/>
+              <a:t> </a:t>
+            </a:r>
+            <a:r>
+              <a:rPr lang="de-DE" dirty="0" err="1"/>
+              <a:t>percderae</a:t>
+            </a:r>
+            <a:r>
+              <a:rPr lang="de-DE" dirty="0"/>
+              <a:t> </a:t>
+            </a:r>
+            <a:r>
+              <a:rPr lang="de-DE" dirty="0" err="1"/>
+              <a:t>velenist</a:t>
+            </a:r>
+            <a:r>
+              <a:rPr lang="de-DE" dirty="0"/>
+              <a:t> et </a:t>
+            </a:r>
+            <a:r>
+              <a:rPr lang="de-DE" dirty="0" err="1"/>
+              <a:t>vent</a:t>
+            </a:r>
+            <a:r>
+              <a:rPr lang="de-DE" dirty="0"/>
+              <a:t> </a:t>
+            </a:r>
+            <a:r>
+              <a:rPr lang="de-DE" dirty="0" err="1"/>
+              <a:t>volo</a:t>
+            </a:r>
+            <a:r>
               <a:rPr lang="de-DE"/>
-              <a:t>Subheadline Bold Akzentfarbe 1</a:t>
-            </a:r>
-          </a:p>
-          <a:p>
-            <a:endParaRPr lang="de-DE"/>
-          </a:p>
-          <a:p>
-            <a:pPr lvl="1"/>
-            <a:r>
-              <a:rPr lang="de-DE"/>
-              <a:t>Fließtext in Arial Regular. Illament ulluptatis desci dolent even ducit. Qui voluptas. </a:t>
-            </a:r>
-          </a:p>
-          <a:p>
-            <a:endParaRPr lang="de-DE"/>
-          </a:p>
-          <a:p>
-            <a:pPr lvl="2"/>
-            <a:r>
-              <a:rPr lang="de-DE"/>
-              <a:t>Enimpor ersperc hiliqui tectem fugitis.</a:t>
-            </a:r>
-          </a:p>
-          <a:p>
-            <a:pPr lvl="2"/>
-            <a:r>
-              <a:rPr lang="de-DE"/>
-              <a:t>Solupti undandae neso re ulpa impor ers percderae velenist et vent volo.</a:t>
+              <a:t>.</a:t>
             </a:r>
           </a:p>
           <a:p>
             <a:pPr lvl="3"/>
             <a:r>
-              <a:rPr lang="de-DE"/>
-              <a:t>Tur tem rerita qui repera dolore cum qui voluptas et laborer ventet.</a:t>
+              <a:rPr lang="de-DE" dirty="0" err="1"/>
+              <a:t>Tur</a:t>
+            </a:r>
+            <a:r>
+              <a:rPr lang="de-DE" dirty="0"/>
+              <a:t> </a:t>
+            </a:r>
+            <a:r>
+              <a:rPr lang="de-DE" dirty="0" err="1"/>
+              <a:t>tem</a:t>
+            </a:r>
+            <a:r>
+              <a:rPr lang="de-DE" dirty="0"/>
+              <a:t> </a:t>
+            </a:r>
+            <a:r>
+              <a:rPr lang="de-DE" dirty="0" err="1"/>
+              <a:t>rerita</a:t>
+            </a:r>
+            <a:r>
+              <a:rPr lang="de-DE" dirty="0"/>
+              <a:t> </a:t>
+            </a:r>
+            <a:r>
+              <a:rPr lang="de-DE" dirty="0" err="1"/>
+              <a:t>qui</a:t>
+            </a:r>
+            <a:r>
+              <a:rPr lang="de-DE" dirty="0"/>
+              <a:t> </a:t>
+            </a:r>
+            <a:r>
+              <a:rPr lang="de-DE" dirty="0" err="1"/>
+              <a:t>repera</a:t>
+            </a:r>
+            <a:r>
+              <a:rPr lang="de-DE" dirty="0"/>
+              <a:t> </a:t>
+            </a:r>
+            <a:r>
+              <a:rPr lang="de-DE" dirty="0" err="1"/>
+              <a:t>dolore</a:t>
+            </a:r>
+            <a:r>
+              <a:rPr lang="de-DE" dirty="0"/>
+              <a:t> cum </a:t>
+            </a:r>
+            <a:r>
+              <a:rPr lang="de-DE" dirty="0" err="1"/>
+              <a:t>qui</a:t>
+            </a:r>
+            <a:r>
+              <a:rPr lang="de-DE" dirty="0"/>
+              <a:t> </a:t>
+            </a:r>
+            <a:r>
+              <a:rPr lang="de-DE" dirty="0" err="1"/>
+              <a:t>voluptas</a:t>
+            </a:r>
+            <a:r>
+              <a:rPr lang="de-DE" dirty="0"/>
+              <a:t> et </a:t>
+            </a:r>
+            <a:r>
+              <a:rPr lang="de-DE" dirty="0" err="1"/>
+              <a:t>laborer</a:t>
+            </a:r>
+            <a:r>
+              <a:rPr lang="de-DE" dirty="0"/>
+              <a:t> </a:t>
+            </a:r>
+            <a:r>
+              <a:rPr lang="de-DE" dirty="0" err="1"/>
+              <a:t>ventet</a:t>
+            </a:r>
+            <a:r>
+              <a:rPr lang="de-DE" dirty="0"/>
+              <a:t>.</a:t>
             </a:r>
           </a:p>
           <a:p>
             <a:pPr lvl="3"/>
             <a:r>
-              <a:rPr lang="de-DE"/>
-              <a:t>Vid ut eatiati onectem ventet dolore dolupta es volupta quas ullandi.</a:t>
+              <a:rPr lang="de-DE" dirty="0"/>
+              <a:t>Vid </a:t>
+            </a:r>
+            <a:r>
+              <a:rPr lang="de-DE" dirty="0" err="1"/>
+              <a:t>ut</a:t>
+            </a:r>
+            <a:r>
+              <a:rPr lang="de-DE" dirty="0"/>
+              <a:t> </a:t>
+            </a:r>
+            <a:r>
+              <a:rPr lang="de-DE" dirty="0" err="1"/>
+              <a:t>eatiati</a:t>
+            </a:r>
+            <a:r>
+              <a:rPr lang="de-DE" dirty="0"/>
+              <a:t> </a:t>
+            </a:r>
+            <a:r>
+              <a:rPr lang="de-DE" dirty="0" err="1"/>
+              <a:t>onectem</a:t>
+            </a:r>
+            <a:r>
+              <a:rPr lang="de-DE" dirty="0"/>
+              <a:t> </a:t>
+            </a:r>
+            <a:r>
+              <a:rPr lang="de-DE" dirty="0" err="1"/>
+              <a:t>ventet</a:t>
+            </a:r>
+            <a:r>
+              <a:rPr lang="de-DE" dirty="0"/>
+              <a:t> </a:t>
+            </a:r>
+            <a:r>
+              <a:rPr lang="de-DE" dirty="0" err="1"/>
+              <a:t>dolore</a:t>
+            </a:r>
+            <a:r>
+              <a:rPr lang="de-DE" dirty="0"/>
+              <a:t> </a:t>
+            </a:r>
+            <a:r>
+              <a:rPr lang="de-DE" dirty="0" err="1"/>
+              <a:t>dolupta</a:t>
+            </a:r>
+            <a:r>
+              <a:rPr lang="de-DE" dirty="0"/>
+              <a:t> es </a:t>
+            </a:r>
+            <a:r>
+              <a:rPr lang="de-DE" dirty="0" err="1"/>
+              <a:t>volupta</a:t>
+            </a:r>
+            <a:r>
+              <a:rPr lang="de-DE" dirty="0"/>
+              <a:t> quas </a:t>
+            </a:r>
+            <a:r>
+              <a:rPr lang="de-DE" dirty="0" err="1"/>
+              <a:t>ullandi</a:t>
+            </a:r>
+            <a:r>
+              <a:rPr lang="de-DE" dirty="0"/>
+              <a:t>.</a:t>
             </a:r>
           </a:p>
           <a:p>
             <a:pPr lvl="3"/>
             <a:r>
-              <a:rPr lang="de-DE"/>
-              <a:t>Tquisci endersped beat dit et quo omnis expelig tem rerita qui.</a:t>
+              <a:rPr lang="de-DE" dirty="0" err="1"/>
+              <a:t>Tquisci</a:t>
+            </a:r>
+            <a:r>
+              <a:rPr lang="de-DE" dirty="0"/>
+              <a:t> </a:t>
+            </a:r>
+            <a:r>
+              <a:rPr lang="de-DE" dirty="0" err="1"/>
+              <a:t>endersped</a:t>
+            </a:r>
+            <a:r>
+              <a:rPr lang="de-DE" dirty="0"/>
+              <a:t> </a:t>
+            </a:r>
+            <a:r>
+              <a:rPr lang="de-DE" dirty="0" err="1"/>
+              <a:t>beat</a:t>
+            </a:r>
+            <a:r>
+              <a:rPr lang="de-DE" dirty="0"/>
+              <a:t> </a:t>
+            </a:r>
+            <a:r>
+              <a:rPr lang="de-DE" dirty="0" err="1"/>
+              <a:t>dit</a:t>
+            </a:r>
+            <a:r>
+              <a:rPr lang="de-DE" dirty="0"/>
+              <a:t> et quo </a:t>
+            </a:r>
+            <a:r>
+              <a:rPr lang="de-DE" dirty="0" err="1"/>
+              <a:t>omnis</a:t>
+            </a:r>
+            <a:r>
+              <a:rPr lang="de-DE" dirty="0"/>
+              <a:t> </a:t>
+            </a:r>
+            <a:r>
+              <a:rPr lang="de-DE" dirty="0" err="1"/>
+              <a:t>expelig</a:t>
+            </a:r>
+            <a:r>
+              <a:rPr lang="de-DE" dirty="0"/>
+              <a:t> </a:t>
+            </a:r>
+            <a:r>
+              <a:rPr lang="de-DE" dirty="0" err="1"/>
+              <a:t>tem</a:t>
+            </a:r>
+            <a:r>
+              <a:rPr lang="de-DE" dirty="0"/>
+              <a:t> </a:t>
+            </a:r>
+            <a:r>
+              <a:rPr lang="de-DE" dirty="0" err="1"/>
+              <a:t>rerita</a:t>
+            </a:r>
+            <a:r>
+              <a:rPr lang="de-DE" dirty="0"/>
+              <a:t> </a:t>
+            </a:r>
+            <a:r>
+              <a:rPr lang="de-DE" dirty="0" err="1"/>
+              <a:t>qui</a:t>
+            </a:r>
+            <a:r>
+              <a:rPr lang="de-DE" dirty="0"/>
+              <a:t>.</a:t>
             </a:r>
           </a:p>
           <a:p>
@@ -39508,7 +39563,7 @@
       </p:sp>
       <p:sp>
         <p:nvSpPr>
-          <p:cNvPr id="5" name="Fußzeilenplatzhalter 4"/>
+          <p:cNvPr id="14" name="Fußzeilenplatzhalter 4"/>
           <p:cNvSpPr>
             <a:spLocks noGrp="1"/>
           </p:cNvSpPr>
@@ -39516,22 +39571,27 @@
             <p:ph type="ftr" sz="quarter" idx="3"/>
           </p:nvPr>
         </p:nvSpPr>
-        <p:spPr/>
+        <p:spPr>
+          <a:xfrm>
+            <a:off x="3338671" y="6453336"/>
+            <a:ext cx="4247802" cy="216024"/>
+          </a:xfrm>
+        </p:spPr>
         <p:txBody>
           <a:bodyPr/>
           <a:lstStyle/>
           <a:p>
             <a:r>
-              <a:rPr lang="de-DE"/>
+              <a:rPr lang="de-DE" sz="900"/>
               <a:t>Magnetisum und Altermagnetismus</a:t>
             </a:r>
-            <a:endParaRPr lang="de-DE" dirty="0"/>
-          </a:p>
-        </p:txBody>
-      </p:sp>
-      <p:sp>
-        <p:nvSpPr>
-          <p:cNvPr id="6" name="Foliennummernplatzhalter 5"/>
+            <a:endParaRPr lang="de-DE" sz="900" dirty="0"/>
+          </a:p>
+        </p:txBody>
+      </p:sp>
+      <p:sp>
+        <p:nvSpPr>
+          <p:cNvPr id="15" name="Foliennummernplatzhalter 5"/>
           <p:cNvSpPr>
             <a:spLocks noGrp="1"/>
           </p:cNvSpPr>
@@ -39539,47 +39599,65 @@
             <p:ph type="sldNum" sz="quarter" idx="4"/>
           </p:nvPr>
         </p:nvSpPr>
-        <p:spPr/>
+        <p:spPr>
+          <a:xfrm>
+            <a:off x="431800" y="6453336"/>
+            <a:ext cx="935038" cy="216024"/>
+          </a:xfrm>
+        </p:spPr>
         <p:txBody>
           <a:bodyPr/>
           <a:lstStyle/>
           <a:p>
             <a:fld id="{C05EE493-AD2E-4872-B2F6-8F12A747F0A5}" type="slidenum">
-              <a:rPr lang="de-DE" smtClean="0"/>
+              <a:rPr lang="de-DE" sz="900"/>
               <a:pPr/>
               <a:t>37</a:t>
             </a:fld>
-            <a:endParaRPr lang="de-DE" dirty="0"/>
-          </a:p>
-        </p:txBody>
-      </p:sp>
-      <p:sp>
-        <p:nvSpPr>
-          <p:cNvPr id="7" name="Datumsplatzhalter 6"/>
+            <a:endParaRPr lang="de-DE" sz="900" dirty="0"/>
+          </a:p>
+        </p:txBody>
+      </p:sp>
+      <p:sp>
+        <p:nvSpPr>
+          <p:cNvPr id="16" name="Datumsplatzhalter 3"/>
           <p:cNvSpPr>
             <a:spLocks noGrp="1"/>
           </p:cNvSpPr>
           <p:nvPr>
-            <p:ph type="dt" sz="half" idx="10"/>
+            <p:ph type="dt" sz="half" idx="2"/>
           </p:nvPr>
         </p:nvSpPr>
-        <p:spPr/>
-        <p:txBody>
-          <a:bodyPr/>
-          <a:lstStyle/>
-          <a:p>
-            <a:r>
-              <a:rPr lang="de-DE"/>
+        <p:spPr>
+          <a:xfrm>
+            <a:off x="1871663" y="6453336"/>
+            <a:ext cx="936626" cy="216024"/>
+          </a:xfrm>
+        </p:spPr>
+        <p:txBody>
+          <a:bodyPr anchor="ctr" anchorCtr="0"/>
+          <a:lstStyle/>
+          <a:p>
+            <a:r>
+              <a:rPr lang="de-DE" sz="900">
+                <a:solidFill>
+                  <a:schemeClr val="tx1"/>
+                </a:solidFill>
+              </a:rPr>
               <a:t>07.06.2024</a:t>
             </a:r>
-            <a:endParaRPr lang="de-DE" dirty="0"/>
+            <a:endParaRPr lang="de-DE" sz="900" dirty="0">
+              <a:solidFill>
+                <a:schemeClr val="tx1"/>
+              </a:solidFill>
+            </a:endParaRPr>
           </a:p>
         </p:txBody>
       </p:sp>
     </p:spTree>
     <p:extLst>
       <p:ext uri="{BB962C8B-B14F-4D97-AF65-F5344CB8AC3E}">
-        <p14:creationId xmlns:p14="http://schemas.microsoft.com/office/powerpoint/2010/main" val="3136293317"/>
+        <p14:creationId xmlns:p14="http://schemas.microsoft.com/office/powerpoint/2010/main" val="250567232"/>
       </p:ext>
     </p:extLst>
   </p:cSld>
@@ -39608,7 +39686,7 @@
       </p:grpSpPr>
       <p:sp>
         <p:nvSpPr>
-          <p:cNvPr id="10" name="Titel 9"/>
+          <p:cNvPr id="2" name="Titel 1"/>
           <p:cNvSpPr>
             <a:spLocks noGrp="1"/>
           </p:cNvSpPr>
@@ -39623,7 +39701,7 @@
           <a:p>
             <a:r>
               <a:rPr lang="de-DE"/>
-              <a:t>Headline für Bildfolie Arial Bold</a:t>
+              <a:t>Große Headline für Textfolie</a:t>
             </a:r>
             <a:br>
               <a:rPr lang="de-DE"/>
@@ -39638,12 +39716,12 @@
       </p:sp>
       <p:sp>
         <p:nvSpPr>
-          <p:cNvPr id="3" name="Fußzeilenplatzhalter 2"/>
+          <p:cNvPr id="3" name="Inhaltsplatzhalter 2"/>
           <p:cNvSpPr>
             <a:spLocks noGrp="1"/>
           </p:cNvSpPr>
           <p:nvPr>
-            <p:ph type="ftr" sz="quarter" idx="10"/>
+            <p:ph sz="half" idx="1"/>
           </p:nvPr>
         </p:nvSpPr>
         <p:spPr/>
@@ -39653,20 +39731,164 @@
           <a:p>
             <a:r>
               <a:rPr lang="de-DE"/>
-              <a:t>Magnetisum und Altermagnetismus</a:t>
-            </a:r>
-            <a:endParaRPr lang="de-DE" dirty="0"/>
-          </a:p>
-        </p:txBody>
-      </p:sp>
-      <p:sp>
-        <p:nvSpPr>
-          <p:cNvPr id="4" name="Foliennummernplatzhalter 3"/>
+              <a:t>Subheadline Bold Akzentfarbe 1</a:t>
+            </a:r>
+          </a:p>
+          <a:p>
+            <a:endParaRPr lang="de-DE"/>
+          </a:p>
+          <a:p>
+            <a:pPr lvl="1"/>
+            <a:r>
+              <a:rPr lang="de-DE"/>
+              <a:t>Fließtext in Arial Regular. Illament ulluptatis desci dolent even ducit. Qui voluptas. </a:t>
+            </a:r>
+          </a:p>
+          <a:p>
+            <a:endParaRPr lang="de-DE"/>
+          </a:p>
+          <a:p>
+            <a:pPr lvl="2"/>
+            <a:r>
+              <a:rPr lang="de-DE"/>
+              <a:t>Enimpor ersperc hiliqui tectem fugitis.</a:t>
+            </a:r>
+          </a:p>
+          <a:p>
+            <a:pPr lvl="2"/>
+            <a:r>
+              <a:rPr lang="de-DE"/>
+              <a:t>Solupti undandae neso re ulpa impor ers percderae velenist et vent volo.</a:t>
+            </a:r>
+          </a:p>
+          <a:p>
+            <a:pPr lvl="3"/>
+            <a:r>
+              <a:rPr lang="de-DE"/>
+              <a:t>Tur tem rerita qui repera dolore cum qui voluptas et laborer ventet.</a:t>
+            </a:r>
+          </a:p>
+          <a:p>
+            <a:pPr lvl="3"/>
+            <a:r>
+              <a:rPr lang="de-DE"/>
+              <a:t>Vid ut eatiati onectem ventet dolore dolupta es volupta quas ullandi.</a:t>
+            </a:r>
+          </a:p>
+          <a:p>
+            <a:pPr lvl="3"/>
+            <a:r>
+              <a:rPr lang="de-DE"/>
+              <a:t>Tquisci endersped beat dit et quo omnis expelig tem rerita qui.</a:t>
+            </a:r>
+          </a:p>
+          <a:p>
+            <a:endParaRPr lang="de-DE" dirty="0"/>
+          </a:p>
+        </p:txBody>
+      </p:sp>
+      <p:sp>
+        <p:nvSpPr>
+          <p:cNvPr id="4" name="Inhaltsplatzhalter 3"/>
           <p:cNvSpPr>
             <a:spLocks noGrp="1"/>
           </p:cNvSpPr>
           <p:nvPr>
-            <p:ph type="sldNum" sz="quarter" idx="11"/>
+            <p:ph sz="half" idx="2"/>
+          </p:nvPr>
+        </p:nvSpPr>
+        <p:spPr/>
+        <p:txBody>
+          <a:bodyPr/>
+          <a:lstStyle/>
+          <a:p>
+            <a:r>
+              <a:rPr lang="de-DE"/>
+              <a:t>Subheadline Bold Akzentfarbe 1</a:t>
+            </a:r>
+          </a:p>
+          <a:p>
+            <a:endParaRPr lang="de-DE"/>
+          </a:p>
+          <a:p>
+            <a:pPr lvl="1"/>
+            <a:r>
+              <a:rPr lang="de-DE"/>
+              <a:t>Fließtext in Arial Regular. Illament ulluptatis desci dolent even ducit. Qui voluptas. </a:t>
+            </a:r>
+          </a:p>
+          <a:p>
+            <a:endParaRPr lang="de-DE"/>
+          </a:p>
+          <a:p>
+            <a:pPr lvl="2"/>
+            <a:r>
+              <a:rPr lang="de-DE"/>
+              <a:t>Enimpor ersperc hiliqui tectem fugitis.</a:t>
+            </a:r>
+          </a:p>
+          <a:p>
+            <a:pPr lvl="2"/>
+            <a:r>
+              <a:rPr lang="de-DE"/>
+              <a:t>Solupti undandae neso re ulpa impor ers percderae velenist et vent volo.</a:t>
+            </a:r>
+          </a:p>
+          <a:p>
+            <a:pPr lvl="3"/>
+            <a:r>
+              <a:rPr lang="de-DE"/>
+              <a:t>Tur tem rerita qui repera dolore cum qui voluptas et laborer ventet.</a:t>
+            </a:r>
+          </a:p>
+          <a:p>
+            <a:pPr lvl="3"/>
+            <a:r>
+              <a:rPr lang="de-DE"/>
+              <a:t>Vid ut eatiati onectem ventet dolore dolupta es volupta quas ullandi.</a:t>
+            </a:r>
+          </a:p>
+          <a:p>
+            <a:pPr lvl="3"/>
+            <a:r>
+              <a:rPr lang="de-DE"/>
+              <a:t>Tquisci endersped beat dit et quo omnis expelig tem rerita qui.</a:t>
+            </a:r>
+            <a:endParaRPr lang="de-DE" dirty="0"/>
+          </a:p>
+        </p:txBody>
+      </p:sp>
+      <p:sp>
+        <p:nvSpPr>
+          <p:cNvPr id="5" name="Fußzeilenplatzhalter 4"/>
+          <p:cNvSpPr>
+            <a:spLocks noGrp="1"/>
+          </p:cNvSpPr>
+          <p:nvPr>
+            <p:ph type="ftr" sz="quarter" idx="3"/>
+          </p:nvPr>
+        </p:nvSpPr>
+        <p:spPr/>
+        <p:txBody>
+          <a:bodyPr/>
+          <a:lstStyle/>
+          <a:p>
+            <a:r>
+              <a:rPr lang="de-DE"/>
+              <a:t>Magnetisum und Altermagnetismus</a:t>
+            </a:r>
+            <a:endParaRPr lang="de-DE" dirty="0"/>
+          </a:p>
+        </p:txBody>
+      </p:sp>
+      <p:sp>
+        <p:nvSpPr>
+          <p:cNvPr id="6" name="Foliennummernplatzhalter 5"/>
+          <p:cNvSpPr>
+            <a:spLocks noGrp="1"/>
+          </p:cNvSpPr>
+          <p:nvPr>
+            <p:ph type="sldNum" sz="quarter" idx="4"/>
           </p:nvPr>
         </p:nvSpPr>
         <p:spPr/>
@@ -39685,12 +39907,12 @@
       </p:sp>
       <p:sp>
         <p:nvSpPr>
-          <p:cNvPr id="5" name="Datumsplatzhalter 4"/>
+          <p:cNvPr id="7" name="Datumsplatzhalter 6"/>
           <p:cNvSpPr>
             <a:spLocks noGrp="1"/>
           </p:cNvSpPr>
           <p:nvPr>
-            <p:ph type="dt" sz="half" idx="12"/>
+            <p:ph type="dt" sz="half" idx="10"/>
           </p:nvPr>
         </p:nvSpPr>
         <p:spPr/>
@@ -39701,133 +39923,6 @@
             <a:r>
               <a:rPr lang="de-DE"/>
               <a:t>07.06.2024</a:t>
-            </a:r>
-            <a:endParaRPr lang="de-DE" dirty="0"/>
-          </a:p>
-        </p:txBody>
-      </p:sp>
-      <p:pic>
-        <p:nvPicPr>
-          <p:cNvPr id="8" name="Bildplatzhalter 7"/>
-          <p:cNvPicPr>
-            <a:picLocks noGrp="1" noChangeAspect="1"/>
-          </p:cNvPicPr>
-          <p:nvPr>
-            <p:ph type="pic" sz="quarter" idx="13"/>
-          </p:nvPr>
-        </p:nvPicPr>
-        <p:blipFill>
-          <a:blip r:embed="rId2" cstate="print">
-            <a:extLst>
-              <a:ext uri="{28A0092B-C50C-407E-A947-70E740481C1C}">
-                <a14:useLocalDpi xmlns:a14="http://schemas.microsoft.com/office/drawing/2010/main" val="0"/>
-              </a:ext>
-            </a:extLst>
-          </a:blip>
-          <a:srcRect l="9354" r="9354"/>
-          <a:stretch>
-            <a:fillRect/>
-          </a:stretch>
-        </p:blipFill>
-        <p:spPr/>
-      </p:pic>
-      <p:sp>
-        <p:nvSpPr>
-          <p:cNvPr id="7" name="Textplatzhalter 6"/>
-          <p:cNvSpPr>
-            <a:spLocks noGrp="1"/>
-          </p:cNvSpPr>
-          <p:nvPr>
-            <p:ph type="body" sz="quarter" idx="15"/>
-          </p:nvPr>
-        </p:nvSpPr>
-        <p:spPr/>
-        <p:txBody>
-          <a:bodyPr/>
-          <a:lstStyle/>
-          <a:p>
-            <a:r>
-              <a:rPr lang="de-DE"/>
-              <a:t>Headline Bildunterschrift [1. Ebene]</a:t>
-            </a:r>
-          </a:p>
-          <a:p>
-            <a:pPr lvl="1"/>
-            <a:r>
-              <a:rPr lang="de-DE"/>
-              <a:t>Text Bildunterschrift Arial Regular [2. Ebene]. </a:t>
-            </a:r>
-            <a:br>
-              <a:rPr lang="de-DE"/>
-            </a:br>
-            <a:r>
-              <a:rPr lang="de-DE"/>
-              <a:t>Zur Formatierung 1 × „Einzug vergrößern“</a:t>
-            </a:r>
-          </a:p>
-          <a:p>
-            <a:pPr lvl="1"/>
-            <a:endParaRPr lang="de-DE" dirty="0"/>
-          </a:p>
-        </p:txBody>
-      </p:sp>
-      <p:pic>
-        <p:nvPicPr>
-          <p:cNvPr id="13" name="Bildplatzhalter 12"/>
-          <p:cNvPicPr>
-            <a:picLocks noGrp="1" noChangeAspect="1"/>
-          </p:cNvPicPr>
-          <p:nvPr>
-            <p:ph type="pic" sz="quarter" idx="16"/>
-          </p:nvPr>
-        </p:nvPicPr>
-        <p:blipFill>
-          <a:blip r:embed="rId2" cstate="print">
-            <a:extLst>
-              <a:ext uri="{28A0092B-C50C-407E-A947-70E740481C1C}">
-                <a14:useLocalDpi xmlns:a14="http://schemas.microsoft.com/office/drawing/2010/main" val="0"/>
-              </a:ext>
-            </a:extLst>
-          </a:blip>
-          <a:srcRect l="9354" r="9354"/>
-          <a:stretch>
-            <a:fillRect/>
-          </a:stretch>
-        </p:blipFill>
-        <p:spPr/>
-      </p:pic>
-      <p:sp>
-        <p:nvSpPr>
-          <p:cNvPr id="12" name="Textplatzhalter 11"/>
-          <p:cNvSpPr>
-            <a:spLocks noGrp="1"/>
-          </p:cNvSpPr>
-          <p:nvPr>
-            <p:ph type="body" sz="quarter" idx="17"/>
-          </p:nvPr>
-        </p:nvSpPr>
-        <p:spPr/>
-        <p:txBody>
-          <a:bodyPr/>
-          <a:lstStyle/>
-          <a:p>
-            <a:r>
-              <a:rPr lang="de-DE"/>
-              <a:t>Headline Bildunterschrift [1. Ebene]</a:t>
-            </a:r>
-          </a:p>
-          <a:p>
-            <a:pPr lvl="1"/>
-            <a:r>
-              <a:rPr lang="de-DE"/>
-              <a:t>Text Bildunterschrift Arial Regular [2. Ebene]. </a:t>
-            </a:r>
-            <a:br>
-              <a:rPr lang="de-DE"/>
-            </a:br>
-            <a:r>
-              <a:rPr lang="de-DE"/>
-              <a:t>Zur Formatierung 1 × „Einzug vergrößern“</a:t>
             </a:r>
             <a:endParaRPr lang="de-DE" dirty="0"/>
           </a:p>
@@ -39836,7 +39931,7 @@
     </p:spTree>
     <p:extLst>
       <p:ext uri="{BB962C8B-B14F-4D97-AF65-F5344CB8AC3E}">
-        <p14:creationId xmlns:p14="http://schemas.microsoft.com/office/powerpoint/2010/main" val="514753688"/>
+        <p14:creationId xmlns:p14="http://schemas.microsoft.com/office/powerpoint/2010/main" val="3136293317"/>
       </p:ext>
     </p:extLst>
   </p:cSld>
@@ -39880,7 +39975,7 @@
           <a:p>
             <a:r>
               <a:rPr lang="de-DE"/>
-              <a:t>Große Headline für Textfolie</a:t>
+              <a:t>Headline für Bildfolie Arial Bold</a:t>
             </a:r>
             <a:br>
               <a:rPr lang="de-DE"/>
@@ -40093,7 +40188,7 @@
     </p:spTree>
     <p:extLst>
       <p:ext uri="{BB962C8B-B14F-4D97-AF65-F5344CB8AC3E}">
-        <p14:creationId xmlns:p14="http://schemas.microsoft.com/office/powerpoint/2010/main" val="3046935765"/>
+        <p14:creationId xmlns:p14="http://schemas.microsoft.com/office/powerpoint/2010/main" val="514753688"/>
       </p:ext>
     </p:extLst>
   </p:cSld>
@@ -40747,7 +40842,37 @@
       </p:grpSpPr>
       <p:sp>
         <p:nvSpPr>
-          <p:cNvPr id="2" name="Fußzeilenplatzhalter 1"/>
+          <p:cNvPr id="10" name="Titel 9"/>
+          <p:cNvSpPr>
+            <a:spLocks noGrp="1"/>
+          </p:cNvSpPr>
+          <p:nvPr>
+            <p:ph type="title"/>
+          </p:nvPr>
+        </p:nvSpPr>
+        <p:spPr/>
+        <p:txBody>
+          <a:bodyPr/>
+          <a:lstStyle/>
+          <a:p>
+            <a:r>
+              <a:rPr lang="de-DE"/>
+              <a:t>Große Headline für Textfolie</a:t>
+            </a:r>
+            <a:br>
+              <a:rPr lang="de-DE"/>
+            </a:br>
+            <a:r>
+              <a:rPr lang="de-DE"/>
+              <a:t>Headline maximal zwei Zeilen</a:t>
+            </a:r>
+            <a:endParaRPr lang="de-DE" dirty="0"/>
+          </a:p>
+        </p:txBody>
+      </p:sp>
+      <p:sp>
+        <p:nvSpPr>
+          <p:cNvPr id="3" name="Fußzeilenplatzhalter 2"/>
           <p:cNvSpPr>
             <a:spLocks noGrp="1"/>
           </p:cNvSpPr>
@@ -40770,7 +40895,7 @@
       </p:sp>
       <p:sp>
         <p:nvSpPr>
-          <p:cNvPr id="3" name="Foliennummernplatzhalter 2"/>
+          <p:cNvPr id="4" name="Foliennummernplatzhalter 3"/>
           <p:cNvSpPr>
             <a:spLocks noGrp="1"/>
           </p:cNvSpPr>
@@ -40794,7 +40919,7 @@
       </p:sp>
       <p:sp>
         <p:nvSpPr>
-          <p:cNvPr id="4" name="Datumsplatzhalter 3"/>
+          <p:cNvPr id="5" name="Datumsplatzhalter 4"/>
           <p:cNvSpPr>
             <a:spLocks noGrp="1"/>
           </p:cNvSpPr>
@@ -40817,7 +40942,7 @@
       </p:sp>
       <p:pic>
         <p:nvPicPr>
-          <p:cNvPr id="7" name="Bildplatzhalter 6"/>
+          <p:cNvPr id="8" name="Bildplatzhalter 7"/>
           <p:cNvPicPr>
             <a:picLocks noGrp="1" noChangeAspect="1"/>
           </p:cNvPicPr>
@@ -40826,14 +40951,14 @@
           </p:nvPr>
         </p:nvPicPr>
         <p:blipFill>
-          <a:blip r:embed="rId2">
+          <a:blip r:embed="rId2" cstate="print">
             <a:extLst>
               <a:ext uri="{28A0092B-C50C-407E-A947-70E740481C1C}">
                 <a14:useLocalDpi xmlns:a14="http://schemas.microsoft.com/office/drawing/2010/main" val="0"/>
               </a:ext>
             </a:extLst>
           </a:blip>
-          <a:srcRect l="5497" r="5497"/>
+          <a:srcRect l="9354" r="9354"/>
           <a:stretch>
             <a:fillRect/>
           </a:stretch>
@@ -40842,7 +40967,7 @@
       </p:pic>
       <p:sp>
         <p:nvSpPr>
-          <p:cNvPr id="6" name="Textplatzhalter 5"/>
+          <p:cNvPr id="7" name="Textplatzhalter 6"/>
           <p:cNvSpPr>
             <a:spLocks noGrp="1"/>
           </p:cNvSpPr>
@@ -40864,14 +40989,79 @@
             <a:pPr lvl="1"/>
             <a:r>
               <a:rPr lang="de-DE"/>
-              <a:t>Text Bildunterschrift Arial Regular [2. Ebene]. Zur Formatierung </a:t>
+              <a:t>Text Bildunterschrift Arial Regular [2. Ebene]. </a:t>
             </a:r>
             <a:br>
               <a:rPr lang="de-DE"/>
             </a:br>
             <a:r>
               <a:rPr lang="de-DE"/>
-              <a:t>1 × „Einzug vergrößern“</a:t>
+              <a:t>Zur Formatierung 1 × „Einzug vergrößern“</a:t>
+            </a:r>
+          </a:p>
+          <a:p>
+            <a:pPr lvl="1"/>
+            <a:endParaRPr lang="de-DE" dirty="0"/>
+          </a:p>
+        </p:txBody>
+      </p:sp>
+      <p:pic>
+        <p:nvPicPr>
+          <p:cNvPr id="13" name="Bildplatzhalter 12"/>
+          <p:cNvPicPr>
+            <a:picLocks noGrp="1" noChangeAspect="1"/>
+          </p:cNvPicPr>
+          <p:nvPr>
+            <p:ph type="pic" sz="quarter" idx="16"/>
+          </p:nvPr>
+        </p:nvPicPr>
+        <p:blipFill>
+          <a:blip r:embed="rId2" cstate="print">
+            <a:extLst>
+              <a:ext uri="{28A0092B-C50C-407E-A947-70E740481C1C}">
+                <a14:useLocalDpi xmlns:a14="http://schemas.microsoft.com/office/drawing/2010/main" val="0"/>
+              </a:ext>
+            </a:extLst>
+          </a:blip>
+          <a:srcRect l="9354" r="9354"/>
+          <a:stretch>
+            <a:fillRect/>
+          </a:stretch>
+        </p:blipFill>
+        <p:spPr/>
+      </p:pic>
+      <p:sp>
+        <p:nvSpPr>
+          <p:cNvPr id="12" name="Textplatzhalter 11"/>
+          <p:cNvSpPr>
+            <a:spLocks noGrp="1"/>
+          </p:cNvSpPr>
+          <p:nvPr>
+            <p:ph type="body" sz="quarter" idx="17"/>
+          </p:nvPr>
+        </p:nvSpPr>
+        <p:spPr/>
+        <p:txBody>
+          <a:bodyPr/>
+          <a:lstStyle/>
+          <a:p>
+            <a:r>
+              <a:rPr lang="de-DE"/>
+              <a:t>Headline Bildunterschrift [1. Ebene]</a:t>
+            </a:r>
+          </a:p>
+          <a:p>
+            <a:pPr lvl="1"/>
+            <a:r>
+              <a:rPr lang="de-DE"/>
+              <a:t>Text Bildunterschrift Arial Regular [2. Ebene]. </a:t>
+            </a:r>
+            <a:br>
+              <a:rPr lang="de-DE"/>
+            </a:br>
+            <a:r>
+              <a:rPr lang="de-DE"/>
+              <a:t>Zur Formatierung 1 × „Einzug vergrößern“</a:t>
             </a:r>
             <a:endParaRPr lang="de-DE" dirty="0"/>
           </a:p>
@@ -40880,7 +41070,7 @@
     </p:spTree>
     <p:extLst>
       <p:ext uri="{BB962C8B-B14F-4D97-AF65-F5344CB8AC3E}">
-        <p14:creationId xmlns:p14="http://schemas.microsoft.com/office/powerpoint/2010/main" val="3171381206"/>
+        <p14:creationId xmlns:p14="http://schemas.microsoft.com/office/powerpoint/2010/main" val="3046935765"/>
       </p:ext>
     </p:extLst>
   </p:cSld>
@@ -40977,6 +41167,31 @@
           </a:p>
         </p:txBody>
       </p:sp>
+      <p:pic>
+        <p:nvPicPr>
+          <p:cNvPr id="7" name="Bildplatzhalter 6"/>
+          <p:cNvPicPr>
+            <a:picLocks noGrp="1" noChangeAspect="1"/>
+          </p:cNvPicPr>
+          <p:nvPr>
+            <p:ph type="pic" sz="quarter" idx="13"/>
+          </p:nvPr>
+        </p:nvPicPr>
+        <p:blipFill>
+          <a:blip r:embed="rId2">
+            <a:extLst>
+              <a:ext uri="{28A0092B-C50C-407E-A947-70E740481C1C}">
+                <a14:useLocalDpi xmlns:a14="http://schemas.microsoft.com/office/drawing/2010/main" val="0"/>
+              </a:ext>
+            </a:extLst>
+          </a:blip>
+          <a:srcRect l="5497" r="5497"/>
+          <a:stretch>
+            <a:fillRect/>
+          </a:stretch>
+        </p:blipFill>
+        <p:spPr/>
+      </p:pic>
       <p:sp>
         <p:nvSpPr>
           <p:cNvPr id="6" name="Textplatzhalter 5"/>
@@ -40984,7 +41199,7 @@
             <a:spLocks noGrp="1"/>
           </p:cNvSpPr>
           <p:nvPr>
-            <p:ph type="body" sz="quarter" idx="13"/>
+            <p:ph type="body" sz="quarter" idx="15"/>
           </p:nvPr>
         </p:nvSpPr>
         <p:spPr/>
@@ -40994,34 +41209,21 @@
           <a:p>
             <a:r>
               <a:rPr lang="de-DE"/>
-              <a:t>„Großes </a:t>
-            </a:r>
-          </a:p>
-          <a:p>
+              <a:t>Headline Bildunterschrift [1. Ebene]</a:t>
+            </a:r>
+          </a:p>
+          <a:p>
+            <a:pPr lvl="1"/>
             <a:r>
               <a:rPr lang="de-DE"/>
-              <a:t>Zitat/Aussage. Typografie:</a:t>
+              <a:t>Text Bildunterschrift Arial Regular [2. Ebene]. Zur Formatierung </a:t>
             </a:r>
             <a:br>
               <a:rPr lang="de-DE"/>
             </a:br>
             <a:r>
               <a:rPr lang="de-DE"/>
-              <a:t>Arial Bold.“</a:t>
-            </a:r>
-          </a:p>
-          <a:p>
-            <a:pPr lvl="1"/>
-            <a:r>
-              <a:rPr lang="de-DE"/>
-              <a:t>Zitat Max Mustermann</a:t>
-            </a:r>
-            <a:br>
-              <a:rPr lang="de-DE"/>
-            </a:br>
-            <a:r>
-              <a:rPr lang="de-DE"/>
-              <a:t>[Formatierung 1 × „Einzug vergrößern“]</a:t>
+              <a:t>1 × „Einzug vergrößern“</a:t>
             </a:r>
             <a:endParaRPr lang="de-DE" dirty="0"/>
           </a:p>
@@ -41030,7 +41232,7 @@
     </p:spTree>
     <p:extLst>
       <p:ext uri="{BB962C8B-B14F-4D97-AF65-F5344CB8AC3E}">
-        <p14:creationId xmlns:p14="http://schemas.microsoft.com/office/powerpoint/2010/main" val="2591564855"/>
+        <p14:creationId xmlns:p14="http://schemas.microsoft.com/office/powerpoint/2010/main" val="3171381206"/>
       </p:ext>
     </p:extLst>
   </p:cSld>
@@ -41144,14 +41346,20 @@
           <a:p>
             <a:r>
               <a:rPr lang="de-DE"/>
-              <a:t>„Zitat/Aussage. </a:t>
+              <a:t>„Großes </a:t>
+            </a:r>
+          </a:p>
+          <a:p>
+            <a:r>
+              <a:rPr lang="de-DE"/>
+              <a:t>Zitat/Aussage. Typografie:</a:t>
             </a:r>
             <a:br>
               <a:rPr lang="de-DE"/>
             </a:br>
             <a:r>
               <a:rPr lang="de-DE"/>
-              <a:t>Typografie: Arial Bold.“</a:t>
+              <a:t>Arial Bold.“</a:t>
             </a:r>
           </a:p>
           <a:p>
@@ -41174,7 +41382,7 @@
     </p:spTree>
     <p:extLst>
       <p:ext uri="{BB962C8B-B14F-4D97-AF65-F5344CB8AC3E}">
-        <p14:creationId xmlns:p14="http://schemas.microsoft.com/office/powerpoint/2010/main" val="634207922"/>
+        <p14:creationId xmlns:p14="http://schemas.microsoft.com/office/powerpoint/2010/main" val="2591564855"/>
       </p:ext>
     </p:extLst>
   </p:cSld>
@@ -41203,6 +41411,150 @@
       </p:grpSpPr>
       <p:sp>
         <p:nvSpPr>
+          <p:cNvPr id="2" name="Fußzeilenplatzhalter 1"/>
+          <p:cNvSpPr>
+            <a:spLocks noGrp="1"/>
+          </p:cNvSpPr>
+          <p:nvPr>
+            <p:ph type="ftr" sz="quarter" idx="10"/>
+          </p:nvPr>
+        </p:nvSpPr>
+        <p:spPr/>
+        <p:txBody>
+          <a:bodyPr/>
+          <a:lstStyle/>
+          <a:p>
+            <a:r>
+              <a:rPr lang="de-DE"/>
+              <a:t>Magnetisum und Altermagnetismus</a:t>
+            </a:r>
+            <a:endParaRPr lang="de-DE" dirty="0"/>
+          </a:p>
+        </p:txBody>
+      </p:sp>
+      <p:sp>
+        <p:nvSpPr>
+          <p:cNvPr id="3" name="Foliennummernplatzhalter 2"/>
+          <p:cNvSpPr>
+            <a:spLocks noGrp="1"/>
+          </p:cNvSpPr>
+          <p:nvPr>
+            <p:ph type="sldNum" sz="quarter" idx="11"/>
+          </p:nvPr>
+        </p:nvSpPr>
+        <p:spPr/>
+        <p:txBody>
+          <a:bodyPr/>
+          <a:lstStyle/>
+          <a:p>
+            <a:fld id="{C05EE493-AD2E-4872-B2F6-8F12A747F0A5}" type="slidenum">
+              <a:rPr lang="de-DE" smtClean="0"/>
+              <a:pPr/>
+              <a:t>43</a:t>
+            </a:fld>
+            <a:endParaRPr lang="de-DE" dirty="0"/>
+          </a:p>
+        </p:txBody>
+      </p:sp>
+      <p:sp>
+        <p:nvSpPr>
+          <p:cNvPr id="4" name="Datumsplatzhalter 3"/>
+          <p:cNvSpPr>
+            <a:spLocks noGrp="1"/>
+          </p:cNvSpPr>
+          <p:nvPr>
+            <p:ph type="dt" sz="half" idx="12"/>
+          </p:nvPr>
+        </p:nvSpPr>
+        <p:spPr/>
+        <p:txBody>
+          <a:bodyPr/>
+          <a:lstStyle/>
+          <a:p>
+            <a:r>
+              <a:rPr lang="de-DE"/>
+              <a:t>07.06.2024</a:t>
+            </a:r>
+            <a:endParaRPr lang="de-DE" dirty="0"/>
+          </a:p>
+        </p:txBody>
+      </p:sp>
+      <p:sp>
+        <p:nvSpPr>
+          <p:cNvPr id="6" name="Textplatzhalter 5"/>
+          <p:cNvSpPr>
+            <a:spLocks noGrp="1"/>
+          </p:cNvSpPr>
+          <p:nvPr>
+            <p:ph type="body" sz="quarter" idx="13"/>
+          </p:nvPr>
+        </p:nvSpPr>
+        <p:spPr/>
+        <p:txBody>
+          <a:bodyPr/>
+          <a:lstStyle/>
+          <a:p>
+            <a:r>
+              <a:rPr lang="de-DE"/>
+              <a:t>„Zitat/Aussage. </a:t>
+            </a:r>
+            <a:br>
+              <a:rPr lang="de-DE"/>
+            </a:br>
+            <a:r>
+              <a:rPr lang="de-DE"/>
+              <a:t>Typografie: Arial Bold.“</a:t>
+            </a:r>
+          </a:p>
+          <a:p>
+            <a:pPr lvl="1"/>
+            <a:r>
+              <a:rPr lang="de-DE"/>
+              <a:t>Zitat Max Mustermann</a:t>
+            </a:r>
+            <a:br>
+              <a:rPr lang="de-DE"/>
+            </a:br>
+            <a:r>
+              <a:rPr lang="de-DE"/>
+              <a:t>[Formatierung 1 × „Einzug vergrößern“]</a:t>
+            </a:r>
+            <a:endParaRPr lang="de-DE" dirty="0"/>
+          </a:p>
+        </p:txBody>
+      </p:sp>
+    </p:spTree>
+    <p:extLst>
+      <p:ext uri="{BB962C8B-B14F-4D97-AF65-F5344CB8AC3E}">
+        <p14:creationId xmlns:p14="http://schemas.microsoft.com/office/powerpoint/2010/main" val="634207922"/>
+      </p:ext>
+    </p:extLst>
+  </p:cSld>
+  <p:clrMapOvr>
+    <a:masterClrMapping/>
+  </p:clrMapOvr>
+</p:sld>
+</file>
+
+<file path=ppt/slides/slide44.xml><?xml version="1.0" encoding="utf-8"?>
+<p:sld xmlns:a="http://schemas.openxmlformats.org/drawingml/2006/main" xmlns:r="http://schemas.openxmlformats.org/officeDocument/2006/relationships" xmlns:p="http://schemas.openxmlformats.org/presentationml/2006/main">
+  <p:cSld>
+    <p:spTree>
+      <p:nvGrpSpPr>
+        <p:cNvPr id="1" name=""/>
+        <p:cNvGrpSpPr/>
+        <p:nvPr/>
+      </p:nvGrpSpPr>
+      <p:grpSpPr>
+        <a:xfrm>
+          <a:off x="0" y="0"/>
+          <a:ext cx="0" cy="0"/>
+          <a:chOff x="0" y="0"/>
+          <a:chExt cx="0" cy="0"/>
+        </a:xfrm>
+      </p:grpSpPr>
+      <p:sp>
+        <p:nvSpPr>
           <p:cNvPr id="15" name="Titel 14"/>
           <p:cNvSpPr>
             <a:spLocks noGrp="1"/>
@@ -41264,7 +41616,7 @@
             <a:fld id="{C05EE493-AD2E-4872-B2F6-8F12A747F0A5}" type="slidenum">
               <a:rPr lang="de-DE" smtClean="0"/>
               <a:pPr/>
-              <a:t>43</a:t>
+              <a:t>44</a:t>
             </a:fld>
             <a:endParaRPr lang="de-DE" dirty="0"/>
           </a:p>
@@ -42329,7 +42681,7 @@
 </p:sld>
 </file>
 
-<file path=ppt/slides/slide44.xml><?xml version="1.0" encoding="utf-8"?>
+<file path=ppt/slides/slide45.xml><?xml version="1.0" encoding="utf-8"?>
 <p:sld xmlns:a="http://schemas.openxmlformats.org/drawingml/2006/main" xmlns:r="http://schemas.openxmlformats.org/officeDocument/2006/relationships" xmlns:p="http://schemas.openxmlformats.org/presentationml/2006/main">
   <p:cSld>
     <p:spTree>
@@ -43272,15 +43624,7 @@
             <a:pPr lvl="2"/>
             <a:r>
               <a:rPr lang="de-DE" dirty="0"/>
-              <a:t>Forschung (</a:t>
-            </a:r>
-            <a:r>
-              <a:rPr lang="de-DE" dirty="0" err="1"/>
-              <a:t>Nowak,Gönnenwein</a:t>
-            </a:r>
-            <a:r>
-              <a:rPr lang="de-DE" dirty="0"/>
-              <a:t>, </a:t>
+              <a:t>Forschung (Nowak, Gönnenwein, </a:t>
             </a:r>
             <a:r>
               <a:rPr lang="de-DE" dirty="0" err="1"/>
@@ -44950,16 +45294,6 @@
             <a:r>
               <a:rPr lang="de-DE" dirty="0"/>
               <a:t>Wechselwirkender Magnetismus</a:t>
-            </a:r>
-          </a:p>
-          <a:p>
-            <a:endParaRPr lang="de-DE" dirty="0"/>
-          </a:p>
-          <a:p>
-            <a:pPr lvl="2"/>
-            <a:r>
-              <a:rPr lang="de-DE" dirty="0"/>
-              <a:t>Ausrichtung auch ohne externes Feld</a:t>
             </a:r>
           </a:p>
           <a:p>
